--- a/ft.pptx
+++ b/ft.pptx
@@ -2284,7 +2284,7 @@
                         <a:buNone/>
                       </a:pPr>
                       <a:r>
-                        <a:rPr sz="1100" b="1">
+                        <a:rPr cap="none" sz="1100" i="0" b="1" u="none">
                           <a:solidFill>
                             <a:srgbClr val="000000">
                               <a:alpha val="100000"/>
@@ -2299,39 +2299,36 @@
                       </a:r>
                     </a:p>
                   </a:txBody>
-                  <a:tcPr anchor="ctr" marB="0" marT="0" marR="0" marL="0">
-                    <a:lnL w="0" cmpd="sng" algn="ctr" cap="flat">
-                      <a:solidFill>
-                        <a:srgbClr val="FFFFFF">
-                          <a:alpha val="0"/>
-                        </a:srgbClr>
-                      </a:solidFill>
-                      <a:prstDash val="solid"/>
-                    </a:lnL>
-                    <a:lnR w="0" cmpd="sng" algn="ctr" cap="flat">
-                      <a:solidFill>
-                        <a:srgbClr val="FFFFFF">
-                          <a:alpha val="0"/>
-                        </a:srgbClr>
-                      </a:solidFill>
-                      <a:prstDash val="solid"/>
-                    </a:lnR>
-                    <a:lnT w="25400" cmpd="sng" algn="ctr" cap="flat">
-                      <a:solidFill>
-                        <a:srgbClr val="666666">
-                          <a:alpha val="100000"/>
-                        </a:srgbClr>
-                      </a:solidFill>
-                      <a:prstDash val="solid"/>
-                    </a:lnT>
-                    <a:lnB w="6350" cmpd="sng" algn="ctr" cap="flat">
-                      <a:solidFill>
-                        <a:srgbClr val="666666">
-                          <a:alpha val="100000"/>
-                        </a:srgbClr>
-                      </a:solidFill>
-                      <a:prstDash val="solid"/>
-                    </a:lnB>
+                  <a:tcPr anchor="ctr" marB="63500" marT="63500" marR="0" marL="0">
+                    <a:lnL algn="ctr" cmpd="sng" cap="flat" w="0">
+                      <a:noFill/>
+                      <a:prstDash val="solid"/>
+                    </a:lnL>
+                    <a:lnR algn="ctr" cmpd="sng" cap="flat" w="0">
+                      <a:noFill/>
+                      <a:prstDash val="solid"/>
+                    </a:lnR>
+                    <a:lnT algn="ctr" cmpd="sng" cap="flat" w="25400">
+                      <a:solidFill>
+                        <a:srgbClr val="666666">
+                          <a:alpha val="100000"/>
+                        </a:srgbClr>
+                      </a:solidFill>
+                      <a:prstDash val="solid"/>
+                    </a:lnT>
+                    <a:lnB algn="ctr" cmpd="sng" cap="flat" w="6350">
+                      <a:solidFill>
+                        <a:srgbClr val="666666">
+                          <a:alpha val="100000"/>
+                        </a:srgbClr>
+                      </a:solidFill>
+                      <a:prstDash val="solid"/>
+                    </a:lnB>
+                    <a:solidFill>
+                      <a:srgbClr val="FFFFFF">
+                        <a:alpha val="0"/>
+                      </a:srgbClr>
+                    </a:solidFill>
                   </a:tcPr>
                 </a:tc>
                 <a:tc hMerge="true">
@@ -2352,7 +2349,7 @@
                         <a:buNone/>
                       </a:pPr>
                       <a:r>
-                        <a:rPr sz="1100" b="1">
+                        <a:rPr cap="none" sz="1100" i="0" b="1" u="none">
                           <a:solidFill>
                             <a:srgbClr val="000000">
                               <a:alpha val="100000"/>
@@ -2367,39 +2364,36 @@
                       </a:r>
                     </a:p>
                   </a:txBody>
-                  <a:tcPr anchor="ctr" marB="0" marT="0" marR="0" marL="0">
-                    <a:lnL w="0" cmpd="sng" algn="ctr" cap="flat">
-                      <a:solidFill>
-                        <a:srgbClr val="FFFFFF">
-                          <a:alpha val="0"/>
-                        </a:srgbClr>
-                      </a:solidFill>
-                      <a:prstDash val="solid"/>
-                    </a:lnL>
-                    <a:lnR w="0" cmpd="sng" algn="ctr" cap="flat">
-                      <a:solidFill>
-                        <a:srgbClr val="FFFFFF">
-                          <a:alpha val="0"/>
-                        </a:srgbClr>
-                      </a:solidFill>
-                      <a:prstDash val="solid"/>
-                    </a:lnR>
-                    <a:lnT w="25400" cmpd="sng" algn="ctr" cap="flat">
-                      <a:solidFill>
-                        <a:srgbClr val="666666">
-                          <a:alpha val="100000"/>
-                        </a:srgbClr>
-                      </a:solidFill>
-                      <a:prstDash val="solid"/>
-                    </a:lnT>
-                    <a:lnB w="6350" cmpd="sng" algn="ctr" cap="flat">
-                      <a:solidFill>
-                        <a:srgbClr val="666666">
-                          <a:alpha val="100000"/>
-                        </a:srgbClr>
-                      </a:solidFill>
-                      <a:prstDash val="solid"/>
-                    </a:lnB>
+                  <a:tcPr anchor="ctr" marB="63500" marT="63500" marR="0" marL="0">
+                    <a:lnL algn="ctr" cmpd="sng" cap="flat" w="0">
+                      <a:noFill/>
+                      <a:prstDash val="solid"/>
+                    </a:lnL>
+                    <a:lnR algn="ctr" cmpd="sng" cap="flat" w="0">
+                      <a:noFill/>
+                      <a:prstDash val="solid"/>
+                    </a:lnR>
+                    <a:lnT algn="ctr" cmpd="sng" cap="flat" w="25400">
+                      <a:solidFill>
+                        <a:srgbClr val="666666">
+                          <a:alpha val="100000"/>
+                        </a:srgbClr>
+                      </a:solidFill>
+                      <a:prstDash val="solid"/>
+                    </a:lnT>
+                    <a:lnB algn="ctr" cmpd="sng" cap="flat" w="6350">
+                      <a:solidFill>
+                        <a:srgbClr val="666666">
+                          <a:alpha val="100000"/>
+                        </a:srgbClr>
+                      </a:solidFill>
+                      <a:prstDash val="solid"/>
+                    </a:lnB>
+                    <a:solidFill>
+                      <a:srgbClr val="FFFFFF">
+                        <a:alpha val="0"/>
+                      </a:srgbClr>
+                    </a:solidFill>
                   </a:tcPr>
                 </a:tc>
                 <a:tc hMerge="true">
@@ -2420,7 +2414,7 @@
                         <a:buNone/>
                       </a:pPr>
                       <a:r>
-                        <a:rPr sz="1100" b="1">
+                        <a:rPr cap="none" sz="1100" i="0" b="1" u="none">
                           <a:solidFill>
                             <a:srgbClr val="000000">
                               <a:alpha val="100000"/>
@@ -2435,39 +2429,36 @@
                       </a:r>
                     </a:p>
                   </a:txBody>
-                  <a:tcPr anchor="ctr" marB="0" marT="0" marR="0" marL="0">
-                    <a:lnL w="0" cmpd="sng" algn="ctr" cap="flat">
-                      <a:solidFill>
-                        <a:srgbClr val="FFFFFF">
-                          <a:alpha val="0"/>
-                        </a:srgbClr>
-                      </a:solidFill>
-                      <a:prstDash val="solid"/>
-                    </a:lnL>
-                    <a:lnR w="0" cmpd="sng" algn="ctr" cap="flat">
-                      <a:solidFill>
-                        <a:srgbClr val="FFFFFF">
-                          <a:alpha val="0"/>
-                        </a:srgbClr>
-                      </a:solidFill>
-                      <a:prstDash val="solid"/>
-                    </a:lnR>
-                    <a:lnT w="25400" cmpd="sng" algn="ctr" cap="flat">
-                      <a:solidFill>
-                        <a:srgbClr val="666666">
-                          <a:alpha val="100000"/>
-                        </a:srgbClr>
-                      </a:solidFill>
-                      <a:prstDash val="solid"/>
-                    </a:lnT>
-                    <a:lnB w="6350" cmpd="sng" algn="ctr" cap="flat">
-                      <a:solidFill>
-                        <a:srgbClr val="666666">
-                          <a:alpha val="100000"/>
-                        </a:srgbClr>
-                      </a:solidFill>
-                      <a:prstDash val="solid"/>
-                    </a:lnB>
+                  <a:tcPr anchor="ctr" marB="63500" marT="63500" marR="0" marL="0">
+                    <a:lnL algn="ctr" cmpd="sng" cap="flat" w="0">
+                      <a:noFill/>
+                      <a:prstDash val="solid"/>
+                    </a:lnL>
+                    <a:lnR algn="ctr" cmpd="sng" cap="flat" w="0">
+                      <a:noFill/>
+                      <a:prstDash val="solid"/>
+                    </a:lnR>
+                    <a:lnT algn="ctr" cmpd="sng" cap="flat" w="25400">
+                      <a:solidFill>
+                        <a:srgbClr val="666666">
+                          <a:alpha val="100000"/>
+                        </a:srgbClr>
+                      </a:solidFill>
+                      <a:prstDash val="solid"/>
+                    </a:lnT>
+                    <a:lnB algn="ctr" cmpd="sng" cap="flat" w="6350">
+                      <a:solidFill>
+                        <a:srgbClr val="666666">
+                          <a:alpha val="100000"/>
+                        </a:srgbClr>
+                      </a:solidFill>
+                      <a:prstDash val="solid"/>
+                    </a:lnB>
+                    <a:solidFill>
+                      <a:srgbClr val="FFFFFF">
+                        <a:alpha val="0"/>
+                      </a:srgbClr>
+                    </a:solidFill>
                   </a:tcPr>
                 </a:tc>
                 <a:tc hMerge="true">
@@ -2488,7 +2479,7 @@
                         <a:buNone/>
                       </a:pPr>
                       <a:r>
-                        <a:rPr sz="1100" b="1">
+                        <a:rPr cap="none" sz="1100" i="0" b="1" u="none">
                           <a:solidFill>
                             <a:srgbClr val="000000">
                               <a:alpha val="100000"/>
@@ -2503,39 +2494,36 @@
                       </a:r>
                     </a:p>
                   </a:txBody>
-                  <a:tcPr anchor="ctr" marB="0" marT="0" marR="0" marL="0">
-                    <a:lnL w="0" cmpd="sng" algn="ctr" cap="flat">
-                      <a:solidFill>
-                        <a:srgbClr val="FFFFFF">
-                          <a:alpha val="0"/>
-                        </a:srgbClr>
-                      </a:solidFill>
-                      <a:prstDash val="solid"/>
-                    </a:lnL>
-                    <a:lnR w="0" cmpd="sng" algn="ctr" cap="flat">
-                      <a:solidFill>
-                        <a:srgbClr val="FFFFFF">
-                          <a:alpha val="0"/>
-                        </a:srgbClr>
-                      </a:solidFill>
-                      <a:prstDash val="solid"/>
-                    </a:lnR>
-                    <a:lnT w="25400" cmpd="sng" algn="ctr" cap="flat">
-                      <a:solidFill>
-                        <a:srgbClr val="666666">
-                          <a:alpha val="100000"/>
-                        </a:srgbClr>
-                      </a:solidFill>
-                      <a:prstDash val="solid"/>
-                    </a:lnT>
-                    <a:lnB w="6350" cmpd="sng" algn="ctr" cap="flat">
-                      <a:solidFill>
-                        <a:srgbClr val="666666">
-                          <a:alpha val="100000"/>
-                        </a:srgbClr>
-                      </a:solidFill>
-                      <a:prstDash val="solid"/>
-                    </a:lnB>
+                  <a:tcPr anchor="ctr" marB="63500" marT="63500" marR="0" marL="0">
+                    <a:lnL algn="ctr" cmpd="sng" cap="flat" w="0">
+                      <a:noFill/>
+                      <a:prstDash val="solid"/>
+                    </a:lnL>
+                    <a:lnR algn="ctr" cmpd="sng" cap="flat" w="0">
+                      <a:noFill/>
+                      <a:prstDash val="solid"/>
+                    </a:lnR>
+                    <a:lnT algn="ctr" cmpd="sng" cap="flat" w="25400">
+                      <a:solidFill>
+                        <a:srgbClr val="666666">
+                          <a:alpha val="100000"/>
+                        </a:srgbClr>
+                      </a:solidFill>
+                      <a:prstDash val="solid"/>
+                    </a:lnT>
+                    <a:lnB algn="ctr" cmpd="sng" cap="flat" w="6350">
+                      <a:solidFill>
+                        <a:srgbClr val="666666">
+                          <a:alpha val="100000"/>
+                        </a:srgbClr>
+                      </a:solidFill>
+                      <a:prstDash val="solid"/>
+                    </a:lnB>
+                    <a:solidFill>
+                      <a:srgbClr val="FFFFFF">
+                        <a:alpha val="0"/>
+                      </a:srgbClr>
+                    </a:solidFill>
                   </a:tcPr>
                 </a:tc>
                 <a:tc gridSpan="2">
@@ -2556,7 +2544,7 @@
                         <a:buNone/>
                       </a:pPr>
                       <a:r>
-                        <a:rPr sz="1100" b="1">
+                        <a:rPr cap="none" sz="1100" i="0" b="1" u="none">
                           <a:solidFill>
                             <a:srgbClr val="000000">
                               <a:alpha val="100000"/>
@@ -2571,39 +2559,36 @@
                       </a:r>
                     </a:p>
                   </a:txBody>
-                  <a:tcPr anchor="ctr" marB="0" marT="0" marR="0" marL="0">
-                    <a:lnL w="0" cmpd="sng" algn="ctr" cap="flat">
-                      <a:solidFill>
-                        <a:srgbClr val="FFFFFF">
-                          <a:alpha val="0"/>
-                        </a:srgbClr>
-                      </a:solidFill>
-                      <a:prstDash val="solid"/>
-                    </a:lnL>
-                    <a:lnR w="0" cmpd="sng" algn="ctr" cap="flat">
-                      <a:solidFill>
-                        <a:srgbClr val="FFFFFF">
-                          <a:alpha val="0"/>
-                        </a:srgbClr>
-                      </a:solidFill>
-                      <a:prstDash val="solid"/>
-                    </a:lnR>
-                    <a:lnT w="25400" cmpd="sng" algn="ctr" cap="flat">
-                      <a:solidFill>
-                        <a:srgbClr val="666666">
-                          <a:alpha val="100000"/>
-                        </a:srgbClr>
-                      </a:solidFill>
-                      <a:prstDash val="solid"/>
-                    </a:lnT>
-                    <a:lnB w="6350" cmpd="sng" algn="ctr" cap="flat">
-                      <a:solidFill>
-                        <a:srgbClr val="666666">
-                          <a:alpha val="100000"/>
-                        </a:srgbClr>
-                      </a:solidFill>
-                      <a:prstDash val="solid"/>
-                    </a:lnB>
+                  <a:tcPr anchor="ctr" marB="63500" marT="63500" marR="0" marL="0">
+                    <a:lnL algn="ctr" cmpd="sng" cap="flat" w="0">
+                      <a:noFill/>
+                      <a:prstDash val="solid"/>
+                    </a:lnL>
+                    <a:lnR algn="ctr" cmpd="sng" cap="flat" w="0">
+                      <a:noFill/>
+                      <a:prstDash val="solid"/>
+                    </a:lnR>
+                    <a:lnT algn="ctr" cmpd="sng" cap="flat" w="25400">
+                      <a:solidFill>
+                        <a:srgbClr val="666666">
+                          <a:alpha val="100000"/>
+                        </a:srgbClr>
+                      </a:solidFill>
+                      <a:prstDash val="solid"/>
+                    </a:lnT>
+                    <a:lnB algn="ctr" cmpd="sng" cap="flat" w="6350">
+                      <a:solidFill>
+                        <a:srgbClr val="666666">
+                          <a:alpha val="100000"/>
+                        </a:srgbClr>
+                      </a:solidFill>
+                      <a:prstDash val="solid"/>
+                    </a:lnB>
+                    <a:solidFill>
+                      <a:srgbClr val="FFFFFF">
+                        <a:alpha val="0"/>
+                      </a:srgbClr>
+                    </a:solidFill>
                   </a:tcPr>
                 </a:tc>
                 <a:tc hMerge="true">
@@ -2624,7 +2609,7 @@
                         <a:buNone/>
                       </a:pPr>
                       <a:r>
-                        <a:rPr sz="1100" b="1">
+                        <a:rPr cap="none" sz="1100" i="0" b="1" u="none">
                           <a:solidFill>
                             <a:srgbClr val="000000">
                               <a:alpha val="100000"/>
@@ -2639,39 +2624,36 @@
                       </a:r>
                     </a:p>
                   </a:txBody>
-                  <a:tcPr anchor="ctr" marB="0" marT="0" marR="0" marL="0">
-                    <a:lnL w="0" cmpd="sng" algn="ctr" cap="flat">
-                      <a:solidFill>
-                        <a:srgbClr val="FFFFFF">
-                          <a:alpha val="0"/>
-                        </a:srgbClr>
-                      </a:solidFill>
-                      <a:prstDash val="solid"/>
-                    </a:lnL>
-                    <a:lnR w="0" cmpd="sng" algn="ctr" cap="flat">
-                      <a:solidFill>
-                        <a:srgbClr val="FFFFFF">
-                          <a:alpha val="0"/>
-                        </a:srgbClr>
-                      </a:solidFill>
-                      <a:prstDash val="solid"/>
-                    </a:lnR>
-                    <a:lnT w="25400" cmpd="sng" algn="ctr" cap="flat">
-                      <a:solidFill>
-                        <a:srgbClr val="666666">
-                          <a:alpha val="100000"/>
-                        </a:srgbClr>
-                      </a:solidFill>
-                      <a:prstDash val="solid"/>
-                    </a:lnT>
-                    <a:lnB w="6350" cmpd="sng" algn="ctr" cap="flat">
-                      <a:solidFill>
-                        <a:srgbClr val="666666">
-                          <a:alpha val="100000"/>
-                        </a:srgbClr>
-                      </a:solidFill>
-                      <a:prstDash val="solid"/>
-                    </a:lnB>
+                  <a:tcPr anchor="ctr" marB="63500" marT="63500" marR="0" marL="0">
+                    <a:lnL algn="ctr" cmpd="sng" cap="flat" w="0">
+                      <a:noFill/>
+                      <a:prstDash val="solid"/>
+                    </a:lnL>
+                    <a:lnR algn="ctr" cmpd="sng" cap="flat" w="0">
+                      <a:noFill/>
+                      <a:prstDash val="solid"/>
+                    </a:lnR>
+                    <a:lnT algn="ctr" cmpd="sng" cap="flat" w="25400">
+                      <a:solidFill>
+                        <a:srgbClr val="666666">
+                          <a:alpha val="100000"/>
+                        </a:srgbClr>
+                      </a:solidFill>
+                      <a:prstDash val="solid"/>
+                    </a:lnT>
+                    <a:lnB algn="ctr" cmpd="sng" cap="flat" w="6350">
+                      <a:solidFill>
+                        <a:srgbClr val="666666">
+                          <a:alpha val="100000"/>
+                        </a:srgbClr>
+                      </a:solidFill>
+                      <a:prstDash val="solid"/>
+                    </a:lnB>
+                    <a:solidFill>
+                      <a:srgbClr val="FFFFFF">
+                        <a:alpha val="0"/>
+                      </a:srgbClr>
+                    </a:solidFill>
                   </a:tcPr>
                 </a:tc>
               </a:tr>
@@ -2694,7 +2676,7 @@
                         <a:buNone/>
                       </a:pPr>
                       <a:r>
-                        <a:rPr sz="1100" b="1">
+                        <a:rPr cap="none" sz="1100" i="0" b="1" u="none">
                           <a:solidFill>
                             <a:srgbClr val="000000">
                               <a:alpha val="100000"/>
@@ -2709,39 +2691,36 @@
                       </a:r>
                     </a:p>
                   </a:txBody>
-                  <a:tcPr anchor="ctr" marB="0" marT="0" marR="0" marL="0">
-                    <a:lnL w="0" cmpd="sng" algn="ctr" cap="flat">
-                      <a:solidFill>
-                        <a:srgbClr val="FFFFFF">
-                          <a:alpha val="0"/>
-                        </a:srgbClr>
-                      </a:solidFill>
-                      <a:prstDash val="solid"/>
-                    </a:lnL>
-                    <a:lnR w="0" cmpd="sng" algn="ctr" cap="flat">
-                      <a:solidFill>
-                        <a:srgbClr val="FFFFFF">
-                          <a:alpha val="0"/>
-                        </a:srgbClr>
-                      </a:solidFill>
-                      <a:prstDash val="solid"/>
-                    </a:lnR>
-                    <a:lnT w="6350" cmpd="sng" algn="ctr" cap="flat">
-                      <a:solidFill>
-                        <a:srgbClr val="666666">
-                          <a:alpha val="100000"/>
-                        </a:srgbClr>
-                      </a:solidFill>
-                      <a:prstDash val="solid"/>
-                    </a:lnT>
-                    <a:lnB w="25400" cmpd="sng" algn="ctr" cap="flat">
-                      <a:solidFill>
-                        <a:srgbClr val="666666">
-                          <a:alpha val="100000"/>
-                        </a:srgbClr>
-                      </a:solidFill>
-                      <a:prstDash val="solid"/>
-                    </a:lnB>
+                  <a:tcPr anchor="ctr" marB="63500" marT="63500" marR="0" marL="0">
+                    <a:lnL algn="ctr" cmpd="sng" cap="flat" w="0">
+                      <a:noFill/>
+                      <a:prstDash val="solid"/>
+                    </a:lnL>
+                    <a:lnR algn="ctr" cmpd="sng" cap="flat" w="0">
+                      <a:noFill/>
+                      <a:prstDash val="solid"/>
+                    </a:lnR>
+                    <a:lnT algn="ctr" cmpd="sng" cap="flat" w="6350">
+                      <a:solidFill>
+                        <a:srgbClr val="666666">
+                          <a:alpha val="100000"/>
+                        </a:srgbClr>
+                      </a:solidFill>
+                      <a:prstDash val="solid"/>
+                    </a:lnT>
+                    <a:lnB algn="ctr" cmpd="sng" cap="flat" w="25400">
+                      <a:solidFill>
+                        <a:srgbClr val="666666">
+                          <a:alpha val="100000"/>
+                        </a:srgbClr>
+                      </a:solidFill>
+                      <a:prstDash val="solid"/>
+                    </a:lnB>
+                    <a:solidFill>
+                      <a:srgbClr val="FFFFFF">
+                        <a:alpha val="0"/>
+                      </a:srgbClr>
+                    </a:solidFill>
                   </a:tcPr>
                 </a:tc>
                 <a:tc>
@@ -2762,7 +2741,7 @@
                         <a:buNone/>
                       </a:pPr>
                       <a:r>
-                        <a:rPr sz="1100" b="1">
+                        <a:rPr cap="none" sz="1100" i="0" b="1" u="none">
                           <a:solidFill>
                             <a:srgbClr val="000000">
                               <a:alpha val="100000"/>
@@ -2777,39 +2756,36 @@
                       </a:r>
                     </a:p>
                   </a:txBody>
-                  <a:tcPr anchor="ctr" marB="0" marT="0" marR="0" marL="0">
-                    <a:lnL w="0" cmpd="sng" algn="ctr" cap="flat">
-                      <a:solidFill>
-                        <a:srgbClr val="FFFFFF">
-                          <a:alpha val="0"/>
-                        </a:srgbClr>
-                      </a:solidFill>
-                      <a:prstDash val="solid"/>
-                    </a:lnL>
-                    <a:lnR w="0" cmpd="sng" algn="ctr" cap="flat">
-                      <a:solidFill>
-                        <a:srgbClr val="FFFFFF">
-                          <a:alpha val="0"/>
-                        </a:srgbClr>
-                      </a:solidFill>
-                      <a:prstDash val="solid"/>
-                    </a:lnR>
-                    <a:lnT w="6350" cmpd="sng" algn="ctr" cap="flat">
-                      <a:solidFill>
-                        <a:srgbClr val="666666">
-                          <a:alpha val="100000"/>
-                        </a:srgbClr>
-                      </a:solidFill>
-                      <a:prstDash val="solid"/>
-                    </a:lnT>
-                    <a:lnB w="25400" cmpd="sng" algn="ctr" cap="flat">
-                      <a:solidFill>
-                        <a:srgbClr val="666666">
-                          <a:alpha val="100000"/>
-                        </a:srgbClr>
-                      </a:solidFill>
-                      <a:prstDash val="solid"/>
-                    </a:lnB>
+                  <a:tcPr anchor="ctr" marB="63500" marT="63500" marR="0" marL="0">
+                    <a:lnL algn="ctr" cmpd="sng" cap="flat" w="0">
+                      <a:noFill/>
+                      <a:prstDash val="solid"/>
+                    </a:lnL>
+                    <a:lnR algn="ctr" cmpd="sng" cap="flat" w="0">
+                      <a:noFill/>
+                      <a:prstDash val="solid"/>
+                    </a:lnR>
+                    <a:lnT algn="ctr" cmpd="sng" cap="flat" w="6350">
+                      <a:solidFill>
+                        <a:srgbClr val="666666">
+                          <a:alpha val="100000"/>
+                        </a:srgbClr>
+                      </a:solidFill>
+                      <a:prstDash val="solid"/>
+                    </a:lnT>
+                    <a:lnB algn="ctr" cmpd="sng" cap="flat" w="25400">
+                      <a:solidFill>
+                        <a:srgbClr val="666666">
+                          <a:alpha val="100000"/>
+                        </a:srgbClr>
+                      </a:solidFill>
+                      <a:prstDash val="solid"/>
+                    </a:lnB>
+                    <a:solidFill>
+                      <a:srgbClr val="FFFFFF">
+                        <a:alpha val="0"/>
+                      </a:srgbClr>
+                    </a:solidFill>
                   </a:tcPr>
                 </a:tc>
                 <a:tc>
@@ -2830,7 +2806,7 @@
                         <a:buNone/>
                       </a:pPr>
                       <a:r>
-                        <a:rPr sz="1100" b="1">
+                        <a:rPr cap="none" sz="1100" i="0" b="1" u="none">
                           <a:solidFill>
                             <a:srgbClr val="000000">
                               <a:alpha val="100000"/>
@@ -2845,39 +2821,36 @@
                       </a:r>
                     </a:p>
                   </a:txBody>
-                  <a:tcPr anchor="ctr" marB="0" marT="0" marR="0" marL="0">
-                    <a:lnL w="0" cmpd="sng" algn="ctr" cap="flat">
-                      <a:solidFill>
-                        <a:srgbClr val="FFFFFF">
-                          <a:alpha val="0"/>
-                        </a:srgbClr>
-                      </a:solidFill>
-                      <a:prstDash val="solid"/>
-                    </a:lnL>
-                    <a:lnR w="0" cmpd="sng" algn="ctr" cap="flat">
-                      <a:solidFill>
-                        <a:srgbClr val="FFFFFF">
-                          <a:alpha val="0"/>
-                        </a:srgbClr>
-                      </a:solidFill>
-                      <a:prstDash val="solid"/>
-                    </a:lnR>
-                    <a:lnT w="6350" cmpd="sng" algn="ctr" cap="flat">
-                      <a:solidFill>
-                        <a:srgbClr val="666666">
-                          <a:alpha val="100000"/>
-                        </a:srgbClr>
-                      </a:solidFill>
-                      <a:prstDash val="solid"/>
-                    </a:lnT>
-                    <a:lnB w="25400" cmpd="sng" algn="ctr" cap="flat">
-                      <a:solidFill>
-                        <a:srgbClr val="666666">
-                          <a:alpha val="100000"/>
-                        </a:srgbClr>
-                      </a:solidFill>
-                      <a:prstDash val="solid"/>
-                    </a:lnB>
+                  <a:tcPr anchor="ctr" marB="63500" marT="63500" marR="0" marL="0">
+                    <a:lnL algn="ctr" cmpd="sng" cap="flat" w="0">
+                      <a:noFill/>
+                      <a:prstDash val="solid"/>
+                    </a:lnL>
+                    <a:lnR algn="ctr" cmpd="sng" cap="flat" w="0">
+                      <a:noFill/>
+                      <a:prstDash val="solid"/>
+                    </a:lnR>
+                    <a:lnT algn="ctr" cmpd="sng" cap="flat" w="6350">
+                      <a:solidFill>
+                        <a:srgbClr val="666666">
+                          <a:alpha val="100000"/>
+                        </a:srgbClr>
+                      </a:solidFill>
+                      <a:prstDash val="solid"/>
+                    </a:lnT>
+                    <a:lnB algn="ctr" cmpd="sng" cap="flat" w="25400">
+                      <a:solidFill>
+                        <a:srgbClr val="666666">
+                          <a:alpha val="100000"/>
+                        </a:srgbClr>
+                      </a:solidFill>
+                      <a:prstDash val="solid"/>
+                    </a:lnB>
+                    <a:solidFill>
+                      <a:srgbClr val="FFFFFF">
+                        <a:alpha val="0"/>
+                      </a:srgbClr>
+                    </a:solidFill>
                   </a:tcPr>
                 </a:tc>
                 <a:tc>
@@ -2898,7 +2871,7 @@
                         <a:buNone/>
                       </a:pPr>
                       <a:r>
-                        <a:rPr sz="1100" b="1">
+                        <a:rPr cap="none" sz="1100" i="0" b="1" u="none">
                           <a:solidFill>
                             <a:srgbClr val="000000">
                               <a:alpha val="100000"/>
@@ -2913,39 +2886,36 @@
                       </a:r>
                     </a:p>
                   </a:txBody>
-                  <a:tcPr anchor="ctr" marB="0" marT="0" marR="0" marL="0">
-                    <a:lnL w="0" cmpd="sng" algn="ctr" cap="flat">
-                      <a:solidFill>
-                        <a:srgbClr val="FFFFFF">
-                          <a:alpha val="0"/>
-                        </a:srgbClr>
-                      </a:solidFill>
-                      <a:prstDash val="solid"/>
-                    </a:lnL>
-                    <a:lnR w="0" cmpd="sng" algn="ctr" cap="flat">
-                      <a:solidFill>
-                        <a:srgbClr val="FFFFFF">
-                          <a:alpha val="0"/>
-                        </a:srgbClr>
-                      </a:solidFill>
-                      <a:prstDash val="solid"/>
-                    </a:lnR>
-                    <a:lnT w="6350" cmpd="sng" algn="ctr" cap="flat">
-                      <a:solidFill>
-                        <a:srgbClr val="666666">
-                          <a:alpha val="100000"/>
-                        </a:srgbClr>
-                      </a:solidFill>
-                      <a:prstDash val="solid"/>
-                    </a:lnT>
-                    <a:lnB w="25400" cmpd="sng" algn="ctr" cap="flat">
-                      <a:solidFill>
-                        <a:srgbClr val="666666">
-                          <a:alpha val="100000"/>
-                        </a:srgbClr>
-                      </a:solidFill>
-                      <a:prstDash val="solid"/>
-                    </a:lnB>
+                  <a:tcPr anchor="ctr" marB="63500" marT="63500" marR="0" marL="0">
+                    <a:lnL algn="ctr" cmpd="sng" cap="flat" w="0">
+                      <a:noFill/>
+                      <a:prstDash val="solid"/>
+                    </a:lnL>
+                    <a:lnR algn="ctr" cmpd="sng" cap="flat" w="0">
+                      <a:noFill/>
+                      <a:prstDash val="solid"/>
+                    </a:lnR>
+                    <a:lnT algn="ctr" cmpd="sng" cap="flat" w="6350">
+                      <a:solidFill>
+                        <a:srgbClr val="666666">
+                          <a:alpha val="100000"/>
+                        </a:srgbClr>
+                      </a:solidFill>
+                      <a:prstDash val="solid"/>
+                    </a:lnT>
+                    <a:lnB algn="ctr" cmpd="sng" cap="flat" w="25400">
+                      <a:solidFill>
+                        <a:srgbClr val="666666">
+                          <a:alpha val="100000"/>
+                        </a:srgbClr>
+                      </a:solidFill>
+                      <a:prstDash val="solid"/>
+                    </a:lnB>
+                    <a:solidFill>
+                      <a:srgbClr val="FFFFFF">
+                        <a:alpha val="0"/>
+                      </a:srgbClr>
+                    </a:solidFill>
                   </a:tcPr>
                 </a:tc>
                 <a:tc>
@@ -2966,7 +2936,7 @@
                         <a:buNone/>
                       </a:pPr>
                       <a:r>
-                        <a:rPr sz="1100" b="1">
+                        <a:rPr cap="none" sz="1100" i="0" b="1" u="none">
                           <a:solidFill>
                             <a:srgbClr val="000000">
                               <a:alpha val="100000"/>
@@ -2981,39 +2951,36 @@
                       </a:r>
                     </a:p>
                   </a:txBody>
-                  <a:tcPr anchor="ctr" marB="0" marT="0" marR="0" marL="0">
-                    <a:lnL w="0" cmpd="sng" algn="ctr" cap="flat">
-                      <a:solidFill>
-                        <a:srgbClr val="FFFFFF">
-                          <a:alpha val="0"/>
-                        </a:srgbClr>
-                      </a:solidFill>
-                      <a:prstDash val="solid"/>
-                    </a:lnL>
-                    <a:lnR w="0" cmpd="sng" algn="ctr" cap="flat">
-                      <a:solidFill>
-                        <a:srgbClr val="FFFFFF">
-                          <a:alpha val="0"/>
-                        </a:srgbClr>
-                      </a:solidFill>
-                      <a:prstDash val="solid"/>
-                    </a:lnR>
-                    <a:lnT w="6350" cmpd="sng" algn="ctr" cap="flat">
-                      <a:solidFill>
-                        <a:srgbClr val="666666">
-                          <a:alpha val="100000"/>
-                        </a:srgbClr>
-                      </a:solidFill>
-                      <a:prstDash val="solid"/>
-                    </a:lnT>
-                    <a:lnB w="25400" cmpd="sng" algn="ctr" cap="flat">
-                      <a:solidFill>
-                        <a:srgbClr val="666666">
-                          <a:alpha val="100000"/>
-                        </a:srgbClr>
-                      </a:solidFill>
-                      <a:prstDash val="solid"/>
-                    </a:lnB>
+                  <a:tcPr anchor="ctr" marB="63500" marT="63500" marR="0" marL="0">
+                    <a:lnL algn="ctr" cmpd="sng" cap="flat" w="0">
+                      <a:noFill/>
+                      <a:prstDash val="solid"/>
+                    </a:lnL>
+                    <a:lnR algn="ctr" cmpd="sng" cap="flat" w="0">
+                      <a:noFill/>
+                      <a:prstDash val="solid"/>
+                    </a:lnR>
+                    <a:lnT algn="ctr" cmpd="sng" cap="flat" w="6350">
+                      <a:solidFill>
+                        <a:srgbClr val="666666">
+                          <a:alpha val="100000"/>
+                        </a:srgbClr>
+                      </a:solidFill>
+                      <a:prstDash val="solid"/>
+                    </a:lnT>
+                    <a:lnB algn="ctr" cmpd="sng" cap="flat" w="25400">
+                      <a:solidFill>
+                        <a:srgbClr val="666666">
+                          <a:alpha val="100000"/>
+                        </a:srgbClr>
+                      </a:solidFill>
+                      <a:prstDash val="solid"/>
+                    </a:lnB>
+                    <a:solidFill>
+                      <a:srgbClr val="FFFFFF">
+                        <a:alpha val="0"/>
+                      </a:srgbClr>
+                    </a:solidFill>
                   </a:tcPr>
                 </a:tc>
                 <a:tc>
@@ -3034,7 +3001,7 @@
                         <a:buNone/>
                       </a:pPr>
                       <a:r>
-                        <a:rPr sz="1100" b="1">
+                        <a:rPr cap="none" sz="1100" i="0" b="1" u="none">
                           <a:solidFill>
                             <a:srgbClr val="000000">
                               <a:alpha val="100000"/>
@@ -3049,39 +3016,36 @@
                       </a:r>
                     </a:p>
                   </a:txBody>
-                  <a:tcPr anchor="ctr" marB="0" marT="0" marR="0" marL="0">
-                    <a:lnL w="0" cmpd="sng" algn="ctr" cap="flat">
-                      <a:solidFill>
-                        <a:srgbClr val="FFFFFF">
-                          <a:alpha val="0"/>
-                        </a:srgbClr>
-                      </a:solidFill>
-                      <a:prstDash val="solid"/>
-                    </a:lnL>
-                    <a:lnR w="0" cmpd="sng" algn="ctr" cap="flat">
-                      <a:solidFill>
-                        <a:srgbClr val="FFFFFF">
-                          <a:alpha val="0"/>
-                        </a:srgbClr>
-                      </a:solidFill>
-                      <a:prstDash val="solid"/>
-                    </a:lnR>
-                    <a:lnT w="6350" cmpd="sng" algn="ctr" cap="flat">
-                      <a:solidFill>
-                        <a:srgbClr val="666666">
-                          <a:alpha val="100000"/>
-                        </a:srgbClr>
-                      </a:solidFill>
-                      <a:prstDash val="solid"/>
-                    </a:lnT>
-                    <a:lnB w="25400" cmpd="sng" algn="ctr" cap="flat">
-                      <a:solidFill>
-                        <a:srgbClr val="666666">
-                          <a:alpha val="100000"/>
-                        </a:srgbClr>
-                      </a:solidFill>
-                      <a:prstDash val="solid"/>
-                    </a:lnB>
+                  <a:tcPr anchor="ctr" marB="63500" marT="63500" marR="0" marL="0">
+                    <a:lnL algn="ctr" cmpd="sng" cap="flat" w="0">
+                      <a:noFill/>
+                      <a:prstDash val="solid"/>
+                    </a:lnL>
+                    <a:lnR algn="ctr" cmpd="sng" cap="flat" w="0">
+                      <a:noFill/>
+                      <a:prstDash val="solid"/>
+                    </a:lnR>
+                    <a:lnT algn="ctr" cmpd="sng" cap="flat" w="6350">
+                      <a:solidFill>
+                        <a:srgbClr val="666666">
+                          <a:alpha val="100000"/>
+                        </a:srgbClr>
+                      </a:solidFill>
+                      <a:prstDash val="solid"/>
+                    </a:lnT>
+                    <a:lnB algn="ctr" cmpd="sng" cap="flat" w="25400">
+                      <a:solidFill>
+                        <a:srgbClr val="666666">
+                          <a:alpha val="100000"/>
+                        </a:srgbClr>
+                      </a:solidFill>
+                      <a:prstDash val="solid"/>
+                    </a:lnB>
+                    <a:solidFill>
+                      <a:srgbClr val="FFFFFF">
+                        <a:alpha val="0"/>
+                      </a:srgbClr>
+                    </a:solidFill>
                   </a:tcPr>
                 </a:tc>
               </a:tr>
@@ -3104,7 +3068,7 @@
                         <a:buNone/>
                       </a:pPr>
                       <a:r>
-                        <a:rPr sz="1100">
+                        <a:rPr cap="none" sz="1100" i="0" b="0" u="none">
                           <a:solidFill>
                             <a:srgbClr val="000000">
                               <a:alpha val="100000"/>
@@ -3115,43 +3079,97 @@
                           <a:ea typeface="Helvetica"/>
                           <a:sym typeface="Helvetica"/>
                         </a:rPr>
+                        <a:t>8</a:t>
+                      </a:r>
+                    </a:p>
+                  </a:txBody>
+                  <a:tcPr anchor="ctr" marB="63500" marT="63500" marR="0" marL="0">
+                    <a:lnL algn="ctr" cmpd="sng" cap="flat" w="0">
+                      <a:noFill/>
+                      <a:prstDash val="solid"/>
+                    </a:lnL>
+                    <a:lnR algn="ctr" cmpd="sng" cap="flat" w="0">
+                      <a:noFill/>
+                      <a:prstDash val="solid"/>
+                    </a:lnR>
+                    <a:lnT algn="ctr" cmpd="sng" cap="flat" w="0">
+                      <a:noFill/>
+                      <a:prstDash val="solid"/>
+                    </a:lnT>
+                    <a:lnB algn="ctr" cmpd="sng" cap="flat" w="6350">
+                      <a:solidFill>
+                        <a:srgbClr val="666666">
+                          <a:alpha val="100000"/>
+                        </a:srgbClr>
+                      </a:solidFill>
+                      <a:prstDash val="solid"/>
+                    </a:lnB>
+                    <a:solidFill>
+                      <a:srgbClr val="FFFFFF">
+                        <a:alpha val="0"/>
+                      </a:srgbClr>
+                    </a:solidFill>
+                  </a:tcPr>
+                </a:tc>
+                <a:tc>
+                  <a:txBody>
+                    <a:bodyPr/>
+                    <a:lstStyle/>
+                    <a:p>
+                      <a:pPr algn="r" marL="63500" marR="63500">
+                        <a:lnSpc>
+                          <a:spcPct val="100000"/>
+                        </a:lnSpc>
+                        <a:spcBef>
+                          <a:spcPts val="500"/>
+                        </a:spcBef>
+                        <a:spcAft>
+                          <a:spcPts val="500"/>
+                        </a:spcAft>
+                        <a:buNone/>
+                      </a:pPr>
+                      <a:r>
+                        <a:rPr cap="none" sz="1100" i="0" b="0" u="none">
+                          <a:solidFill>
+                            <a:srgbClr val="000000">
+                              <a:alpha val="100000"/>
+                            </a:srgbClr>
+                          </a:solidFill>
+                          <a:latin typeface="Helvetica"/>
+                          <a:cs typeface="Helvetica"/>
+                          <a:ea typeface="Helvetica"/>
+                          <a:sym typeface="Helvetica"/>
+                        </a:rPr>
                         <a:t>19</a:t>
                       </a:r>
                     </a:p>
                   </a:txBody>
-                  <a:tcPr anchor="ctr" marB="0" marT="0" marR="0" marL="0">
-                    <a:lnL w="0" cmpd="sng" algn="ctr" cap="flat">
-                      <a:solidFill>
-                        <a:srgbClr val="FFFFFF">
-                          <a:alpha val="0"/>
-                        </a:srgbClr>
-                      </a:solidFill>
-                      <a:prstDash val="solid"/>
-                    </a:lnL>
-                    <a:lnR w="0" cmpd="sng" algn="ctr" cap="flat">
-                      <a:solidFill>
-                        <a:srgbClr val="FFFFFF">
-                          <a:alpha val="0"/>
-                        </a:srgbClr>
-                      </a:solidFill>
-                      <a:prstDash val="solid"/>
-                    </a:lnR>
-                    <a:lnT w="0" cmpd="sng" algn="ctr" cap="flat">
-                      <a:solidFill>
-                        <a:srgbClr val="FFFFFF">
-                          <a:alpha val="0"/>
-                        </a:srgbClr>
-                      </a:solidFill>
-                      <a:prstDash val="solid"/>
-                    </a:lnT>
-                    <a:lnB w="6350" cmpd="sng" algn="ctr" cap="flat">
-                      <a:solidFill>
-                        <a:srgbClr val="666666">
-                          <a:alpha val="100000"/>
-                        </a:srgbClr>
-                      </a:solidFill>
-                      <a:prstDash val="solid"/>
-                    </a:lnB>
+                  <a:tcPr anchor="ctr" marB="63500" marT="63500" marR="0" marL="0">
+                    <a:lnL algn="ctr" cmpd="sng" cap="flat" w="0">
+                      <a:noFill/>
+                      <a:prstDash val="solid"/>
+                    </a:lnL>
+                    <a:lnR algn="ctr" cmpd="sng" cap="flat" w="0">
+                      <a:noFill/>
+                      <a:prstDash val="solid"/>
+                    </a:lnR>
+                    <a:lnT algn="ctr" cmpd="sng" cap="flat" w="0">
+                      <a:noFill/>
+                      <a:prstDash val="solid"/>
+                    </a:lnT>
+                    <a:lnB algn="ctr" cmpd="sng" cap="flat" w="6350">
+                      <a:solidFill>
+                        <a:srgbClr val="666666">
+                          <a:alpha val="100000"/>
+                        </a:srgbClr>
+                      </a:solidFill>
+                      <a:prstDash val="solid"/>
+                    </a:lnB>
+                    <a:solidFill>
+                      <a:srgbClr val="FFFFFF">
+                        <a:alpha val="0"/>
+                      </a:srgbClr>
+                    </a:solidFill>
                   </a:tcPr>
                 </a:tc>
                 <a:tc>
@@ -3172,7 +3190,7 @@
                         <a:buNone/>
                       </a:pPr>
                       <a:r>
-                        <a:rPr sz="1100">
+                        <a:rPr cap="none" sz="1100" i="0" b="0" u="none">
                           <a:solidFill>
                             <a:srgbClr val="000000">
                               <a:alpha val="100000"/>
@@ -3183,43 +3201,36 @@
                           <a:ea typeface="Helvetica"/>
                           <a:sym typeface="Helvetica"/>
                         </a:rPr>
-                        <a:t>99</a:t>
-                      </a:r>
-                    </a:p>
-                  </a:txBody>
-                  <a:tcPr anchor="ctr" marB="0" marT="0" marR="0" marL="0">
-                    <a:lnL w="0" cmpd="sng" algn="ctr" cap="flat">
-                      <a:solidFill>
-                        <a:srgbClr val="FFFFFF">
-                          <a:alpha val="0"/>
-                        </a:srgbClr>
-                      </a:solidFill>
-                      <a:prstDash val="solid"/>
-                    </a:lnL>
-                    <a:lnR w="0" cmpd="sng" algn="ctr" cap="flat">
-                      <a:solidFill>
-                        <a:srgbClr val="FFFFFF">
-                          <a:alpha val="0"/>
-                        </a:srgbClr>
-                      </a:solidFill>
-                      <a:prstDash val="solid"/>
-                    </a:lnR>
-                    <a:lnT w="0" cmpd="sng" algn="ctr" cap="flat">
-                      <a:solidFill>
-                        <a:srgbClr val="FFFFFF">
-                          <a:alpha val="0"/>
-                        </a:srgbClr>
-                      </a:solidFill>
-                      <a:prstDash val="solid"/>
-                    </a:lnT>
-                    <a:lnB w="6350" cmpd="sng" algn="ctr" cap="flat">
-                      <a:solidFill>
-                        <a:srgbClr val="666666">
-                          <a:alpha val="100000"/>
-                        </a:srgbClr>
-                      </a:solidFill>
-                      <a:prstDash val="solid"/>
-                    </a:lnB>
+                        <a:t>20.1</a:t>
+                      </a:r>
+                    </a:p>
+                  </a:txBody>
+                  <a:tcPr anchor="ctr" marB="63500" marT="63500" marR="0" marL="0">
+                    <a:lnL algn="ctr" cmpd="sng" cap="flat" w="0">
+                      <a:noFill/>
+                      <a:prstDash val="solid"/>
+                    </a:lnL>
+                    <a:lnR algn="ctr" cmpd="sng" cap="flat" w="0">
+                      <a:noFill/>
+                      <a:prstDash val="solid"/>
+                    </a:lnR>
+                    <a:lnT algn="ctr" cmpd="sng" cap="flat" w="0">
+                      <a:noFill/>
+                      <a:prstDash val="solid"/>
+                    </a:lnT>
+                    <a:lnB algn="ctr" cmpd="sng" cap="flat" w="6350">
+                      <a:solidFill>
+                        <a:srgbClr val="666666">
+                          <a:alpha val="100000"/>
+                        </a:srgbClr>
+                      </a:solidFill>
+                      <a:prstDash val="solid"/>
+                    </a:lnB>
+                    <a:solidFill>
+                      <a:srgbClr val="FFFFFF">
+                        <a:alpha val="0"/>
+                      </a:srgbClr>
+                    </a:solidFill>
                   </a:tcPr>
                 </a:tc>
                 <a:tc>
@@ -3240,7 +3251,7 @@
                         <a:buNone/>
                       </a:pPr>
                       <a:r>
-                        <a:rPr sz="1100">
+                        <a:rPr cap="none" sz="1100" i="0" b="0" u="none">
                           <a:solidFill>
                             <a:srgbClr val="000000">
                               <a:alpha val="100000"/>
@@ -3251,43 +3262,36 @@
                           <a:ea typeface="Helvetica"/>
                           <a:sym typeface="Helvetica"/>
                         </a:rPr>
-                        <a:t>13.8</a:t>
-                      </a:r>
-                    </a:p>
-                  </a:txBody>
-                  <a:tcPr anchor="ctr" marB="0" marT="0" marR="0" marL="0">
-                    <a:lnL w="0" cmpd="sng" algn="ctr" cap="flat">
-                      <a:solidFill>
-                        <a:srgbClr val="FFFFFF">
-                          <a:alpha val="0"/>
-                        </a:srgbClr>
-                      </a:solidFill>
-                      <a:prstDash val="solid"/>
-                    </a:lnL>
-                    <a:lnR w="0" cmpd="sng" algn="ctr" cap="flat">
-                      <a:solidFill>
-                        <a:srgbClr val="FFFFFF">
-                          <a:alpha val="0"/>
-                        </a:srgbClr>
-                      </a:solidFill>
-                      <a:prstDash val="solid"/>
-                    </a:lnR>
-                    <a:lnT w="0" cmpd="sng" algn="ctr" cap="flat">
-                      <a:solidFill>
-                        <a:srgbClr val="FFFFFF">
-                          <a:alpha val="0"/>
-                        </a:srgbClr>
-                      </a:solidFill>
-                      <a:prstDash val="solid"/>
-                    </a:lnT>
-                    <a:lnB w="6350" cmpd="sng" algn="ctr" cap="flat">
-                      <a:solidFill>
-                        <a:srgbClr val="666666">
-                          <a:alpha val="100000"/>
-                        </a:srgbClr>
-                      </a:solidFill>
-                      <a:prstDash val="solid"/>
-                    </a:lnB>
+                        <a:t>61</a:t>
+                      </a:r>
+                    </a:p>
+                  </a:txBody>
+                  <a:tcPr anchor="ctr" marB="63500" marT="63500" marR="0" marL="0">
+                    <a:lnL algn="ctr" cmpd="sng" cap="flat" w="0">
+                      <a:noFill/>
+                      <a:prstDash val="solid"/>
+                    </a:lnL>
+                    <a:lnR algn="ctr" cmpd="sng" cap="flat" w="0">
+                      <a:noFill/>
+                      <a:prstDash val="solid"/>
+                    </a:lnR>
+                    <a:lnT algn="ctr" cmpd="sng" cap="flat" w="0">
+                      <a:noFill/>
+                      <a:prstDash val="solid"/>
+                    </a:lnT>
+                    <a:lnB algn="ctr" cmpd="sng" cap="flat" w="6350">
+                      <a:solidFill>
+                        <a:srgbClr val="666666">
+                          <a:alpha val="100000"/>
+                        </a:srgbClr>
+                      </a:solidFill>
+                      <a:prstDash val="solid"/>
+                    </a:lnB>
+                    <a:solidFill>
+                      <a:srgbClr val="FFFFFF">
+                        <a:alpha val="0"/>
+                      </a:srgbClr>
+                    </a:solidFill>
                   </a:tcPr>
                 </a:tc>
                 <a:tc>
@@ -3308,7 +3312,7 @@
                         <a:buNone/>
                       </a:pPr>
                       <a:r>
-                        <a:rPr sz="1100">
+                        <a:rPr cap="none" sz="1100" i="0" b="0" u="none">
                           <a:solidFill>
                             <a:srgbClr val="000000">
                               <a:alpha val="100000"/>
@@ -3319,43 +3323,36 @@
                           <a:ea typeface="Helvetica"/>
                           <a:sym typeface="Helvetica"/>
                         </a:rPr>
-                        <a:t>59</a:t>
-                      </a:r>
-                    </a:p>
-                  </a:txBody>
-                  <a:tcPr anchor="ctr" marB="0" marT="0" marR="0" marL="0">
-                    <a:lnL w="0" cmpd="sng" algn="ctr" cap="flat">
-                      <a:solidFill>
-                        <a:srgbClr val="FFFFFF">
-                          <a:alpha val="0"/>
-                        </a:srgbClr>
-                      </a:solidFill>
-                      <a:prstDash val="solid"/>
-                    </a:lnL>
-                    <a:lnR w="0" cmpd="sng" algn="ctr" cap="flat">
-                      <a:solidFill>
-                        <a:srgbClr val="FFFFFF">
-                          <a:alpha val="0"/>
-                        </a:srgbClr>
-                      </a:solidFill>
-                      <a:prstDash val="solid"/>
-                    </a:lnR>
-                    <a:lnT w="0" cmpd="sng" algn="ctr" cap="flat">
-                      <a:solidFill>
-                        <a:srgbClr val="FFFFFF">
-                          <a:alpha val="0"/>
-                        </a:srgbClr>
-                      </a:solidFill>
-                      <a:prstDash val="solid"/>
-                    </a:lnT>
-                    <a:lnB w="6350" cmpd="sng" algn="ctr" cap="flat">
-                      <a:solidFill>
-                        <a:srgbClr val="666666">
-                          <a:alpha val="100000"/>
-                        </a:srgbClr>
-                      </a:solidFill>
-                      <a:prstDash val="solid"/>
-                    </a:lnB>
+                        <a:t>5</a:t>
+                      </a:r>
+                    </a:p>
+                  </a:txBody>
+                  <a:tcPr anchor="ctr" marB="63500" marT="63500" marR="0" marL="0">
+                    <a:lnL algn="ctr" cmpd="sng" cap="flat" w="0">
+                      <a:noFill/>
+                      <a:prstDash val="solid"/>
+                    </a:lnL>
+                    <a:lnR algn="ctr" cmpd="sng" cap="flat" w="0">
+                      <a:noFill/>
+                      <a:prstDash val="solid"/>
+                    </a:lnR>
+                    <a:lnT algn="ctr" cmpd="sng" cap="flat" w="0">
+                      <a:noFill/>
+                      <a:prstDash val="solid"/>
+                    </a:lnT>
+                    <a:lnB algn="ctr" cmpd="sng" cap="flat" w="6350">
+                      <a:solidFill>
+                        <a:srgbClr val="666666">
+                          <a:alpha val="100000"/>
+                        </a:srgbClr>
+                      </a:solidFill>
+                      <a:prstDash val="solid"/>
+                    </a:lnB>
+                    <a:solidFill>
+                      <a:srgbClr val="FFFFFF">
+                        <a:alpha val="0"/>
+                      </a:srgbClr>
+                    </a:solidFill>
                   </a:tcPr>
                 </a:tc>
                 <a:tc>
@@ -3376,7 +3373,7 @@
                         <a:buNone/>
                       </a:pPr>
                       <a:r>
-                        <a:rPr sz="1100">
+                        <a:rPr cap="none" sz="1100" i="0" b="0" u="none">
                           <a:solidFill>
                             <a:srgbClr val="000000">
                               <a:alpha val="100000"/>
@@ -3387,111 +3384,36 @@
                           <a:ea typeface="Helvetica"/>
                           <a:sym typeface="Helvetica"/>
                         </a:rPr>
-                        <a:t>5</a:t>
-                      </a:r>
-                    </a:p>
-                  </a:txBody>
-                  <a:tcPr anchor="ctr" marB="0" marT="0" marR="0" marL="0">
-                    <a:lnL w="0" cmpd="sng" algn="ctr" cap="flat">
-                      <a:solidFill>
-                        <a:srgbClr val="FFFFFF">
-                          <a:alpha val="0"/>
-                        </a:srgbClr>
-                      </a:solidFill>
-                      <a:prstDash val="solid"/>
-                    </a:lnL>
-                    <a:lnR w="0" cmpd="sng" algn="ctr" cap="flat">
-                      <a:solidFill>
-                        <a:srgbClr val="FFFFFF">
-                          <a:alpha val="0"/>
-                        </a:srgbClr>
-                      </a:solidFill>
-                      <a:prstDash val="solid"/>
-                    </a:lnR>
-                    <a:lnT w="0" cmpd="sng" algn="ctr" cap="flat">
-                      <a:solidFill>
-                        <a:srgbClr val="FFFFFF">
-                          <a:alpha val="0"/>
-                        </a:srgbClr>
-                      </a:solidFill>
-                      <a:prstDash val="solid"/>
-                    </a:lnT>
-                    <a:lnB w="6350" cmpd="sng" algn="ctr" cap="flat">
-                      <a:solidFill>
-                        <a:srgbClr val="666666">
-                          <a:alpha val="100000"/>
-                        </a:srgbClr>
-                      </a:solidFill>
-                      <a:prstDash val="solid"/>
-                    </a:lnB>
-                  </a:tcPr>
-                </a:tc>
-                <a:tc>
-                  <a:txBody>
-                    <a:bodyPr/>
-                    <a:lstStyle/>
-                    <a:p>
-                      <a:pPr algn="r" marL="63500" marR="63500">
-                        <a:lnSpc>
-                          <a:spcPct val="100000"/>
-                        </a:lnSpc>
-                        <a:spcBef>
-                          <a:spcPts val="500"/>
-                        </a:spcBef>
-                        <a:spcAft>
-                          <a:spcPts val="500"/>
-                        </a:spcAft>
-                        <a:buNone/>
-                      </a:pPr>
-                      <a:r>
-                        <a:rPr sz="1100">
-                          <a:solidFill>
-                            <a:srgbClr val="000000">
-                              <a:alpha val="100000"/>
-                            </a:srgbClr>
-                          </a:solidFill>
-                          <a:latin typeface="Helvetica"/>
-                          <a:cs typeface="Helvetica"/>
-                          <a:ea typeface="Helvetica"/>
-                          <a:sym typeface="Helvetica"/>
-                        </a:rPr>
-                        <a:t>8</a:t>
-                      </a:r>
-                    </a:p>
-                  </a:txBody>
-                  <a:tcPr anchor="ctr" marB="0" marT="0" marR="0" marL="0">
-                    <a:lnL w="0" cmpd="sng" algn="ctr" cap="flat">
-                      <a:solidFill>
-                        <a:srgbClr val="FFFFFF">
-                          <a:alpha val="0"/>
-                        </a:srgbClr>
-                      </a:solidFill>
-                      <a:prstDash val="solid"/>
-                    </a:lnL>
-                    <a:lnR w="0" cmpd="sng" algn="ctr" cap="flat">
-                      <a:solidFill>
-                        <a:srgbClr val="FFFFFF">
-                          <a:alpha val="0"/>
-                        </a:srgbClr>
-                      </a:solidFill>
-                      <a:prstDash val="solid"/>
-                    </a:lnR>
-                    <a:lnT w="0" cmpd="sng" algn="ctr" cap="flat">
-                      <a:solidFill>
-                        <a:srgbClr val="FFFFFF">
-                          <a:alpha val="0"/>
-                        </a:srgbClr>
-                      </a:solidFill>
-                      <a:prstDash val="solid"/>
-                    </a:lnT>
-                    <a:lnB w="6350" cmpd="sng" algn="ctr" cap="flat">
-                      <a:solidFill>
-                        <a:srgbClr val="666666">
-                          <a:alpha val="100000"/>
-                        </a:srgbClr>
-                      </a:solidFill>
-                      <a:prstDash val="solid"/>
-                    </a:lnB>
+                        <a:t>9</a:t>
+                      </a:r>
+                    </a:p>
+                  </a:txBody>
+                  <a:tcPr anchor="ctr" marB="63500" marT="63500" marR="0" marL="0">
+                    <a:lnL algn="ctr" cmpd="sng" cap="flat" w="0">
+                      <a:noFill/>
+                      <a:prstDash val="solid"/>
+                    </a:lnL>
+                    <a:lnR algn="ctr" cmpd="sng" cap="flat" w="0">
+                      <a:noFill/>
+                      <a:prstDash val="solid"/>
+                    </a:lnR>
+                    <a:lnT algn="ctr" cmpd="sng" cap="flat" w="0">
+                      <a:noFill/>
+                      <a:prstDash val="solid"/>
+                    </a:lnT>
+                    <a:lnB algn="ctr" cmpd="sng" cap="flat" w="6350">
+                      <a:solidFill>
+                        <a:srgbClr val="666666">
+                          <a:alpha val="100000"/>
+                        </a:srgbClr>
+                      </a:solidFill>
+                      <a:prstDash val="solid"/>
+                    </a:lnB>
+                    <a:solidFill>
+                      <a:srgbClr val="FFFFFF">
+                        <a:alpha val="0"/>
+                      </a:srgbClr>
+                    </a:solidFill>
                   </a:tcPr>
                 </a:tc>
               </a:tr>
@@ -3514,7 +3436,7 @@
                         <a:buNone/>
                       </a:pPr>
                       <a:r>
-                        <a:rPr sz="1100">
+                        <a:rPr cap="none" sz="1100" i="0" b="0" u="none">
                           <a:solidFill>
                             <a:srgbClr val="000000">
                               <a:alpha val="100000"/>
@@ -3525,43 +3447,40 @@
                           <a:ea typeface="Helvetica"/>
                           <a:sym typeface="Helvetica"/>
                         </a:rPr>
-                        <a:t>28</a:t>
-                      </a:r>
-                    </a:p>
-                  </a:txBody>
-                  <a:tcPr anchor="ctr" marB="0" marT="0" marR="0" marL="0">
-                    <a:lnL w="0" cmpd="sng" algn="ctr" cap="flat">
-                      <a:solidFill>
-                        <a:srgbClr val="FFFFFF">
-                          <a:alpha val="0"/>
-                        </a:srgbClr>
-                      </a:solidFill>
-                      <a:prstDash val="solid"/>
-                    </a:lnL>
-                    <a:lnR w="0" cmpd="sng" algn="ctr" cap="flat">
-                      <a:solidFill>
-                        <a:srgbClr val="FFFFFF">
-                          <a:alpha val="0"/>
-                        </a:srgbClr>
-                      </a:solidFill>
-                      <a:prstDash val="solid"/>
-                    </a:lnR>
-                    <a:lnT w="6350" cmpd="sng" algn="ctr" cap="flat">
-                      <a:solidFill>
-                        <a:srgbClr val="666666">
-                          <a:alpha val="100000"/>
-                        </a:srgbClr>
-                      </a:solidFill>
-                      <a:prstDash val="solid"/>
-                    </a:lnT>
-                    <a:lnB w="6350" cmpd="sng" algn="ctr" cap="flat">
-                      <a:solidFill>
-                        <a:srgbClr val="666666">
-                          <a:alpha val="100000"/>
-                        </a:srgbClr>
-                      </a:solidFill>
-                      <a:prstDash val="solid"/>
-                    </a:lnB>
+                        <a:t/>
+                      </a:r>
+                    </a:p>
+                  </a:txBody>
+                  <a:tcPr anchor="ctr" marB="63500" marT="63500" marR="0" marL="0">
+                    <a:lnL algn="ctr" cmpd="sng" cap="flat" w="0">
+                      <a:noFill/>
+                      <a:prstDash val="solid"/>
+                    </a:lnL>
+                    <a:lnR algn="ctr" cmpd="sng" cap="flat" w="0">
+                      <a:noFill/>
+                      <a:prstDash val="solid"/>
+                    </a:lnR>
+                    <a:lnT algn="ctr" cmpd="sng" cap="flat" w="6350">
+                      <a:solidFill>
+                        <a:srgbClr val="666666">
+                          <a:alpha val="100000"/>
+                        </a:srgbClr>
+                      </a:solidFill>
+                      <a:prstDash val="solid"/>
+                    </a:lnT>
+                    <a:lnB algn="ctr" cmpd="sng" cap="flat" w="6350">
+                      <a:solidFill>
+                        <a:srgbClr val="666666">
+                          <a:alpha val="100000"/>
+                        </a:srgbClr>
+                      </a:solidFill>
+                      <a:prstDash val="solid"/>
+                    </a:lnB>
+                    <a:solidFill>
+                      <a:srgbClr val="FFFFFF">
+                        <a:alpha val="0"/>
+                      </a:srgbClr>
+                    </a:solidFill>
                   </a:tcPr>
                 </a:tc>
                 <a:tc>
@@ -3582,7 +3501,7 @@
                         <a:buNone/>
                       </a:pPr>
                       <a:r>
-                        <a:rPr sz="1100">
+                        <a:rPr cap="none" sz="1100" i="0" b="0" u="none">
                           <a:solidFill>
                             <a:srgbClr val="000000">
                               <a:alpha val="100000"/>
@@ -3593,43 +3512,40 @@
                           <a:ea typeface="Helvetica"/>
                           <a:sym typeface="Helvetica"/>
                         </a:rPr>
-                        <a:t/>
-                      </a:r>
-                    </a:p>
-                  </a:txBody>
-                  <a:tcPr anchor="ctr" marB="0" marT="0" marR="0" marL="0">
-                    <a:lnL w="0" cmpd="sng" algn="ctr" cap="flat">
-                      <a:solidFill>
-                        <a:srgbClr val="FFFFFF">
-                          <a:alpha val="0"/>
-                        </a:srgbClr>
-                      </a:solidFill>
-                      <a:prstDash val="solid"/>
-                    </a:lnL>
-                    <a:lnR w="0" cmpd="sng" algn="ctr" cap="flat">
-                      <a:solidFill>
-                        <a:srgbClr val="FFFFFF">
-                          <a:alpha val="0"/>
-                        </a:srgbClr>
-                      </a:solidFill>
-                      <a:prstDash val="solid"/>
-                    </a:lnR>
-                    <a:lnT w="6350" cmpd="sng" algn="ctr" cap="flat">
-                      <a:solidFill>
-                        <a:srgbClr val="666666">
-                          <a:alpha val="100000"/>
-                        </a:srgbClr>
-                      </a:solidFill>
-                      <a:prstDash val="solid"/>
-                    </a:lnT>
-                    <a:lnB w="6350" cmpd="sng" algn="ctr" cap="flat">
-                      <a:solidFill>
-                        <a:srgbClr val="666666">
-                          <a:alpha val="100000"/>
-                        </a:srgbClr>
-                      </a:solidFill>
-                      <a:prstDash val="solid"/>
-                    </a:lnB>
+                        <a:t>194</a:t>
+                      </a:r>
+                    </a:p>
+                  </a:txBody>
+                  <a:tcPr anchor="ctr" marB="63500" marT="63500" marR="0" marL="0">
+                    <a:lnL algn="ctr" cmpd="sng" cap="flat" w="0">
+                      <a:noFill/>
+                      <a:prstDash val="solid"/>
+                    </a:lnL>
+                    <a:lnR algn="ctr" cmpd="sng" cap="flat" w="0">
+                      <a:noFill/>
+                      <a:prstDash val="solid"/>
+                    </a:lnR>
+                    <a:lnT algn="ctr" cmpd="sng" cap="flat" w="6350">
+                      <a:solidFill>
+                        <a:srgbClr val="666666">
+                          <a:alpha val="100000"/>
+                        </a:srgbClr>
+                      </a:solidFill>
+                      <a:prstDash val="solid"/>
+                    </a:lnT>
+                    <a:lnB algn="ctr" cmpd="sng" cap="flat" w="6350">
+                      <a:solidFill>
+                        <a:srgbClr val="666666">
+                          <a:alpha val="100000"/>
+                        </a:srgbClr>
+                      </a:solidFill>
+                      <a:prstDash val="solid"/>
+                    </a:lnB>
+                    <a:solidFill>
+                      <a:srgbClr val="FFFFFF">
+                        <a:alpha val="0"/>
+                      </a:srgbClr>
+                    </a:solidFill>
                   </a:tcPr>
                 </a:tc>
                 <a:tc>
@@ -3650,7 +3566,7 @@
                         <a:buNone/>
                       </a:pPr>
                       <a:r>
-                        <a:rPr sz="1100">
+                        <a:rPr cap="none" sz="1100" i="0" b="0" u="none">
                           <a:solidFill>
                             <a:srgbClr val="000000">
                               <a:alpha val="100000"/>
@@ -3661,43 +3577,40 @@
                           <a:ea typeface="Helvetica"/>
                           <a:sym typeface="Helvetica"/>
                         </a:rPr>
-                        <a:t>14.9</a:t>
-                      </a:r>
-                    </a:p>
-                  </a:txBody>
-                  <a:tcPr anchor="ctr" marB="0" marT="0" marR="0" marL="0">
-                    <a:lnL w="0" cmpd="sng" algn="ctr" cap="flat">
-                      <a:solidFill>
-                        <a:srgbClr val="FFFFFF">
-                          <a:alpha val="0"/>
-                        </a:srgbClr>
-                      </a:solidFill>
-                      <a:prstDash val="solid"/>
-                    </a:lnL>
-                    <a:lnR w="0" cmpd="sng" algn="ctr" cap="flat">
-                      <a:solidFill>
-                        <a:srgbClr val="FFFFFF">
-                          <a:alpha val="0"/>
-                        </a:srgbClr>
-                      </a:solidFill>
-                      <a:prstDash val="solid"/>
-                    </a:lnR>
-                    <a:lnT w="6350" cmpd="sng" algn="ctr" cap="flat">
-                      <a:solidFill>
-                        <a:srgbClr val="666666">
-                          <a:alpha val="100000"/>
-                        </a:srgbClr>
-                      </a:solidFill>
-                      <a:prstDash val="solid"/>
-                    </a:lnT>
-                    <a:lnB w="6350" cmpd="sng" algn="ctr" cap="flat">
-                      <a:solidFill>
-                        <a:srgbClr val="666666">
-                          <a:alpha val="100000"/>
-                        </a:srgbClr>
-                      </a:solidFill>
-                      <a:prstDash val="solid"/>
-                    </a:lnB>
+                        <a:t>8.6</a:t>
+                      </a:r>
+                    </a:p>
+                  </a:txBody>
+                  <a:tcPr anchor="ctr" marB="63500" marT="63500" marR="0" marL="0">
+                    <a:lnL algn="ctr" cmpd="sng" cap="flat" w="0">
+                      <a:noFill/>
+                      <a:prstDash val="solid"/>
+                    </a:lnL>
+                    <a:lnR algn="ctr" cmpd="sng" cap="flat" w="0">
+                      <a:noFill/>
+                      <a:prstDash val="solid"/>
+                    </a:lnR>
+                    <a:lnT algn="ctr" cmpd="sng" cap="flat" w="6350">
+                      <a:solidFill>
+                        <a:srgbClr val="666666">
+                          <a:alpha val="100000"/>
+                        </a:srgbClr>
+                      </a:solidFill>
+                      <a:prstDash val="solid"/>
+                    </a:lnT>
+                    <a:lnB algn="ctr" cmpd="sng" cap="flat" w="6350">
+                      <a:solidFill>
+                        <a:srgbClr val="666666">
+                          <a:alpha val="100000"/>
+                        </a:srgbClr>
+                      </a:solidFill>
+                      <a:prstDash val="solid"/>
+                    </a:lnB>
+                    <a:solidFill>
+                      <a:srgbClr val="FFFFFF">
+                        <a:alpha val="0"/>
+                      </a:srgbClr>
+                    </a:solidFill>
                   </a:tcPr>
                 </a:tc>
                 <a:tc>
@@ -3718,7 +3631,7 @@
                         <a:buNone/>
                       </a:pPr>
                       <a:r>
-                        <a:rPr sz="1100">
+                        <a:rPr cap="none" sz="1100" i="0" b="0" u="none">
                           <a:solidFill>
                             <a:srgbClr val="000000">
                               <a:alpha val="100000"/>
@@ -3729,43 +3642,40 @@
                           <a:ea typeface="Helvetica"/>
                           <a:sym typeface="Helvetica"/>
                         </a:rPr>
-                        <a:t>66</a:t>
-                      </a:r>
-                    </a:p>
-                  </a:txBody>
-                  <a:tcPr anchor="ctr" marB="0" marT="0" marR="0" marL="0">
-                    <a:lnL w="0" cmpd="sng" algn="ctr" cap="flat">
-                      <a:solidFill>
-                        <a:srgbClr val="FFFFFF">
-                          <a:alpha val="0"/>
-                        </a:srgbClr>
-                      </a:solidFill>
-                      <a:prstDash val="solid"/>
-                    </a:lnL>
-                    <a:lnR w="0" cmpd="sng" algn="ctr" cap="flat">
-                      <a:solidFill>
-                        <a:srgbClr val="FFFFFF">
-                          <a:alpha val="0"/>
-                        </a:srgbClr>
-                      </a:solidFill>
-                      <a:prstDash val="solid"/>
-                    </a:lnR>
-                    <a:lnT w="6350" cmpd="sng" algn="ctr" cap="flat">
-                      <a:solidFill>
-                        <a:srgbClr val="666666">
-                          <a:alpha val="100000"/>
-                        </a:srgbClr>
-                      </a:solidFill>
-                      <a:prstDash val="solid"/>
-                    </a:lnT>
-                    <a:lnB w="6350" cmpd="sng" algn="ctr" cap="flat">
-                      <a:solidFill>
-                        <a:srgbClr val="666666">
-                          <a:alpha val="100000"/>
-                        </a:srgbClr>
-                      </a:solidFill>
-                      <a:prstDash val="solid"/>
-                    </a:lnB>
+                        <a:t>69</a:t>
+                      </a:r>
+                    </a:p>
+                  </a:txBody>
+                  <a:tcPr anchor="ctr" marB="63500" marT="63500" marR="0" marL="0">
+                    <a:lnL algn="ctr" cmpd="sng" cap="flat" w="0">
+                      <a:noFill/>
+                      <a:prstDash val="solid"/>
+                    </a:lnL>
+                    <a:lnR algn="ctr" cmpd="sng" cap="flat" w="0">
+                      <a:noFill/>
+                      <a:prstDash val="solid"/>
+                    </a:lnR>
+                    <a:lnT algn="ctr" cmpd="sng" cap="flat" w="6350">
+                      <a:solidFill>
+                        <a:srgbClr val="666666">
+                          <a:alpha val="100000"/>
+                        </a:srgbClr>
+                      </a:solidFill>
+                      <a:prstDash val="solid"/>
+                    </a:lnT>
+                    <a:lnB algn="ctr" cmpd="sng" cap="flat" w="6350">
+                      <a:solidFill>
+                        <a:srgbClr val="666666">
+                          <a:alpha val="100000"/>
+                        </a:srgbClr>
+                      </a:solidFill>
+                      <a:prstDash val="solid"/>
+                    </a:lnB>
+                    <a:solidFill>
+                      <a:srgbClr val="FFFFFF">
+                        <a:alpha val="0"/>
+                      </a:srgbClr>
+                    </a:solidFill>
                   </a:tcPr>
                 </a:tc>
                 <a:tc>
@@ -3786,7 +3696,7 @@
                         <a:buNone/>
                       </a:pPr>
                       <a:r>
-                        <a:rPr sz="1100">
+                        <a:rPr cap="none" sz="1100" i="0" b="0" u="none">
                           <a:solidFill>
                             <a:srgbClr val="000000">
                               <a:alpha val="100000"/>
@@ -3801,39 +3711,36 @@
                       </a:r>
                     </a:p>
                   </a:txBody>
-                  <a:tcPr anchor="ctr" marB="0" marT="0" marR="0" marL="0">
-                    <a:lnL w="0" cmpd="sng" algn="ctr" cap="flat">
-                      <a:solidFill>
-                        <a:srgbClr val="FFFFFF">
-                          <a:alpha val="0"/>
-                        </a:srgbClr>
-                      </a:solidFill>
-                      <a:prstDash val="solid"/>
-                    </a:lnL>
-                    <a:lnR w="0" cmpd="sng" algn="ctr" cap="flat">
-                      <a:solidFill>
-                        <a:srgbClr val="FFFFFF">
-                          <a:alpha val="0"/>
-                        </a:srgbClr>
-                      </a:solidFill>
-                      <a:prstDash val="solid"/>
-                    </a:lnR>
-                    <a:lnT w="6350" cmpd="sng" algn="ctr" cap="flat">
-                      <a:solidFill>
-                        <a:srgbClr val="666666">
-                          <a:alpha val="100000"/>
-                        </a:srgbClr>
-                      </a:solidFill>
-                      <a:prstDash val="solid"/>
-                    </a:lnT>
-                    <a:lnB w="6350" cmpd="sng" algn="ctr" cap="flat">
-                      <a:solidFill>
-                        <a:srgbClr val="666666">
-                          <a:alpha val="100000"/>
-                        </a:srgbClr>
-                      </a:solidFill>
-                      <a:prstDash val="solid"/>
-                    </a:lnB>
+                  <a:tcPr anchor="ctr" marB="63500" marT="63500" marR="0" marL="0">
+                    <a:lnL algn="ctr" cmpd="sng" cap="flat" w="0">
+                      <a:noFill/>
+                      <a:prstDash val="solid"/>
+                    </a:lnL>
+                    <a:lnR algn="ctr" cmpd="sng" cap="flat" w="0">
+                      <a:noFill/>
+                      <a:prstDash val="solid"/>
+                    </a:lnR>
+                    <a:lnT algn="ctr" cmpd="sng" cap="flat" w="6350">
+                      <a:solidFill>
+                        <a:srgbClr val="666666">
+                          <a:alpha val="100000"/>
+                        </a:srgbClr>
+                      </a:solidFill>
+                      <a:prstDash val="solid"/>
+                    </a:lnT>
+                    <a:lnB algn="ctr" cmpd="sng" cap="flat" w="6350">
+                      <a:solidFill>
+                        <a:srgbClr val="666666">
+                          <a:alpha val="100000"/>
+                        </a:srgbClr>
+                      </a:solidFill>
+                      <a:prstDash val="solid"/>
+                    </a:lnB>
+                    <a:solidFill>
+                      <a:srgbClr val="FFFFFF">
+                        <a:alpha val="0"/>
+                      </a:srgbClr>
+                    </a:solidFill>
                   </a:tcPr>
                 </a:tc>
                 <a:tc>
@@ -3854,7 +3761,7 @@
                         <a:buNone/>
                       </a:pPr>
                       <a:r>
-                        <a:rPr sz="1100">
+                        <a:rPr cap="none" sz="1100" i="0" b="0" u="none">
                           <a:solidFill>
                             <a:srgbClr val="000000">
                               <a:alpha val="100000"/>
@@ -3865,43 +3772,40 @@
                           <a:ea typeface="Helvetica"/>
                           <a:sym typeface="Helvetica"/>
                         </a:rPr>
-                        <a:t>6</a:t>
-                      </a:r>
-                    </a:p>
-                  </a:txBody>
-                  <a:tcPr anchor="ctr" marB="0" marT="0" marR="0" marL="0">
-                    <a:lnL w="0" cmpd="sng" algn="ctr" cap="flat">
-                      <a:solidFill>
-                        <a:srgbClr val="FFFFFF">
-                          <a:alpha val="0"/>
-                        </a:srgbClr>
-                      </a:solidFill>
-                      <a:prstDash val="solid"/>
-                    </a:lnL>
-                    <a:lnR w="0" cmpd="sng" algn="ctr" cap="flat">
-                      <a:solidFill>
-                        <a:srgbClr val="FFFFFF">
-                          <a:alpha val="0"/>
-                        </a:srgbClr>
-                      </a:solidFill>
-                      <a:prstDash val="solid"/>
-                    </a:lnR>
-                    <a:lnT w="6350" cmpd="sng" algn="ctr" cap="flat">
-                      <a:solidFill>
-                        <a:srgbClr val="666666">
-                          <a:alpha val="100000"/>
-                        </a:srgbClr>
-                      </a:solidFill>
-                      <a:prstDash val="solid"/>
-                    </a:lnT>
-                    <a:lnB w="6350" cmpd="sng" algn="ctr" cap="flat">
-                      <a:solidFill>
-                        <a:srgbClr val="666666">
-                          <a:alpha val="100000"/>
-                        </a:srgbClr>
-                      </a:solidFill>
-                      <a:prstDash val="solid"/>
-                    </a:lnB>
+                        <a:t>10</a:t>
+                      </a:r>
+                    </a:p>
+                  </a:txBody>
+                  <a:tcPr anchor="ctr" marB="63500" marT="63500" marR="0" marL="0">
+                    <a:lnL algn="ctr" cmpd="sng" cap="flat" w="0">
+                      <a:noFill/>
+                      <a:prstDash val="solid"/>
+                    </a:lnL>
+                    <a:lnR algn="ctr" cmpd="sng" cap="flat" w="0">
+                      <a:noFill/>
+                      <a:prstDash val="solid"/>
+                    </a:lnR>
+                    <a:lnT algn="ctr" cmpd="sng" cap="flat" w="6350">
+                      <a:solidFill>
+                        <a:srgbClr val="666666">
+                          <a:alpha val="100000"/>
+                        </a:srgbClr>
+                      </a:solidFill>
+                      <a:prstDash val="solid"/>
+                    </a:lnT>
+                    <a:lnB algn="ctr" cmpd="sng" cap="flat" w="6350">
+                      <a:solidFill>
+                        <a:srgbClr val="666666">
+                          <a:alpha val="100000"/>
+                        </a:srgbClr>
+                      </a:solidFill>
+                      <a:prstDash val="solid"/>
+                    </a:lnB>
+                    <a:solidFill>
+                      <a:srgbClr val="FFFFFF">
+                        <a:alpha val="0"/>
+                      </a:srgbClr>
+                    </a:solidFill>
                   </a:tcPr>
                 </a:tc>
               </a:tr>
@@ -3924,7 +3828,7 @@
                         <a:buNone/>
                       </a:pPr>
                       <a:r>
-                        <a:rPr sz="1100">
+                        <a:rPr cap="none" sz="1100" i="0" b="0" u="none">
                           <a:solidFill>
                             <a:srgbClr val="000000">
                               <a:alpha val="100000"/>
@@ -3935,43 +3839,40 @@
                           <a:ea typeface="Helvetica"/>
                           <a:sym typeface="Helvetica"/>
                         </a:rPr>
-                        <a:t>41</a:t>
-                      </a:r>
-                    </a:p>
-                  </a:txBody>
-                  <a:tcPr anchor="ctr" marB="0" marT="0" marR="0" marL="0">
-                    <a:lnL w="0" cmpd="sng" algn="ctr" cap="flat">
-                      <a:solidFill>
-                        <a:srgbClr val="FFFFFF">
-                          <a:alpha val="0"/>
-                        </a:srgbClr>
-                      </a:solidFill>
-                      <a:prstDash val="solid"/>
-                    </a:lnL>
-                    <a:lnR w="0" cmpd="sng" algn="ctr" cap="flat">
-                      <a:solidFill>
-                        <a:srgbClr val="FFFFFF">
-                          <a:alpha val="0"/>
-                        </a:srgbClr>
-                      </a:solidFill>
-                      <a:prstDash val="solid"/>
-                    </a:lnR>
-                    <a:lnT w="6350" cmpd="sng" algn="ctr" cap="flat">
-                      <a:solidFill>
-                        <a:srgbClr val="666666">
-                          <a:alpha val="100000"/>
-                        </a:srgbClr>
-                      </a:solidFill>
-                      <a:prstDash val="solid"/>
-                    </a:lnT>
-                    <a:lnB w="6350" cmpd="sng" algn="ctr" cap="flat">
-                      <a:solidFill>
-                        <a:srgbClr val="666666">
-                          <a:alpha val="100000"/>
-                        </a:srgbClr>
-                      </a:solidFill>
-                      <a:prstDash val="solid"/>
-                    </a:lnB>
+                        <a:t>12</a:t>
+                      </a:r>
+                    </a:p>
+                  </a:txBody>
+                  <a:tcPr anchor="ctr" marB="63500" marT="63500" marR="0" marL="0">
+                    <a:lnL algn="ctr" cmpd="sng" cap="flat" w="0">
+                      <a:noFill/>
+                      <a:prstDash val="solid"/>
+                    </a:lnL>
+                    <a:lnR algn="ctr" cmpd="sng" cap="flat" w="0">
+                      <a:noFill/>
+                      <a:prstDash val="solid"/>
+                    </a:lnR>
+                    <a:lnT algn="ctr" cmpd="sng" cap="flat" w="6350">
+                      <a:solidFill>
+                        <a:srgbClr val="666666">
+                          <a:alpha val="100000"/>
+                        </a:srgbClr>
+                      </a:solidFill>
+                      <a:prstDash val="solid"/>
+                    </a:lnT>
+                    <a:lnB algn="ctr" cmpd="sng" cap="flat" w="6350">
+                      <a:solidFill>
+                        <a:srgbClr val="666666">
+                          <a:alpha val="100000"/>
+                        </a:srgbClr>
+                      </a:solidFill>
+                      <a:prstDash val="solid"/>
+                    </a:lnB>
+                    <a:solidFill>
+                      <a:srgbClr val="FFFFFF">
+                        <a:alpha val="0"/>
+                      </a:srgbClr>
+                    </a:solidFill>
                   </a:tcPr>
                 </a:tc>
                 <a:tc>
@@ -3992,7 +3893,7 @@
                         <a:buNone/>
                       </a:pPr>
                       <a:r>
-                        <a:rPr sz="1100">
+                        <a:rPr cap="none" sz="1100" i="0" b="0" u="none">
                           <a:solidFill>
                             <a:srgbClr val="000000">
                               <a:alpha val="100000"/>
@@ -4003,43 +3904,40 @@
                           <a:ea typeface="Helvetica"/>
                           <a:sym typeface="Helvetica"/>
                         </a:rPr>
-                        <a:t>190</a:t>
-                      </a:r>
-                    </a:p>
-                  </a:txBody>
-                  <a:tcPr anchor="ctr" marB="0" marT="0" marR="0" marL="0">
-                    <a:lnL w="0" cmpd="sng" algn="ctr" cap="flat">
-                      <a:solidFill>
-                        <a:srgbClr val="FFFFFF">
-                          <a:alpha val="0"/>
-                        </a:srgbClr>
-                      </a:solidFill>
-                      <a:prstDash val="solid"/>
-                    </a:lnL>
-                    <a:lnR w="0" cmpd="sng" algn="ctr" cap="flat">
-                      <a:solidFill>
-                        <a:srgbClr val="FFFFFF">
-                          <a:alpha val="0"/>
-                        </a:srgbClr>
-                      </a:solidFill>
-                      <a:prstDash val="solid"/>
-                    </a:lnR>
-                    <a:lnT w="6350" cmpd="sng" algn="ctr" cap="flat">
-                      <a:solidFill>
-                        <a:srgbClr val="666666">
-                          <a:alpha val="100000"/>
-                        </a:srgbClr>
-                      </a:solidFill>
-                      <a:prstDash val="solid"/>
-                    </a:lnT>
-                    <a:lnB w="6350" cmpd="sng" algn="ctr" cap="flat">
-                      <a:solidFill>
-                        <a:srgbClr val="666666">
-                          <a:alpha val="100000"/>
-                        </a:srgbClr>
-                      </a:solidFill>
-                      <a:prstDash val="solid"/>
-                    </a:lnB>
+                        <a:t>149</a:t>
+                      </a:r>
+                    </a:p>
+                  </a:txBody>
+                  <a:tcPr anchor="ctr" marB="63500" marT="63500" marR="0" marL="0">
+                    <a:lnL algn="ctr" cmpd="sng" cap="flat" w="0">
+                      <a:noFill/>
+                      <a:prstDash val="solid"/>
+                    </a:lnL>
+                    <a:lnR algn="ctr" cmpd="sng" cap="flat" w="0">
+                      <a:noFill/>
+                      <a:prstDash val="solid"/>
+                    </a:lnR>
+                    <a:lnT algn="ctr" cmpd="sng" cap="flat" w="6350">
+                      <a:solidFill>
+                        <a:srgbClr val="666666">
+                          <a:alpha val="100000"/>
+                        </a:srgbClr>
+                      </a:solidFill>
+                      <a:prstDash val="solid"/>
+                    </a:lnT>
+                    <a:lnB algn="ctr" cmpd="sng" cap="flat" w="6350">
+                      <a:solidFill>
+                        <a:srgbClr val="666666">
+                          <a:alpha val="100000"/>
+                        </a:srgbClr>
+                      </a:solidFill>
+                      <a:prstDash val="solid"/>
+                    </a:lnB>
+                    <a:solidFill>
+                      <a:srgbClr val="FFFFFF">
+                        <a:alpha val="0"/>
+                      </a:srgbClr>
+                    </a:solidFill>
                   </a:tcPr>
                 </a:tc>
                 <a:tc>
@@ -4060,7 +3958,7 @@
                         <a:buNone/>
                       </a:pPr>
                       <a:r>
-                        <a:rPr sz="1100">
+                        <a:rPr cap="none" sz="1100" i="0" b="0" u="none">
                           <a:solidFill>
                             <a:srgbClr val="000000">
                               <a:alpha val="100000"/>
@@ -4071,43 +3969,40 @@
                           <a:ea typeface="Helvetica"/>
                           <a:sym typeface="Helvetica"/>
                         </a:rPr>
-                        <a:t>7.4</a:t>
-                      </a:r>
-                    </a:p>
-                  </a:txBody>
-                  <a:tcPr anchor="ctr" marB="0" marT="0" marR="0" marL="0">
-                    <a:lnL w="0" cmpd="sng" algn="ctr" cap="flat">
-                      <a:solidFill>
-                        <a:srgbClr val="FFFFFF">
-                          <a:alpha val="0"/>
-                        </a:srgbClr>
-                      </a:solidFill>
-                      <a:prstDash val="solid"/>
-                    </a:lnL>
-                    <a:lnR w="0" cmpd="sng" algn="ctr" cap="flat">
-                      <a:solidFill>
-                        <a:srgbClr val="FFFFFF">
-                          <a:alpha val="0"/>
-                        </a:srgbClr>
-                      </a:solidFill>
-                      <a:prstDash val="solid"/>
-                    </a:lnR>
-                    <a:lnT w="6350" cmpd="sng" algn="ctr" cap="flat">
-                      <a:solidFill>
-                        <a:srgbClr val="666666">
-                          <a:alpha val="100000"/>
-                        </a:srgbClr>
-                      </a:solidFill>
-                      <a:prstDash val="solid"/>
-                    </a:lnT>
-                    <a:lnB w="6350" cmpd="sng" algn="ctr" cap="flat">
-                      <a:solidFill>
-                        <a:srgbClr val="666666">
-                          <a:alpha val="100000"/>
-                        </a:srgbClr>
-                      </a:solidFill>
-                      <a:prstDash val="solid"/>
-                    </a:lnB>
+                        <a:t>12.6</a:t>
+                      </a:r>
+                    </a:p>
+                  </a:txBody>
+                  <a:tcPr anchor="ctr" marB="63500" marT="63500" marR="0" marL="0">
+                    <a:lnL algn="ctr" cmpd="sng" cap="flat" w="0">
+                      <a:noFill/>
+                      <a:prstDash val="solid"/>
+                    </a:lnL>
+                    <a:lnR algn="ctr" cmpd="sng" cap="flat" w="0">
+                      <a:noFill/>
+                      <a:prstDash val="solid"/>
+                    </a:lnR>
+                    <a:lnT algn="ctr" cmpd="sng" cap="flat" w="6350">
+                      <a:solidFill>
+                        <a:srgbClr val="666666">
+                          <a:alpha val="100000"/>
+                        </a:srgbClr>
+                      </a:solidFill>
+                      <a:prstDash val="solid"/>
+                    </a:lnT>
+                    <a:lnB algn="ctr" cmpd="sng" cap="flat" w="6350">
+                      <a:solidFill>
+                        <a:srgbClr val="666666">
+                          <a:alpha val="100000"/>
+                        </a:srgbClr>
+                      </a:solidFill>
+                      <a:prstDash val="solid"/>
+                    </a:lnB>
+                    <a:solidFill>
+                      <a:srgbClr val="FFFFFF">
+                        <a:alpha val="0"/>
+                      </a:srgbClr>
+                    </a:solidFill>
                   </a:tcPr>
                 </a:tc>
                 <a:tc>
@@ -4128,7 +4023,7 @@
                         <a:buNone/>
                       </a:pPr>
                       <a:r>
-                        <a:rPr sz="1100">
+                        <a:rPr cap="none" sz="1100" i="0" b="0" u="none">
                           <a:solidFill>
                             <a:srgbClr val="000000">
                               <a:alpha val="100000"/>
@@ -4139,43 +4034,40 @@
                           <a:ea typeface="Helvetica"/>
                           <a:sym typeface="Helvetica"/>
                         </a:rPr>
-                        <a:t>67</a:t>
-                      </a:r>
-                    </a:p>
-                  </a:txBody>
-                  <a:tcPr anchor="ctr" marB="0" marT="0" marR="0" marL="0">
-                    <a:lnL w="0" cmpd="sng" algn="ctr" cap="flat">
-                      <a:solidFill>
-                        <a:srgbClr val="FFFFFF">
-                          <a:alpha val="0"/>
-                        </a:srgbClr>
-                      </a:solidFill>
-                      <a:prstDash val="solid"/>
-                    </a:lnL>
-                    <a:lnR w="0" cmpd="sng" algn="ctr" cap="flat">
-                      <a:solidFill>
-                        <a:srgbClr val="FFFFFF">
-                          <a:alpha val="0"/>
-                        </a:srgbClr>
-                      </a:solidFill>
-                      <a:prstDash val="solid"/>
-                    </a:lnR>
-                    <a:lnT w="6350" cmpd="sng" algn="ctr" cap="flat">
-                      <a:solidFill>
-                        <a:srgbClr val="666666">
-                          <a:alpha val="100000"/>
-                        </a:srgbClr>
-                      </a:solidFill>
-                      <a:prstDash val="solid"/>
-                    </a:lnT>
-                    <a:lnB w="6350" cmpd="sng" algn="ctr" cap="flat">
-                      <a:solidFill>
-                        <a:srgbClr val="666666">
-                          <a:alpha val="100000"/>
-                        </a:srgbClr>
-                      </a:solidFill>
-                      <a:prstDash val="solid"/>
-                    </a:lnB>
+                        <a:t>74</a:t>
+                      </a:r>
+                    </a:p>
+                  </a:txBody>
+                  <a:tcPr anchor="ctr" marB="63500" marT="63500" marR="0" marL="0">
+                    <a:lnL algn="ctr" cmpd="sng" cap="flat" w="0">
+                      <a:noFill/>
+                      <a:prstDash val="solid"/>
+                    </a:lnL>
+                    <a:lnR algn="ctr" cmpd="sng" cap="flat" w="0">
+                      <a:noFill/>
+                      <a:prstDash val="solid"/>
+                    </a:lnR>
+                    <a:lnT algn="ctr" cmpd="sng" cap="flat" w="6350">
+                      <a:solidFill>
+                        <a:srgbClr val="666666">
+                          <a:alpha val="100000"/>
+                        </a:srgbClr>
+                      </a:solidFill>
+                      <a:prstDash val="solid"/>
+                    </a:lnT>
+                    <a:lnB algn="ctr" cmpd="sng" cap="flat" w="6350">
+                      <a:solidFill>
+                        <a:srgbClr val="666666">
+                          <a:alpha val="100000"/>
+                        </a:srgbClr>
+                      </a:solidFill>
+                      <a:prstDash val="solid"/>
+                    </a:lnB>
+                    <a:solidFill>
+                      <a:srgbClr val="FFFFFF">
+                        <a:alpha val="0"/>
+                      </a:srgbClr>
+                    </a:solidFill>
                   </a:tcPr>
                 </a:tc>
                 <a:tc>
@@ -4196,7 +4088,7 @@
                         <a:buNone/>
                       </a:pPr>
                       <a:r>
-                        <a:rPr sz="1100">
+                        <a:rPr cap="none" sz="1100" i="0" b="0" u="none">
                           <a:solidFill>
                             <a:srgbClr val="000000">
                               <a:alpha val="100000"/>
@@ -4211,39 +4103,36 @@
                       </a:r>
                     </a:p>
                   </a:txBody>
-                  <a:tcPr anchor="ctr" marB="0" marT="0" marR="0" marL="0">
-                    <a:lnL w="0" cmpd="sng" algn="ctr" cap="flat">
-                      <a:solidFill>
-                        <a:srgbClr val="FFFFFF">
-                          <a:alpha val="0"/>
-                        </a:srgbClr>
-                      </a:solidFill>
-                      <a:prstDash val="solid"/>
-                    </a:lnL>
-                    <a:lnR w="0" cmpd="sng" algn="ctr" cap="flat">
-                      <a:solidFill>
-                        <a:srgbClr val="FFFFFF">
-                          <a:alpha val="0"/>
-                        </a:srgbClr>
-                      </a:solidFill>
-                      <a:prstDash val="solid"/>
-                    </a:lnR>
-                    <a:lnT w="6350" cmpd="sng" algn="ctr" cap="flat">
-                      <a:solidFill>
-                        <a:srgbClr val="666666">
-                          <a:alpha val="100000"/>
-                        </a:srgbClr>
-                      </a:solidFill>
-                      <a:prstDash val="solid"/>
-                    </a:lnT>
-                    <a:lnB w="6350" cmpd="sng" algn="ctr" cap="flat">
-                      <a:solidFill>
-                        <a:srgbClr val="666666">
-                          <a:alpha val="100000"/>
-                        </a:srgbClr>
-                      </a:solidFill>
-                      <a:prstDash val="solid"/>
-                    </a:lnB>
+                  <a:tcPr anchor="ctr" marB="63500" marT="63500" marR="0" marL="0">
+                    <a:lnL algn="ctr" cmpd="sng" cap="flat" w="0">
+                      <a:noFill/>
+                      <a:prstDash val="solid"/>
+                    </a:lnL>
+                    <a:lnR algn="ctr" cmpd="sng" cap="flat" w="0">
+                      <a:noFill/>
+                      <a:prstDash val="solid"/>
+                    </a:lnR>
+                    <a:lnT algn="ctr" cmpd="sng" cap="flat" w="6350">
+                      <a:solidFill>
+                        <a:srgbClr val="666666">
+                          <a:alpha val="100000"/>
+                        </a:srgbClr>
+                      </a:solidFill>
+                      <a:prstDash val="solid"/>
+                    </a:lnT>
+                    <a:lnB algn="ctr" cmpd="sng" cap="flat" w="6350">
+                      <a:solidFill>
+                        <a:srgbClr val="666666">
+                          <a:alpha val="100000"/>
+                        </a:srgbClr>
+                      </a:solidFill>
+                      <a:prstDash val="solid"/>
+                    </a:lnB>
+                    <a:solidFill>
+                      <a:srgbClr val="FFFFFF">
+                        <a:alpha val="0"/>
+                      </a:srgbClr>
+                    </a:solidFill>
                   </a:tcPr>
                 </a:tc>
                 <a:tc>
@@ -4264,7 +4153,7 @@
                         <a:buNone/>
                       </a:pPr>
                       <a:r>
-                        <a:rPr sz="1100">
+                        <a:rPr cap="none" sz="1100" i="0" b="0" u="none">
                           <a:solidFill>
                             <a:srgbClr val="000000">
                               <a:alpha val="100000"/>
@@ -4275,43 +4164,40 @@
                           <a:ea typeface="Helvetica"/>
                           <a:sym typeface="Helvetica"/>
                         </a:rPr>
-                        <a:t>1</a:t>
-                      </a:r>
-                    </a:p>
-                  </a:txBody>
-                  <a:tcPr anchor="ctr" marB="0" marT="0" marR="0" marL="0">
-                    <a:lnL w="0" cmpd="sng" algn="ctr" cap="flat">
-                      <a:solidFill>
-                        <a:srgbClr val="FFFFFF">
-                          <a:alpha val="0"/>
-                        </a:srgbClr>
-                      </a:solidFill>
-                      <a:prstDash val="solid"/>
-                    </a:lnL>
-                    <a:lnR w="0" cmpd="sng" algn="ctr" cap="flat">
-                      <a:solidFill>
-                        <a:srgbClr val="FFFFFF">
-                          <a:alpha val="0"/>
-                        </a:srgbClr>
-                      </a:solidFill>
-                      <a:prstDash val="solid"/>
-                    </a:lnR>
-                    <a:lnT w="6350" cmpd="sng" algn="ctr" cap="flat">
-                      <a:solidFill>
-                        <a:srgbClr val="666666">
-                          <a:alpha val="100000"/>
-                        </a:srgbClr>
-                      </a:solidFill>
-                      <a:prstDash val="solid"/>
-                    </a:lnT>
-                    <a:lnB w="6350" cmpd="sng" algn="ctr" cap="flat">
-                      <a:solidFill>
-                        <a:srgbClr val="666666">
-                          <a:alpha val="100000"/>
-                        </a:srgbClr>
-                      </a:solidFill>
-                      <a:prstDash val="solid"/>
-                    </a:lnB>
+                        <a:t>3</a:t>
+                      </a:r>
+                    </a:p>
+                  </a:txBody>
+                  <a:tcPr anchor="ctr" marB="63500" marT="63500" marR="0" marL="0">
+                    <a:lnL algn="ctr" cmpd="sng" cap="flat" w="0">
+                      <a:noFill/>
+                      <a:prstDash val="solid"/>
+                    </a:lnL>
+                    <a:lnR algn="ctr" cmpd="sng" cap="flat" w="0">
+                      <a:noFill/>
+                      <a:prstDash val="solid"/>
+                    </a:lnR>
+                    <a:lnT algn="ctr" cmpd="sng" cap="flat" w="6350">
+                      <a:solidFill>
+                        <a:srgbClr val="666666">
+                          <a:alpha val="100000"/>
+                        </a:srgbClr>
+                      </a:solidFill>
+                      <a:prstDash val="solid"/>
+                    </a:lnT>
+                    <a:lnB algn="ctr" cmpd="sng" cap="flat" w="6350">
+                      <a:solidFill>
+                        <a:srgbClr val="666666">
+                          <a:alpha val="100000"/>
+                        </a:srgbClr>
+                      </a:solidFill>
+                      <a:prstDash val="solid"/>
+                    </a:lnB>
+                    <a:solidFill>
+                      <a:srgbClr val="FFFFFF">
+                        <a:alpha val="0"/>
+                      </a:srgbClr>
+                    </a:solidFill>
                   </a:tcPr>
                 </a:tc>
               </a:tr>
@@ -4334,7 +4220,7 @@
                         <a:buNone/>
                       </a:pPr>
                       <a:r>
-                        <a:rPr sz="1100">
+                        <a:rPr cap="none" sz="1100" i="0" b="0" u="none">
                           <a:solidFill>
                             <a:srgbClr val="000000">
                               <a:alpha val="100000"/>
@@ -4345,43 +4231,40 @@
                           <a:ea typeface="Helvetica"/>
                           <a:sym typeface="Helvetica"/>
                         </a:rPr>
-                        <a:t>12</a:t>
-                      </a:r>
-                    </a:p>
-                  </a:txBody>
-                  <a:tcPr anchor="ctr" marB="0" marT="0" marR="0" marL="0">
-                    <a:lnL w="0" cmpd="sng" algn="ctr" cap="flat">
-                      <a:solidFill>
-                        <a:srgbClr val="FFFFFF">
-                          <a:alpha val="0"/>
-                        </a:srgbClr>
-                      </a:solidFill>
-                      <a:prstDash val="solid"/>
-                    </a:lnL>
-                    <a:lnR w="0" cmpd="sng" algn="ctr" cap="flat">
-                      <a:solidFill>
-                        <a:srgbClr val="FFFFFF">
-                          <a:alpha val="0"/>
-                        </a:srgbClr>
-                      </a:solidFill>
-                      <a:prstDash val="solid"/>
-                    </a:lnR>
-                    <a:lnT w="6350" cmpd="sng" algn="ctr" cap="flat">
-                      <a:solidFill>
-                        <a:srgbClr val="666666">
-                          <a:alpha val="100000"/>
-                        </a:srgbClr>
-                      </a:solidFill>
-                      <a:prstDash val="solid"/>
-                    </a:lnT>
-                    <a:lnB w="6350" cmpd="sng" algn="ctr" cap="flat">
-                      <a:solidFill>
-                        <a:srgbClr val="666666">
-                          <a:alpha val="100000"/>
-                        </a:srgbClr>
-                      </a:solidFill>
-                      <a:prstDash val="solid"/>
-                    </a:lnB>
+                        <a:t>19</a:t>
+                      </a:r>
+                    </a:p>
+                  </a:txBody>
+                  <a:tcPr anchor="ctr" marB="63500" marT="63500" marR="0" marL="0">
+                    <a:lnL algn="ctr" cmpd="sng" cap="flat" w="0">
+                      <a:noFill/>
+                      <a:prstDash val="solid"/>
+                    </a:lnL>
+                    <a:lnR algn="ctr" cmpd="sng" cap="flat" w="0">
+                      <a:noFill/>
+                      <a:prstDash val="solid"/>
+                    </a:lnR>
+                    <a:lnT algn="ctr" cmpd="sng" cap="flat" w="6350">
+                      <a:solidFill>
+                        <a:srgbClr val="666666">
+                          <a:alpha val="100000"/>
+                        </a:srgbClr>
+                      </a:solidFill>
+                      <a:prstDash val="solid"/>
+                    </a:lnT>
+                    <a:lnB algn="ctr" cmpd="sng" cap="flat" w="6350">
+                      <a:solidFill>
+                        <a:srgbClr val="666666">
+                          <a:alpha val="100000"/>
+                        </a:srgbClr>
+                      </a:solidFill>
+                      <a:prstDash val="solid"/>
+                    </a:lnB>
+                    <a:solidFill>
+                      <a:srgbClr val="FFFFFF">
+                        <a:alpha val="0"/>
+                      </a:srgbClr>
+                    </a:solidFill>
                   </a:tcPr>
                 </a:tc>
                 <a:tc>
@@ -4402,7 +4285,7 @@
                         <a:buNone/>
                       </a:pPr>
                       <a:r>
-                        <a:rPr sz="1100">
+                        <a:rPr cap="none" sz="1100" i="0" b="0" u="none">
                           <a:solidFill>
                             <a:srgbClr val="000000">
                               <a:alpha val="100000"/>
@@ -4413,43 +4296,40 @@
                           <a:ea typeface="Helvetica"/>
                           <a:sym typeface="Helvetica"/>
                         </a:rPr>
-                        <a:t>149</a:t>
-                      </a:r>
-                    </a:p>
-                  </a:txBody>
-                  <a:tcPr anchor="ctr" marB="0" marT="0" marR="0" marL="0">
-                    <a:lnL w="0" cmpd="sng" algn="ctr" cap="flat">
-                      <a:solidFill>
-                        <a:srgbClr val="FFFFFF">
-                          <a:alpha val="0"/>
-                        </a:srgbClr>
-                      </a:solidFill>
-                      <a:prstDash val="solid"/>
-                    </a:lnL>
-                    <a:lnR w="0" cmpd="sng" algn="ctr" cap="flat">
-                      <a:solidFill>
-                        <a:srgbClr val="FFFFFF">
-                          <a:alpha val="0"/>
-                        </a:srgbClr>
-                      </a:solidFill>
-                      <a:prstDash val="solid"/>
-                    </a:lnR>
-                    <a:lnT w="6350" cmpd="sng" algn="ctr" cap="flat">
-                      <a:solidFill>
-                        <a:srgbClr val="666666">
-                          <a:alpha val="100000"/>
-                        </a:srgbClr>
-                      </a:solidFill>
-                      <a:prstDash val="solid"/>
-                    </a:lnT>
-                    <a:lnB w="6350" cmpd="sng" algn="ctr" cap="flat">
-                      <a:solidFill>
-                        <a:srgbClr val="666666">
-                          <a:alpha val="100000"/>
-                        </a:srgbClr>
-                      </a:solidFill>
-                      <a:prstDash val="solid"/>
-                    </a:lnB>
+                        <a:t>99</a:t>
+                      </a:r>
+                    </a:p>
+                  </a:txBody>
+                  <a:tcPr anchor="ctr" marB="63500" marT="63500" marR="0" marL="0">
+                    <a:lnL algn="ctr" cmpd="sng" cap="flat" w="0">
+                      <a:noFill/>
+                      <a:prstDash val="solid"/>
+                    </a:lnL>
+                    <a:lnR algn="ctr" cmpd="sng" cap="flat" w="0">
+                      <a:noFill/>
+                      <a:prstDash val="solid"/>
+                    </a:lnR>
+                    <a:lnT algn="ctr" cmpd="sng" cap="flat" w="6350">
+                      <a:solidFill>
+                        <a:srgbClr val="666666">
+                          <a:alpha val="100000"/>
+                        </a:srgbClr>
+                      </a:solidFill>
+                      <a:prstDash val="solid"/>
+                    </a:lnT>
+                    <a:lnB algn="ctr" cmpd="sng" cap="flat" w="6350">
+                      <a:solidFill>
+                        <a:srgbClr val="666666">
+                          <a:alpha val="100000"/>
+                        </a:srgbClr>
+                      </a:solidFill>
+                      <a:prstDash val="solid"/>
+                    </a:lnB>
+                    <a:solidFill>
+                      <a:srgbClr val="FFFFFF">
+                        <a:alpha val="0"/>
+                      </a:srgbClr>
+                    </a:solidFill>
                   </a:tcPr>
                 </a:tc>
                 <a:tc>
@@ -4470,7 +4350,7 @@
                         <a:buNone/>
                       </a:pPr>
                       <a:r>
-                        <a:rPr sz="1100">
+                        <a:rPr cap="none" sz="1100" i="0" b="0" u="none">
                           <a:solidFill>
                             <a:srgbClr val="000000">
                               <a:alpha val="100000"/>
@@ -4481,43 +4361,40 @@
                           <a:ea typeface="Helvetica"/>
                           <a:sym typeface="Helvetica"/>
                         </a:rPr>
-                        <a:t>12.6</a:t>
-                      </a:r>
-                    </a:p>
-                  </a:txBody>
-                  <a:tcPr anchor="ctr" marB="0" marT="0" marR="0" marL="0">
-                    <a:lnL w="0" cmpd="sng" algn="ctr" cap="flat">
-                      <a:solidFill>
-                        <a:srgbClr val="FFFFFF">
-                          <a:alpha val="0"/>
-                        </a:srgbClr>
-                      </a:solidFill>
-                      <a:prstDash val="solid"/>
-                    </a:lnL>
-                    <a:lnR w="0" cmpd="sng" algn="ctr" cap="flat">
-                      <a:solidFill>
-                        <a:srgbClr val="FFFFFF">
-                          <a:alpha val="0"/>
-                        </a:srgbClr>
-                      </a:solidFill>
-                      <a:prstDash val="solid"/>
-                    </a:lnR>
-                    <a:lnT w="6350" cmpd="sng" algn="ctr" cap="flat">
-                      <a:solidFill>
-                        <a:srgbClr val="666666">
-                          <a:alpha val="100000"/>
-                        </a:srgbClr>
-                      </a:solidFill>
-                      <a:prstDash val="solid"/>
-                    </a:lnT>
-                    <a:lnB w="6350" cmpd="sng" algn="ctr" cap="flat">
-                      <a:solidFill>
-                        <a:srgbClr val="666666">
-                          <a:alpha val="100000"/>
-                        </a:srgbClr>
-                      </a:solidFill>
-                      <a:prstDash val="solid"/>
-                    </a:lnB>
+                        <a:t>13.8</a:t>
+                      </a:r>
+                    </a:p>
+                  </a:txBody>
+                  <a:tcPr anchor="ctr" marB="63500" marT="63500" marR="0" marL="0">
+                    <a:lnL algn="ctr" cmpd="sng" cap="flat" w="0">
+                      <a:noFill/>
+                      <a:prstDash val="solid"/>
+                    </a:lnL>
+                    <a:lnR algn="ctr" cmpd="sng" cap="flat" w="0">
+                      <a:noFill/>
+                      <a:prstDash val="solid"/>
+                    </a:lnR>
+                    <a:lnT algn="ctr" cmpd="sng" cap="flat" w="6350">
+                      <a:solidFill>
+                        <a:srgbClr val="666666">
+                          <a:alpha val="100000"/>
+                        </a:srgbClr>
+                      </a:solidFill>
+                      <a:prstDash val="solid"/>
+                    </a:lnT>
+                    <a:lnB algn="ctr" cmpd="sng" cap="flat" w="6350">
+                      <a:solidFill>
+                        <a:srgbClr val="666666">
+                          <a:alpha val="100000"/>
+                        </a:srgbClr>
+                      </a:solidFill>
+                      <a:prstDash val="solid"/>
+                    </a:lnB>
+                    <a:solidFill>
+                      <a:srgbClr val="FFFFFF">
+                        <a:alpha val="0"/>
+                      </a:srgbClr>
+                    </a:solidFill>
                   </a:tcPr>
                 </a:tc>
                 <a:tc>
@@ -4538,7 +4415,7 @@
                         <a:buNone/>
                       </a:pPr>
                       <a:r>
-                        <a:rPr sz="1100">
+                        <a:rPr cap="none" sz="1100" i="0" b="0" u="none">
                           <a:solidFill>
                             <a:srgbClr val="000000">
                               <a:alpha val="100000"/>
@@ -4549,43 +4426,40 @@
                           <a:ea typeface="Helvetica"/>
                           <a:sym typeface="Helvetica"/>
                         </a:rPr>
-                        <a:t>74</a:t>
-                      </a:r>
-                    </a:p>
-                  </a:txBody>
-                  <a:tcPr anchor="ctr" marB="0" marT="0" marR="0" marL="0">
-                    <a:lnL w="0" cmpd="sng" algn="ctr" cap="flat">
-                      <a:solidFill>
-                        <a:srgbClr val="FFFFFF">
-                          <a:alpha val="0"/>
-                        </a:srgbClr>
-                      </a:solidFill>
-                      <a:prstDash val="solid"/>
-                    </a:lnL>
-                    <a:lnR w="0" cmpd="sng" algn="ctr" cap="flat">
-                      <a:solidFill>
-                        <a:srgbClr val="FFFFFF">
-                          <a:alpha val="0"/>
-                        </a:srgbClr>
-                      </a:solidFill>
-                      <a:prstDash val="solid"/>
-                    </a:lnR>
-                    <a:lnT w="6350" cmpd="sng" algn="ctr" cap="flat">
-                      <a:solidFill>
-                        <a:srgbClr val="666666">
-                          <a:alpha val="100000"/>
-                        </a:srgbClr>
-                      </a:solidFill>
-                      <a:prstDash val="solid"/>
-                    </a:lnT>
-                    <a:lnB w="6350" cmpd="sng" algn="ctr" cap="flat">
-                      <a:solidFill>
-                        <a:srgbClr val="666666">
-                          <a:alpha val="100000"/>
-                        </a:srgbClr>
-                      </a:solidFill>
-                      <a:prstDash val="solid"/>
-                    </a:lnB>
+                        <a:t>59</a:t>
+                      </a:r>
+                    </a:p>
+                  </a:txBody>
+                  <a:tcPr anchor="ctr" marB="63500" marT="63500" marR="0" marL="0">
+                    <a:lnL algn="ctr" cmpd="sng" cap="flat" w="0">
+                      <a:noFill/>
+                      <a:prstDash val="solid"/>
+                    </a:lnL>
+                    <a:lnR algn="ctr" cmpd="sng" cap="flat" w="0">
+                      <a:noFill/>
+                      <a:prstDash val="solid"/>
+                    </a:lnR>
+                    <a:lnT algn="ctr" cmpd="sng" cap="flat" w="6350">
+                      <a:solidFill>
+                        <a:srgbClr val="666666">
+                          <a:alpha val="100000"/>
+                        </a:srgbClr>
+                      </a:solidFill>
+                      <a:prstDash val="solid"/>
+                    </a:lnT>
+                    <a:lnB algn="ctr" cmpd="sng" cap="flat" w="6350">
+                      <a:solidFill>
+                        <a:srgbClr val="666666">
+                          <a:alpha val="100000"/>
+                        </a:srgbClr>
+                      </a:solidFill>
+                      <a:prstDash val="solid"/>
+                    </a:lnB>
+                    <a:solidFill>
+                      <a:srgbClr val="FFFFFF">
+                        <a:alpha val="0"/>
+                      </a:srgbClr>
+                    </a:solidFill>
                   </a:tcPr>
                 </a:tc>
                 <a:tc>
@@ -4606,7 +4480,7 @@
                         <a:buNone/>
                       </a:pPr>
                       <a:r>
-                        <a:rPr sz="1100">
+                        <a:rPr cap="none" sz="1100" i="0" b="0" u="none">
                           <a:solidFill>
                             <a:srgbClr val="000000">
                               <a:alpha val="100000"/>
@@ -4621,39 +4495,36 @@
                       </a:r>
                     </a:p>
                   </a:txBody>
-                  <a:tcPr anchor="ctr" marB="0" marT="0" marR="0" marL="0">
-                    <a:lnL w="0" cmpd="sng" algn="ctr" cap="flat">
-                      <a:solidFill>
-                        <a:srgbClr val="FFFFFF">
-                          <a:alpha val="0"/>
-                        </a:srgbClr>
-                      </a:solidFill>
-                      <a:prstDash val="solid"/>
-                    </a:lnL>
-                    <a:lnR w="0" cmpd="sng" algn="ctr" cap="flat">
-                      <a:solidFill>
-                        <a:srgbClr val="FFFFFF">
-                          <a:alpha val="0"/>
-                        </a:srgbClr>
-                      </a:solidFill>
-                      <a:prstDash val="solid"/>
-                    </a:lnR>
-                    <a:lnT w="6350" cmpd="sng" algn="ctr" cap="flat">
-                      <a:solidFill>
-                        <a:srgbClr val="666666">
-                          <a:alpha val="100000"/>
-                        </a:srgbClr>
-                      </a:solidFill>
-                      <a:prstDash val="solid"/>
-                    </a:lnT>
-                    <a:lnB w="6350" cmpd="sng" algn="ctr" cap="flat">
-                      <a:solidFill>
-                        <a:srgbClr val="666666">
-                          <a:alpha val="100000"/>
-                        </a:srgbClr>
-                      </a:solidFill>
-                      <a:prstDash val="solid"/>
-                    </a:lnB>
+                  <a:tcPr anchor="ctr" marB="63500" marT="63500" marR="0" marL="0">
+                    <a:lnL algn="ctr" cmpd="sng" cap="flat" w="0">
+                      <a:noFill/>
+                      <a:prstDash val="solid"/>
+                    </a:lnL>
+                    <a:lnR algn="ctr" cmpd="sng" cap="flat" w="0">
+                      <a:noFill/>
+                      <a:prstDash val="solid"/>
+                    </a:lnR>
+                    <a:lnT algn="ctr" cmpd="sng" cap="flat" w="6350">
+                      <a:solidFill>
+                        <a:srgbClr val="666666">
+                          <a:alpha val="100000"/>
+                        </a:srgbClr>
+                      </a:solidFill>
+                      <a:prstDash val="solid"/>
+                    </a:lnT>
+                    <a:lnB algn="ctr" cmpd="sng" cap="flat" w="6350">
+                      <a:solidFill>
+                        <a:srgbClr val="666666">
+                          <a:alpha val="100000"/>
+                        </a:srgbClr>
+                      </a:solidFill>
+                      <a:prstDash val="solid"/>
+                    </a:lnB>
+                    <a:solidFill>
+                      <a:srgbClr val="FFFFFF">
+                        <a:alpha val="0"/>
+                      </a:srgbClr>
+                    </a:solidFill>
                   </a:tcPr>
                 </a:tc>
                 <a:tc>
@@ -4674,7 +4545,7 @@
                         <a:buNone/>
                       </a:pPr>
                       <a:r>
-                        <a:rPr sz="1100">
+                        <a:rPr cap="none" sz="1100" i="0" b="0" u="none">
                           <a:solidFill>
                             <a:srgbClr val="000000">
                               <a:alpha val="100000"/>
@@ -4685,43 +4556,40 @@
                           <a:ea typeface="Helvetica"/>
                           <a:sym typeface="Helvetica"/>
                         </a:rPr>
-                        <a:t>3</a:t>
-                      </a:r>
-                    </a:p>
-                  </a:txBody>
-                  <a:tcPr anchor="ctr" marB="0" marT="0" marR="0" marL="0">
-                    <a:lnL w="0" cmpd="sng" algn="ctr" cap="flat">
-                      <a:solidFill>
-                        <a:srgbClr val="FFFFFF">
-                          <a:alpha val="0"/>
-                        </a:srgbClr>
-                      </a:solidFill>
-                      <a:prstDash val="solid"/>
-                    </a:lnL>
-                    <a:lnR w="0" cmpd="sng" algn="ctr" cap="flat">
-                      <a:solidFill>
-                        <a:srgbClr val="FFFFFF">
-                          <a:alpha val="0"/>
-                        </a:srgbClr>
-                      </a:solidFill>
-                      <a:prstDash val="solid"/>
-                    </a:lnR>
-                    <a:lnT w="6350" cmpd="sng" algn="ctr" cap="flat">
-                      <a:solidFill>
-                        <a:srgbClr val="666666">
-                          <a:alpha val="100000"/>
-                        </a:srgbClr>
-                      </a:solidFill>
-                      <a:prstDash val="solid"/>
-                    </a:lnT>
-                    <a:lnB w="6350" cmpd="sng" algn="ctr" cap="flat">
-                      <a:solidFill>
-                        <a:srgbClr val="666666">
-                          <a:alpha val="100000"/>
-                        </a:srgbClr>
-                      </a:solidFill>
-                      <a:prstDash val="solid"/>
-                    </a:lnB>
+                        <a:t>8</a:t>
+                      </a:r>
+                    </a:p>
+                  </a:txBody>
+                  <a:tcPr anchor="ctr" marB="63500" marT="63500" marR="0" marL="0">
+                    <a:lnL algn="ctr" cmpd="sng" cap="flat" w="0">
+                      <a:noFill/>
+                      <a:prstDash val="solid"/>
+                    </a:lnL>
+                    <a:lnR algn="ctr" cmpd="sng" cap="flat" w="0">
+                      <a:noFill/>
+                      <a:prstDash val="solid"/>
+                    </a:lnR>
+                    <a:lnT algn="ctr" cmpd="sng" cap="flat" w="6350">
+                      <a:solidFill>
+                        <a:srgbClr val="666666">
+                          <a:alpha val="100000"/>
+                        </a:srgbClr>
+                      </a:solidFill>
+                      <a:prstDash val="solid"/>
+                    </a:lnT>
+                    <a:lnB algn="ctr" cmpd="sng" cap="flat" w="6350">
+                      <a:solidFill>
+                        <a:srgbClr val="666666">
+                          <a:alpha val="100000"/>
+                        </a:srgbClr>
+                      </a:solidFill>
+                      <a:prstDash val="solid"/>
+                    </a:lnB>
+                    <a:solidFill>
+                      <a:srgbClr val="FFFFFF">
+                        <a:alpha val="0"/>
+                      </a:srgbClr>
+                    </a:solidFill>
                   </a:tcPr>
                 </a:tc>
               </a:tr>
@@ -4744,7 +4612,7 @@
                         <a:buNone/>
                       </a:pPr>
                       <a:r>
-                        <a:rPr sz="1100">
+                        <a:rPr cap="none" sz="1100" i="0" b="0" u="none">
                           <a:solidFill>
                             <a:srgbClr val="000000">
                               <a:alpha val="100000"/>
@@ -4759,39 +4627,36 @@
                       </a:r>
                     </a:p>
                   </a:txBody>
-                  <a:tcPr anchor="ctr" marB="0" marT="0" marR="0" marL="0">
-                    <a:lnL w="0" cmpd="sng" algn="ctr" cap="flat">
-                      <a:solidFill>
-                        <a:srgbClr val="FFFFFF">
-                          <a:alpha val="0"/>
-                        </a:srgbClr>
-                      </a:solidFill>
-                      <a:prstDash val="solid"/>
-                    </a:lnL>
-                    <a:lnR w="0" cmpd="sng" algn="ctr" cap="flat">
-                      <a:solidFill>
-                        <a:srgbClr val="FFFFFF">
-                          <a:alpha val="0"/>
-                        </a:srgbClr>
-                      </a:solidFill>
-                      <a:prstDash val="solid"/>
-                    </a:lnR>
-                    <a:lnT w="6350" cmpd="sng" algn="ctr" cap="flat">
-                      <a:solidFill>
-                        <a:srgbClr val="666666">
-                          <a:alpha val="100000"/>
-                        </a:srgbClr>
-                      </a:solidFill>
-                      <a:prstDash val="solid"/>
-                    </a:lnT>
-                    <a:lnB w="6350" cmpd="sng" algn="ctr" cap="flat">
-                      <a:solidFill>
-                        <a:srgbClr val="666666">
-                          <a:alpha val="100000"/>
-                        </a:srgbClr>
-                      </a:solidFill>
-                      <a:prstDash val="solid"/>
-                    </a:lnB>
+                  <a:tcPr anchor="ctr" marB="63500" marT="63500" marR="0" marL="0">
+                    <a:lnL algn="ctr" cmpd="sng" cap="flat" w="0">
+                      <a:noFill/>
+                      <a:prstDash val="solid"/>
+                    </a:lnL>
+                    <a:lnR algn="ctr" cmpd="sng" cap="flat" w="0">
+                      <a:noFill/>
+                      <a:prstDash val="solid"/>
+                    </a:lnR>
+                    <a:lnT algn="ctr" cmpd="sng" cap="flat" w="6350">
+                      <a:solidFill>
+                        <a:srgbClr val="666666">
+                          <a:alpha val="100000"/>
+                        </a:srgbClr>
+                      </a:solidFill>
+                      <a:prstDash val="solid"/>
+                    </a:lnT>
+                    <a:lnB algn="ctr" cmpd="sng" cap="flat" w="6350">
+                      <a:solidFill>
+                        <a:srgbClr val="666666">
+                          <a:alpha val="100000"/>
+                        </a:srgbClr>
+                      </a:solidFill>
+                      <a:prstDash val="solid"/>
+                    </a:lnB>
+                    <a:solidFill>
+                      <a:srgbClr val="FFFFFF">
+                        <a:alpha val="0"/>
+                      </a:srgbClr>
+                    </a:solidFill>
                   </a:tcPr>
                 </a:tc>
                 <a:tc>
@@ -4812,7 +4677,7 @@
                         <a:buNone/>
                       </a:pPr>
                       <a:r>
-                        <a:rPr sz="1100">
+                        <a:rPr cap="none" sz="1100" i="0" b="0" u="none">
                           <a:solidFill>
                             <a:srgbClr val="000000">
                               <a:alpha val="100000"/>
@@ -4827,39 +4692,36 @@
                       </a:r>
                     </a:p>
                   </a:txBody>
-                  <a:tcPr anchor="ctr" marB="0" marT="0" marR="0" marL="0">
-                    <a:lnL w="0" cmpd="sng" algn="ctr" cap="flat">
-                      <a:solidFill>
-                        <a:srgbClr val="FFFFFF">
-                          <a:alpha val="0"/>
-                        </a:srgbClr>
-                      </a:solidFill>
-                      <a:prstDash val="solid"/>
-                    </a:lnL>
-                    <a:lnR w="0" cmpd="sng" algn="ctr" cap="flat">
-                      <a:solidFill>
-                        <a:srgbClr val="FFFFFF">
-                          <a:alpha val="0"/>
-                        </a:srgbClr>
-                      </a:solidFill>
-                      <a:prstDash val="solid"/>
-                    </a:lnR>
-                    <a:lnT w="6350" cmpd="sng" algn="ctr" cap="flat">
-                      <a:solidFill>
-                        <a:srgbClr val="666666">
-                          <a:alpha val="100000"/>
-                        </a:srgbClr>
-                      </a:solidFill>
-                      <a:prstDash val="solid"/>
-                    </a:lnT>
-                    <a:lnB w="6350" cmpd="sng" algn="ctr" cap="flat">
-                      <a:solidFill>
-                        <a:srgbClr val="666666">
-                          <a:alpha val="100000"/>
-                        </a:srgbClr>
-                      </a:solidFill>
-                      <a:prstDash val="solid"/>
-                    </a:lnB>
+                  <a:tcPr anchor="ctr" marB="63500" marT="63500" marR="0" marL="0">
+                    <a:lnL algn="ctr" cmpd="sng" cap="flat" w="0">
+                      <a:noFill/>
+                      <a:prstDash val="solid"/>
+                    </a:lnL>
+                    <a:lnR algn="ctr" cmpd="sng" cap="flat" w="0">
+                      <a:noFill/>
+                      <a:prstDash val="solid"/>
+                    </a:lnR>
+                    <a:lnT algn="ctr" cmpd="sng" cap="flat" w="6350">
+                      <a:solidFill>
+                        <a:srgbClr val="666666">
+                          <a:alpha val="100000"/>
+                        </a:srgbClr>
+                      </a:solidFill>
+                      <a:prstDash val="solid"/>
+                    </a:lnT>
+                    <a:lnB algn="ctr" cmpd="sng" cap="flat" w="6350">
+                      <a:solidFill>
+                        <a:srgbClr val="666666">
+                          <a:alpha val="100000"/>
+                        </a:srgbClr>
+                      </a:solidFill>
+                      <a:prstDash val="solid"/>
+                    </a:lnB>
+                    <a:solidFill>
+                      <a:srgbClr val="FFFFFF">
+                        <a:alpha val="0"/>
+                      </a:srgbClr>
+                    </a:solidFill>
                   </a:tcPr>
                 </a:tc>
                 <a:tc>
@@ -4880,7 +4742,7 @@
                         <a:buNone/>
                       </a:pPr>
                       <a:r>
-                        <a:rPr sz="1100">
+                        <a:rPr cap="none" sz="1100" i="0" b="0" u="none">
                           <a:solidFill>
                             <a:srgbClr val="000000">
                               <a:alpha val="100000"/>
@@ -4895,39 +4757,36 @@
                       </a:r>
                     </a:p>
                   </a:txBody>
-                  <a:tcPr anchor="ctr" marB="0" marT="0" marR="0" marL="0">
-                    <a:lnL w="0" cmpd="sng" algn="ctr" cap="flat">
-                      <a:solidFill>
-                        <a:srgbClr val="FFFFFF">
-                          <a:alpha val="0"/>
-                        </a:srgbClr>
-                      </a:solidFill>
-                      <a:prstDash val="solid"/>
-                    </a:lnL>
-                    <a:lnR w="0" cmpd="sng" algn="ctr" cap="flat">
-                      <a:solidFill>
-                        <a:srgbClr val="FFFFFF">
-                          <a:alpha val="0"/>
-                        </a:srgbClr>
-                      </a:solidFill>
-                      <a:prstDash val="solid"/>
-                    </a:lnR>
-                    <a:lnT w="6350" cmpd="sng" algn="ctr" cap="flat">
-                      <a:solidFill>
-                        <a:srgbClr val="666666">
-                          <a:alpha val="100000"/>
-                        </a:srgbClr>
-                      </a:solidFill>
-                      <a:prstDash val="solid"/>
-                    </a:lnT>
-                    <a:lnB w="6350" cmpd="sng" algn="ctr" cap="flat">
-                      <a:solidFill>
-                        <a:srgbClr val="666666">
-                          <a:alpha val="100000"/>
-                        </a:srgbClr>
-                      </a:solidFill>
-                      <a:prstDash val="solid"/>
-                    </a:lnB>
+                  <a:tcPr anchor="ctr" marB="63500" marT="63500" marR="0" marL="0">
+                    <a:lnL algn="ctr" cmpd="sng" cap="flat" w="0">
+                      <a:noFill/>
+                      <a:prstDash val="solid"/>
+                    </a:lnL>
+                    <a:lnR algn="ctr" cmpd="sng" cap="flat" w="0">
+                      <a:noFill/>
+                      <a:prstDash val="solid"/>
+                    </a:lnR>
+                    <a:lnT algn="ctr" cmpd="sng" cap="flat" w="6350">
+                      <a:solidFill>
+                        <a:srgbClr val="666666">
+                          <a:alpha val="100000"/>
+                        </a:srgbClr>
+                      </a:solidFill>
+                      <a:prstDash val="solid"/>
+                    </a:lnT>
+                    <a:lnB algn="ctr" cmpd="sng" cap="flat" w="6350">
+                      <a:solidFill>
+                        <a:srgbClr val="666666">
+                          <a:alpha val="100000"/>
+                        </a:srgbClr>
+                      </a:solidFill>
+                      <a:prstDash val="solid"/>
+                    </a:lnB>
+                    <a:solidFill>
+                      <a:srgbClr val="FFFFFF">
+                        <a:alpha val="0"/>
+                      </a:srgbClr>
+                    </a:solidFill>
                   </a:tcPr>
                 </a:tc>
                 <a:tc>
@@ -4948,7 +4807,7 @@
                         <a:buNone/>
                       </a:pPr>
                       <a:r>
-                        <a:rPr sz="1100">
+                        <a:rPr cap="none" sz="1100" i="0" b="0" u="none">
                           <a:solidFill>
                             <a:srgbClr val="000000">
                               <a:alpha val="100000"/>
@@ -4963,39 +4822,36 @@
                       </a:r>
                     </a:p>
                   </a:txBody>
-                  <a:tcPr anchor="ctr" marB="0" marT="0" marR="0" marL="0">
-                    <a:lnL w="0" cmpd="sng" algn="ctr" cap="flat">
-                      <a:solidFill>
-                        <a:srgbClr val="FFFFFF">
-                          <a:alpha val="0"/>
-                        </a:srgbClr>
-                      </a:solidFill>
-                      <a:prstDash val="solid"/>
-                    </a:lnL>
-                    <a:lnR w="0" cmpd="sng" algn="ctr" cap="flat">
-                      <a:solidFill>
-                        <a:srgbClr val="FFFFFF">
-                          <a:alpha val="0"/>
-                        </a:srgbClr>
-                      </a:solidFill>
-                      <a:prstDash val="solid"/>
-                    </a:lnR>
-                    <a:lnT w="6350" cmpd="sng" algn="ctr" cap="flat">
-                      <a:solidFill>
-                        <a:srgbClr val="666666">
-                          <a:alpha val="100000"/>
-                        </a:srgbClr>
-                      </a:solidFill>
-                      <a:prstDash val="solid"/>
-                    </a:lnT>
-                    <a:lnB w="6350" cmpd="sng" algn="ctr" cap="flat">
-                      <a:solidFill>
-                        <a:srgbClr val="666666">
-                          <a:alpha val="100000"/>
-                        </a:srgbClr>
-                      </a:solidFill>
-                      <a:prstDash val="solid"/>
-                    </a:lnB>
+                  <a:tcPr anchor="ctr" marB="63500" marT="63500" marR="0" marL="0">
+                    <a:lnL algn="ctr" cmpd="sng" cap="flat" w="0">
+                      <a:noFill/>
+                      <a:prstDash val="solid"/>
+                    </a:lnL>
+                    <a:lnR algn="ctr" cmpd="sng" cap="flat" w="0">
+                      <a:noFill/>
+                      <a:prstDash val="solid"/>
+                    </a:lnR>
+                    <a:lnT algn="ctr" cmpd="sng" cap="flat" w="6350">
+                      <a:solidFill>
+                        <a:srgbClr val="666666">
+                          <a:alpha val="100000"/>
+                        </a:srgbClr>
+                      </a:solidFill>
+                      <a:prstDash val="solid"/>
+                    </a:lnT>
+                    <a:lnB algn="ctr" cmpd="sng" cap="flat" w="6350">
+                      <a:solidFill>
+                        <a:srgbClr val="666666">
+                          <a:alpha val="100000"/>
+                        </a:srgbClr>
+                      </a:solidFill>
+                      <a:prstDash val="solid"/>
+                    </a:lnB>
+                    <a:solidFill>
+                      <a:srgbClr val="FFFFFF">
+                        <a:alpha val="0"/>
+                      </a:srgbClr>
+                    </a:solidFill>
                   </a:tcPr>
                 </a:tc>
                 <a:tc>
@@ -5016,7 +4872,7 @@
                         <a:buNone/>
                       </a:pPr>
                       <a:r>
-                        <a:rPr sz="1100">
+                        <a:rPr cap="none" sz="1100" i="0" b="0" u="none">
                           <a:solidFill>
                             <a:srgbClr val="000000">
                               <a:alpha val="100000"/>
@@ -5031,39 +4887,36 @@
                       </a:r>
                     </a:p>
                   </a:txBody>
-                  <a:tcPr anchor="ctr" marB="0" marT="0" marR="0" marL="0">
-                    <a:lnL w="0" cmpd="sng" algn="ctr" cap="flat">
-                      <a:solidFill>
-                        <a:srgbClr val="FFFFFF">
-                          <a:alpha val="0"/>
-                        </a:srgbClr>
-                      </a:solidFill>
-                      <a:prstDash val="solid"/>
-                    </a:lnL>
-                    <a:lnR w="0" cmpd="sng" algn="ctr" cap="flat">
-                      <a:solidFill>
-                        <a:srgbClr val="FFFFFF">
-                          <a:alpha val="0"/>
-                        </a:srgbClr>
-                      </a:solidFill>
-                      <a:prstDash val="solid"/>
-                    </a:lnR>
-                    <a:lnT w="6350" cmpd="sng" algn="ctr" cap="flat">
-                      <a:solidFill>
-                        <a:srgbClr val="666666">
-                          <a:alpha val="100000"/>
-                        </a:srgbClr>
-                      </a:solidFill>
-                      <a:prstDash val="solid"/>
-                    </a:lnT>
-                    <a:lnB w="6350" cmpd="sng" algn="ctr" cap="flat">
-                      <a:solidFill>
-                        <a:srgbClr val="666666">
-                          <a:alpha val="100000"/>
-                        </a:srgbClr>
-                      </a:solidFill>
-                      <a:prstDash val="solid"/>
-                    </a:lnB>
+                  <a:tcPr anchor="ctr" marB="63500" marT="63500" marR="0" marL="0">
+                    <a:lnL algn="ctr" cmpd="sng" cap="flat" w="0">
+                      <a:noFill/>
+                      <a:prstDash val="solid"/>
+                    </a:lnL>
+                    <a:lnR algn="ctr" cmpd="sng" cap="flat" w="0">
+                      <a:noFill/>
+                      <a:prstDash val="solid"/>
+                    </a:lnR>
+                    <a:lnT algn="ctr" cmpd="sng" cap="flat" w="6350">
+                      <a:solidFill>
+                        <a:srgbClr val="666666">
+                          <a:alpha val="100000"/>
+                        </a:srgbClr>
+                      </a:solidFill>
+                      <a:prstDash val="solid"/>
+                    </a:lnT>
+                    <a:lnB algn="ctr" cmpd="sng" cap="flat" w="6350">
+                      <a:solidFill>
+                        <a:srgbClr val="666666">
+                          <a:alpha val="100000"/>
+                        </a:srgbClr>
+                      </a:solidFill>
+                      <a:prstDash val="solid"/>
+                    </a:lnB>
+                    <a:solidFill>
+                      <a:srgbClr val="FFFFFF">
+                        <a:alpha val="0"/>
+                      </a:srgbClr>
+                    </a:solidFill>
                   </a:tcPr>
                 </a:tc>
                 <a:tc>
@@ -5084,7 +4937,7 @@
                         <a:buNone/>
                       </a:pPr>
                       <a:r>
-                        <a:rPr sz="1100">
+                        <a:rPr cap="none" sz="1100" i="0" b="0" u="none">
                           <a:solidFill>
                             <a:srgbClr val="000000">
                               <a:alpha val="100000"/>
@@ -5099,39 +4952,36 @@
                       </a:r>
                     </a:p>
                   </a:txBody>
-                  <a:tcPr anchor="ctr" marB="0" marT="0" marR="0" marL="0">
-                    <a:lnL w="0" cmpd="sng" algn="ctr" cap="flat">
-                      <a:solidFill>
-                        <a:srgbClr val="FFFFFF">
-                          <a:alpha val="0"/>
-                        </a:srgbClr>
-                      </a:solidFill>
-                      <a:prstDash val="solid"/>
-                    </a:lnL>
-                    <a:lnR w="0" cmpd="sng" algn="ctr" cap="flat">
-                      <a:solidFill>
-                        <a:srgbClr val="FFFFFF">
-                          <a:alpha val="0"/>
-                        </a:srgbClr>
-                      </a:solidFill>
-                      <a:prstDash val="solid"/>
-                    </a:lnR>
-                    <a:lnT w="6350" cmpd="sng" algn="ctr" cap="flat">
-                      <a:solidFill>
-                        <a:srgbClr val="666666">
-                          <a:alpha val="100000"/>
-                        </a:srgbClr>
-                      </a:solidFill>
-                      <a:prstDash val="solid"/>
-                    </a:lnT>
-                    <a:lnB w="6350" cmpd="sng" algn="ctr" cap="flat">
-                      <a:solidFill>
-                        <a:srgbClr val="666666">
-                          <a:alpha val="100000"/>
-                        </a:srgbClr>
-                      </a:solidFill>
-                      <a:prstDash val="solid"/>
-                    </a:lnB>
+                  <a:tcPr anchor="ctr" marB="63500" marT="63500" marR="0" marL="0">
+                    <a:lnL algn="ctr" cmpd="sng" cap="flat" w="0">
+                      <a:noFill/>
+                      <a:prstDash val="solid"/>
+                    </a:lnL>
+                    <a:lnR algn="ctr" cmpd="sng" cap="flat" w="0">
+                      <a:noFill/>
+                      <a:prstDash val="solid"/>
+                    </a:lnR>
+                    <a:lnT algn="ctr" cmpd="sng" cap="flat" w="6350">
+                      <a:solidFill>
+                        <a:srgbClr val="666666">
+                          <a:alpha val="100000"/>
+                        </a:srgbClr>
+                      </a:solidFill>
+                      <a:prstDash val="solid"/>
+                    </a:lnT>
+                    <a:lnB algn="ctr" cmpd="sng" cap="flat" w="6350">
+                      <a:solidFill>
+                        <a:srgbClr val="666666">
+                          <a:alpha val="100000"/>
+                        </a:srgbClr>
+                      </a:solidFill>
+                      <a:prstDash val="solid"/>
+                    </a:lnB>
+                    <a:solidFill>
+                      <a:srgbClr val="FFFFFF">
+                        <a:alpha val="0"/>
+                      </a:srgbClr>
+                    </a:solidFill>
                   </a:tcPr>
                 </a:tc>
               </a:tr>
@@ -5154,7 +5004,7 @@
                         <a:buNone/>
                       </a:pPr>
                       <a:r>
-                        <a:rPr sz="1100">
+                        <a:rPr cap="none" sz="1100" i="0" b="0" u="none">
                           <a:solidFill>
                             <a:srgbClr val="000000">
                               <a:alpha val="100000"/>
@@ -5165,43 +5015,105 @@
                           <a:ea typeface="Helvetica"/>
                           <a:sym typeface="Helvetica"/>
                         </a:rPr>
+                        <a:t>28</a:t>
+                      </a:r>
+                    </a:p>
+                  </a:txBody>
+                  <a:tcPr anchor="ctr" marB="63500" marT="63500" marR="0" marL="0">
+                    <a:lnL algn="ctr" cmpd="sng" cap="flat" w="0">
+                      <a:noFill/>
+                      <a:prstDash val="solid"/>
+                    </a:lnL>
+                    <a:lnR algn="ctr" cmpd="sng" cap="flat" w="0">
+                      <a:noFill/>
+                      <a:prstDash val="solid"/>
+                    </a:lnR>
+                    <a:lnT algn="ctr" cmpd="sng" cap="flat" w="6350">
+                      <a:solidFill>
+                        <a:srgbClr val="666666">
+                          <a:alpha val="100000"/>
+                        </a:srgbClr>
+                      </a:solidFill>
+                      <a:prstDash val="solid"/>
+                    </a:lnT>
+                    <a:lnB algn="ctr" cmpd="sng" cap="flat" w="6350">
+                      <a:solidFill>
+                        <a:srgbClr val="666666">
+                          <a:alpha val="100000"/>
+                        </a:srgbClr>
+                      </a:solidFill>
+                      <a:prstDash val="solid"/>
+                    </a:lnB>
+                    <a:solidFill>
+                      <a:srgbClr val="FFFFFF">
+                        <a:alpha val="0"/>
+                      </a:srgbClr>
+                    </a:solidFill>
+                  </a:tcPr>
+                </a:tc>
+                <a:tc>
+                  <a:txBody>
+                    <a:bodyPr/>
+                    <a:lstStyle/>
+                    <a:p>
+                      <a:pPr algn="r" marL="63500" marR="63500">
+                        <a:lnSpc>
+                          <a:spcPct val="100000"/>
+                        </a:lnSpc>
+                        <a:spcBef>
+                          <a:spcPts val="500"/>
+                        </a:spcBef>
+                        <a:spcAft>
+                          <a:spcPts val="500"/>
+                        </a:spcAft>
+                        <a:buNone/>
+                      </a:pPr>
+                      <a:r>
+                        <a:rPr cap="none" sz="1100" i="0" b="0" u="none">
+                          <a:solidFill>
+                            <a:srgbClr val="000000">
+                              <a:alpha val="100000"/>
+                            </a:srgbClr>
+                          </a:solidFill>
+                          <a:latin typeface="Helvetica"/>
+                          <a:cs typeface="Helvetica"/>
+                          <a:ea typeface="Helvetica"/>
+                          <a:sym typeface="Helvetica"/>
+                        </a:rPr>
                         <a:t/>
                       </a:r>
                     </a:p>
                   </a:txBody>
-                  <a:tcPr anchor="ctr" marB="0" marT="0" marR="0" marL="0">
-                    <a:lnL w="0" cmpd="sng" algn="ctr" cap="flat">
-                      <a:solidFill>
-                        <a:srgbClr val="FFFFFF">
-                          <a:alpha val="0"/>
-                        </a:srgbClr>
-                      </a:solidFill>
-                      <a:prstDash val="solid"/>
-                    </a:lnL>
-                    <a:lnR w="0" cmpd="sng" algn="ctr" cap="flat">
-                      <a:solidFill>
-                        <a:srgbClr val="FFFFFF">
-                          <a:alpha val="0"/>
-                        </a:srgbClr>
-                      </a:solidFill>
-                      <a:prstDash val="solid"/>
-                    </a:lnR>
-                    <a:lnT w="6350" cmpd="sng" algn="ctr" cap="flat">
-                      <a:solidFill>
-                        <a:srgbClr val="666666">
-                          <a:alpha val="100000"/>
-                        </a:srgbClr>
-                      </a:solidFill>
-                      <a:prstDash val="solid"/>
-                    </a:lnT>
-                    <a:lnB w="6350" cmpd="sng" algn="ctr" cap="flat">
-                      <a:solidFill>
-                        <a:srgbClr val="666666">
-                          <a:alpha val="100000"/>
-                        </a:srgbClr>
-                      </a:solidFill>
-                      <a:prstDash val="solid"/>
-                    </a:lnB>
+                  <a:tcPr anchor="ctr" marB="63500" marT="63500" marR="0" marL="0">
+                    <a:lnL algn="ctr" cmpd="sng" cap="flat" w="0">
+                      <a:noFill/>
+                      <a:prstDash val="solid"/>
+                    </a:lnL>
+                    <a:lnR algn="ctr" cmpd="sng" cap="flat" w="0">
+                      <a:noFill/>
+                      <a:prstDash val="solid"/>
+                    </a:lnR>
+                    <a:lnT algn="ctr" cmpd="sng" cap="flat" w="6350">
+                      <a:solidFill>
+                        <a:srgbClr val="666666">
+                          <a:alpha val="100000"/>
+                        </a:srgbClr>
+                      </a:solidFill>
+                      <a:prstDash val="solid"/>
+                    </a:lnT>
+                    <a:lnB algn="ctr" cmpd="sng" cap="flat" w="6350">
+                      <a:solidFill>
+                        <a:srgbClr val="666666">
+                          <a:alpha val="100000"/>
+                        </a:srgbClr>
+                      </a:solidFill>
+                      <a:prstDash val="solid"/>
+                    </a:lnB>
+                    <a:solidFill>
+                      <a:srgbClr val="FFFFFF">
+                        <a:alpha val="0"/>
+                      </a:srgbClr>
+                    </a:solidFill>
                   </a:tcPr>
                 </a:tc>
                 <a:tc>
@@ -5222,7 +5134,7 @@
                         <a:buNone/>
                       </a:pPr>
                       <a:r>
-                        <a:rPr sz="1100">
+                        <a:rPr cap="none" sz="1100" i="0" b="0" u="none">
                           <a:solidFill>
                             <a:srgbClr val="000000">
                               <a:alpha val="100000"/>
@@ -5233,43 +5145,40 @@
                           <a:ea typeface="Helvetica"/>
                           <a:sym typeface="Helvetica"/>
                         </a:rPr>
-                        <a:t/>
-                      </a:r>
-                    </a:p>
-                  </a:txBody>
-                  <a:tcPr anchor="ctr" marB="0" marT="0" marR="0" marL="0">
-                    <a:lnL w="0" cmpd="sng" algn="ctr" cap="flat">
-                      <a:solidFill>
-                        <a:srgbClr val="FFFFFF">
-                          <a:alpha val="0"/>
-                        </a:srgbClr>
-                      </a:solidFill>
-                      <a:prstDash val="solid"/>
-                    </a:lnL>
-                    <a:lnR w="0" cmpd="sng" algn="ctr" cap="flat">
-                      <a:solidFill>
-                        <a:srgbClr val="FFFFFF">
-                          <a:alpha val="0"/>
-                        </a:srgbClr>
-                      </a:solidFill>
-                      <a:prstDash val="solid"/>
-                    </a:lnR>
-                    <a:lnT w="6350" cmpd="sng" algn="ctr" cap="flat">
-                      <a:solidFill>
-                        <a:srgbClr val="666666">
-                          <a:alpha val="100000"/>
-                        </a:srgbClr>
-                      </a:solidFill>
-                      <a:prstDash val="solid"/>
-                    </a:lnT>
-                    <a:lnB w="6350" cmpd="sng" algn="ctr" cap="flat">
-                      <a:solidFill>
-                        <a:srgbClr val="666666">
-                          <a:alpha val="100000"/>
-                        </a:srgbClr>
-                      </a:solidFill>
-                      <a:prstDash val="solid"/>
-                    </a:lnB>
+                        <a:t>14.9</a:t>
+                      </a:r>
+                    </a:p>
+                  </a:txBody>
+                  <a:tcPr anchor="ctr" marB="63500" marT="63500" marR="0" marL="0">
+                    <a:lnL algn="ctr" cmpd="sng" cap="flat" w="0">
+                      <a:noFill/>
+                      <a:prstDash val="solid"/>
+                    </a:lnL>
+                    <a:lnR algn="ctr" cmpd="sng" cap="flat" w="0">
+                      <a:noFill/>
+                      <a:prstDash val="solid"/>
+                    </a:lnR>
+                    <a:lnT algn="ctr" cmpd="sng" cap="flat" w="6350">
+                      <a:solidFill>
+                        <a:srgbClr val="666666">
+                          <a:alpha val="100000"/>
+                        </a:srgbClr>
+                      </a:solidFill>
+                      <a:prstDash val="solid"/>
+                    </a:lnT>
+                    <a:lnB algn="ctr" cmpd="sng" cap="flat" w="6350">
+                      <a:solidFill>
+                        <a:srgbClr val="666666">
+                          <a:alpha val="100000"/>
+                        </a:srgbClr>
+                      </a:solidFill>
+                      <a:prstDash val="solid"/>
+                    </a:lnB>
+                    <a:solidFill>
+                      <a:srgbClr val="FFFFFF">
+                        <a:alpha val="0"/>
+                      </a:srgbClr>
+                    </a:solidFill>
                   </a:tcPr>
                 </a:tc>
                 <a:tc>
@@ -5290,7 +5199,7 @@
                         <a:buNone/>
                       </a:pPr>
                       <a:r>
-                        <a:rPr sz="1100">
+                        <a:rPr cap="none" sz="1100" i="0" b="0" u="none">
                           <a:solidFill>
                             <a:srgbClr val="000000">
                               <a:alpha val="100000"/>
@@ -5301,43 +5210,40 @@
                           <a:ea typeface="Helvetica"/>
                           <a:sym typeface="Helvetica"/>
                         </a:rPr>
-                        <a:t>14.3</a:t>
-                      </a:r>
-                    </a:p>
-                  </a:txBody>
-                  <a:tcPr anchor="ctr" marB="0" marT="0" marR="0" marL="0">
-                    <a:lnL w="0" cmpd="sng" algn="ctr" cap="flat">
-                      <a:solidFill>
-                        <a:srgbClr val="FFFFFF">
-                          <a:alpha val="0"/>
-                        </a:srgbClr>
-                      </a:solidFill>
-                      <a:prstDash val="solid"/>
-                    </a:lnL>
-                    <a:lnR w="0" cmpd="sng" algn="ctr" cap="flat">
-                      <a:solidFill>
-                        <a:srgbClr val="FFFFFF">
-                          <a:alpha val="0"/>
-                        </a:srgbClr>
-                      </a:solidFill>
-                      <a:prstDash val="solid"/>
-                    </a:lnR>
-                    <a:lnT w="6350" cmpd="sng" algn="ctr" cap="flat">
-                      <a:solidFill>
-                        <a:srgbClr val="666666">
-                          <a:alpha val="100000"/>
-                        </a:srgbClr>
-                      </a:solidFill>
-                      <a:prstDash val="solid"/>
-                    </a:lnT>
-                    <a:lnB w="6350" cmpd="sng" algn="ctr" cap="flat">
-                      <a:solidFill>
-                        <a:srgbClr val="666666">
-                          <a:alpha val="100000"/>
-                        </a:srgbClr>
-                      </a:solidFill>
-                      <a:prstDash val="solid"/>
-                    </a:lnB>
+                        <a:t>66</a:t>
+                      </a:r>
+                    </a:p>
+                  </a:txBody>
+                  <a:tcPr anchor="ctr" marB="63500" marT="63500" marR="0" marL="0">
+                    <a:lnL algn="ctr" cmpd="sng" cap="flat" w="0">
+                      <a:noFill/>
+                      <a:prstDash val="solid"/>
+                    </a:lnL>
+                    <a:lnR algn="ctr" cmpd="sng" cap="flat" w="0">
+                      <a:noFill/>
+                      <a:prstDash val="solid"/>
+                    </a:lnR>
+                    <a:lnT algn="ctr" cmpd="sng" cap="flat" w="6350">
+                      <a:solidFill>
+                        <a:srgbClr val="666666">
+                          <a:alpha val="100000"/>
+                        </a:srgbClr>
+                      </a:solidFill>
+                      <a:prstDash val="solid"/>
+                    </a:lnT>
+                    <a:lnB algn="ctr" cmpd="sng" cap="flat" w="6350">
+                      <a:solidFill>
+                        <a:srgbClr val="666666">
+                          <a:alpha val="100000"/>
+                        </a:srgbClr>
+                      </a:solidFill>
+                      <a:prstDash val="solid"/>
+                    </a:lnB>
+                    <a:solidFill>
+                      <a:srgbClr val="FFFFFF">
+                        <a:alpha val="0"/>
+                      </a:srgbClr>
+                    </a:solidFill>
                   </a:tcPr>
                 </a:tc>
                 <a:tc>
@@ -5358,7 +5264,7 @@
                         <a:buNone/>
                       </a:pPr>
                       <a:r>
-                        <a:rPr sz="1100">
+                        <a:rPr cap="none" sz="1100" i="0" b="0" u="none">
                           <a:solidFill>
                             <a:srgbClr val="000000">
                               <a:alpha val="100000"/>
@@ -5369,43 +5275,40 @@
                           <a:ea typeface="Helvetica"/>
                           <a:sym typeface="Helvetica"/>
                         </a:rPr>
-                        <a:t>56</a:t>
-                      </a:r>
-                    </a:p>
-                  </a:txBody>
-                  <a:tcPr anchor="ctr" marB="0" marT="0" marR="0" marL="0">
-                    <a:lnL w="0" cmpd="sng" algn="ctr" cap="flat">
-                      <a:solidFill>
-                        <a:srgbClr val="FFFFFF">
-                          <a:alpha val="0"/>
-                        </a:srgbClr>
-                      </a:solidFill>
-                      <a:prstDash val="solid"/>
-                    </a:lnL>
-                    <a:lnR w="0" cmpd="sng" algn="ctr" cap="flat">
-                      <a:solidFill>
-                        <a:srgbClr val="FFFFFF">
-                          <a:alpha val="0"/>
-                        </a:srgbClr>
-                      </a:solidFill>
-                      <a:prstDash val="solid"/>
-                    </a:lnR>
-                    <a:lnT w="6350" cmpd="sng" algn="ctr" cap="flat">
-                      <a:solidFill>
-                        <a:srgbClr val="666666">
-                          <a:alpha val="100000"/>
-                        </a:srgbClr>
-                      </a:solidFill>
-                      <a:prstDash val="solid"/>
-                    </a:lnT>
-                    <a:lnB w="6350" cmpd="sng" algn="ctr" cap="flat">
-                      <a:solidFill>
-                        <a:srgbClr val="666666">
-                          <a:alpha val="100000"/>
-                        </a:srgbClr>
-                      </a:solidFill>
-                      <a:prstDash val="solid"/>
-                    </a:lnB>
+                        <a:t>5</a:t>
+                      </a:r>
+                    </a:p>
+                  </a:txBody>
+                  <a:tcPr anchor="ctr" marB="63500" marT="63500" marR="0" marL="0">
+                    <a:lnL algn="ctr" cmpd="sng" cap="flat" w="0">
+                      <a:noFill/>
+                      <a:prstDash val="solid"/>
+                    </a:lnL>
+                    <a:lnR algn="ctr" cmpd="sng" cap="flat" w="0">
+                      <a:noFill/>
+                      <a:prstDash val="solid"/>
+                    </a:lnR>
+                    <a:lnT algn="ctr" cmpd="sng" cap="flat" w="6350">
+                      <a:solidFill>
+                        <a:srgbClr val="666666">
+                          <a:alpha val="100000"/>
+                        </a:srgbClr>
+                      </a:solidFill>
+                      <a:prstDash val="solid"/>
+                    </a:lnT>
+                    <a:lnB algn="ctr" cmpd="sng" cap="flat" w="6350">
+                      <a:solidFill>
+                        <a:srgbClr val="666666">
+                          <a:alpha val="100000"/>
+                        </a:srgbClr>
+                      </a:solidFill>
+                      <a:prstDash val="solid"/>
+                    </a:lnB>
+                    <a:solidFill>
+                      <a:srgbClr val="FFFFFF">
+                        <a:alpha val="0"/>
+                      </a:srgbClr>
+                    </a:solidFill>
                   </a:tcPr>
                 </a:tc>
                 <a:tc>
@@ -5426,7 +5329,7 @@
                         <a:buNone/>
                       </a:pPr>
                       <a:r>
-                        <a:rPr sz="1100">
+                        <a:rPr cap="none" sz="1100" i="0" b="0" u="none">
                           <a:solidFill>
                             <a:srgbClr val="000000">
                               <a:alpha val="100000"/>
@@ -5437,111 +5340,40 @@
                           <a:ea typeface="Helvetica"/>
                           <a:sym typeface="Helvetica"/>
                         </a:rPr>
-                        <a:t>5</a:t>
-                      </a:r>
-                    </a:p>
-                  </a:txBody>
-                  <a:tcPr anchor="ctr" marB="0" marT="0" marR="0" marL="0">
-                    <a:lnL w="0" cmpd="sng" algn="ctr" cap="flat">
-                      <a:solidFill>
-                        <a:srgbClr val="FFFFFF">
-                          <a:alpha val="0"/>
-                        </a:srgbClr>
-                      </a:solidFill>
-                      <a:prstDash val="solid"/>
-                    </a:lnL>
-                    <a:lnR w="0" cmpd="sng" algn="ctr" cap="flat">
-                      <a:solidFill>
-                        <a:srgbClr val="FFFFFF">
-                          <a:alpha val="0"/>
-                        </a:srgbClr>
-                      </a:solidFill>
-                      <a:prstDash val="solid"/>
-                    </a:lnR>
-                    <a:lnT w="6350" cmpd="sng" algn="ctr" cap="flat">
-                      <a:solidFill>
-                        <a:srgbClr val="666666">
-                          <a:alpha val="100000"/>
-                        </a:srgbClr>
-                      </a:solidFill>
-                      <a:prstDash val="solid"/>
-                    </a:lnT>
-                    <a:lnB w="6350" cmpd="sng" algn="ctr" cap="flat">
-                      <a:solidFill>
-                        <a:srgbClr val="666666">
-                          <a:alpha val="100000"/>
-                        </a:srgbClr>
-                      </a:solidFill>
-                      <a:prstDash val="solid"/>
-                    </a:lnB>
-                  </a:tcPr>
-                </a:tc>
-                <a:tc>
-                  <a:txBody>
-                    <a:bodyPr/>
-                    <a:lstStyle/>
-                    <a:p>
-                      <a:pPr algn="r" marL="63500" marR="63500">
-                        <a:lnSpc>
-                          <a:spcPct val="100000"/>
-                        </a:lnSpc>
-                        <a:spcBef>
-                          <a:spcPts val="500"/>
-                        </a:spcBef>
-                        <a:spcAft>
-                          <a:spcPts val="500"/>
-                        </a:spcAft>
-                        <a:buNone/>
-                      </a:pPr>
-                      <a:r>
-                        <a:rPr sz="1100">
-                          <a:solidFill>
-                            <a:srgbClr val="000000">
-                              <a:alpha val="100000"/>
-                            </a:srgbClr>
-                          </a:solidFill>
-                          <a:latin typeface="Helvetica"/>
-                          <a:cs typeface="Helvetica"/>
-                          <a:ea typeface="Helvetica"/>
-                          <a:sym typeface="Helvetica"/>
-                        </a:rPr>
-                        <a:t>5</a:t>
-                      </a:r>
-                    </a:p>
-                  </a:txBody>
-                  <a:tcPr anchor="ctr" marB="0" marT="0" marR="0" marL="0">
-                    <a:lnL w="0" cmpd="sng" algn="ctr" cap="flat">
-                      <a:solidFill>
-                        <a:srgbClr val="FFFFFF">
-                          <a:alpha val="0"/>
-                        </a:srgbClr>
-                      </a:solidFill>
-                      <a:prstDash val="solid"/>
-                    </a:lnL>
-                    <a:lnR w="0" cmpd="sng" algn="ctr" cap="flat">
-                      <a:solidFill>
-                        <a:srgbClr val="FFFFFF">
-                          <a:alpha val="0"/>
-                        </a:srgbClr>
-                      </a:solidFill>
-                      <a:prstDash val="solid"/>
-                    </a:lnR>
-                    <a:lnT w="6350" cmpd="sng" algn="ctr" cap="flat">
-                      <a:solidFill>
-                        <a:srgbClr val="666666">
-                          <a:alpha val="100000"/>
-                        </a:srgbClr>
-                      </a:solidFill>
-                      <a:prstDash val="solid"/>
-                    </a:lnT>
-                    <a:lnB w="6350" cmpd="sng" algn="ctr" cap="flat">
-                      <a:solidFill>
-                        <a:srgbClr val="666666">
-                          <a:alpha val="100000"/>
-                        </a:srgbClr>
-                      </a:solidFill>
-                      <a:prstDash val="solid"/>
-                    </a:lnB>
+                        <a:t>6</a:t>
+                      </a:r>
+                    </a:p>
+                  </a:txBody>
+                  <a:tcPr anchor="ctr" marB="63500" marT="63500" marR="0" marL="0">
+                    <a:lnL algn="ctr" cmpd="sng" cap="flat" w="0">
+                      <a:noFill/>
+                      <a:prstDash val="solid"/>
+                    </a:lnL>
+                    <a:lnR algn="ctr" cmpd="sng" cap="flat" w="0">
+                      <a:noFill/>
+                      <a:prstDash val="solid"/>
+                    </a:lnR>
+                    <a:lnT algn="ctr" cmpd="sng" cap="flat" w="6350">
+                      <a:solidFill>
+                        <a:srgbClr val="666666">
+                          <a:alpha val="100000"/>
+                        </a:srgbClr>
+                      </a:solidFill>
+                      <a:prstDash val="solid"/>
+                    </a:lnT>
+                    <a:lnB algn="ctr" cmpd="sng" cap="flat" w="6350">
+                      <a:solidFill>
+                        <a:srgbClr val="666666">
+                          <a:alpha val="100000"/>
+                        </a:srgbClr>
+                      </a:solidFill>
+                      <a:prstDash val="solid"/>
+                    </a:lnB>
+                    <a:solidFill>
+                      <a:srgbClr val="FFFFFF">
+                        <a:alpha val="0"/>
+                      </a:srgbClr>
+                    </a:solidFill>
                   </a:tcPr>
                 </a:tc>
               </a:tr>
@@ -5564,7 +5396,7 @@
                         <a:buNone/>
                       </a:pPr>
                       <a:r>
-                        <a:rPr sz="1100">
+                        <a:rPr cap="none" sz="1100" i="0" b="0" u="none">
                           <a:solidFill>
                             <a:srgbClr val="000000">
                               <a:alpha val="100000"/>
@@ -5575,43 +5407,40 @@
                           <a:ea typeface="Helvetica"/>
                           <a:sym typeface="Helvetica"/>
                         </a:rPr>
-                        <a:t>23</a:t>
-                      </a:r>
-                    </a:p>
-                  </a:txBody>
-                  <a:tcPr anchor="ctr" marB="0" marT="0" marR="0" marL="0">
-                    <a:lnL w="0" cmpd="sng" algn="ctr" cap="flat">
-                      <a:solidFill>
-                        <a:srgbClr val="FFFFFF">
-                          <a:alpha val="0"/>
-                        </a:srgbClr>
-                      </a:solidFill>
-                      <a:prstDash val="solid"/>
-                    </a:lnL>
-                    <a:lnR w="0" cmpd="sng" algn="ctr" cap="flat">
-                      <a:solidFill>
-                        <a:srgbClr val="FFFFFF">
-                          <a:alpha val="0"/>
-                        </a:srgbClr>
-                      </a:solidFill>
-                      <a:prstDash val="solid"/>
-                    </a:lnR>
-                    <a:lnT w="6350" cmpd="sng" algn="ctr" cap="flat">
-                      <a:solidFill>
-                        <a:srgbClr val="666666">
-                          <a:alpha val="100000"/>
-                        </a:srgbClr>
-                      </a:solidFill>
-                      <a:prstDash val="solid"/>
-                    </a:lnT>
-                    <a:lnB w="6350" cmpd="sng" algn="ctr" cap="flat">
-                      <a:solidFill>
-                        <a:srgbClr val="666666">
-                          <a:alpha val="100000"/>
-                        </a:srgbClr>
-                      </a:solidFill>
-                      <a:prstDash val="solid"/>
-                    </a:lnB>
+                        <a:t>36</a:t>
+                      </a:r>
+                    </a:p>
+                  </a:txBody>
+                  <a:tcPr anchor="ctr" marB="63500" marT="63500" marR="0" marL="0">
+                    <a:lnL algn="ctr" cmpd="sng" cap="flat" w="0">
+                      <a:noFill/>
+                      <a:prstDash val="solid"/>
+                    </a:lnL>
+                    <a:lnR algn="ctr" cmpd="sng" cap="flat" w="0">
+                      <a:noFill/>
+                      <a:prstDash val="solid"/>
+                    </a:lnR>
+                    <a:lnT algn="ctr" cmpd="sng" cap="flat" w="6350">
+                      <a:solidFill>
+                        <a:srgbClr val="666666">
+                          <a:alpha val="100000"/>
+                        </a:srgbClr>
+                      </a:solidFill>
+                      <a:prstDash val="solid"/>
+                    </a:lnT>
+                    <a:lnB algn="ctr" cmpd="sng" cap="flat" w="6350">
+                      <a:solidFill>
+                        <a:srgbClr val="666666">
+                          <a:alpha val="100000"/>
+                        </a:srgbClr>
+                      </a:solidFill>
+                      <a:prstDash val="solid"/>
+                    </a:lnB>
+                    <a:solidFill>
+                      <a:srgbClr val="FFFFFF">
+                        <a:alpha val="0"/>
+                      </a:srgbClr>
+                    </a:solidFill>
                   </a:tcPr>
                 </a:tc>
                 <a:tc>
@@ -5632,7 +5461,7 @@
                         <a:buNone/>
                       </a:pPr>
                       <a:r>
-                        <a:rPr sz="1100">
+                        <a:rPr cap="none" sz="1100" i="0" b="0" u="none">
                           <a:solidFill>
                             <a:srgbClr val="000000">
                               <a:alpha val="100000"/>
@@ -5643,43 +5472,40 @@
                           <a:ea typeface="Helvetica"/>
                           <a:sym typeface="Helvetica"/>
                         </a:rPr>
-                        <a:t>299</a:t>
-                      </a:r>
-                    </a:p>
-                  </a:txBody>
-                  <a:tcPr anchor="ctr" marB="0" marT="0" marR="0" marL="0">
-                    <a:lnL w="0" cmpd="sng" algn="ctr" cap="flat">
-                      <a:solidFill>
-                        <a:srgbClr val="FFFFFF">
-                          <a:alpha val="0"/>
-                        </a:srgbClr>
-                      </a:solidFill>
-                      <a:prstDash val="solid"/>
-                    </a:lnL>
-                    <a:lnR w="0" cmpd="sng" algn="ctr" cap="flat">
-                      <a:solidFill>
-                        <a:srgbClr val="FFFFFF">
-                          <a:alpha val="0"/>
-                        </a:srgbClr>
-                      </a:solidFill>
-                      <a:prstDash val="solid"/>
-                    </a:lnR>
-                    <a:lnT w="6350" cmpd="sng" algn="ctr" cap="flat">
-                      <a:solidFill>
-                        <a:srgbClr val="666666">
-                          <a:alpha val="100000"/>
-                        </a:srgbClr>
-                      </a:solidFill>
-                      <a:prstDash val="solid"/>
-                    </a:lnT>
-                    <a:lnB w="6350" cmpd="sng" algn="ctr" cap="flat">
-                      <a:solidFill>
-                        <a:srgbClr val="666666">
-                          <a:alpha val="100000"/>
-                        </a:srgbClr>
-                      </a:solidFill>
-                      <a:prstDash val="solid"/>
-                    </a:lnB>
+                        <a:t>118</a:t>
+                      </a:r>
+                    </a:p>
+                  </a:txBody>
+                  <a:tcPr anchor="ctr" marB="63500" marT="63500" marR="0" marL="0">
+                    <a:lnL algn="ctr" cmpd="sng" cap="flat" w="0">
+                      <a:noFill/>
+                      <a:prstDash val="solid"/>
+                    </a:lnL>
+                    <a:lnR algn="ctr" cmpd="sng" cap="flat" w="0">
+                      <a:noFill/>
+                      <a:prstDash val="solid"/>
+                    </a:lnR>
+                    <a:lnT algn="ctr" cmpd="sng" cap="flat" w="6350">
+                      <a:solidFill>
+                        <a:srgbClr val="666666">
+                          <a:alpha val="100000"/>
+                        </a:srgbClr>
+                      </a:solidFill>
+                      <a:prstDash val="solid"/>
+                    </a:lnT>
+                    <a:lnB algn="ctr" cmpd="sng" cap="flat" w="6350">
+                      <a:solidFill>
+                        <a:srgbClr val="666666">
+                          <a:alpha val="100000"/>
+                        </a:srgbClr>
+                      </a:solidFill>
+                      <a:prstDash val="solid"/>
+                    </a:lnB>
+                    <a:solidFill>
+                      <a:srgbClr val="FFFFFF">
+                        <a:alpha val="0"/>
+                      </a:srgbClr>
+                    </a:solidFill>
                   </a:tcPr>
                 </a:tc>
                 <a:tc>
@@ -5700,7 +5526,7 @@
                         <a:buNone/>
                       </a:pPr>
                       <a:r>
-                        <a:rPr sz="1100">
+                        <a:rPr cap="none" sz="1100" i="0" b="0" u="none">
                           <a:solidFill>
                             <a:srgbClr val="000000">
                               <a:alpha val="100000"/>
@@ -5711,43 +5537,40 @@
                           <a:ea typeface="Helvetica"/>
                           <a:sym typeface="Helvetica"/>
                         </a:rPr>
-                        <a:t>8.6</a:t>
-                      </a:r>
-                    </a:p>
-                  </a:txBody>
-                  <a:tcPr anchor="ctr" marB="0" marT="0" marR="0" marL="0">
-                    <a:lnL w="0" cmpd="sng" algn="ctr" cap="flat">
-                      <a:solidFill>
-                        <a:srgbClr val="FFFFFF">
-                          <a:alpha val="0"/>
-                        </a:srgbClr>
-                      </a:solidFill>
-                      <a:prstDash val="solid"/>
-                    </a:lnL>
-                    <a:lnR w="0" cmpd="sng" algn="ctr" cap="flat">
-                      <a:solidFill>
-                        <a:srgbClr val="FFFFFF">
-                          <a:alpha val="0"/>
-                        </a:srgbClr>
-                      </a:solidFill>
-                      <a:prstDash val="solid"/>
-                    </a:lnR>
-                    <a:lnT w="6350" cmpd="sng" algn="ctr" cap="flat">
-                      <a:solidFill>
-                        <a:srgbClr val="666666">
-                          <a:alpha val="100000"/>
-                        </a:srgbClr>
-                      </a:solidFill>
-                      <a:prstDash val="solid"/>
-                    </a:lnT>
-                    <a:lnB w="6350" cmpd="sng" algn="ctr" cap="flat">
-                      <a:solidFill>
-                        <a:srgbClr val="666666">
-                          <a:alpha val="100000"/>
-                        </a:srgbClr>
-                      </a:solidFill>
-                      <a:prstDash val="solid"/>
-                    </a:lnB>
+                        <a:t>8.0</a:t>
+                      </a:r>
+                    </a:p>
+                  </a:txBody>
+                  <a:tcPr anchor="ctr" marB="63500" marT="63500" marR="0" marL="0">
+                    <a:lnL algn="ctr" cmpd="sng" cap="flat" w="0">
+                      <a:noFill/>
+                      <a:prstDash val="solid"/>
+                    </a:lnL>
+                    <a:lnR algn="ctr" cmpd="sng" cap="flat" w="0">
+                      <a:noFill/>
+                      <a:prstDash val="solid"/>
+                    </a:lnR>
+                    <a:lnT algn="ctr" cmpd="sng" cap="flat" w="6350">
+                      <a:solidFill>
+                        <a:srgbClr val="666666">
+                          <a:alpha val="100000"/>
+                        </a:srgbClr>
+                      </a:solidFill>
+                      <a:prstDash val="solid"/>
+                    </a:lnT>
+                    <a:lnB algn="ctr" cmpd="sng" cap="flat" w="6350">
+                      <a:solidFill>
+                        <a:srgbClr val="666666">
+                          <a:alpha val="100000"/>
+                        </a:srgbClr>
+                      </a:solidFill>
+                      <a:prstDash val="solid"/>
+                    </a:lnB>
+                    <a:solidFill>
+                      <a:srgbClr val="FFFFFF">
+                        <a:alpha val="0"/>
+                      </a:srgbClr>
+                    </a:solidFill>
                   </a:tcPr>
                 </a:tc>
                 <a:tc>
@@ -5768,7 +5591,7 @@
                         <a:buNone/>
                       </a:pPr>
                       <a:r>
-                        <a:rPr sz="1100">
+                        <a:rPr cap="none" sz="1100" i="0" b="0" u="none">
                           <a:solidFill>
                             <a:srgbClr val="000000">
                               <a:alpha val="100000"/>
@@ -5779,43 +5602,40 @@
                           <a:ea typeface="Helvetica"/>
                           <a:sym typeface="Helvetica"/>
                         </a:rPr>
-                        <a:t>65</a:t>
-                      </a:r>
-                    </a:p>
-                  </a:txBody>
-                  <a:tcPr anchor="ctr" marB="0" marT="0" marR="0" marL="0">
-                    <a:lnL w="0" cmpd="sng" algn="ctr" cap="flat">
-                      <a:solidFill>
-                        <a:srgbClr val="FFFFFF">
-                          <a:alpha val="0"/>
-                        </a:srgbClr>
-                      </a:solidFill>
-                      <a:prstDash val="solid"/>
-                    </a:lnL>
-                    <a:lnR w="0" cmpd="sng" algn="ctr" cap="flat">
-                      <a:solidFill>
-                        <a:srgbClr val="FFFFFF">
-                          <a:alpha val="0"/>
-                        </a:srgbClr>
-                      </a:solidFill>
-                      <a:prstDash val="solid"/>
-                    </a:lnR>
-                    <a:lnT w="6350" cmpd="sng" algn="ctr" cap="flat">
-                      <a:solidFill>
-                        <a:srgbClr val="666666">
-                          <a:alpha val="100000"/>
-                        </a:srgbClr>
-                      </a:solidFill>
-                      <a:prstDash val="solid"/>
-                    </a:lnT>
-                    <a:lnB w="6350" cmpd="sng" algn="ctr" cap="flat">
-                      <a:solidFill>
-                        <a:srgbClr val="666666">
-                          <a:alpha val="100000"/>
-                        </a:srgbClr>
-                      </a:solidFill>
-                      <a:prstDash val="solid"/>
-                    </a:lnB>
+                        <a:t>72</a:t>
+                      </a:r>
+                    </a:p>
+                  </a:txBody>
+                  <a:tcPr anchor="ctr" marB="63500" marT="63500" marR="0" marL="0">
+                    <a:lnL algn="ctr" cmpd="sng" cap="flat" w="0">
+                      <a:noFill/>
+                      <a:prstDash val="solid"/>
+                    </a:lnL>
+                    <a:lnR algn="ctr" cmpd="sng" cap="flat" w="0">
+                      <a:noFill/>
+                      <a:prstDash val="solid"/>
+                    </a:lnR>
+                    <a:lnT algn="ctr" cmpd="sng" cap="flat" w="6350">
+                      <a:solidFill>
+                        <a:srgbClr val="666666">
+                          <a:alpha val="100000"/>
+                        </a:srgbClr>
+                      </a:solidFill>
+                      <a:prstDash val="solid"/>
+                    </a:lnT>
+                    <a:lnB algn="ctr" cmpd="sng" cap="flat" w="6350">
+                      <a:solidFill>
+                        <a:srgbClr val="666666">
+                          <a:alpha val="100000"/>
+                        </a:srgbClr>
+                      </a:solidFill>
+                      <a:prstDash val="solid"/>
+                    </a:lnB>
+                    <a:solidFill>
+                      <a:srgbClr val="FFFFFF">
+                        <a:alpha val="0"/>
+                      </a:srgbClr>
+                    </a:solidFill>
                   </a:tcPr>
                 </a:tc>
                 <a:tc>
@@ -5836,7 +5656,7 @@
                         <a:buNone/>
                       </a:pPr>
                       <a:r>
-                        <a:rPr sz="1100">
+                        <a:rPr cap="none" sz="1100" i="0" b="0" u="none">
                           <a:solidFill>
                             <a:srgbClr val="000000">
                               <a:alpha val="100000"/>
@@ -5851,39 +5671,36 @@
                       </a:r>
                     </a:p>
                   </a:txBody>
-                  <a:tcPr anchor="ctr" marB="0" marT="0" marR="0" marL="0">
-                    <a:lnL w="0" cmpd="sng" algn="ctr" cap="flat">
-                      <a:solidFill>
-                        <a:srgbClr val="FFFFFF">
-                          <a:alpha val="0"/>
-                        </a:srgbClr>
-                      </a:solidFill>
-                      <a:prstDash val="solid"/>
-                    </a:lnL>
-                    <a:lnR w="0" cmpd="sng" algn="ctr" cap="flat">
-                      <a:solidFill>
-                        <a:srgbClr val="FFFFFF">
-                          <a:alpha val="0"/>
-                        </a:srgbClr>
-                      </a:solidFill>
-                      <a:prstDash val="solid"/>
-                    </a:lnR>
-                    <a:lnT w="6350" cmpd="sng" algn="ctr" cap="flat">
-                      <a:solidFill>
-                        <a:srgbClr val="666666">
-                          <a:alpha val="100000"/>
-                        </a:srgbClr>
-                      </a:solidFill>
-                      <a:prstDash val="solid"/>
-                    </a:lnT>
-                    <a:lnB w="6350" cmpd="sng" algn="ctr" cap="flat">
-                      <a:solidFill>
-                        <a:srgbClr val="666666">
-                          <a:alpha val="100000"/>
-                        </a:srgbClr>
-                      </a:solidFill>
-                      <a:prstDash val="solid"/>
-                    </a:lnB>
+                  <a:tcPr anchor="ctr" marB="63500" marT="63500" marR="0" marL="0">
+                    <a:lnL algn="ctr" cmpd="sng" cap="flat" w="0">
+                      <a:noFill/>
+                      <a:prstDash val="solid"/>
+                    </a:lnL>
+                    <a:lnR algn="ctr" cmpd="sng" cap="flat" w="0">
+                      <a:noFill/>
+                      <a:prstDash val="solid"/>
+                    </a:lnR>
+                    <a:lnT algn="ctr" cmpd="sng" cap="flat" w="6350">
+                      <a:solidFill>
+                        <a:srgbClr val="666666">
+                          <a:alpha val="100000"/>
+                        </a:srgbClr>
+                      </a:solidFill>
+                      <a:prstDash val="solid"/>
+                    </a:lnT>
+                    <a:lnB algn="ctr" cmpd="sng" cap="flat" w="6350">
+                      <a:solidFill>
+                        <a:srgbClr val="666666">
+                          <a:alpha val="100000"/>
+                        </a:srgbClr>
+                      </a:solidFill>
+                      <a:prstDash val="solid"/>
+                    </a:lnB>
+                    <a:solidFill>
+                      <a:srgbClr val="FFFFFF">
+                        <a:alpha val="0"/>
+                      </a:srgbClr>
+                    </a:solidFill>
                   </a:tcPr>
                 </a:tc>
                 <a:tc>
@@ -5904,7 +5721,7 @@
                         <a:buNone/>
                       </a:pPr>
                       <a:r>
-                        <a:rPr sz="1100">
+                        <a:rPr cap="none" sz="1100" i="0" b="0" u="none">
                           <a:solidFill>
                             <a:srgbClr val="000000">
                               <a:alpha val="100000"/>
@@ -5915,43 +5732,40 @@
                           <a:ea typeface="Helvetica"/>
                           <a:sym typeface="Helvetica"/>
                         </a:rPr>
-                        <a:t>7</a:t>
-                      </a:r>
-                    </a:p>
-                  </a:txBody>
-                  <a:tcPr anchor="ctr" marB="0" marT="0" marR="0" marL="0">
-                    <a:lnL w="0" cmpd="sng" algn="ctr" cap="flat">
-                      <a:solidFill>
-                        <a:srgbClr val="FFFFFF">
-                          <a:alpha val="0"/>
-                        </a:srgbClr>
-                      </a:solidFill>
-                      <a:prstDash val="solid"/>
-                    </a:lnL>
-                    <a:lnR w="0" cmpd="sng" algn="ctr" cap="flat">
-                      <a:solidFill>
-                        <a:srgbClr val="FFFFFF">
-                          <a:alpha val="0"/>
-                        </a:srgbClr>
-                      </a:solidFill>
-                      <a:prstDash val="solid"/>
-                    </a:lnR>
-                    <a:lnT w="6350" cmpd="sng" algn="ctr" cap="flat">
-                      <a:solidFill>
-                        <a:srgbClr val="666666">
-                          <a:alpha val="100000"/>
-                        </a:srgbClr>
-                      </a:solidFill>
-                      <a:prstDash val="solid"/>
-                    </a:lnT>
-                    <a:lnB w="6350" cmpd="sng" algn="ctr" cap="flat">
-                      <a:solidFill>
-                        <a:srgbClr val="666666">
-                          <a:alpha val="100000"/>
-                        </a:srgbClr>
-                      </a:solidFill>
-                      <a:prstDash val="solid"/>
-                    </a:lnB>
+                        <a:t>2</a:t>
+                      </a:r>
+                    </a:p>
+                  </a:txBody>
+                  <a:tcPr anchor="ctr" marB="63500" marT="63500" marR="0" marL="0">
+                    <a:lnL algn="ctr" cmpd="sng" cap="flat" w="0">
+                      <a:noFill/>
+                      <a:prstDash val="solid"/>
+                    </a:lnL>
+                    <a:lnR algn="ctr" cmpd="sng" cap="flat" w="0">
+                      <a:noFill/>
+                      <a:prstDash val="solid"/>
+                    </a:lnR>
+                    <a:lnT algn="ctr" cmpd="sng" cap="flat" w="6350">
+                      <a:solidFill>
+                        <a:srgbClr val="666666">
+                          <a:alpha val="100000"/>
+                        </a:srgbClr>
+                      </a:solidFill>
+                      <a:prstDash val="solid"/>
+                    </a:lnT>
+                    <a:lnB algn="ctr" cmpd="sng" cap="flat" w="6350">
+                      <a:solidFill>
+                        <a:srgbClr val="666666">
+                          <a:alpha val="100000"/>
+                        </a:srgbClr>
+                      </a:solidFill>
+                      <a:prstDash val="solid"/>
+                    </a:lnB>
+                    <a:solidFill>
+                      <a:srgbClr val="FFFFFF">
+                        <a:alpha val="0"/>
+                      </a:srgbClr>
+                    </a:solidFill>
                   </a:tcPr>
                 </a:tc>
               </a:tr>
@@ -5974,7 +5788,7 @@
                         <a:buNone/>
                       </a:pPr>
                       <a:r>
-                        <a:rPr sz="1100">
+                        <a:rPr cap="none" sz="1100" i="0" b="0" u="none">
                           <a:solidFill>
                             <a:srgbClr val="000000">
                               <a:alpha val="100000"/>
@@ -5989,39 +5803,36 @@
                       </a:r>
                     </a:p>
                   </a:txBody>
-                  <a:tcPr anchor="ctr" marB="0" marT="0" marR="0" marL="0">
-                    <a:lnL w="0" cmpd="sng" algn="ctr" cap="flat">
-                      <a:solidFill>
-                        <a:srgbClr val="FFFFFF">
-                          <a:alpha val="0"/>
-                        </a:srgbClr>
-                      </a:solidFill>
-                      <a:prstDash val="solid"/>
-                    </a:lnL>
-                    <a:lnR w="0" cmpd="sng" algn="ctr" cap="flat">
-                      <a:solidFill>
-                        <a:srgbClr val="FFFFFF">
-                          <a:alpha val="0"/>
-                        </a:srgbClr>
-                      </a:solidFill>
-                      <a:prstDash val="solid"/>
-                    </a:lnR>
-                    <a:lnT w="6350" cmpd="sng" algn="ctr" cap="flat">
-                      <a:solidFill>
-                        <a:srgbClr val="666666">
-                          <a:alpha val="100000"/>
-                        </a:srgbClr>
-                      </a:solidFill>
-                      <a:prstDash val="solid"/>
-                    </a:lnT>
-                    <a:lnB w="6350" cmpd="sng" algn="ctr" cap="flat">
-                      <a:solidFill>
-                        <a:srgbClr val="666666">
-                          <a:alpha val="100000"/>
-                        </a:srgbClr>
-                      </a:solidFill>
-                      <a:prstDash val="solid"/>
-                    </a:lnB>
+                  <a:tcPr anchor="ctr" marB="63500" marT="63500" marR="0" marL="0">
+                    <a:lnL algn="ctr" cmpd="sng" cap="flat" w="0">
+                      <a:noFill/>
+                      <a:prstDash val="solid"/>
+                    </a:lnL>
+                    <a:lnR algn="ctr" cmpd="sng" cap="flat" w="0">
+                      <a:noFill/>
+                      <a:prstDash val="solid"/>
+                    </a:lnR>
+                    <a:lnT algn="ctr" cmpd="sng" cap="flat" w="6350">
+                      <a:solidFill>
+                        <a:srgbClr val="666666">
+                          <a:alpha val="100000"/>
+                        </a:srgbClr>
+                      </a:solidFill>
+                      <a:prstDash val="solid"/>
+                    </a:lnT>
+                    <a:lnB algn="ctr" cmpd="sng" cap="flat" w="6350">
+                      <a:solidFill>
+                        <a:srgbClr val="666666">
+                          <a:alpha val="100000"/>
+                        </a:srgbClr>
+                      </a:solidFill>
+                      <a:prstDash val="solid"/>
+                    </a:lnB>
+                    <a:solidFill>
+                      <a:srgbClr val="FFFFFF">
+                        <a:alpha val="0"/>
+                      </a:srgbClr>
+                    </a:solidFill>
                   </a:tcPr>
                 </a:tc>
                 <a:tc>
@@ -6042,7 +5853,7 @@
                         <a:buNone/>
                       </a:pPr>
                       <a:r>
-                        <a:rPr sz="1100">
+                        <a:rPr cap="none" sz="1100" i="0" b="0" u="none">
                           <a:solidFill>
                             <a:srgbClr val="000000">
                               <a:alpha val="100000"/>
@@ -6053,43 +5864,40 @@
                           <a:ea typeface="Helvetica"/>
                           <a:sym typeface="Helvetica"/>
                         </a:rPr>
-                        <a:t>194</a:t>
-                      </a:r>
-                    </a:p>
-                  </a:txBody>
-                  <a:tcPr anchor="ctr" marB="0" marT="0" marR="0" marL="0">
-                    <a:lnL w="0" cmpd="sng" algn="ctr" cap="flat">
-                      <a:solidFill>
-                        <a:srgbClr val="FFFFFF">
-                          <a:alpha val="0"/>
-                        </a:srgbClr>
-                      </a:solidFill>
-                      <a:prstDash val="solid"/>
-                    </a:lnL>
-                    <a:lnR w="0" cmpd="sng" algn="ctr" cap="flat">
-                      <a:solidFill>
-                        <a:srgbClr val="FFFFFF">
-                          <a:alpha val="0"/>
-                        </a:srgbClr>
-                      </a:solidFill>
-                      <a:prstDash val="solid"/>
-                    </a:lnR>
-                    <a:lnT w="6350" cmpd="sng" algn="ctr" cap="flat">
-                      <a:solidFill>
-                        <a:srgbClr val="666666">
-                          <a:alpha val="100000"/>
-                        </a:srgbClr>
-                      </a:solidFill>
-                      <a:prstDash val="solid"/>
-                    </a:lnT>
-                    <a:lnB w="6350" cmpd="sng" algn="ctr" cap="flat">
-                      <a:solidFill>
-                        <a:srgbClr val="666666">
-                          <a:alpha val="100000"/>
-                        </a:srgbClr>
-                      </a:solidFill>
-                      <a:prstDash val="solid"/>
-                    </a:lnB>
+                        <a:t/>
+                      </a:r>
+                    </a:p>
+                  </a:txBody>
+                  <a:tcPr anchor="ctr" marB="63500" marT="63500" marR="0" marL="0">
+                    <a:lnL algn="ctr" cmpd="sng" cap="flat" w="0">
+                      <a:noFill/>
+                      <a:prstDash val="solid"/>
+                    </a:lnL>
+                    <a:lnR algn="ctr" cmpd="sng" cap="flat" w="0">
+                      <a:noFill/>
+                      <a:prstDash val="solid"/>
+                    </a:lnR>
+                    <a:lnT algn="ctr" cmpd="sng" cap="flat" w="6350">
+                      <a:solidFill>
+                        <a:srgbClr val="666666">
+                          <a:alpha val="100000"/>
+                        </a:srgbClr>
+                      </a:solidFill>
+                      <a:prstDash val="solid"/>
+                    </a:lnT>
+                    <a:lnB algn="ctr" cmpd="sng" cap="flat" w="6350">
+                      <a:solidFill>
+                        <a:srgbClr val="666666">
+                          <a:alpha val="100000"/>
+                        </a:srgbClr>
+                      </a:solidFill>
+                      <a:prstDash val="solid"/>
+                    </a:lnB>
+                    <a:solidFill>
+                      <a:srgbClr val="FFFFFF">
+                        <a:alpha val="0"/>
+                      </a:srgbClr>
+                    </a:solidFill>
                   </a:tcPr>
                 </a:tc>
                 <a:tc>
@@ -6110,7 +5918,7 @@
                         <a:buNone/>
                       </a:pPr>
                       <a:r>
-                        <a:rPr sz="1100">
+                        <a:rPr cap="none" sz="1100" i="0" b="0" u="none">
                           <a:solidFill>
                             <a:srgbClr val="000000">
                               <a:alpha val="100000"/>
@@ -6121,43 +5929,40 @@
                           <a:ea typeface="Helvetica"/>
                           <a:sym typeface="Helvetica"/>
                         </a:rPr>
-                        <a:t>8.6</a:t>
-                      </a:r>
-                    </a:p>
-                  </a:txBody>
-                  <a:tcPr anchor="ctr" marB="0" marT="0" marR="0" marL="0">
-                    <a:lnL w="0" cmpd="sng" algn="ctr" cap="flat">
-                      <a:solidFill>
-                        <a:srgbClr val="FFFFFF">
-                          <a:alpha val="0"/>
-                        </a:srgbClr>
-                      </a:solidFill>
-                      <a:prstDash val="solid"/>
-                    </a:lnL>
-                    <a:lnR w="0" cmpd="sng" algn="ctr" cap="flat">
-                      <a:solidFill>
-                        <a:srgbClr val="FFFFFF">
-                          <a:alpha val="0"/>
-                        </a:srgbClr>
-                      </a:solidFill>
-                      <a:prstDash val="solid"/>
-                    </a:lnR>
-                    <a:lnT w="6350" cmpd="sng" algn="ctr" cap="flat">
-                      <a:solidFill>
-                        <a:srgbClr val="666666">
-                          <a:alpha val="100000"/>
-                        </a:srgbClr>
-                      </a:solidFill>
-                      <a:prstDash val="solid"/>
-                    </a:lnT>
-                    <a:lnB w="6350" cmpd="sng" algn="ctr" cap="flat">
-                      <a:solidFill>
-                        <a:srgbClr val="666666">
-                          <a:alpha val="100000"/>
-                        </a:srgbClr>
-                      </a:solidFill>
-                      <a:prstDash val="solid"/>
-                    </a:lnB>
+                        <a:t>14.3</a:t>
+                      </a:r>
+                    </a:p>
+                  </a:txBody>
+                  <a:tcPr anchor="ctr" marB="63500" marT="63500" marR="0" marL="0">
+                    <a:lnL algn="ctr" cmpd="sng" cap="flat" w="0">
+                      <a:noFill/>
+                      <a:prstDash val="solid"/>
+                    </a:lnL>
+                    <a:lnR algn="ctr" cmpd="sng" cap="flat" w="0">
+                      <a:noFill/>
+                      <a:prstDash val="solid"/>
+                    </a:lnR>
+                    <a:lnT algn="ctr" cmpd="sng" cap="flat" w="6350">
+                      <a:solidFill>
+                        <a:srgbClr val="666666">
+                          <a:alpha val="100000"/>
+                        </a:srgbClr>
+                      </a:solidFill>
+                      <a:prstDash val="solid"/>
+                    </a:lnT>
+                    <a:lnB algn="ctr" cmpd="sng" cap="flat" w="6350">
+                      <a:solidFill>
+                        <a:srgbClr val="666666">
+                          <a:alpha val="100000"/>
+                        </a:srgbClr>
+                      </a:solidFill>
+                      <a:prstDash val="solid"/>
+                    </a:lnB>
+                    <a:solidFill>
+                      <a:srgbClr val="FFFFFF">
+                        <a:alpha val="0"/>
+                      </a:srgbClr>
+                    </a:solidFill>
                   </a:tcPr>
                 </a:tc>
                 <a:tc>
@@ -6178,7 +5983,7 @@
                         <a:buNone/>
                       </a:pPr>
                       <a:r>
-                        <a:rPr sz="1100">
+                        <a:rPr cap="none" sz="1100" i="0" b="0" u="none">
                           <a:solidFill>
                             <a:srgbClr val="000000">
                               <a:alpha val="100000"/>
@@ -6189,43 +5994,40 @@
                           <a:ea typeface="Helvetica"/>
                           <a:sym typeface="Helvetica"/>
                         </a:rPr>
-                        <a:t>69</a:t>
-                      </a:r>
-                    </a:p>
-                  </a:txBody>
-                  <a:tcPr anchor="ctr" marB="0" marT="0" marR="0" marL="0">
-                    <a:lnL w="0" cmpd="sng" algn="ctr" cap="flat">
-                      <a:solidFill>
-                        <a:srgbClr val="FFFFFF">
-                          <a:alpha val="0"/>
-                        </a:srgbClr>
-                      </a:solidFill>
-                      <a:prstDash val="solid"/>
-                    </a:lnL>
-                    <a:lnR w="0" cmpd="sng" algn="ctr" cap="flat">
-                      <a:solidFill>
-                        <a:srgbClr val="FFFFFF">
-                          <a:alpha val="0"/>
-                        </a:srgbClr>
-                      </a:solidFill>
-                      <a:prstDash val="solid"/>
-                    </a:lnR>
-                    <a:lnT w="6350" cmpd="sng" algn="ctr" cap="flat">
-                      <a:solidFill>
-                        <a:srgbClr val="666666">
-                          <a:alpha val="100000"/>
-                        </a:srgbClr>
-                      </a:solidFill>
-                      <a:prstDash val="solid"/>
-                    </a:lnT>
-                    <a:lnB w="6350" cmpd="sng" algn="ctr" cap="flat">
-                      <a:solidFill>
-                        <a:srgbClr val="666666">
-                          <a:alpha val="100000"/>
-                        </a:srgbClr>
-                      </a:solidFill>
-                      <a:prstDash val="solid"/>
-                    </a:lnB>
+                        <a:t>56</a:t>
+                      </a:r>
+                    </a:p>
+                  </a:txBody>
+                  <a:tcPr anchor="ctr" marB="63500" marT="63500" marR="0" marL="0">
+                    <a:lnL algn="ctr" cmpd="sng" cap="flat" w="0">
+                      <a:noFill/>
+                      <a:prstDash val="solid"/>
+                    </a:lnL>
+                    <a:lnR algn="ctr" cmpd="sng" cap="flat" w="0">
+                      <a:noFill/>
+                      <a:prstDash val="solid"/>
+                    </a:lnR>
+                    <a:lnT algn="ctr" cmpd="sng" cap="flat" w="6350">
+                      <a:solidFill>
+                        <a:srgbClr val="666666">
+                          <a:alpha val="100000"/>
+                        </a:srgbClr>
+                      </a:solidFill>
+                      <a:prstDash val="solid"/>
+                    </a:lnT>
+                    <a:lnB algn="ctr" cmpd="sng" cap="flat" w="6350">
+                      <a:solidFill>
+                        <a:srgbClr val="666666">
+                          <a:alpha val="100000"/>
+                        </a:srgbClr>
+                      </a:solidFill>
+                      <a:prstDash val="solid"/>
+                    </a:lnB>
+                    <a:solidFill>
+                      <a:srgbClr val="FFFFFF">
+                        <a:alpha val="0"/>
+                      </a:srgbClr>
+                    </a:solidFill>
                   </a:tcPr>
                 </a:tc>
                 <a:tc>
@@ -6246,7 +6048,7 @@
                         <a:buNone/>
                       </a:pPr>
                       <a:r>
-                        <a:rPr sz="1100">
+                        <a:rPr cap="none" sz="1100" i="0" b="0" u="none">
                           <a:solidFill>
                             <a:srgbClr val="000000">
                               <a:alpha val="100000"/>
@@ -6261,39 +6063,36 @@
                       </a:r>
                     </a:p>
                   </a:txBody>
-                  <a:tcPr anchor="ctr" marB="0" marT="0" marR="0" marL="0">
-                    <a:lnL w="0" cmpd="sng" algn="ctr" cap="flat">
-                      <a:solidFill>
-                        <a:srgbClr val="FFFFFF">
-                          <a:alpha val="0"/>
-                        </a:srgbClr>
-                      </a:solidFill>
-                      <a:prstDash val="solid"/>
-                    </a:lnL>
-                    <a:lnR w="0" cmpd="sng" algn="ctr" cap="flat">
-                      <a:solidFill>
-                        <a:srgbClr val="FFFFFF">
-                          <a:alpha val="0"/>
-                        </a:srgbClr>
-                      </a:solidFill>
-                      <a:prstDash val="solid"/>
-                    </a:lnR>
-                    <a:lnT w="6350" cmpd="sng" algn="ctr" cap="flat">
-                      <a:solidFill>
-                        <a:srgbClr val="666666">
-                          <a:alpha val="100000"/>
-                        </a:srgbClr>
-                      </a:solidFill>
-                      <a:prstDash val="solid"/>
-                    </a:lnT>
-                    <a:lnB w="6350" cmpd="sng" algn="ctr" cap="flat">
-                      <a:solidFill>
-                        <a:srgbClr val="666666">
-                          <a:alpha val="100000"/>
-                        </a:srgbClr>
-                      </a:solidFill>
-                      <a:prstDash val="solid"/>
-                    </a:lnB>
+                  <a:tcPr anchor="ctr" marB="63500" marT="63500" marR="0" marL="0">
+                    <a:lnL algn="ctr" cmpd="sng" cap="flat" w="0">
+                      <a:noFill/>
+                      <a:prstDash val="solid"/>
+                    </a:lnL>
+                    <a:lnR algn="ctr" cmpd="sng" cap="flat" w="0">
+                      <a:noFill/>
+                      <a:prstDash val="solid"/>
+                    </a:lnR>
+                    <a:lnT algn="ctr" cmpd="sng" cap="flat" w="6350">
+                      <a:solidFill>
+                        <a:srgbClr val="666666">
+                          <a:alpha val="100000"/>
+                        </a:srgbClr>
+                      </a:solidFill>
+                      <a:prstDash val="solid"/>
+                    </a:lnT>
+                    <a:lnB algn="ctr" cmpd="sng" cap="flat" w="6350">
+                      <a:solidFill>
+                        <a:srgbClr val="666666">
+                          <a:alpha val="100000"/>
+                        </a:srgbClr>
+                      </a:solidFill>
+                      <a:prstDash val="solid"/>
+                    </a:lnB>
+                    <a:solidFill>
+                      <a:srgbClr val="FFFFFF">
+                        <a:alpha val="0"/>
+                      </a:srgbClr>
+                    </a:solidFill>
                   </a:tcPr>
                 </a:tc>
                 <a:tc>
@@ -6314,7 +6113,7 @@
                         <a:buNone/>
                       </a:pPr>
                       <a:r>
-                        <a:rPr sz="1100">
+                        <a:rPr cap="none" sz="1100" i="0" b="0" u="none">
                           <a:solidFill>
                             <a:srgbClr val="000000">
                               <a:alpha val="100000"/>
@@ -6325,43 +6124,40 @@
                           <a:ea typeface="Helvetica"/>
                           <a:sym typeface="Helvetica"/>
                         </a:rPr>
-                        <a:t>10</a:t>
-                      </a:r>
-                    </a:p>
-                  </a:txBody>
-                  <a:tcPr anchor="ctr" marB="0" marT="0" marR="0" marL="0">
-                    <a:lnL w="0" cmpd="sng" algn="ctr" cap="flat">
-                      <a:solidFill>
-                        <a:srgbClr val="FFFFFF">
-                          <a:alpha val="0"/>
-                        </a:srgbClr>
-                      </a:solidFill>
-                      <a:prstDash val="solid"/>
-                    </a:lnL>
-                    <a:lnR w="0" cmpd="sng" algn="ctr" cap="flat">
-                      <a:solidFill>
-                        <a:srgbClr val="FFFFFF">
-                          <a:alpha val="0"/>
-                        </a:srgbClr>
-                      </a:solidFill>
-                      <a:prstDash val="solid"/>
-                    </a:lnR>
-                    <a:lnT w="6350" cmpd="sng" algn="ctr" cap="flat">
-                      <a:solidFill>
-                        <a:srgbClr val="666666">
-                          <a:alpha val="100000"/>
-                        </a:srgbClr>
-                      </a:solidFill>
-                      <a:prstDash val="solid"/>
-                    </a:lnT>
-                    <a:lnB w="6350" cmpd="sng" algn="ctr" cap="flat">
-                      <a:solidFill>
-                        <a:srgbClr val="666666">
-                          <a:alpha val="100000"/>
-                        </a:srgbClr>
-                      </a:solidFill>
-                      <a:prstDash val="solid"/>
-                    </a:lnB>
+                        <a:t>5</a:t>
+                      </a:r>
+                    </a:p>
+                  </a:txBody>
+                  <a:tcPr anchor="ctr" marB="63500" marT="63500" marR="0" marL="0">
+                    <a:lnL algn="ctr" cmpd="sng" cap="flat" w="0">
+                      <a:noFill/>
+                      <a:prstDash val="solid"/>
+                    </a:lnL>
+                    <a:lnR algn="ctr" cmpd="sng" cap="flat" w="0">
+                      <a:noFill/>
+                      <a:prstDash val="solid"/>
+                    </a:lnR>
+                    <a:lnT algn="ctr" cmpd="sng" cap="flat" w="6350">
+                      <a:solidFill>
+                        <a:srgbClr val="666666">
+                          <a:alpha val="100000"/>
+                        </a:srgbClr>
+                      </a:solidFill>
+                      <a:prstDash val="solid"/>
+                    </a:lnT>
+                    <a:lnB algn="ctr" cmpd="sng" cap="flat" w="6350">
+                      <a:solidFill>
+                        <a:srgbClr val="666666">
+                          <a:alpha val="100000"/>
+                        </a:srgbClr>
+                      </a:solidFill>
+                      <a:prstDash val="solid"/>
+                    </a:lnB>
+                    <a:solidFill>
+                      <a:srgbClr val="FFFFFF">
+                        <a:alpha val="0"/>
+                      </a:srgbClr>
+                    </a:solidFill>
                   </a:tcPr>
                 </a:tc>
               </a:tr>
@@ -6384,7 +6180,7 @@
                         <a:buNone/>
                       </a:pPr>
                       <a:r>
-                        <a:rPr sz="1100">
+                        <a:rPr cap="none" sz="1100" i="0" b="0" u="none">
                           <a:solidFill>
                             <a:srgbClr val="000000">
                               <a:alpha val="100000"/>
@@ -6395,43 +6191,40 @@
                           <a:ea typeface="Helvetica"/>
                           <a:sym typeface="Helvetica"/>
                         </a:rPr>
-                        <a:t>8</a:t>
-                      </a:r>
-                    </a:p>
-                  </a:txBody>
-                  <a:tcPr anchor="ctr" marB="0" marT="0" marR="0" marL="0">
-                    <a:lnL w="0" cmpd="sng" algn="ctr" cap="flat">
-                      <a:solidFill>
-                        <a:srgbClr val="FFFFFF">
-                          <a:alpha val="0"/>
-                        </a:srgbClr>
-                      </a:solidFill>
-                      <a:prstDash val="solid"/>
-                    </a:lnL>
-                    <a:lnR w="0" cmpd="sng" algn="ctr" cap="flat">
-                      <a:solidFill>
-                        <a:srgbClr val="FFFFFF">
-                          <a:alpha val="0"/>
-                        </a:srgbClr>
-                      </a:solidFill>
-                      <a:prstDash val="solid"/>
-                    </a:lnR>
-                    <a:lnT w="6350" cmpd="sng" algn="ctr" cap="flat">
-                      <a:solidFill>
-                        <a:srgbClr val="666666">
-                          <a:alpha val="100000"/>
-                        </a:srgbClr>
-                      </a:solidFill>
-                      <a:prstDash val="solid"/>
-                    </a:lnT>
-                    <a:lnB w="6350" cmpd="sng" algn="ctr" cap="flat">
-                      <a:solidFill>
-                        <a:srgbClr val="666666">
-                          <a:alpha val="100000"/>
-                        </a:srgbClr>
-                      </a:solidFill>
-                      <a:prstDash val="solid"/>
-                    </a:lnB>
+                        <a:t>23</a:t>
+                      </a:r>
+                    </a:p>
+                  </a:txBody>
+                  <a:tcPr anchor="ctr" marB="63500" marT="63500" marR="0" marL="0">
+                    <a:lnL algn="ctr" cmpd="sng" cap="flat" w="0">
+                      <a:noFill/>
+                      <a:prstDash val="solid"/>
+                    </a:lnL>
+                    <a:lnR algn="ctr" cmpd="sng" cap="flat" w="0">
+                      <a:noFill/>
+                      <a:prstDash val="solid"/>
+                    </a:lnR>
+                    <a:lnT algn="ctr" cmpd="sng" cap="flat" w="6350">
+                      <a:solidFill>
+                        <a:srgbClr val="666666">
+                          <a:alpha val="100000"/>
+                        </a:srgbClr>
+                      </a:solidFill>
+                      <a:prstDash val="solid"/>
+                    </a:lnT>
+                    <a:lnB algn="ctr" cmpd="sng" cap="flat" w="6350">
+                      <a:solidFill>
+                        <a:srgbClr val="666666">
+                          <a:alpha val="100000"/>
+                        </a:srgbClr>
+                      </a:solidFill>
+                      <a:prstDash val="solid"/>
+                    </a:lnB>
+                    <a:solidFill>
+                      <a:srgbClr val="FFFFFF">
+                        <a:alpha val="0"/>
+                      </a:srgbClr>
+                    </a:solidFill>
                   </a:tcPr>
                 </a:tc>
                 <a:tc>
@@ -6452,7 +6245,7 @@
                         <a:buNone/>
                       </a:pPr>
                       <a:r>
-                        <a:rPr sz="1100">
+                        <a:rPr cap="none" sz="1100" i="0" b="0" u="none">
                           <a:solidFill>
                             <a:srgbClr val="000000">
                               <a:alpha val="100000"/>
@@ -6463,43 +6256,40 @@
                           <a:ea typeface="Helvetica"/>
                           <a:sym typeface="Helvetica"/>
                         </a:rPr>
-                        <a:t>19</a:t>
-                      </a:r>
-                    </a:p>
-                  </a:txBody>
-                  <a:tcPr anchor="ctr" marB="0" marT="0" marR="0" marL="0">
-                    <a:lnL w="0" cmpd="sng" algn="ctr" cap="flat">
-                      <a:solidFill>
-                        <a:srgbClr val="FFFFFF">
-                          <a:alpha val="0"/>
-                        </a:srgbClr>
-                      </a:solidFill>
-                      <a:prstDash val="solid"/>
-                    </a:lnL>
-                    <a:lnR w="0" cmpd="sng" algn="ctr" cap="flat">
-                      <a:solidFill>
-                        <a:srgbClr val="FFFFFF">
-                          <a:alpha val="0"/>
-                        </a:srgbClr>
-                      </a:solidFill>
-                      <a:prstDash val="solid"/>
-                    </a:lnR>
-                    <a:lnT w="6350" cmpd="sng" algn="ctr" cap="flat">
-                      <a:solidFill>
-                        <a:srgbClr val="666666">
-                          <a:alpha val="100000"/>
-                        </a:srgbClr>
-                      </a:solidFill>
-                      <a:prstDash val="solid"/>
-                    </a:lnT>
-                    <a:lnB w="6350" cmpd="sng" algn="ctr" cap="flat">
-                      <a:solidFill>
-                        <a:srgbClr val="666666">
-                          <a:alpha val="100000"/>
-                        </a:srgbClr>
-                      </a:solidFill>
-                      <a:prstDash val="solid"/>
-                    </a:lnB>
+                        <a:t>299</a:t>
+                      </a:r>
+                    </a:p>
+                  </a:txBody>
+                  <a:tcPr anchor="ctr" marB="63500" marT="63500" marR="0" marL="0">
+                    <a:lnL algn="ctr" cmpd="sng" cap="flat" w="0">
+                      <a:noFill/>
+                      <a:prstDash val="solid"/>
+                    </a:lnL>
+                    <a:lnR algn="ctr" cmpd="sng" cap="flat" w="0">
+                      <a:noFill/>
+                      <a:prstDash val="solid"/>
+                    </a:lnR>
+                    <a:lnT algn="ctr" cmpd="sng" cap="flat" w="6350">
+                      <a:solidFill>
+                        <a:srgbClr val="666666">
+                          <a:alpha val="100000"/>
+                        </a:srgbClr>
+                      </a:solidFill>
+                      <a:prstDash val="solid"/>
+                    </a:lnT>
+                    <a:lnB algn="ctr" cmpd="sng" cap="flat" w="6350">
+                      <a:solidFill>
+                        <a:srgbClr val="666666">
+                          <a:alpha val="100000"/>
+                        </a:srgbClr>
+                      </a:solidFill>
+                      <a:prstDash val="solid"/>
+                    </a:lnB>
+                    <a:solidFill>
+                      <a:srgbClr val="FFFFFF">
+                        <a:alpha val="0"/>
+                      </a:srgbClr>
+                    </a:solidFill>
                   </a:tcPr>
                 </a:tc>
                 <a:tc>
@@ -6520,7 +6310,7 @@
                         <a:buNone/>
                       </a:pPr>
                       <a:r>
-                        <a:rPr sz="1100">
+                        <a:rPr cap="none" sz="1100" i="0" b="0" u="none">
                           <a:solidFill>
                             <a:srgbClr val="000000">
                               <a:alpha val="100000"/>
@@ -6531,43 +6321,40 @@
                           <a:ea typeface="Helvetica"/>
                           <a:sym typeface="Helvetica"/>
                         </a:rPr>
-                        <a:t>20.1</a:t>
-                      </a:r>
-                    </a:p>
-                  </a:txBody>
-                  <a:tcPr anchor="ctr" marB="0" marT="0" marR="0" marL="0">
-                    <a:lnL w="0" cmpd="sng" algn="ctr" cap="flat">
-                      <a:solidFill>
-                        <a:srgbClr val="FFFFFF">
-                          <a:alpha val="0"/>
-                        </a:srgbClr>
-                      </a:solidFill>
-                      <a:prstDash val="solid"/>
-                    </a:lnL>
-                    <a:lnR w="0" cmpd="sng" algn="ctr" cap="flat">
-                      <a:solidFill>
-                        <a:srgbClr val="FFFFFF">
-                          <a:alpha val="0"/>
-                        </a:srgbClr>
-                      </a:solidFill>
-                      <a:prstDash val="solid"/>
-                    </a:lnR>
-                    <a:lnT w="6350" cmpd="sng" algn="ctr" cap="flat">
-                      <a:solidFill>
-                        <a:srgbClr val="666666">
-                          <a:alpha val="100000"/>
-                        </a:srgbClr>
-                      </a:solidFill>
-                      <a:prstDash val="solid"/>
-                    </a:lnT>
-                    <a:lnB w="6350" cmpd="sng" algn="ctr" cap="flat">
-                      <a:solidFill>
-                        <a:srgbClr val="666666">
-                          <a:alpha val="100000"/>
-                        </a:srgbClr>
-                      </a:solidFill>
-                      <a:prstDash val="solid"/>
-                    </a:lnB>
+                        <a:t>8.6</a:t>
+                      </a:r>
+                    </a:p>
+                  </a:txBody>
+                  <a:tcPr anchor="ctr" marB="63500" marT="63500" marR="0" marL="0">
+                    <a:lnL algn="ctr" cmpd="sng" cap="flat" w="0">
+                      <a:noFill/>
+                      <a:prstDash val="solid"/>
+                    </a:lnL>
+                    <a:lnR algn="ctr" cmpd="sng" cap="flat" w="0">
+                      <a:noFill/>
+                      <a:prstDash val="solid"/>
+                    </a:lnR>
+                    <a:lnT algn="ctr" cmpd="sng" cap="flat" w="6350">
+                      <a:solidFill>
+                        <a:srgbClr val="666666">
+                          <a:alpha val="100000"/>
+                        </a:srgbClr>
+                      </a:solidFill>
+                      <a:prstDash val="solid"/>
+                    </a:lnT>
+                    <a:lnB algn="ctr" cmpd="sng" cap="flat" w="6350">
+                      <a:solidFill>
+                        <a:srgbClr val="666666">
+                          <a:alpha val="100000"/>
+                        </a:srgbClr>
+                      </a:solidFill>
+                      <a:prstDash val="solid"/>
+                    </a:lnB>
+                    <a:solidFill>
+                      <a:srgbClr val="FFFFFF">
+                        <a:alpha val="0"/>
+                      </a:srgbClr>
+                    </a:solidFill>
                   </a:tcPr>
                 </a:tc>
                 <a:tc>
@@ -6588,7 +6375,7 @@
                         <a:buNone/>
                       </a:pPr>
                       <a:r>
-                        <a:rPr sz="1100">
+                        <a:rPr cap="none" sz="1100" i="0" b="0" u="none">
                           <a:solidFill>
                             <a:srgbClr val="000000">
                               <a:alpha val="100000"/>
@@ -6599,43 +6386,40 @@
                           <a:ea typeface="Helvetica"/>
                           <a:sym typeface="Helvetica"/>
                         </a:rPr>
-                        <a:t>61</a:t>
-                      </a:r>
-                    </a:p>
-                  </a:txBody>
-                  <a:tcPr anchor="ctr" marB="0" marT="0" marR="0" marL="0">
-                    <a:lnL w="0" cmpd="sng" algn="ctr" cap="flat">
-                      <a:solidFill>
-                        <a:srgbClr val="FFFFFF">
-                          <a:alpha val="0"/>
-                        </a:srgbClr>
-                      </a:solidFill>
-                      <a:prstDash val="solid"/>
-                    </a:lnL>
-                    <a:lnR w="0" cmpd="sng" algn="ctr" cap="flat">
-                      <a:solidFill>
-                        <a:srgbClr val="FFFFFF">
-                          <a:alpha val="0"/>
-                        </a:srgbClr>
-                      </a:solidFill>
-                      <a:prstDash val="solid"/>
-                    </a:lnR>
-                    <a:lnT w="6350" cmpd="sng" algn="ctr" cap="flat">
-                      <a:solidFill>
-                        <a:srgbClr val="666666">
-                          <a:alpha val="100000"/>
-                        </a:srgbClr>
-                      </a:solidFill>
-                      <a:prstDash val="solid"/>
-                    </a:lnT>
-                    <a:lnB w="6350" cmpd="sng" algn="ctr" cap="flat">
-                      <a:solidFill>
-                        <a:srgbClr val="666666">
-                          <a:alpha val="100000"/>
-                        </a:srgbClr>
-                      </a:solidFill>
-                      <a:prstDash val="solid"/>
-                    </a:lnB>
+                        <a:t>65</a:t>
+                      </a:r>
+                    </a:p>
+                  </a:txBody>
+                  <a:tcPr anchor="ctr" marB="63500" marT="63500" marR="0" marL="0">
+                    <a:lnL algn="ctr" cmpd="sng" cap="flat" w="0">
+                      <a:noFill/>
+                      <a:prstDash val="solid"/>
+                    </a:lnL>
+                    <a:lnR algn="ctr" cmpd="sng" cap="flat" w="0">
+                      <a:noFill/>
+                      <a:prstDash val="solid"/>
+                    </a:lnR>
+                    <a:lnT algn="ctr" cmpd="sng" cap="flat" w="6350">
+                      <a:solidFill>
+                        <a:srgbClr val="666666">
+                          <a:alpha val="100000"/>
+                        </a:srgbClr>
+                      </a:solidFill>
+                      <a:prstDash val="solid"/>
+                    </a:lnT>
+                    <a:lnB algn="ctr" cmpd="sng" cap="flat" w="6350">
+                      <a:solidFill>
+                        <a:srgbClr val="666666">
+                          <a:alpha val="100000"/>
+                        </a:srgbClr>
+                      </a:solidFill>
+                      <a:prstDash val="solid"/>
+                    </a:lnB>
+                    <a:solidFill>
+                      <a:srgbClr val="FFFFFF">
+                        <a:alpha val="0"/>
+                      </a:srgbClr>
+                    </a:solidFill>
                   </a:tcPr>
                 </a:tc>
                 <a:tc>
@@ -6656,7 +6440,7 @@
                         <a:buNone/>
                       </a:pPr>
                       <a:r>
-                        <a:rPr sz="1100">
+                        <a:rPr cap="none" sz="1100" i="0" b="0" u="none">
                           <a:solidFill>
                             <a:srgbClr val="000000">
                               <a:alpha val="100000"/>
@@ -6671,39 +6455,36 @@
                       </a:r>
                     </a:p>
                   </a:txBody>
-                  <a:tcPr anchor="ctr" marB="0" marT="0" marR="0" marL="0">
-                    <a:lnL w="0" cmpd="sng" algn="ctr" cap="flat">
-                      <a:solidFill>
-                        <a:srgbClr val="FFFFFF">
-                          <a:alpha val="0"/>
-                        </a:srgbClr>
-                      </a:solidFill>
-                      <a:prstDash val="solid"/>
-                    </a:lnL>
-                    <a:lnR w="0" cmpd="sng" algn="ctr" cap="flat">
-                      <a:solidFill>
-                        <a:srgbClr val="FFFFFF">
-                          <a:alpha val="0"/>
-                        </a:srgbClr>
-                      </a:solidFill>
-                      <a:prstDash val="solid"/>
-                    </a:lnR>
-                    <a:lnT w="6350" cmpd="sng" algn="ctr" cap="flat">
-                      <a:solidFill>
-                        <a:srgbClr val="666666">
-                          <a:alpha val="100000"/>
-                        </a:srgbClr>
-                      </a:solidFill>
-                      <a:prstDash val="solid"/>
-                    </a:lnT>
-                    <a:lnB w="6350" cmpd="sng" algn="ctr" cap="flat">
-                      <a:solidFill>
-                        <a:srgbClr val="666666">
-                          <a:alpha val="100000"/>
-                        </a:srgbClr>
-                      </a:solidFill>
-                      <a:prstDash val="solid"/>
-                    </a:lnB>
+                  <a:tcPr anchor="ctr" marB="63500" marT="63500" marR="0" marL="0">
+                    <a:lnL algn="ctr" cmpd="sng" cap="flat" w="0">
+                      <a:noFill/>
+                      <a:prstDash val="solid"/>
+                    </a:lnL>
+                    <a:lnR algn="ctr" cmpd="sng" cap="flat" w="0">
+                      <a:noFill/>
+                      <a:prstDash val="solid"/>
+                    </a:lnR>
+                    <a:lnT algn="ctr" cmpd="sng" cap="flat" w="6350">
+                      <a:solidFill>
+                        <a:srgbClr val="666666">
+                          <a:alpha val="100000"/>
+                        </a:srgbClr>
+                      </a:solidFill>
+                      <a:prstDash val="solid"/>
+                    </a:lnT>
+                    <a:lnB algn="ctr" cmpd="sng" cap="flat" w="6350">
+                      <a:solidFill>
+                        <a:srgbClr val="666666">
+                          <a:alpha val="100000"/>
+                        </a:srgbClr>
+                      </a:solidFill>
+                      <a:prstDash val="solid"/>
+                    </a:lnB>
+                    <a:solidFill>
+                      <a:srgbClr val="FFFFFF">
+                        <a:alpha val="0"/>
+                      </a:srgbClr>
+                    </a:solidFill>
                   </a:tcPr>
                 </a:tc>
                 <a:tc>
@@ -6724,7 +6505,7 @@
                         <a:buNone/>
                       </a:pPr>
                       <a:r>
-                        <a:rPr sz="1100">
+                        <a:rPr cap="none" sz="1100" i="0" b="0" u="none">
                           <a:solidFill>
                             <a:srgbClr val="000000">
                               <a:alpha val="100000"/>
@@ -6735,43 +6516,40 @@
                           <a:ea typeface="Helvetica"/>
                           <a:sym typeface="Helvetica"/>
                         </a:rPr>
-                        <a:t>9</a:t>
-                      </a:r>
-                    </a:p>
-                  </a:txBody>
-                  <a:tcPr anchor="ctr" marB="0" marT="0" marR="0" marL="0">
-                    <a:lnL w="0" cmpd="sng" algn="ctr" cap="flat">
-                      <a:solidFill>
-                        <a:srgbClr val="FFFFFF">
-                          <a:alpha val="0"/>
-                        </a:srgbClr>
-                      </a:solidFill>
-                      <a:prstDash val="solid"/>
-                    </a:lnL>
-                    <a:lnR w="0" cmpd="sng" algn="ctr" cap="flat">
-                      <a:solidFill>
-                        <a:srgbClr val="FFFFFF">
-                          <a:alpha val="0"/>
-                        </a:srgbClr>
-                      </a:solidFill>
-                      <a:prstDash val="solid"/>
-                    </a:lnR>
-                    <a:lnT w="6350" cmpd="sng" algn="ctr" cap="flat">
-                      <a:solidFill>
-                        <a:srgbClr val="666666">
-                          <a:alpha val="100000"/>
-                        </a:srgbClr>
-                      </a:solidFill>
-                      <a:prstDash val="solid"/>
-                    </a:lnT>
-                    <a:lnB w="6350" cmpd="sng" algn="ctr" cap="flat">
-                      <a:solidFill>
-                        <a:srgbClr val="666666">
-                          <a:alpha val="100000"/>
-                        </a:srgbClr>
-                      </a:solidFill>
-                      <a:prstDash val="solid"/>
-                    </a:lnB>
+                        <a:t>7</a:t>
+                      </a:r>
+                    </a:p>
+                  </a:txBody>
+                  <a:tcPr anchor="ctr" marB="63500" marT="63500" marR="0" marL="0">
+                    <a:lnL algn="ctr" cmpd="sng" cap="flat" w="0">
+                      <a:noFill/>
+                      <a:prstDash val="solid"/>
+                    </a:lnL>
+                    <a:lnR algn="ctr" cmpd="sng" cap="flat" w="0">
+                      <a:noFill/>
+                      <a:prstDash val="solid"/>
+                    </a:lnR>
+                    <a:lnT algn="ctr" cmpd="sng" cap="flat" w="6350">
+                      <a:solidFill>
+                        <a:srgbClr val="666666">
+                          <a:alpha val="100000"/>
+                        </a:srgbClr>
+                      </a:solidFill>
+                      <a:prstDash val="solid"/>
+                    </a:lnT>
+                    <a:lnB algn="ctr" cmpd="sng" cap="flat" w="6350">
+                      <a:solidFill>
+                        <a:srgbClr val="666666">
+                          <a:alpha val="100000"/>
+                        </a:srgbClr>
+                      </a:solidFill>
+                      <a:prstDash val="solid"/>
+                    </a:lnB>
+                    <a:solidFill>
+                      <a:srgbClr val="FFFFFF">
+                        <a:alpha val="0"/>
+                      </a:srgbClr>
+                    </a:solidFill>
                   </a:tcPr>
                 </a:tc>
               </a:tr>
@@ -6794,7 +6572,7 @@
                         <a:buNone/>
                       </a:pPr>
                       <a:r>
-                        <a:rPr sz="1100">
+                        <a:rPr cap="none" sz="1100" i="0" b="0" u="none">
                           <a:solidFill>
                             <a:srgbClr val="000000">
                               <a:alpha val="100000"/>
@@ -6805,43 +6583,40 @@
                           <a:ea typeface="Helvetica"/>
                           <a:sym typeface="Helvetica"/>
                         </a:rPr>
-                        <a:t>36</a:t>
-                      </a:r>
-                    </a:p>
-                  </a:txBody>
-                  <a:tcPr anchor="ctr" marB="0" marT="0" marR="0" marL="0">
-                    <a:lnL w="0" cmpd="sng" algn="ctr" cap="flat">
-                      <a:solidFill>
-                        <a:srgbClr val="FFFFFF">
-                          <a:alpha val="0"/>
-                        </a:srgbClr>
-                      </a:solidFill>
-                      <a:prstDash val="solid"/>
-                    </a:lnL>
-                    <a:lnR w="0" cmpd="sng" algn="ctr" cap="flat">
-                      <a:solidFill>
-                        <a:srgbClr val="FFFFFF">
-                          <a:alpha val="0"/>
-                        </a:srgbClr>
-                      </a:solidFill>
-                      <a:prstDash val="solid"/>
-                    </a:lnR>
-                    <a:lnT w="6350" cmpd="sng" algn="ctr" cap="flat">
-                      <a:solidFill>
-                        <a:srgbClr val="666666">
-                          <a:alpha val="100000"/>
-                        </a:srgbClr>
-                      </a:solidFill>
-                      <a:prstDash val="solid"/>
-                    </a:lnT>
-                    <a:lnB w="25400" cmpd="sng" algn="ctr" cap="flat">
-                      <a:solidFill>
-                        <a:srgbClr val="666666">
-                          <a:alpha val="100000"/>
-                        </a:srgbClr>
-                      </a:solidFill>
-                      <a:prstDash val="solid"/>
-                    </a:lnB>
+                        <a:t>41</a:t>
+                      </a:r>
+                    </a:p>
+                  </a:txBody>
+                  <a:tcPr anchor="ctr" marB="63500" marT="63500" marR="0" marL="0">
+                    <a:lnL algn="ctr" cmpd="sng" cap="flat" w="0">
+                      <a:noFill/>
+                      <a:prstDash val="solid"/>
+                    </a:lnL>
+                    <a:lnR algn="ctr" cmpd="sng" cap="flat" w="0">
+                      <a:noFill/>
+                      <a:prstDash val="solid"/>
+                    </a:lnR>
+                    <a:lnT algn="ctr" cmpd="sng" cap="flat" w="6350">
+                      <a:solidFill>
+                        <a:srgbClr val="666666">
+                          <a:alpha val="100000"/>
+                        </a:srgbClr>
+                      </a:solidFill>
+                      <a:prstDash val="solid"/>
+                    </a:lnT>
+                    <a:lnB algn="ctr" cmpd="sng" cap="flat" w="25400">
+                      <a:solidFill>
+                        <a:srgbClr val="666666">
+                          <a:alpha val="100000"/>
+                        </a:srgbClr>
+                      </a:solidFill>
+                      <a:prstDash val="solid"/>
+                    </a:lnB>
+                    <a:solidFill>
+                      <a:srgbClr val="FFFFFF">
+                        <a:alpha val="0"/>
+                      </a:srgbClr>
+                    </a:solidFill>
                   </a:tcPr>
                 </a:tc>
                 <a:tc>
@@ -6862,7 +6637,7 @@
                         <a:buNone/>
                       </a:pPr>
                       <a:r>
-                        <a:rPr sz="1100">
+                        <a:rPr cap="none" sz="1100" i="0" b="0" u="none">
                           <a:solidFill>
                             <a:srgbClr val="000000">
                               <a:alpha val="100000"/>
@@ -6873,43 +6648,40 @@
                           <a:ea typeface="Helvetica"/>
                           <a:sym typeface="Helvetica"/>
                         </a:rPr>
-                        <a:t>118</a:t>
-                      </a:r>
-                    </a:p>
-                  </a:txBody>
-                  <a:tcPr anchor="ctr" marB="0" marT="0" marR="0" marL="0">
-                    <a:lnL w="0" cmpd="sng" algn="ctr" cap="flat">
-                      <a:solidFill>
-                        <a:srgbClr val="FFFFFF">
-                          <a:alpha val="0"/>
-                        </a:srgbClr>
-                      </a:solidFill>
-                      <a:prstDash val="solid"/>
-                    </a:lnL>
-                    <a:lnR w="0" cmpd="sng" algn="ctr" cap="flat">
-                      <a:solidFill>
-                        <a:srgbClr val="FFFFFF">
-                          <a:alpha val="0"/>
-                        </a:srgbClr>
-                      </a:solidFill>
-                      <a:prstDash val="solid"/>
-                    </a:lnR>
-                    <a:lnT w="6350" cmpd="sng" algn="ctr" cap="flat">
-                      <a:solidFill>
-                        <a:srgbClr val="666666">
-                          <a:alpha val="100000"/>
-                        </a:srgbClr>
-                      </a:solidFill>
-                      <a:prstDash val="solid"/>
-                    </a:lnT>
-                    <a:lnB w="25400" cmpd="sng" algn="ctr" cap="flat">
-                      <a:solidFill>
-                        <a:srgbClr val="666666">
-                          <a:alpha val="100000"/>
-                        </a:srgbClr>
-                      </a:solidFill>
-                      <a:prstDash val="solid"/>
-                    </a:lnB>
+                        <a:t>190</a:t>
+                      </a:r>
+                    </a:p>
+                  </a:txBody>
+                  <a:tcPr anchor="ctr" marB="63500" marT="63500" marR="0" marL="0">
+                    <a:lnL algn="ctr" cmpd="sng" cap="flat" w="0">
+                      <a:noFill/>
+                      <a:prstDash val="solid"/>
+                    </a:lnL>
+                    <a:lnR algn="ctr" cmpd="sng" cap="flat" w="0">
+                      <a:noFill/>
+                      <a:prstDash val="solid"/>
+                    </a:lnR>
+                    <a:lnT algn="ctr" cmpd="sng" cap="flat" w="6350">
+                      <a:solidFill>
+                        <a:srgbClr val="666666">
+                          <a:alpha val="100000"/>
+                        </a:srgbClr>
+                      </a:solidFill>
+                      <a:prstDash val="solid"/>
+                    </a:lnT>
+                    <a:lnB algn="ctr" cmpd="sng" cap="flat" w="25400">
+                      <a:solidFill>
+                        <a:srgbClr val="666666">
+                          <a:alpha val="100000"/>
+                        </a:srgbClr>
+                      </a:solidFill>
+                      <a:prstDash val="solid"/>
+                    </a:lnB>
+                    <a:solidFill>
+                      <a:srgbClr val="FFFFFF">
+                        <a:alpha val="0"/>
+                      </a:srgbClr>
+                    </a:solidFill>
                   </a:tcPr>
                 </a:tc>
                 <a:tc>
@@ -6930,7 +6702,7 @@
                         <a:buNone/>
                       </a:pPr>
                       <a:r>
-                        <a:rPr sz="1100">
+                        <a:rPr cap="none" sz="1100" i="0" b="0" u="none">
                           <a:solidFill>
                             <a:srgbClr val="000000">
                               <a:alpha val="100000"/>
@@ -6941,43 +6713,40 @@
                           <a:ea typeface="Helvetica"/>
                           <a:sym typeface="Helvetica"/>
                         </a:rPr>
-                        <a:t>8.0</a:t>
-                      </a:r>
-                    </a:p>
-                  </a:txBody>
-                  <a:tcPr anchor="ctr" marB="0" marT="0" marR="0" marL="0">
-                    <a:lnL w="0" cmpd="sng" algn="ctr" cap="flat">
-                      <a:solidFill>
-                        <a:srgbClr val="FFFFFF">
-                          <a:alpha val="0"/>
-                        </a:srgbClr>
-                      </a:solidFill>
-                      <a:prstDash val="solid"/>
-                    </a:lnL>
-                    <a:lnR w="0" cmpd="sng" algn="ctr" cap="flat">
-                      <a:solidFill>
-                        <a:srgbClr val="FFFFFF">
-                          <a:alpha val="0"/>
-                        </a:srgbClr>
-                      </a:solidFill>
-                      <a:prstDash val="solid"/>
-                    </a:lnR>
-                    <a:lnT w="6350" cmpd="sng" algn="ctr" cap="flat">
-                      <a:solidFill>
-                        <a:srgbClr val="666666">
-                          <a:alpha val="100000"/>
-                        </a:srgbClr>
-                      </a:solidFill>
-                      <a:prstDash val="solid"/>
-                    </a:lnT>
-                    <a:lnB w="25400" cmpd="sng" algn="ctr" cap="flat">
-                      <a:solidFill>
-                        <a:srgbClr val="666666">
-                          <a:alpha val="100000"/>
-                        </a:srgbClr>
-                      </a:solidFill>
-                      <a:prstDash val="solid"/>
-                    </a:lnB>
+                        <a:t>7.4</a:t>
+                      </a:r>
+                    </a:p>
+                  </a:txBody>
+                  <a:tcPr anchor="ctr" marB="63500" marT="63500" marR="0" marL="0">
+                    <a:lnL algn="ctr" cmpd="sng" cap="flat" w="0">
+                      <a:noFill/>
+                      <a:prstDash val="solid"/>
+                    </a:lnL>
+                    <a:lnR algn="ctr" cmpd="sng" cap="flat" w="0">
+                      <a:noFill/>
+                      <a:prstDash val="solid"/>
+                    </a:lnR>
+                    <a:lnT algn="ctr" cmpd="sng" cap="flat" w="6350">
+                      <a:solidFill>
+                        <a:srgbClr val="666666">
+                          <a:alpha val="100000"/>
+                        </a:srgbClr>
+                      </a:solidFill>
+                      <a:prstDash val="solid"/>
+                    </a:lnT>
+                    <a:lnB algn="ctr" cmpd="sng" cap="flat" w="25400">
+                      <a:solidFill>
+                        <a:srgbClr val="666666">
+                          <a:alpha val="100000"/>
+                        </a:srgbClr>
+                      </a:solidFill>
+                      <a:prstDash val="solid"/>
+                    </a:lnB>
+                    <a:solidFill>
+                      <a:srgbClr val="FFFFFF">
+                        <a:alpha val="0"/>
+                      </a:srgbClr>
+                    </a:solidFill>
                   </a:tcPr>
                 </a:tc>
                 <a:tc>
@@ -6998,7 +6767,7 @@
                         <a:buNone/>
                       </a:pPr>
                       <a:r>
-                        <a:rPr sz="1100">
+                        <a:rPr cap="none" sz="1100" i="0" b="0" u="none">
                           <a:solidFill>
                             <a:srgbClr val="000000">
                               <a:alpha val="100000"/>
@@ -7009,43 +6778,40 @@
                           <a:ea typeface="Helvetica"/>
                           <a:sym typeface="Helvetica"/>
                         </a:rPr>
-                        <a:t>72</a:t>
-                      </a:r>
-                    </a:p>
-                  </a:txBody>
-                  <a:tcPr anchor="ctr" marB="0" marT="0" marR="0" marL="0">
-                    <a:lnL w="0" cmpd="sng" algn="ctr" cap="flat">
-                      <a:solidFill>
-                        <a:srgbClr val="FFFFFF">
-                          <a:alpha val="0"/>
-                        </a:srgbClr>
-                      </a:solidFill>
-                      <a:prstDash val="solid"/>
-                    </a:lnL>
-                    <a:lnR w="0" cmpd="sng" algn="ctr" cap="flat">
-                      <a:solidFill>
-                        <a:srgbClr val="FFFFFF">
-                          <a:alpha val="0"/>
-                        </a:srgbClr>
-                      </a:solidFill>
-                      <a:prstDash val="solid"/>
-                    </a:lnR>
-                    <a:lnT w="6350" cmpd="sng" algn="ctr" cap="flat">
-                      <a:solidFill>
-                        <a:srgbClr val="666666">
-                          <a:alpha val="100000"/>
-                        </a:srgbClr>
-                      </a:solidFill>
-                      <a:prstDash val="solid"/>
-                    </a:lnT>
-                    <a:lnB w="25400" cmpd="sng" algn="ctr" cap="flat">
-                      <a:solidFill>
-                        <a:srgbClr val="666666">
-                          <a:alpha val="100000"/>
-                        </a:srgbClr>
-                      </a:solidFill>
-                      <a:prstDash val="solid"/>
-                    </a:lnB>
+                        <a:t>67</a:t>
+                      </a:r>
+                    </a:p>
+                  </a:txBody>
+                  <a:tcPr anchor="ctr" marB="63500" marT="63500" marR="0" marL="0">
+                    <a:lnL algn="ctr" cmpd="sng" cap="flat" w="0">
+                      <a:noFill/>
+                      <a:prstDash val="solid"/>
+                    </a:lnL>
+                    <a:lnR algn="ctr" cmpd="sng" cap="flat" w="0">
+                      <a:noFill/>
+                      <a:prstDash val="solid"/>
+                    </a:lnR>
+                    <a:lnT algn="ctr" cmpd="sng" cap="flat" w="6350">
+                      <a:solidFill>
+                        <a:srgbClr val="666666">
+                          <a:alpha val="100000"/>
+                        </a:srgbClr>
+                      </a:solidFill>
+                      <a:prstDash val="solid"/>
+                    </a:lnT>
+                    <a:lnB algn="ctr" cmpd="sng" cap="flat" w="25400">
+                      <a:solidFill>
+                        <a:srgbClr val="666666">
+                          <a:alpha val="100000"/>
+                        </a:srgbClr>
+                      </a:solidFill>
+                      <a:prstDash val="solid"/>
+                    </a:lnB>
+                    <a:solidFill>
+                      <a:srgbClr val="FFFFFF">
+                        <a:alpha val="0"/>
+                      </a:srgbClr>
+                    </a:solidFill>
                   </a:tcPr>
                 </a:tc>
                 <a:tc>
@@ -7066,7 +6832,7 @@
                         <a:buNone/>
                       </a:pPr>
                       <a:r>
-                        <a:rPr sz="1100">
+                        <a:rPr cap="none" sz="1100" i="0" b="0" u="none">
                           <a:solidFill>
                             <a:srgbClr val="000000">
                               <a:alpha val="100000"/>
@@ -7081,39 +6847,36 @@
                       </a:r>
                     </a:p>
                   </a:txBody>
-                  <a:tcPr anchor="ctr" marB="0" marT="0" marR="0" marL="0">
-                    <a:lnL w="0" cmpd="sng" algn="ctr" cap="flat">
-                      <a:solidFill>
-                        <a:srgbClr val="FFFFFF">
-                          <a:alpha val="0"/>
-                        </a:srgbClr>
-                      </a:solidFill>
-                      <a:prstDash val="solid"/>
-                    </a:lnL>
-                    <a:lnR w="0" cmpd="sng" algn="ctr" cap="flat">
-                      <a:solidFill>
-                        <a:srgbClr val="FFFFFF">
-                          <a:alpha val="0"/>
-                        </a:srgbClr>
-                      </a:solidFill>
-                      <a:prstDash val="solid"/>
-                    </a:lnR>
-                    <a:lnT w="6350" cmpd="sng" algn="ctr" cap="flat">
-                      <a:solidFill>
-                        <a:srgbClr val="666666">
-                          <a:alpha val="100000"/>
-                        </a:srgbClr>
-                      </a:solidFill>
-                      <a:prstDash val="solid"/>
-                    </a:lnT>
-                    <a:lnB w="25400" cmpd="sng" algn="ctr" cap="flat">
-                      <a:solidFill>
-                        <a:srgbClr val="666666">
-                          <a:alpha val="100000"/>
-                        </a:srgbClr>
-                      </a:solidFill>
-                      <a:prstDash val="solid"/>
-                    </a:lnB>
+                  <a:tcPr anchor="ctr" marB="63500" marT="63500" marR="0" marL="0">
+                    <a:lnL algn="ctr" cmpd="sng" cap="flat" w="0">
+                      <a:noFill/>
+                      <a:prstDash val="solid"/>
+                    </a:lnL>
+                    <a:lnR algn="ctr" cmpd="sng" cap="flat" w="0">
+                      <a:noFill/>
+                      <a:prstDash val="solid"/>
+                    </a:lnR>
+                    <a:lnT algn="ctr" cmpd="sng" cap="flat" w="6350">
+                      <a:solidFill>
+                        <a:srgbClr val="666666">
+                          <a:alpha val="100000"/>
+                        </a:srgbClr>
+                      </a:solidFill>
+                      <a:prstDash val="solid"/>
+                    </a:lnT>
+                    <a:lnB algn="ctr" cmpd="sng" cap="flat" w="25400">
+                      <a:solidFill>
+                        <a:srgbClr val="666666">
+                          <a:alpha val="100000"/>
+                        </a:srgbClr>
+                      </a:solidFill>
+                      <a:prstDash val="solid"/>
+                    </a:lnB>
+                    <a:solidFill>
+                      <a:srgbClr val="FFFFFF">
+                        <a:alpha val="0"/>
+                      </a:srgbClr>
+                    </a:solidFill>
                   </a:tcPr>
                 </a:tc>
                 <a:tc>
@@ -7134,7 +6897,7 @@
                         <a:buNone/>
                       </a:pPr>
                       <a:r>
-                        <a:rPr sz="1100">
+                        <a:rPr cap="none" sz="1100" i="0" b="0" u="none">
                           <a:solidFill>
                             <a:srgbClr val="000000">
                               <a:alpha val="100000"/>
@@ -7145,43 +6908,40 @@
                           <a:ea typeface="Helvetica"/>
                           <a:sym typeface="Helvetica"/>
                         </a:rPr>
-                        <a:t>2</a:t>
-                      </a:r>
-                    </a:p>
-                  </a:txBody>
-                  <a:tcPr anchor="ctr" marB="0" marT="0" marR="0" marL="0">
-                    <a:lnL w="0" cmpd="sng" algn="ctr" cap="flat">
-                      <a:solidFill>
-                        <a:srgbClr val="FFFFFF">
-                          <a:alpha val="0"/>
-                        </a:srgbClr>
-                      </a:solidFill>
-                      <a:prstDash val="solid"/>
-                    </a:lnL>
-                    <a:lnR w="0" cmpd="sng" algn="ctr" cap="flat">
-                      <a:solidFill>
-                        <a:srgbClr val="FFFFFF">
-                          <a:alpha val="0"/>
-                        </a:srgbClr>
-                      </a:solidFill>
-                      <a:prstDash val="solid"/>
-                    </a:lnR>
-                    <a:lnT w="6350" cmpd="sng" algn="ctr" cap="flat">
-                      <a:solidFill>
-                        <a:srgbClr val="666666">
-                          <a:alpha val="100000"/>
-                        </a:srgbClr>
-                      </a:solidFill>
-                      <a:prstDash val="solid"/>
-                    </a:lnT>
-                    <a:lnB w="25400" cmpd="sng" algn="ctr" cap="flat">
-                      <a:solidFill>
-                        <a:srgbClr val="666666">
-                          <a:alpha val="100000"/>
-                        </a:srgbClr>
-                      </a:solidFill>
-                      <a:prstDash val="solid"/>
-                    </a:lnB>
+                        <a:t>1</a:t>
+                      </a:r>
+                    </a:p>
+                  </a:txBody>
+                  <a:tcPr anchor="ctr" marB="63500" marT="63500" marR="0" marL="0">
+                    <a:lnL algn="ctr" cmpd="sng" cap="flat" w="0">
+                      <a:noFill/>
+                      <a:prstDash val="solid"/>
+                    </a:lnL>
+                    <a:lnR algn="ctr" cmpd="sng" cap="flat" w="0">
+                      <a:noFill/>
+                      <a:prstDash val="solid"/>
+                    </a:lnR>
+                    <a:lnT algn="ctr" cmpd="sng" cap="flat" w="6350">
+                      <a:solidFill>
+                        <a:srgbClr val="666666">
+                          <a:alpha val="100000"/>
+                        </a:srgbClr>
+                      </a:solidFill>
+                      <a:prstDash val="solid"/>
+                    </a:lnT>
+                    <a:lnB algn="ctr" cmpd="sng" cap="flat" w="25400">
+                      <a:solidFill>
+                        <a:srgbClr val="666666">
+                          <a:alpha val="100000"/>
+                        </a:srgbClr>
+                      </a:solidFill>
+                      <a:prstDash val="solid"/>
+                    </a:lnB>
+                    <a:solidFill>
+                      <a:srgbClr val="FFFFFF">
+                        <a:alpha val="0"/>
+                      </a:srgbClr>
+                    </a:solidFill>
                   </a:tcPr>
                 </a:tc>
               </a:tr>
@@ -7204,7 +6964,7 @@
                         <a:buNone/>
                       </a:pPr>
                       <a:r>
-                        <a:rPr sz="1100">
+                        <a:rPr cap="none" sz="1100" i="0" b="0" u="none">
                           <a:solidFill>
                             <a:srgbClr val="666666">
                               <a:alpha val="100000"/>
@@ -7219,39 +6979,28 @@
                       </a:r>
                     </a:p>
                   </a:txBody>
-                  <a:tcPr anchor="ctr" marB="0" marT="0" marR="0" marL="0">
-                    <a:lnL w="0" cmpd="sng" algn="ctr" cap="flat">
-                      <a:solidFill>
-                        <a:srgbClr val="FFFFFF">
-                          <a:alpha val="0"/>
-                        </a:srgbClr>
-                      </a:solidFill>
-                      <a:prstDash val="solid"/>
-                    </a:lnL>
-                    <a:lnR w="0" cmpd="sng" algn="ctr" cap="flat">
-                      <a:solidFill>
-                        <a:srgbClr val="FFFFFF">
-                          <a:alpha val="0"/>
-                        </a:srgbClr>
-                      </a:solidFill>
-                      <a:prstDash val="solid"/>
-                    </a:lnR>
-                    <a:lnT w="0" cmpd="sng" algn="ctr" cap="flat">
-                      <a:solidFill>
-                        <a:srgbClr val="FFFFFF">
-                          <a:alpha val="0"/>
-                        </a:srgbClr>
-                      </a:solidFill>
-                      <a:prstDash val="solid"/>
-                    </a:lnT>
-                    <a:lnB w="0" cmpd="sng" algn="ctr" cap="flat">
-                      <a:solidFill>
-                        <a:srgbClr val="FFFFFF">
-                          <a:alpha val="0"/>
-                        </a:srgbClr>
-                      </a:solidFill>
-                      <a:prstDash val="solid"/>
-                    </a:lnB>
+                  <a:tcPr anchor="ctr" marB="63500" marT="63500" marR="0" marL="0">
+                    <a:lnL algn="ctr" cmpd="sng" cap="flat" w="0">
+                      <a:noFill/>
+                      <a:prstDash val="solid"/>
+                    </a:lnL>
+                    <a:lnR algn="ctr" cmpd="sng" cap="flat" w="0">
+                      <a:noFill/>
+                      <a:prstDash val="solid"/>
+                    </a:lnR>
+                    <a:lnT algn="ctr" cmpd="sng" cap="flat" w="0">
+                      <a:noFill/>
+                      <a:prstDash val="solid"/>
+                    </a:lnT>
+                    <a:lnB algn="ctr" cmpd="sng" cap="flat" w="0">
+                      <a:noFill/>
+                      <a:prstDash val="solid"/>
+                    </a:lnB>
+                    <a:solidFill>
+                      <a:srgbClr val="FFFFFF">
+                        <a:alpha val="0"/>
+                      </a:srgbClr>
+                    </a:solidFill>
                   </a:tcPr>
                 </a:tc>
                 <a:tc hMerge="true">
@@ -7272,7 +7021,7 @@
                         <a:buNone/>
                       </a:pPr>
                       <a:r>
-                        <a:rPr sz="1100">
+                        <a:rPr cap="none" sz="1100" i="0" b="0" u="none">
                           <a:solidFill>
                             <a:srgbClr val="666666">
                               <a:alpha val="100000"/>
@@ -7287,39 +7036,28 @@
                       </a:r>
                     </a:p>
                   </a:txBody>
-                  <a:tcPr anchor="ctr" marB="0" marT="0" marR="0" marL="0">
-                    <a:lnL w="0" cmpd="sng" algn="ctr" cap="flat">
-                      <a:solidFill>
-                        <a:srgbClr val="FFFFFF">
-                          <a:alpha val="0"/>
-                        </a:srgbClr>
-                      </a:solidFill>
-                      <a:prstDash val="solid"/>
-                    </a:lnL>
-                    <a:lnR w="0" cmpd="sng" algn="ctr" cap="flat">
-                      <a:solidFill>
-                        <a:srgbClr val="FFFFFF">
-                          <a:alpha val="0"/>
-                        </a:srgbClr>
-                      </a:solidFill>
-                      <a:prstDash val="solid"/>
-                    </a:lnR>
-                    <a:lnT w="0" cmpd="sng" algn="ctr" cap="flat">
-                      <a:solidFill>
-                        <a:srgbClr val="FFFFFF">
-                          <a:alpha val="0"/>
-                        </a:srgbClr>
-                      </a:solidFill>
-                      <a:prstDash val="solid"/>
-                    </a:lnT>
-                    <a:lnB w="0" cmpd="sng" algn="ctr" cap="flat">
-                      <a:solidFill>
-                        <a:srgbClr val="FFFFFF">
-                          <a:alpha val="0"/>
-                        </a:srgbClr>
-                      </a:solidFill>
-                      <a:prstDash val="solid"/>
-                    </a:lnB>
+                  <a:tcPr anchor="ctr" marB="63500" marT="63500" marR="0" marL="0">
+                    <a:lnL algn="ctr" cmpd="sng" cap="flat" w="0">
+                      <a:noFill/>
+                      <a:prstDash val="solid"/>
+                    </a:lnL>
+                    <a:lnR algn="ctr" cmpd="sng" cap="flat" w="0">
+                      <a:noFill/>
+                      <a:prstDash val="solid"/>
+                    </a:lnR>
+                    <a:lnT algn="ctr" cmpd="sng" cap="flat" w="0">
+                      <a:noFill/>
+                      <a:prstDash val="solid"/>
+                    </a:lnT>
+                    <a:lnB algn="ctr" cmpd="sng" cap="flat" w="0">
+                      <a:noFill/>
+                      <a:prstDash val="solid"/>
+                    </a:lnB>
+                    <a:solidFill>
+                      <a:srgbClr val="FFFFFF">
+                        <a:alpha val="0"/>
+                      </a:srgbClr>
+                    </a:solidFill>
                   </a:tcPr>
                 </a:tc>
                 <a:tc hMerge="true">
@@ -7340,7 +7078,7 @@
                         <a:buNone/>
                       </a:pPr>
                       <a:r>
-                        <a:rPr sz="1100">
+                        <a:rPr cap="none" sz="1100" i="0" b="0" u="none">
                           <a:solidFill>
                             <a:srgbClr val="666666">
                               <a:alpha val="100000"/>
@@ -7355,39 +7093,28 @@
                       </a:r>
                     </a:p>
                   </a:txBody>
-                  <a:tcPr anchor="ctr" marB="0" marT="0" marR="0" marL="0">
-                    <a:lnL w="0" cmpd="sng" algn="ctr" cap="flat">
-                      <a:solidFill>
-                        <a:srgbClr val="FFFFFF">
-                          <a:alpha val="0"/>
-                        </a:srgbClr>
-                      </a:solidFill>
-                      <a:prstDash val="solid"/>
-                    </a:lnL>
-                    <a:lnR w="0" cmpd="sng" algn="ctr" cap="flat">
-                      <a:solidFill>
-                        <a:srgbClr val="FFFFFF">
-                          <a:alpha val="0"/>
-                        </a:srgbClr>
-                      </a:solidFill>
-                      <a:prstDash val="solid"/>
-                    </a:lnR>
-                    <a:lnT w="0" cmpd="sng" algn="ctr" cap="flat">
-                      <a:solidFill>
-                        <a:srgbClr val="FFFFFF">
-                          <a:alpha val="0"/>
-                        </a:srgbClr>
-                      </a:solidFill>
-                      <a:prstDash val="solid"/>
-                    </a:lnT>
-                    <a:lnB w="0" cmpd="sng" algn="ctr" cap="flat">
-                      <a:solidFill>
-                        <a:srgbClr val="FFFFFF">
-                          <a:alpha val="0"/>
-                        </a:srgbClr>
-                      </a:solidFill>
-                      <a:prstDash val="solid"/>
-                    </a:lnB>
+                  <a:tcPr anchor="ctr" marB="63500" marT="63500" marR="0" marL="0">
+                    <a:lnL algn="ctr" cmpd="sng" cap="flat" w="0">
+                      <a:noFill/>
+                      <a:prstDash val="solid"/>
+                    </a:lnL>
+                    <a:lnR algn="ctr" cmpd="sng" cap="flat" w="0">
+                      <a:noFill/>
+                      <a:prstDash val="solid"/>
+                    </a:lnR>
+                    <a:lnT algn="ctr" cmpd="sng" cap="flat" w="0">
+                      <a:noFill/>
+                      <a:prstDash val="solid"/>
+                    </a:lnT>
+                    <a:lnB algn="ctr" cmpd="sng" cap="flat" w="0">
+                      <a:noFill/>
+                      <a:prstDash val="solid"/>
+                    </a:lnB>
+                    <a:solidFill>
+                      <a:srgbClr val="FFFFFF">
+                        <a:alpha val="0"/>
+                      </a:srgbClr>
+                    </a:solidFill>
                   </a:tcPr>
                 </a:tc>
                 <a:tc hMerge="true">
@@ -7408,7 +7135,7 @@
                         <a:buNone/>
                       </a:pPr>
                       <a:r>
-                        <a:rPr sz="1100">
+                        <a:rPr cap="none" sz="1100" i="0" b="0" u="none">
                           <a:solidFill>
                             <a:srgbClr val="666666">
                               <a:alpha val="100000"/>
@@ -7423,39 +7150,28 @@
                       </a:r>
                     </a:p>
                   </a:txBody>
-                  <a:tcPr anchor="ctr" marB="0" marT="0" marR="0" marL="0">
-                    <a:lnL w="0" cmpd="sng" algn="ctr" cap="flat">
-                      <a:solidFill>
-                        <a:srgbClr val="FFFFFF">
-                          <a:alpha val="0"/>
-                        </a:srgbClr>
-                      </a:solidFill>
-                      <a:prstDash val="solid"/>
-                    </a:lnL>
-                    <a:lnR w="0" cmpd="sng" algn="ctr" cap="flat">
-                      <a:solidFill>
-                        <a:srgbClr val="FFFFFF">
-                          <a:alpha val="0"/>
-                        </a:srgbClr>
-                      </a:solidFill>
-                      <a:prstDash val="solid"/>
-                    </a:lnR>
-                    <a:lnT w="0" cmpd="sng" algn="ctr" cap="flat">
-                      <a:solidFill>
-                        <a:srgbClr val="FFFFFF">
-                          <a:alpha val="0"/>
-                        </a:srgbClr>
-                      </a:solidFill>
-                      <a:prstDash val="solid"/>
-                    </a:lnT>
-                    <a:lnB w="0" cmpd="sng" algn="ctr" cap="flat">
-                      <a:solidFill>
-                        <a:srgbClr val="FFFFFF">
-                          <a:alpha val="0"/>
-                        </a:srgbClr>
-                      </a:solidFill>
-                      <a:prstDash val="solid"/>
-                    </a:lnB>
+                  <a:tcPr anchor="ctr" marB="63500" marT="63500" marR="0" marL="0">
+                    <a:lnL algn="ctr" cmpd="sng" cap="flat" w="0">
+                      <a:noFill/>
+                      <a:prstDash val="solid"/>
+                    </a:lnL>
+                    <a:lnR algn="ctr" cmpd="sng" cap="flat" w="0">
+                      <a:noFill/>
+                      <a:prstDash val="solid"/>
+                    </a:lnR>
+                    <a:lnT algn="ctr" cmpd="sng" cap="flat" w="0">
+                      <a:noFill/>
+                      <a:prstDash val="solid"/>
+                    </a:lnT>
+                    <a:lnB algn="ctr" cmpd="sng" cap="flat" w="0">
+                      <a:noFill/>
+                      <a:prstDash val="solid"/>
+                    </a:lnB>
+                    <a:solidFill>
+                      <a:srgbClr val="FFFFFF">
+                        <a:alpha val="0"/>
+                      </a:srgbClr>
+                    </a:solidFill>
                   </a:tcPr>
                 </a:tc>
                 <a:tc hMerge="true">
@@ -7476,7 +7192,7 @@
                         <a:buNone/>
                       </a:pPr>
                       <a:r>
-                        <a:rPr sz="1100">
+                        <a:rPr cap="none" sz="1100" i="0" b="0" u="none">
                           <a:solidFill>
                             <a:srgbClr val="666666">
                               <a:alpha val="100000"/>
@@ -7491,39 +7207,28 @@
                       </a:r>
                     </a:p>
                   </a:txBody>
-                  <a:tcPr anchor="ctr" marB="0" marT="0" marR="0" marL="0">
-                    <a:lnL w="0" cmpd="sng" algn="ctr" cap="flat">
-                      <a:solidFill>
-                        <a:srgbClr val="FFFFFF">
-                          <a:alpha val="0"/>
-                        </a:srgbClr>
-                      </a:solidFill>
-                      <a:prstDash val="solid"/>
-                    </a:lnL>
-                    <a:lnR w="0" cmpd="sng" algn="ctr" cap="flat">
-                      <a:solidFill>
-                        <a:srgbClr val="FFFFFF">
-                          <a:alpha val="0"/>
-                        </a:srgbClr>
-                      </a:solidFill>
-                      <a:prstDash val="solid"/>
-                    </a:lnR>
-                    <a:lnT w="0" cmpd="sng" algn="ctr" cap="flat">
-                      <a:solidFill>
-                        <a:srgbClr val="FFFFFF">
-                          <a:alpha val="0"/>
-                        </a:srgbClr>
-                      </a:solidFill>
-                      <a:prstDash val="solid"/>
-                    </a:lnT>
-                    <a:lnB w="0" cmpd="sng" algn="ctr" cap="flat">
-                      <a:solidFill>
-                        <a:srgbClr val="FFFFFF">
-                          <a:alpha val="0"/>
-                        </a:srgbClr>
-                      </a:solidFill>
-                      <a:prstDash val="solid"/>
-                    </a:lnB>
+                  <a:tcPr anchor="ctr" marB="63500" marT="63500" marR="0" marL="0">
+                    <a:lnL algn="ctr" cmpd="sng" cap="flat" w="0">
+                      <a:noFill/>
+                      <a:prstDash val="solid"/>
+                    </a:lnL>
+                    <a:lnR algn="ctr" cmpd="sng" cap="flat" w="0">
+                      <a:noFill/>
+                      <a:prstDash val="solid"/>
+                    </a:lnR>
+                    <a:lnT algn="ctr" cmpd="sng" cap="flat" w="0">
+                      <a:noFill/>
+                      <a:prstDash val="solid"/>
+                    </a:lnT>
+                    <a:lnB algn="ctr" cmpd="sng" cap="flat" w="0">
+                      <a:noFill/>
+                      <a:prstDash val="solid"/>
+                    </a:lnB>
+                    <a:solidFill>
+                      <a:srgbClr val="FFFFFF">
+                        <a:alpha val="0"/>
+                      </a:srgbClr>
+                    </a:solidFill>
                   </a:tcPr>
                 </a:tc>
                 <a:tc hMerge="true">
@@ -7544,7 +7249,7 @@
                         <a:buNone/>
                       </a:pPr>
                       <a:r>
-                        <a:rPr sz="1100">
+                        <a:rPr cap="none" sz="1100" i="0" b="0" u="none">
                           <a:solidFill>
                             <a:srgbClr val="666666">
                               <a:alpha val="100000"/>
@@ -7559,39 +7264,28 @@
                       </a:r>
                     </a:p>
                   </a:txBody>
-                  <a:tcPr anchor="ctr" marB="0" marT="0" marR="0" marL="0">
-                    <a:lnL w="0" cmpd="sng" algn="ctr" cap="flat">
-                      <a:solidFill>
-                        <a:srgbClr val="FFFFFF">
-                          <a:alpha val="0"/>
-                        </a:srgbClr>
-                      </a:solidFill>
-                      <a:prstDash val="solid"/>
-                    </a:lnL>
-                    <a:lnR w="0" cmpd="sng" algn="ctr" cap="flat">
-                      <a:solidFill>
-                        <a:srgbClr val="FFFFFF">
-                          <a:alpha val="0"/>
-                        </a:srgbClr>
-                      </a:solidFill>
-                      <a:prstDash val="solid"/>
-                    </a:lnR>
-                    <a:lnT w="0" cmpd="sng" algn="ctr" cap="flat">
-                      <a:solidFill>
-                        <a:srgbClr val="FFFFFF">
-                          <a:alpha val="0"/>
-                        </a:srgbClr>
-                      </a:solidFill>
-                      <a:prstDash val="solid"/>
-                    </a:lnT>
-                    <a:lnB w="0" cmpd="sng" algn="ctr" cap="flat">
-                      <a:solidFill>
-                        <a:srgbClr val="FFFFFF">
-                          <a:alpha val="0"/>
-                        </a:srgbClr>
-                      </a:solidFill>
-                      <a:prstDash val="solid"/>
-                    </a:lnB>
+                  <a:tcPr anchor="ctr" marB="63500" marT="63500" marR="0" marL="0">
+                    <a:lnL algn="ctr" cmpd="sng" cap="flat" w="0">
+                      <a:noFill/>
+                      <a:prstDash val="solid"/>
+                    </a:lnL>
+                    <a:lnR algn="ctr" cmpd="sng" cap="flat" w="0">
+                      <a:noFill/>
+                      <a:prstDash val="solid"/>
+                    </a:lnR>
+                    <a:lnT algn="ctr" cmpd="sng" cap="flat" w="0">
+                      <a:noFill/>
+                      <a:prstDash val="solid"/>
+                    </a:lnT>
+                    <a:lnB algn="ctr" cmpd="sng" cap="flat" w="0">
+                      <a:noFill/>
+                      <a:prstDash val="solid"/>
+                    </a:lnB>
+                    <a:solidFill>
+                      <a:srgbClr val="FFFFFF">
+                        <a:alpha val="0"/>
+                      </a:srgbClr>
+                    </a:solidFill>
                   </a:tcPr>
                 </a:tc>
               </a:tr>

--- a/ft.pptx
+++ b/ft.pptx
@@ -3079,7 +3079,7 @@
                           <a:ea typeface="Helvetica"/>
                           <a:sym typeface="Helvetica"/>
                         </a:rPr>
-                        <a:t>8</a:t>
+                        <a:t>41</a:t>
                       </a:r>
                     </a:p>
                   </a:txBody>
@@ -3140,7 +3140,7 @@
                           <a:ea typeface="Helvetica"/>
                           <a:sym typeface="Helvetica"/>
                         </a:rPr>
-                        <a:t>19</a:t>
+                        <a:t>190</a:t>
                       </a:r>
                     </a:p>
                   </a:txBody>
@@ -3201,7 +3201,7 @@
                           <a:ea typeface="Helvetica"/>
                           <a:sym typeface="Helvetica"/>
                         </a:rPr>
-                        <a:t>20.1</a:t>
+                        <a:t>7.4</a:t>
                       </a:r>
                     </a:p>
                   </a:txBody>
@@ -3262,7 +3262,7 @@
                           <a:ea typeface="Helvetica"/>
                           <a:sym typeface="Helvetica"/>
                         </a:rPr>
-                        <a:t>61</a:t>
+                        <a:t>67</a:t>
                       </a:r>
                     </a:p>
                   </a:txBody>
@@ -3384,7 +3384,7 @@
                           <a:ea typeface="Helvetica"/>
                           <a:sym typeface="Helvetica"/>
                         </a:rPr>
-                        <a:t>9</a:t>
+                        <a:t>1</a:t>
                       </a:r>
                     </a:p>
                   </a:txBody>
@@ -3447,7 +3447,7 @@
                           <a:ea typeface="Helvetica"/>
                           <a:sym typeface="Helvetica"/>
                         </a:rPr>
-                        <a:t/>
+                        <a:t>19</a:t>
                       </a:r>
                     </a:p>
                   </a:txBody>
@@ -3512,7 +3512,7 @@
                           <a:ea typeface="Helvetica"/>
                           <a:sym typeface="Helvetica"/>
                         </a:rPr>
-                        <a:t>194</a:t>
+                        <a:t>99</a:t>
                       </a:r>
                     </a:p>
                   </a:txBody>
@@ -3577,7 +3577,7 @@
                           <a:ea typeface="Helvetica"/>
                           <a:sym typeface="Helvetica"/>
                         </a:rPr>
-                        <a:t>8.6</a:t>
+                        <a:t>13.8</a:t>
                       </a:r>
                     </a:p>
                   </a:txBody>
@@ -3642,7 +3642,7 @@
                           <a:ea typeface="Helvetica"/>
                           <a:sym typeface="Helvetica"/>
                         </a:rPr>
-                        <a:t>69</a:t>
+                        <a:t>59</a:t>
                       </a:r>
                     </a:p>
                   </a:txBody>
@@ -3772,7 +3772,7 @@
                           <a:ea typeface="Helvetica"/>
                           <a:sym typeface="Helvetica"/>
                         </a:rPr>
-                        <a:t>10</a:t>
+                        <a:t>8</a:t>
                       </a:r>
                     </a:p>
                   </a:txBody>
@@ -3839,7 +3839,7 @@
                           <a:ea typeface="Helvetica"/>
                           <a:sym typeface="Helvetica"/>
                         </a:rPr>
-                        <a:t>12</a:t>
+                        <a:t/>
                       </a:r>
                     </a:p>
                   </a:txBody>
@@ -3904,7 +3904,7 @@
                           <a:ea typeface="Helvetica"/>
                           <a:sym typeface="Helvetica"/>
                         </a:rPr>
-                        <a:t>149</a:t>
+                        <a:t>194</a:t>
                       </a:r>
                     </a:p>
                   </a:txBody>
@@ -3969,7 +3969,7 @@
                           <a:ea typeface="Helvetica"/>
                           <a:sym typeface="Helvetica"/>
                         </a:rPr>
-                        <a:t>12.6</a:t>
+                        <a:t>8.6</a:t>
                       </a:r>
                     </a:p>
                   </a:txBody>
@@ -4034,7 +4034,7 @@
                           <a:ea typeface="Helvetica"/>
                           <a:sym typeface="Helvetica"/>
                         </a:rPr>
-                        <a:t>74</a:t>
+                        <a:t>69</a:t>
                       </a:r>
                     </a:p>
                   </a:txBody>
@@ -4164,7 +4164,7 @@
                           <a:ea typeface="Helvetica"/>
                           <a:sym typeface="Helvetica"/>
                         </a:rPr>
-                        <a:t>3</a:t>
+                        <a:t>10</a:t>
                       </a:r>
                     </a:p>
                   </a:txBody>
@@ -4231,7 +4231,7 @@
                           <a:ea typeface="Helvetica"/>
                           <a:sym typeface="Helvetica"/>
                         </a:rPr>
-                        <a:t>19</a:t>
+                        <a:t/>
                       </a:r>
                     </a:p>
                   </a:txBody>
@@ -4296,7 +4296,7 @@
                           <a:ea typeface="Helvetica"/>
                           <a:sym typeface="Helvetica"/>
                         </a:rPr>
-                        <a:t>99</a:t>
+                        <a:t/>
                       </a:r>
                     </a:p>
                   </a:txBody>
@@ -4361,7 +4361,7 @@
                           <a:ea typeface="Helvetica"/>
                           <a:sym typeface="Helvetica"/>
                         </a:rPr>
-                        <a:t>13.8</a:t>
+                        <a:t>14.3</a:t>
                       </a:r>
                     </a:p>
                   </a:txBody>
@@ -4426,7 +4426,7 @@
                           <a:ea typeface="Helvetica"/>
                           <a:sym typeface="Helvetica"/>
                         </a:rPr>
-                        <a:t>59</a:t>
+                        <a:t>56</a:t>
                       </a:r>
                     </a:p>
                   </a:txBody>
@@ -4556,7 +4556,7 @@
                           <a:ea typeface="Helvetica"/>
                           <a:sym typeface="Helvetica"/>
                         </a:rPr>
-                        <a:t>8</a:t>
+                        <a:t>5</a:t>
                       </a:r>
                     </a:p>
                   </a:txBody>
@@ -4623,7 +4623,7 @@
                           <a:ea typeface="Helvetica"/>
                           <a:sym typeface="Helvetica"/>
                         </a:rPr>
-                        <a:t>18</a:t>
+                        <a:t>23</a:t>
                       </a:r>
                     </a:p>
                   </a:txBody>
@@ -4688,7 +4688,7 @@
                           <a:ea typeface="Helvetica"/>
                           <a:sym typeface="Helvetica"/>
                         </a:rPr>
-                        <a:t>313</a:t>
+                        <a:t>299</a:t>
                       </a:r>
                     </a:p>
                   </a:txBody>
@@ -4753,7 +4753,7 @@
                           <a:ea typeface="Helvetica"/>
                           <a:sym typeface="Helvetica"/>
                         </a:rPr>
-                        <a:t>11.5</a:t>
+                        <a:t>8.6</a:t>
                       </a:r>
                     </a:p>
                   </a:txBody>
@@ -4818,7 +4818,7 @@
                           <a:ea typeface="Helvetica"/>
                           <a:sym typeface="Helvetica"/>
                         </a:rPr>
-                        <a:t>62</a:t>
+                        <a:t>65</a:t>
                       </a:r>
                     </a:p>
                   </a:txBody>
@@ -4948,7 +4948,7 @@
                           <a:ea typeface="Helvetica"/>
                           <a:sym typeface="Helvetica"/>
                         </a:rPr>
-                        <a:t>4</a:t>
+                        <a:t>7</a:t>
                       </a:r>
                     </a:p>
                   </a:txBody>
@@ -5407,7 +5407,7 @@
                           <a:ea typeface="Helvetica"/>
                           <a:sym typeface="Helvetica"/>
                         </a:rPr>
-                        <a:t>36</a:t>
+                        <a:t>18</a:t>
                       </a:r>
                     </a:p>
                   </a:txBody>
@@ -5472,7 +5472,7 @@
                           <a:ea typeface="Helvetica"/>
                           <a:sym typeface="Helvetica"/>
                         </a:rPr>
-                        <a:t>118</a:t>
+                        <a:t>313</a:t>
                       </a:r>
                     </a:p>
                   </a:txBody>
@@ -5537,7 +5537,7 @@
                           <a:ea typeface="Helvetica"/>
                           <a:sym typeface="Helvetica"/>
                         </a:rPr>
-                        <a:t>8.0</a:t>
+                        <a:t>11.5</a:t>
                       </a:r>
                     </a:p>
                   </a:txBody>
@@ -5602,7 +5602,7 @@
                           <a:ea typeface="Helvetica"/>
                           <a:sym typeface="Helvetica"/>
                         </a:rPr>
-                        <a:t>72</a:t>
+                        <a:t>62</a:t>
                       </a:r>
                     </a:p>
                   </a:txBody>
@@ -5732,7 +5732,7 @@
                           <a:ea typeface="Helvetica"/>
                           <a:sym typeface="Helvetica"/>
                         </a:rPr>
-                        <a:t>2</a:t>
+                        <a:t>4</a:t>
                       </a:r>
                     </a:p>
                   </a:txBody>
@@ -5799,7 +5799,7 @@
                           <a:ea typeface="Helvetica"/>
                           <a:sym typeface="Helvetica"/>
                         </a:rPr>
-                        <a:t/>
+                        <a:t>8</a:t>
                       </a:r>
                     </a:p>
                   </a:txBody>
@@ -5864,7 +5864,7 @@
                           <a:ea typeface="Helvetica"/>
                           <a:sym typeface="Helvetica"/>
                         </a:rPr>
-                        <a:t/>
+                        <a:t>19</a:t>
                       </a:r>
                     </a:p>
                   </a:txBody>
@@ -5929,7 +5929,7 @@
                           <a:ea typeface="Helvetica"/>
                           <a:sym typeface="Helvetica"/>
                         </a:rPr>
-                        <a:t>14.3</a:t>
+                        <a:t>20.1</a:t>
                       </a:r>
                     </a:p>
                   </a:txBody>
@@ -5994,7 +5994,7 @@
                           <a:ea typeface="Helvetica"/>
                           <a:sym typeface="Helvetica"/>
                         </a:rPr>
-                        <a:t>56</a:t>
+                        <a:t>61</a:t>
                       </a:r>
                     </a:p>
                   </a:txBody>
@@ -6124,7 +6124,7 @@
                           <a:ea typeface="Helvetica"/>
                           <a:sym typeface="Helvetica"/>
                         </a:rPr>
-                        <a:t>5</a:t>
+                        <a:t>9</a:t>
                       </a:r>
                     </a:p>
                   </a:txBody>
@@ -6191,7 +6191,7 @@
                           <a:ea typeface="Helvetica"/>
                           <a:sym typeface="Helvetica"/>
                         </a:rPr>
-                        <a:t>23</a:t>
+                        <a:t>36</a:t>
                       </a:r>
                     </a:p>
                   </a:txBody>
@@ -6256,7 +6256,7 @@
                           <a:ea typeface="Helvetica"/>
                           <a:sym typeface="Helvetica"/>
                         </a:rPr>
-                        <a:t>299</a:t>
+                        <a:t>118</a:t>
                       </a:r>
                     </a:p>
                   </a:txBody>
@@ -6321,7 +6321,7 @@
                           <a:ea typeface="Helvetica"/>
                           <a:sym typeface="Helvetica"/>
                         </a:rPr>
-                        <a:t>8.6</a:t>
+                        <a:t>8.0</a:t>
                       </a:r>
                     </a:p>
                   </a:txBody>
@@ -6386,7 +6386,7 @@
                           <a:ea typeface="Helvetica"/>
                           <a:sym typeface="Helvetica"/>
                         </a:rPr>
-                        <a:t>65</a:t>
+                        <a:t>72</a:t>
                       </a:r>
                     </a:p>
                   </a:txBody>
@@ -6516,7 +6516,7 @@
                           <a:ea typeface="Helvetica"/>
                           <a:sym typeface="Helvetica"/>
                         </a:rPr>
-                        <a:t>7</a:t>
+                        <a:t>2</a:t>
                       </a:r>
                     </a:p>
                   </a:txBody>
@@ -6583,7 +6583,7 @@
                           <a:ea typeface="Helvetica"/>
                           <a:sym typeface="Helvetica"/>
                         </a:rPr>
-                        <a:t>41</a:t>
+                        <a:t>12</a:t>
                       </a:r>
                     </a:p>
                   </a:txBody>
@@ -6648,7 +6648,7 @@
                           <a:ea typeface="Helvetica"/>
                           <a:sym typeface="Helvetica"/>
                         </a:rPr>
-                        <a:t>190</a:t>
+                        <a:t>149</a:t>
                       </a:r>
                     </a:p>
                   </a:txBody>
@@ -6713,7 +6713,7 @@
                           <a:ea typeface="Helvetica"/>
                           <a:sym typeface="Helvetica"/>
                         </a:rPr>
-                        <a:t>7.4</a:t>
+                        <a:t>12.6</a:t>
                       </a:r>
                     </a:p>
                   </a:txBody>
@@ -6778,7 +6778,7 @@
                           <a:ea typeface="Helvetica"/>
                           <a:sym typeface="Helvetica"/>
                         </a:rPr>
-                        <a:t>67</a:t>
+                        <a:t>74</a:t>
                       </a:r>
                     </a:p>
                   </a:txBody>
@@ -6908,7 +6908,7 @@
                           <a:ea typeface="Helvetica"/>
                           <a:sym typeface="Helvetica"/>
                         </a:rPr>
-                        <a:t>1</a:t>
+                        <a:t>3</a:t>
                       </a:r>
                     </a:p>
                   </a:txBody>

--- a/ft.pptx
+++ b/ft.pptx
@@ -2308,15 +2308,15 @@
                       <a:noFill/>
                       <a:prstDash val="solid"/>
                     </a:lnR>
-                    <a:lnT algn="ctr" cmpd="sng" cap="flat" w="25400">
-                      <a:solidFill>
-                        <a:srgbClr val="666666">
-                          <a:alpha val="100000"/>
-                        </a:srgbClr>
-                      </a:solidFill>
-                      <a:prstDash val="solid"/>
-                    </a:lnT>
-                    <a:lnB algn="ctr" cmpd="sng" cap="flat" w="6350">
+                    <a:lnT algn="ctr" cmpd="sng" cap="flat" w="19050">
+                      <a:solidFill>
+                        <a:srgbClr val="666666">
+                          <a:alpha val="100000"/>
+                        </a:srgbClr>
+                      </a:solidFill>
+                      <a:prstDash val="solid"/>
+                    </a:lnT>
+                    <a:lnB algn="ctr" cmpd="sng" cap="flat" w="9525">
                       <a:solidFill>
                         <a:srgbClr val="666666">
                           <a:alpha val="100000"/>
@@ -2373,15 +2373,15 @@
                       <a:noFill/>
                       <a:prstDash val="solid"/>
                     </a:lnR>
-                    <a:lnT algn="ctr" cmpd="sng" cap="flat" w="25400">
-                      <a:solidFill>
-                        <a:srgbClr val="666666">
-                          <a:alpha val="100000"/>
-                        </a:srgbClr>
-                      </a:solidFill>
-                      <a:prstDash val="solid"/>
-                    </a:lnT>
-                    <a:lnB algn="ctr" cmpd="sng" cap="flat" w="6350">
+                    <a:lnT algn="ctr" cmpd="sng" cap="flat" w="19050">
+                      <a:solidFill>
+                        <a:srgbClr val="666666">
+                          <a:alpha val="100000"/>
+                        </a:srgbClr>
+                      </a:solidFill>
+                      <a:prstDash val="solid"/>
+                    </a:lnT>
+                    <a:lnB algn="ctr" cmpd="sng" cap="flat" w="9525">
                       <a:solidFill>
                         <a:srgbClr val="666666">
                           <a:alpha val="100000"/>
@@ -2438,15 +2438,15 @@
                       <a:noFill/>
                       <a:prstDash val="solid"/>
                     </a:lnR>
-                    <a:lnT algn="ctr" cmpd="sng" cap="flat" w="25400">
-                      <a:solidFill>
-                        <a:srgbClr val="666666">
-                          <a:alpha val="100000"/>
-                        </a:srgbClr>
-                      </a:solidFill>
-                      <a:prstDash val="solid"/>
-                    </a:lnT>
-                    <a:lnB algn="ctr" cmpd="sng" cap="flat" w="6350">
+                    <a:lnT algn="ctr" cmpd="sng" cap="flat" w="19050">
+                      <a:solidFill>
+                        <a:srgbClr val="666666">
+                          <a:alpha val="100000"/>
+                        </a:srgbClr>
+                      </a:solidFill>
+                      <a:prstDash val="solid"/>
+                    </a:lnT>
+                    <a:lnB algn="ctr" cmpd="sng" cap="flat" w="9525">
                       <a:solidFill>
                         <a:srgbClr val="666666">
                           <a:alpha val="100000"/>
@@ -2503,15 +2503,15 @@
                       <a:noFill/>
                       <a:prstDash val="solid"/>
                     </a:lnR>
-                    <a:lnT algn="ctr" cmpd="sng" cap="flat" w="25400">
-                      <a:solidFill>
-                        <a:srgbClr val="666666">
-                          <a:alpha val="100000"/>
-                        </a:srgbClr>
-                      </a:solidFill>
-                      <a:prstDash val="solid"/>
-                    </a:lnT>
-                    <a:lnB algn="ctr" cmpd="sng" cap="flat" w="6350">
+                    <a:lnT algn="ctr" cmpd="sng" cap="flat" w="19050">
+                      <a:solidFill>
+                        <a:srgbClr val="666666">
+                          <a:alpha val="100000"/>
+                        </a:srgbClr>
+                      </a:solidFill>
+                      <a:prstDash val="solid"/>
+                    </a:lnT>
+                    <a:lnB algn="ctr" cmpd="sng" cap="flat" w="9525">
                       <a:solidFill>
                         <a:srgbClr val="666666">
                           <a:alpha val="100000"/>
@@ -2568,15 +2568,15 @@
                       <a:noFill/>
                       <a:prstDash val="solid"/>
                     </a:lnR>
-                    <a:lnT algn="ctr" cmpd="sng" cap="flat" w="25400">
-                      <a:solidFill>
-                        <a:srgbClr val="666666">
-                          <a:alpha val="100000"/>
-                        </a:srgbClr>
-                      </a:solidFill>
-                      <a:prstDash val="solid"/>
-                    </a:lnT>
-                    <a:lnB algn="ctr" cmpd="sng" cap="flat" w="6350">
+                    <a:lnT algn="ctr" cmpd="sng" cap="flat" w="19050">
+                      <a:solidFill>
+                        <a:srgbClr val="666666">
+                          <a:alpha val="100000"/>
+                        </a:srgbClr>
+                      </a:solidFill>
+                      <a:prstDash val="solid"/>
+                    </a:lnT>
+                    <a:lnB algn="ctr" cmpd="sng" cap="flat" w="9525">
                       <a:solidFill>
                         <a:srgbClr val="666666">
                           <a:alpha val="100000"/>
@@ -2633,15 +2633,15 @@
                       <a:noFill/>
                       <a:prstDash val="solid"/>
                     </a:lnR>
-                    <a:lnT algn="ctr" cmpd="sng" cap="flat" w="25400">
-                      <a:solidFill>
-                        <a:srgbClr val="666666">
-                          <a:alpha val="100000"/>
-                        </a:srgbClr>
-                      </a:solidFill>
-                      <a:prstDash val="solid"/>
-                    </a:lnT>
-                    <a:lnB algn="ctr" cmpd="sng" cap="flat" w="6350">
+                    <a:lnT algn="ctr" cmpd="sng" cap="flat" w="19050">
+                      <a:solidFill>
+                        <a:srgbClr val="666666">
+                          <a:alpha val="100000"/>
+                        </a:srgbClr>
+                      </a:solidFill>
+                      <a:prstDash val="solid"/>
+                    </a:lnT>
+                    <a:lnB algn="ctr" cmpd="sng" cap="flat" w="9525">
                       <a:solidFill>
                         <a:srgbClr val="666666">
                           <a:alpha val="100000"/>
@@ -2700,15 +2700,15 @@
                       <a:noFill/>
                       <a:prstDash val="solid"/>
                     </a:lnR>
-                    <a:lnT algn="ctr" cmpd="sng" cap="flat" w="6350">
-                      <a:solidFill>
-                        <a:srgbClr val="666666">
-                          <a:alpha val="100000"/>
-                        </a:srgbClr>
-                      </a:solidFill>
-                      <a:prstDash val="solid"/>
-                    </a:lnT>
-                    <a:lnB algn="ctr" cmpd="sng" cap="flat" w="25400">
+                    <a:lnT algn="ctr" cmpd="sng" cap="flat" w="9525">
+                      <a:solidFill>
+                        <a:srgbClr val="666666">
+                          <a:alpha val="100000"/>
+                        </a:srgbClr>
+                      </a:solidFill>
+                      <a:prstDash val="solid"/>
+                    </a:lnT>
+                    <a:lnB algn="ctr" cmpd="sng" cap="flat" w="19050">
                       <a:solidFill>
                         <a:srgbClr val="666666">
                           <a:alpha val="100000"/>
@@ -2765,15 +2765,15 @@
                       <a:noFill/>
                       <a:prstDash val="solid"/>
                     </a:lnR>
-                    <a:lnT algn="ctr" cmpd="sng" cap="flat" w="6350">
-                      <a:solidFill>
-                        <a:srgbClr val="666666">
-                          <a:alpha val="100000"/>
-                        </a:srgbClr>
-                      </a:solidFill>
-                      <a:prstDash val="solid"/>
-                    </a:lnT>
-                    <a:lnB algn="ctr" cmpd="sng" cap="flat" w="25400">
+                    <a:lnT algn="ctr" cmpd="sng" cap="flat" w="9525">
+                      <a:solidFill>
+                        <a:srgbClr val="666666">
+                          <a:alpha val="100000"/>
+                        </a:srgbClr>
+                      </a:solidFill>
+                      <a:prstDash val="solid"/>
+                    </a:lnT>
+                    <a:lnB algn="ctr" cmpd="sng" cap="flat" w="19050">
                       <a:solidFill>
                         <a:srgbClr val="666666">
                           <a:alpha val="100000"/>
@@ -2830,15 +2830,15 @@
                       <a:noFill/>
                       <a:prstDash val="solid"/>
                     </a:lnR>
-                    <a:lnT algn="ctr" cmpd="sng" cap="flat" w="6350">
-                      <a:solidFill>
-                        <a:srgbClr val="666666">
-                          <a:alpha val="100000"/>
-                        </a:srgbClr>
-                      </a:solidFill>
-                      <a:prstDash val="solid"/>
-                    </a:lnT>
-                    <a:lnB algn="ctr" cmpd="sng" cap="flat" w="25400">
+                    <a:lnT algn="ctr" cmpd="sng" cap="flat" w="9525">
+                      <a:solidFill>
+                        <a:srgbClr val="666666">
+                          <a:alpha val="100000"/>
+                        </a:srgbClr>
+                      </a:solidFill>
+                      <a:prstDash val="solid"/>
+                    </a:lnT>
+                    <a:lnB algn="ctr" cmpd="sng" cap="flat" w="19050">
                       <a:solidFill>
                         <a:srgbClr val="666666">
                           <a:alpha val="100000"/>
@@ -2895,15 +2895,15 @@
                       <a:noFill/>
                       <a:prstDash val="solid"/>
                     </a:lnR>
-                    <a:lnT algn="ctr" cmpd="sng" cap="flat" w="6350">
-                      <a:solidFill>
-                        <a:srgbClr val="666666">
-                          <a:alpha val="100000"/>
-                        </a:srgbClr>
-                      </a:solidFill>
-                      <a:prstDash val="solid"/>
-                    </a:lnT>
-                    <a:lnB algn="ctr" cmpd="sng" cap="flat" w="25400">
+                    <a:lnT algn="ctr" cmpd="sng" cap="flat" w="9525">
+                      <a:solidFill>
+                        <a:srgbClr val="666666">
+                          <a:alpha val="100000"/>
+                        </a:srgbClr>
+                      </a:solidFill>
+                      <a:prstDash val="solid"/>
+                    </a:lnT>
+                    <a:lnB algn="ctr" cmpd="sng" cap="flat" w="19050">
                       <a:solidFill>
                         <a:srgbClr val="666666">
                           <a:alpha val="100000"/>
@@ -2960,15 +2960,15 @@
                       <a:noFill/>
                       <a:prstDash val="solid"/>
                     </a:lnR>
-                    <a:lnT algn="ctr" cmpd="sng" cap="flat" w="6350">
-                      <a:solidFill>
-                        <a:srgbClr val="666666">
-                          <a:alpha val="100000"/>
-                        </a:srgbClr>
-                      </a:solidFill>
-                      <a:prstDash val="solid"/>
-                    </a:lnT>
-                    <a:lnB algn="ctr" cmpd="sng" cap="flat" w="25400">
+                    <a:lnT algn="ctr" cmpd="sng" cap="flat" w="9525">
+                      <a:solidFill>
+                        <a:srgbClr val="666666">
+                          <a:alpha val="100000"/>
+                        </a:srgbClr>
+                      </a:solidFill>
+                      <a:prstDash val="solid"/>
+                    </a:lnT>
+                    <a:lnB algn="ctr" cmpd="sng" cap="flat" w="19050">
                       <a:solidFill>
                         <a:srgbClr val="666666">
                           <a:alpha val="100000"/>
@@ -3025,15 +3025,15 @@
                       <a:noFill/>
                       <a:prstDash val="solid"/>
                     </a:lnR>
-                    <a:lnT algn="ctr" cmpd="sng" cap="flat" w="6350">
-                      <a:solidFill>
-                        <a:srgbClr val="666666">
-                          <a:alpha val="100000"/>
-                        </a:srgbClr>
-                      </a:solidFill>
-                      <a:prstDash val="solid"/>
-                    </a:lnT>
-                    <a:lnB algn="ctr" cmpd="sng" cap="flat" w="25400">
+                    <a:lnT algn="ctr" cmpd="sng" cap="flat" w="9525">
+                      <a:solidFill>
+                        <a:srgbClr val="666666">
+                          <a:alpha val="100000"/>
+                        </a:srgbClr>
+                      </a:solidFill>
+                      <a:prstDash val="solid"/>
+                    </a:lnT>
+                    <a:lnB algn="ctr" cmpd="sng" cap="flat" w="19050">
                       <a:solidFill>
                         <a:srgbClr val="666666">
                           <a:alpha val="100000"/>
@@ -3079,7 +3079,7 @@
                           <a:ea typeface="Helvetica"/>
                           <a:sym typeface="Helvetica"/>
                         </a:rPr>
-                        <a:t>41</a:t>
+                        <a:t/>
                       </a:r>
                     </a:p>
                   </a:txBody>
@@ -3096,7 +3096,7 @@
                       <a:noFill/>
                       <a:prstDash val="solid"/>
                     </a:lnT>
-                    <a:lnB algn="ctr" cmpd="sng" cap="flat" w="6350">
+                    <a:lnB algn="ctr" cmpd="sng" cap="flat" w="9525">
                       <a:solidFill>
                         <a:srgbClr val="666666">
                           <a:alpha val="100000"/>
@@ -3140,7 +3140,7 @@
                           <a:ea typeface="Helvetica"/>
                           <a:sym typeface="Helvetica"/>
                         </a:rPr>
-                        <a:t>190</a:t>
+                        <a:t/>
                       </a:r>
                     </a:p>
                   </a:txBody>
@@ -3157,7 +3157,7 @@
                       <a:noFill/>
                       <a:prstDash val="solid"/>
                     </a:lnT>
-                    <a:lnB algn="ctr" cmpd="sng" cap="flat" w="6350">
+                    <a:lnB algn="ctr" cmpd="sng" cap="flat" w="9525">
                       <a:solidFill>
                         <a:srgbClr val="666666">
                           <a:alpha val="100000"/>
@@ -3201,7 +3201,7 @@
                           <a:ea typeface="Helvetica"/>
                           <a:sym typeface="Helvetica"/>
                         </a:rPr>
-                        <a:t>7.4</a:t>
+                        <a:t>14.3</a:t>
                       </a:r>
                     </a:p>
                   </a:txBody>
@@ -3218,7 +3218,7 @@
                       <a:noFill/>
                       <a:prstDash val="solid"/>
                     </a:lnT>
-                    <a:lnB algn="ctr" cmpd="sng" cap="flat" w="6350">
+                    <a:lnB algn="ctr" cmpd="sng" cap="flat" w="9525">
                       <a:solidFill>
                         <a:srgbClr val="666666">
                           <a:alpha val="100000"/>
@@ -3262,7 +3262,7 @@
                           <a:ea typeface="Helvetica"/>
                           <a:sym typeface="Helvetica"/>
                         </a:rPr>
-                        <a:t>67</a:t>
+                        <a:t>56</a:t>
                       </a:r>
                     </a:p>
                   </a:txBody>
@@ -3279,7 +3279,7 @@
                       <a:noFill/>
                       <a:prstDash val="solid"/>
                     </a:lnT>
-                    <a:lnB algn="ctr" cmpd="sng" cap="flat" w="6350">
+                    <a:lnB algn="ctr" cmpd="sng" cap="flat" w="9525">
                       <a:solidFill>
                         <a:srgbClr val="666666">
                           <a:alpha val="100000"/>
@@ -3340,7 +3340,7 @@
                       <a:noFill/>
                       <a:prstDash val="solid"/>
                     </a:lnT>
-                    <a:lnB algn="ctr" cmpd="sng" cap="flat" w="6350">
+                    <a:lnB algn="ctr" cmpd="sng" cap="flat" w="9525">
                       <a:solidFill>
                         <a:srgbClr val="666666">
                           <a:alpha val="100000"/>
@@ -3384,7 +3384,7 @@
                           <a:ea typeface="Helvetica"/>
                           <a:sym typeface="Helvetica"/>
                         </a:rPr>
-                        <a:t>1</a:t>
+                        <a:t>5</a:t>
                       </a:r>
                     </a:p>
                   </a:txBody>
@@ -3401,7 +3401,7 @@
                       <a:noFill/>
                       <a:prstDash val="solid"/>
                     </a:lnT>
-                    <a:lnB algn="ctr" cmpd="sng" cap="flat" w="6350">
+                    <a:lnB algn="ctr" cmpd="sng" cap="flat" w="9525">
                       <a:solidFill>
                         <a:srgbClr val="666666">
                           <a:alpha val="100000"/>
@@ -3447,28 +3447,28 @@
                           <a:ea typeface="Helvetica"/>
                           <a:sym typeface="Helvetica"/>
                         </a:rPr>
-                        <a:t>19</a:t>
-                      </a:r>
-                    </a:p>
-                  </a:txBody>
-                  <a:tcPr anchor="ctr" marB="63500" marT="63500" marR="0" marL="0">
-                    <a:lnL algn="ctr" cmpd="sng" cap="flat" w="0">
-                      <a:noFill/>
-                      <a:prstDash val="solid"/>
-                    </a:lnL>
-                    <a:lnR algn="ctr" cmpd="sng" cap="flat" w="0">
-                      <a:noFill/>
-                      <a:prstDash val="solid"/>
-                    </a:lnR>
-                    <a:lnT algn="ctr" cmpd="sng" cap="flat" w="6350">
-                      <a:solidFill>
-                        <a:srgbClr val="666666">
-                          <a:alpha val="100000"/>
-                        </a:srgbClr>
-                      </a:solidFill>
-                      <a:prstDash val="solid"/>
-                    </a:lnT>
-                    <a:lnB algn="ctr" cmpd="sng" cap="flat" w="6350">
+                        <a:t>36</a:t>
+                      </a:r>
+                    </a:p>
+                  </a:txBody>
+                  <a:tcPr anchor="ctr" marB="63500" marT="63500" marR="0" marL="0">
+                    <a:lnL algn="ctr" cmpd="sng" cap="flat" w="0">
+                      <a:noFill/>
+                      <a:prstDash val="solid"/>
+                    </a:lnL>
+                    <a:lnR algn="ctr" cmpd="sng" cap="flat" w="0">
+                      <a:noFill/>
+                      <a:prstDash val="solid"/>
+                    </a:lnR>
+                    <a:lnT algn="ctr" cmpd="sng" cap="flat" w="9525">
+                      <a:solidFill>
+                        <a:srgbClr val="666666">
+                          <a:alpha val="100000"/>
+                        </a:srgbClr>
+                      </a:solidFill>
+                      <a:prstDash val="solid"/>
+                    </a:lnT>
+                    <a:lnB algn="ctr" cmpd="sng" cap="flat" w="9525">
                       <a:solidFill>
                         <a:srgbClr val="666666">
                           <a:alpha val="100000"/>
@@ -3512,28 +3512,28 @@
                           <a:ea typeface="Helvetica"/>
                           <a:sym typeface="Helvetica"/>
                         </a:rPr>
-                        <a:t>99</a:t>
-                      </a:r>
-                    </a:p>
-                  </a:txBody>
-                  <a:tcPr anchor="ctr" marB="63500" marT="63500" marR="0" marL="0">
-                    <a:lnL algn="ctr" cmpd="sng" cap="flat" w="0">
-                      <a:noFill/>
-                      <a:prstDash val="solid"/>
-                    </a:lnL>
-                    <a:lnR algn="ctr" cmpd="sng" cap="flat" w="0">
-                      <a:noFill/>
-                      <a:prstDash val="solid"/>
-                    </a:lnR>
-                    <a:lnT algn="ctr" cmpd="sng" cap="flat" w="6350">
-                      <a:solidFill>
-                        <a:srgbClr val="666666">
-                          <a:alpha val="100000"/>
-                        </a:srgbClr>
-                      </a:solidFill>
-                      <a:prstDash val="solid"/>
-                    </a:lnT>
-                    <a:lnB algn="ctr" cmpd="sng" cap="flat" w="6350">
+                        <a:t>118</a:t>
+                      </a:r>
+                    </a:p>
+                  </a:txBody>
+                  <a:tcPr anchor="ctr" marB="63500" marT="63500" marR="0" marL="0">
+                    <a:lnL algn="ctr" cmpd="sng" cap="flat" w="0">
+                      <a:noFill/>
+                      <a:prstDash val="solid"/>
+                    </a:lnL>
+                    <a:lnR algn="ctr" cmpd="sng" cap="flat" w="0">
+                      <a:noFill/>
+                      <a:prstDash val="solid"/>
+                    </a:lnR>
+                    <a:lnT algn="ctr" cmpd="sng" cap="flat" w="9525">
+                      <a:solidFill>
+                        <a:srgbClr val="666666">
+                          <a:alpha val="100000"/>
+                        </a:srgbClr>
+                      </a:solidFill>
+                      <a:prstDash val="solid"/>
+                    </a:lnT>
+                    <a:lnB algn="ctr" cmpd="sng" cap="flat" w="9525">
                       <a:solidFill>
                         <a:srgbClr val="666666">
                           <a:alpha val="100000"/>
@@ -3577,28 +3577,28 @@
                           <a:ea typeface="Helvetica"/>
                           <a:sym typeface="Helvetica"/>
                         </a:rPr>
-                        <a:t>13.8</a:t>
-                      </a:r>
-                    </a:p>
-                  </a:txBody>
-                  <a:tcPr anchor="ctr" marB="63500" marT="63500" marR="0" marL="0">
-                    <a:lnL algn="ctr" cmpd="sng" cap="flat" w="0">
-                      <a:noFill/>
-                      <a:prstDash val="solid"/>
-                    </a:lnL>
-                    <a:lnR algn="ctr" cmpd="sng" cap="flat" w="0">
-                      <a:noFill/>
-                      <a:prstDash val="solid"/>
-                    </a:lnR>
-                    <a:lnT algn="ctr" cmpd="sng" cap="flat" w="6350">
-                      <a:solidFill>
-                        <a:srgbClr val="666666">
-                          <a:alpha val="100000"/>
-                        </a:srgbClr>
-                      </a:solidFill>
-                      <a:prstDash val="solid"/>
-                    </a:lnT>
-                    <a:lnB algn="ctr" cmpd="sng" cap="flat" w="6350">
+                        <a:t>8.0</a:t>
+                      </a:r>
+                    </a:p>
+                  </a:txBody>
+                  <a:tcPr anchor="ctr" marB="63500" marT="63500" marR="0" marL="0">
+                    <a:lnL algn="ctr" cmpd="sng" cap="flat" w="0">
+                      <a:noFill/>
+                      <a:prstDash val="solid"/>
+                    </a:lnL>
+                    <a:lnR algn="ctr" cmpd="sng" cap="flat" w="0">
+                      <a:noFill/>
+                      <a:prstDash val="solid"/>
+                    </a:lnR>
+                    <a:lnT algn="ctr" cmpd="sng" cap="flat" w="9525">
+                      <a:solidFill>
+                        <a:srgbClr val="666666">
+                          <a:alpha val="100000"/>
+                        </a:srgbClr>
+                      </a:solidFill>
+                      <a:prstDash val="solid"/>
+                    </a:lnT>
+                    <a:lnB algn="ctr" cmpd="sng" cap="flat" w="9525">
                       <a:solidFill>
                         <a:srgbClr val="666666">
                           <a:alpha val="100000"/>
@@ -3642,28 +3642,28 @@
                           <a:ea typeface="Helvetica"/>
                           <a:sym typeface="Helvetica"/>
                         </a:rPr>
-                        <a:t>59</a:t>
-                      </a:r>
-                    </a:p>
-                  </a:txBody>
-                  <a:tcPr anchor="ctr" marB="63500" marT="63500" marR="0" marL="0">
-                    <a:lnL algn="ctr" cmpd="sng" cap="flat" w="0">
-                      <a:noFill/>
-                      <a:prstDash val="solid"/>
-                    </a:lnL>
-                    <a:lnR algn="ctr" cmpd="sng" cap="flat" w="0">
-                      <a:noFill/>
-                      <a:prstDash val="solid"/>
-                    </a:lnR>
-                    <a:lnT algn="ctr" cmpd="sng" cap="flat" w="6350">
-                      <a:solidFill>
-                        <a:srgbClr val="666666">
-                          <a:alpha val="100000"/>
-                        </a:srgbClr>
-                      </a:solidFill>
-                      <a:prstDash val="solid"/>
-                    </a:lnT>
-                    <a:lnB algn="ctr" cmpd="sng" cap="flat" w="6350">
+                        <a:t>72</a:t>
+                      </a:r>
+                    </a:p>
+                  </a:txBody>
+                  <a:tcPr anchor="ctr" marB="63500" marT="63500" marR="0" marL="0">
+                    <a:lnL algn="ctr" cmpd="sng" cap="flat" w="0">
+                      <a:noFill/>
+                      <a:prstDash val="solid"/>
+                    </a:lnL>
+                    <a:lnR algn="ctr" cmpd="sng" cap="flat" w="0">
+                      <a:noFill/>
+                      <a:prstDash val="solid"/>
+                    </a:lnR>
+                    <a:lnT algn="ctr" cmpd="sng" cap="flat" w="9525">
+                      <a:solidFill>
+                        <a:srgbClr val="666666">
+                          <a:alpha val="100000"/>
+                        </a:srgbClr>
+                      </a:solidFill>
+                      <a:prstDash val="solid"/>
+                    </a:lnT>
+                    <a:lnB algn="ctr" cmpd="sng" cap="flat" w="9525">
                       <a:solidFill>
                         <a:srgbClr val="666666">
                           <a:alpha val="100000"/>
@@ -3720,15 +3720,15 @@
                       <a:noFill/>
                       <a:prstDash val="solid"/>
                     </a:lnR>
-                    <a:lnT algn="ctr" cmpd="sng" cap="flat" w="6350">
-                      <a:solidFill>
-                        <a:srgbClr val="666666">
-                          <a:alpha val="100000"/>
-                        </a:srgbClr>
-                      </a:solidFill>
-                      <a:prstDash val="solid"/>
-                    </a:lnT>
-                    <a:lnB algn="ctr" cmpd="sng" cap="flat" w="6350">
+                    <a:lnT algn="ctr" cmpd="sng" cap="flat" w="9525">
+                      <a:solidFill>
+                        <a:srgbClr val="666666">
+                          <a:alpha val="100000"/>
+                        </a:srgbClr>
+                      </a:solidFill>
+                      <a:prstDash val="solid"/>
+                    </a:lnT>
+                    <a:lnB algn="ctr" cmpd="sng" cap="flat" w="9525">
                       <a:solidFill>
                         <a:srgbClr val="666666">
                           <a:alpha val="100000"/>
@@ -3772,28 +3772,28 @@
                           <a:ea typeface="Helvetica"/>
                           <a:sym typeface="Helvetica"/>
                         </a:rPr>
-                        <a:t>8</a:t>
-                      </a:r>
-                    </a:p>
-                  </a:txBody>
-                  <a:tcPr anchor="ctr" marB="63500" marT="63500" marR="0" marL="0">
-                    <a:lnL algn="ctr" cmpd="sng" cap="flat" w="0">
-                      <a:noFill/>
-                      <a:prstDash val="solid"/>
-                    </a:lnL>
-                    <a:lnR algn="ctr" cmpd="sng" cap="flat" w="0">
-                      <a:noFill/>
-                      <a:prstDash val="solid"/>
-                    </a:lnR>
-                    <a:lnT algn="ctr" cmpd="sng" cap="flat" w="6350">
-                      <a:solidFill>
-                        <a:srgbClr val="666666">
-                          <a:alpha val="100000"/>
-                        </a:srgbClr>
-                      </a:solidFill>
-                      <a:prstDash val="solid"/>
-                    </a:lnT>
-                    <a:lnB algn="ctr" cmpd="sng" cap="flat" w="6350">
+                        <a:t>2</a:t>
+                      </a:r>
+                    </a:p>
+                  </a:txBody>
+                  <a:tcPr anchor="ctr" marB="63500" marT="63500" marR="0" marL="0">
+                    <a:lnL algn="ctr" cmpd="sng" cap="flat" w="0">
+                      <a:noFill/>
+                      <a:prstDash val="solid"/>
+                    </a:lnL>
+                    <a:lnR algn="ctr" cmpd="sng" cap="flat" w="0">
+                      <a:noFill/>
+                      <a:prstDash val="solid"/>
+                    </a:lnR>
+                    <a:lnT algn="ctr" cmpd="sng" cap="flat" w="9525">
+                      <a:solidFill>
+                        <a:srgbClr val="666666">
+                          <a:alpha val="100000"/>
+                        </a:srgbClr>
+                      </a:solidFill>
+                      <a:prstDash val="solid"/>
+                    </a:lnT>
+                    <a:lnB algn="ctr" cmpd="sng" cap="flat" w="9525">
                       <a:solidFill>
                         <a:srgbClr val="666666">
                           <a:alpha val="100000"/>
@@ -3839,28 +3839,28 @@
                           <a:ea typeface="Helvetica"/>
                           <a:sym typeface="Helvetica"/>
                         </a:rPr>
-                        <a:t/>
-                      </a:r>
-                    </a:p>
-                  </a:txBody>
-                  <a:tcPr anchor="ctr" marB="63500" marT="63500" marR="0" marL="0">
-                    <a:lnL algn="ctr" cmpd="sng" cap="flat" w="0">
-                      <a:noFill/>
-                      <a:prstDash val="solid"/>
-                    </a:lnL>
-                    <a:lnR algn="ctr" cmpd="sng" cap="flat" w="0">
-                      <a:noFill/>
-                      <a:prstDash val="solid"/>
-                    </a:lnR>
-                    <a:lnT algn="ctr" cmpd="sng" cap="flat" w="6350">
-                      <a:solidFill>
-                        <a:srgbClr val="666666">
-                          <a:alpha val="100000"/>
-                        </a:srgbClr>
-                      </a:solidFill>
-                      <a:prstDash val="solid"/>
-                    </a:lnT>
-                    <a:lnB algn="ctr" cmpd="sng" cap="flat" w="6350">
+                        <a:t>19</a:t>
+                      </a:r>
+                    </a:p>
+                  </a:txBody>
+                  <a:tcPr anchor="ctr" marB="63500" marT="63500" marR="0" marL="0">
+                    <a:lnL algn="ctr" cmpd="sng" cap="flat" w="0">
+                      <a:noFill/>
+                      <a:prstDash val="solid"/>
+                    </a:lnL>
+                    <a:lnR algn="ctr" cmpd="sng" cap="flat" w="0">
+                      <a:noFill/>
+                      <a:prstDash val="solid"/>
+                    </a:lnR>
+                    <a:lnT algn="ctr" cmpd="sng" cap="flat" w="9525">
+                      <a:solidFill>
+                        <a:srgbClr val="666666">
+                          <a:alpha val="100000"/>
+                        </a:srgbClr>
+                      </a:solidFill>
+                      <a:prstDash val="solid"/>
+                    </a:lnT>
+                    <a:lnB algn="ctr" cmpd="sng" cap="flat" w="9525">
                       <a:solidFill>
                         <a:srgbClr val="666666">
                           <a:alpha val="100000"/>
@@ -3904,28 +3904,28 @@
                           <a:ea typeface="Helvetica"/>
                           <a:sym typeface="Helvetica"/>
                         </a:rPr>
-                        <a:t>194</a:t>
-                      </a:r>
-                    </a:p>
-                  </a:txBody>
-                  <a:tcPr anchor="ctr" marB="63500" marT="63500" marR="0" marL="0">
-                    <a:lnL algn="ctr" cmpd="sng" cap="flat" w="0">
-                      <a:noFill/>
-                      <a:prstDash val="solid"/>
-                    </a:lnL>
-                    <a:lnR algn="ctr" cmpd="sng" cap="flat" w="0">
-                      <a:noFill/>
-                      <a:prstDash val="solid"/>
-                    </a:lnR>
-                    <a:lnT algn="ctr" cmpd="sng" cap="flat" w="6350">
-                      <a:solidFill>
-                        <a:srgbClr val="666666">
-                          <a:alpha val="100000"/>
-                        </a:srgbClr>
-                      </a:solidFill>
-                      <a:prstDash val="solid"/>
-                    </a:lnT>
-                    <a:lnB algn="ctr" cmpd="sng" cap="flat" w="6350">
+                        <a:t>99</a:t>
+                      </a:r>
+                    </a:p>
+                  </a:txBody>
+                  <a:tcPr anchor="ctr" marB="63500" marT="63500" marR="0" marL="0">
+                    <a:lnL algn="ctr" cmpd="sng" cap="flat" w="0">
+                      <a:noFill/>
+                      <a:prstDash val="solid"/>
+                    </a:lnL>
+                    <a:lnR algn="ctr" cmpd="sng" cap="flat" w="0">
+                      <a:noFill/>
+                      <a:prstDash val="solid"/>
+                    </a:lnR>
+                    <a:lnT algn="ctr" cmpd="sng" cap="flat" w="9525">
+                      <a:solidFill>
+                        <a:srgbClr val="666666">
+                          <a:alpha val="100000"/>
+                        </a:srgbClr>
+                      </a:solidFill>
+                      <a:prstDash val="solid"/>
+                    </a:lnT>
+                    <a:lnB algn="ctr" cmpd="sng" cap="flat" w="9525">
                       <a:solidFill>
                         <a:srgbClr val="666666">
                           <a:alpha val="100000"/>
@@ -3969,28 +3969,28 @@
                           <a:ea typeface="Helvetica"/>
                           <a:sym typeface="Helvetica"/>
                         </a:rPr>
-                        <a:t>8.6</a:t>
-                      </a:r>
-                    </a:p>
-                  </a:txBody>
-                  <a:tcPr anchor="ctr" marB="63500" marT="63500" marR="0" marL="0">
-                    <a:lnL algn="ctr" cmpd="sng" cap="flat" w="0">
-                      <a:noFill/>
-                      <a:prstDash val="solid"/>
-                    </a:lnL>
-                    <a:lnR algn="ctr" cmpd="sng" cap="flat" w="0">
-                      <a:noFill/>
-                      <a:prstDash val="solid"/>
-                    </a:lnR>
-                    <a:lnT algn="ctr" cmpd="sng" cap="flat" w="6350">
-                      <a:solidFill>
-                        <a:srgbClr val="666666">
-                          <a:alpha val="100000"/>
-                        </a:srgbClr>
-                      </a:solidFill>
-                      <a:prstDash val="solid"/>
-                    </a:lnT>
-                    <a:lnB algn="ctr" cmpd="sng" cap="flat" w="6350">
+                        <a:t>13.8</a:t>
+                      </a:r>
+                    </a:p>
+                  </a:txBody>
+                  <a:tcPr anchor="ctr" marB="63500" marT="63500" marR="0" marL="0">
+                    <a:lnL algn="ctr" cmpd="sng" cap="flat" w="0">
+                      <a:noFill/>
+                      <a:prstDash val="solid"/>
+                    </a:lnL>
+                    <a:lnR algn="ctr" cmpd="sng" cap="flat" w="0">
+                      <a:noFill/>
+                      <a:prstDash val="solid"/>
+                    </a:lnR>
+                    <a:lnT algn="ctr" cmpd="sng" cap="flat" w="9525">
+                      <a:solidFill>
+                        <a:srgbClr val="666666">
+                          <a:alpha val="100000"/>
+                        </a:srgbClr>
+                      </a:solidFill>
+                      <a:prstDash val="solid"/>
+                    </a:lnT>
+                    <a:lnB algn="ctr" cmpd="sng" cap="flat" w="9525">
                       <a:solidFill>
                         <a:srgbClr val="666666">
                           <a:alpha val="100000"/>
@@ -4034,28 +4034,28 @@
                           <a:ea typeface="Helvetica"/>
                           <a:sym typeface="Helvetica"/>
                         </a:rPr>
-                        <a:t>69</a:t>
-                      </a:r>
-                    </a:p>
-                  </a:txBody>
-                  <a:tcPr anchor="ctr" marB="63500" marT="63500" marR="0" marL="0">
-                    <a:lnL algn="ctr" cmpd="sng" cap="flat" w="0">
-                      <a:noFill/>
-                      <a:prstDash val="solid"/>
-                    </a:lnL>
-                    <a:lnR algn="ctr" cmpd="sng" cap="flat" w="0">
-                      <a:noFill/>
-                      <a:prstDash val="solid"/>
-                    </a:lnR>
-                    <a:lnT algn="ctr" cmpd="sng" cap="flat" w="6350">
-                      <a:solidFill>
-                        <a:srgbClr val="666666">
-                          <a:alpha val="100000"/>
-                        </a:srgbClr>
-                      </a:solidFill>
-                      <a:prstDash val="solid"/>
-                    </a:lnT>
-                    <a:lnB algn="ctr" cmpd="sng" cap="flat" w="6350">
+                        <a:t>59</a:t>
+                      </a:r>
+                    </a:p>
+                  </a:txBody>
+                  <a:tcPr anchor="ctr" marB="63500" marT="63500" marR="0" marL="0">
+                    <a:lnL algn="ctr" cmpd="sng" cap="flat" w="0">
+                      <a:noFill/>
+                      <a:prstDash val="solid"/>
+                    </a:lnL>
+                    <a:lnR algn="ctr" cmpd="sng" cap="flat" w="0">
+                      <a:noFill/>
+                      <a:prstDash val="solid"/>
+                    </a:lnR>
+                    <a:lnT algn="ctr" cmpd="sng" cap="flat" w="9525">
+                      <a:solidFill>
+                        <a:srgbClr val="666666">
+                          <a:alpha val="100000"/>
+                        </a:srgbClr>
+                      </a:solidFill>
+                      <a:prstDash val="solid"/>
+                    </a:lnT>
+                    <a:lnB algn="ctr" cmpd="sng" cap="flat" w="9525">
                       <a:solidFill>
                         <a:srgbClr val="666666">
                           <a:alpha val="100000"/>
@@ -4112,15 +4112,15 @@
                       <a:noFill/>
                       <a:prstDash val="solid"/>
                     </a:lnR>
-                    <a:lnT algn="ctr" cmpd="sng" cap="flat" w="6350">
-                      <a:solidFill>
-                        <a:srgbClr val="666666">
-                          <a:alpha val="100000"/>
-                        </a:srgbClr>
-                      </a:solidFill>
-                      <a:prstDash val="solid"/>
-                    </a:lnT>
-                    <a:lnB algn="ctr" cmpd="sng" cap="flat" w="6350">
+                    <a:lnT algn="ctr" cmpd="sng" cap="flat" w="9525">
+                      <a:solidFill>
+                        <a:srgbClr val="666666">
+                          <a:alpha val="100000"/>
+                        </a:srgbClr>
+                      </a:solidFill>
+                      <a:prstDash val="solid"/>
+                    </a:lnT>
+                    <a:lnB algn="ctr" cmpd="sng" cap="flat" w="9525">
                       <a:solidFill>
                         <a:srgbClr val="666666">
                           <a:alpha val="100000"/>
@@ -4164,28 +4164,28 @@
                           <a:ea typeface="Helvetica"/>
                           <a:sym typeface="Helvetica"/>
                         </a:rPr>
-                        <a:t>10</a:t>
-                      </a:r>
-                    </a:p>
-                  </a:txBody>
-                  <a:tcPr anchor="ctr" marB="63500" marT="63500" marR="0" marL="0">
-                    <a:lnL algn="ctr" cmpd="sng" cap="flat" w="0">
-                      <a:noFill/>
-                      <a:prstDash val="solid"/>
-                    </a:lnL>
-                    <a:lnR algn="ctr" cmpd="sng" cap="flat" w="0">
-                      <a:noFill/>
-                      <a:prstDash val="solid"/>
-                    </a:lnR>
-                    <a:lnT algn="ctr" cmpd="sng" cap="flat" w="6350">
-                      <a:solidFill>
-                        <a:srgbClr val="666666">
-                          <a:alpha val="100000"/>
-                        </a:srgbClr>
-                      </a:solidFill>
-                      <a:prstDash val="solid"/>
-                    </a:lnT>
-                    <a:lnB algn="ctr" cmpd="sng" cap="flat" w="6350">
+                        <a:t>8</a:t>
+                      </a:r>
+                    </a:p>
+                  </a:txBody>
+                  <a:tcPr anchor="ctr" marB="63500" marT="63500" marR="0" marL="0">
+                    <a:lnL algn="ctr" cmpd="sng" cap="flat" w="0">
+                      <a:noFill/>
+                      <a:prstDash val="solid"/>
+                    </a:lnL>
+                    <a:lnR algn="ctr" cmpd="sng" cap="flat" w="0">
+                      <a:noFill/>
+                      <a:prstDash val="solid"/>
+                    </a:lnR>
+                    <a:lnT algn="ctr" cmpd="sng" cap="flat" w="9525">
+                      <a:solidFill>
+                        <a:srgbClr val="666666">
+                          <a:alpha val="100000"/>
+                        </a:srgbClr>
+                      </a:solidFill>
+                      <a:prstDash val="solid"/>
+                    </a:lnT>
+                    <a:lnB algn="ctr" cmpd="sng" cap="flat" w="9525">
                       <a:solidFill>
                         <a:srgbClr val="666666">
                           <a:alpha val="100000"/>
@@ -4244,15 +4244,15 @@
                       <a:noFill/>
                       <a:prstDash val="solid"/>
                     </a:lnR>
-                    <a:lnT algn="ctr" cmpd="sng" cap="flat" w="6350">
-                      <a:solidFill>
-                        <a:srgbClr val="666666">
-                          <a:alpha val="100000"/>
-                        </a:srgbClr>
-                      </a:solidFill>
-                      <a:prstDash val="solid"/>
-                    </a:lnT>
-                    <a:lnB algn="ctr" cmpd="sng" cap="flat" w="6350">
+                    <a:lnT algn="ctr" cmpd="sng" cap="flat" w="9525">
+                      <a:solidFill>
+                        <a:srgbClr val="666666">
+                          <a:alpha val="100000"/>
+                        </a:srgbClr>
+                      </a:solidFill>
+                      <a:prstDash val="solid"/>
+                    </a:lnT>
+                    <a:lnB algn="ctr" cmpd="sng" cap="flat" w="9525">
                       <a:solidFill>
                         <a:srgbClr val="666666">
                           <a:alpha val="100000"/>
@@ -4296,28 +4296,28 @@
                           <a:ea typeface="Helvetica"/>
                           <a:sym typeface="Helvetica"/>
                         </a:rPr>
-                        <a:t/>
-                      </a:r>
-                    </a:p>
-                  </a:txBody>
-                  <a:tcPr anchor="ctr" marB="63500" marT="63500" marR="0" marL="0">
-                    <a:lnL algn="ctr" cmpd="sng" cap="flat" w="0">
-                      <a:noFill/>
-                      <a:prstDash val="solid"/>
-                    </a:lnL>
-                    <a:lnR algn="ctr" cmpd="sng" cap="flat" w="0">
-                      <a:noFill/>
-                      <a:prstDash val="solid"/>
-                    </a:lnR>
-                    <a:lnT algn="ctr" cmpd="sng" cap="flat" w="6350">
-                      <a:solidFill>
-                        <a:srgbClr val="666666">
-                          <a:alpha val="100000"/>
-                        </a:srgbClr>
-                      </a:solidFill>
-                      <a:prstDash val="solid"/>
-                    </a:lnT>
-                    <a:lnB algn="ctr" cmpd="sng" cap="flat" w="6350">
+                        <a:t>194</a:t>
+                      </a:r>
+                    </a:p>
+                  </a:txBody>
+                  <a:tcPr anchor="ctr" marB="63500" marT="63500" marR="0" marL="0">
+                    <a:lnL algn="ctr" cmpd="sng" cap="flat" w="0">
+                      <a:noFill/>
+                      <a:prstDash val="solid"/>
+                    </a:lnL>
+                    <a:lnR algn="ctr" cmpd="sng" cap="flat" w="0">
+                      <a:noFill/>
+                      <a:prstDash val="solid"/>
+                    </a:lnR>
+                    <a:lnT algn="ctr" cmpd="sng" cap="flat" w="9525">
+                      <a:solidFill>
+                        <a:srgbClr val="666666">
+                          <a:alpha val="100000"/>
+                        </a:srgbClr>
+                      </a:solidFill>
+                      <a:prstDash val="solid"/>
+                    </a:lnT>
+                    <a:lnB algn="ctr" cmpd="sng" cap="flat" w="9525">
                       <a:solidFill>
                         <a:srgbClr val="666666">
                           <a:alpha val="100000"/>
@@ -4361,28 +4361,28 @@
                           <a:ea typeface="Helvetica"/>
                           <a:sym typeface="Helvetica"/>
                         </a:rPr>
-                        <a:t>14.3</a:t>
-                      </a:r>
-                    </a:p>
-                  </a:txBody>
-                  <a:tcPr anchor="ctr" marB="63500" marT="63500" marR="0" marL="0">
-                    <a:lnL algn="ctr" cmpd="sng" cap="flat" w="0">
-                      <a:noFill/>
-                      <a:prstDash val="solid"/>
-                    </a:lnL>
-                    <a:lnR algn="ctr" cmpd="sng" cap="flat" w="0">
-                      <a:noFill/>
-                      <a:prstDash val="solid"/>
-                    </a:lnR>
-                    <a:lnT algn="ctr" cmpd="sng" cap="flat" w="6350">
-                      <a:solidFill>
-                        <a:srgbClr val="666666">
-                          <a:alpha val="100000"/>
-                        </a:srgbClr>
-                      </a:solidFill>
-                      <a:prstDash val="solid"/>
-                    </a:lnT>
-                    <a:lnB algn="ctr" cmpd="sng" cap="flat" w="6350">
+                        <a:t>8.6</a:t>
+                      </a:r>
+                    </a:p>
+                  </a:txBody>
+                  <a:tcPr anchor="ctr" marB="63500" marT="63500" marR="0" marL="0">
+                    <a:lnL algn="ctr" cmpd="sng" cap="flat" w="0">
+                      <a:noFill/>
+                      <a:prstDash val="solid"/>
+                    </a:lnL>
+                    <a:lnR algn="ctr" cmpd="sng" cap="flat" w="0">
+                      <a:noFill/>
+                      <a:prstDash val="solid"/>
+                    </a:lnR>
+                    <a:lnT algn="ctr" cmpd="sng" cap="flat" w="9525">
+                      <a:solidFill>
+                        <a:srgbClr val="666666">
+                          <a:alpha val="100000"/>
+                        </a:srgbClr>
+                      </a:solidFill>
+                      <a:prstDash val="solid"/>
+                    </a:lnT>
+                    <a:lnB algn="ctr" cmpd="sng" cap="flat" w="9525">
                       <a:solidFill>
                         <a:srgbClr val="666666">
                           <a:alpha val="100000"/>
@@ -4426,28 +4426,28 @@
                           <a:ea typeface="Helvetica"/>
                           <a:sym typeface="Helvetica"/>
                         </a:rPr>
-                        <a:t>56</a:t>
-                      </a:r>
-                    </a:p>
-                  </a:txBody>
-                  <a:tcPr anchor="ctr" marB="63500" marT="63500" marR="0" marL="0">
-                    <a:lnL algn="ctr" cmpd="sng" cap="flat" w="0">
-                      <a:noFill/>
-                      <a:prstDash val="solid"/>
-                    </a:lnL>
-                    <a:lnR algn="ctr" cmpd="sng" cap="flat" w="0">
-                      <a:noFill/>
-                      <a:prstDash val="solid"/>
-                    </a:lnR>
-                    <a:lnT algn="ctr" cmpd="sng" cap="flat" w="6350">
-                      <a:solidFill>
-                        <a:srgbClr val="666666">
-                          <a:alpha val="100000"/>
-                        </a:srgbClr>
-                      </a:solidFill>
-                      <a:prstDash val="solid"/>
-                    </a:lnT>
-                    <a:lnB algn="ctr" cmpd="sng" cap="flat" w="6350">
+                        <a:t>69</a:t>
+                      </a:r>
+                    </a:p>
+                  </a:txBody>
+                  <a:tcPr anchor="ctr" marB="63500" marT="63500" marR="0" marL="0">
+                    <a:lnL algn="ctr" cmpd="sng" cap="flat" w="0">
+                      <a:noFill/>
+                      <a:prstDash val="solid"/>
+                    </a:lnL>
+                    <a:lnR algn="ctr" cmpd="sng" cap="flat" w="0">
+                      <a:noFill/>
+                      <a:prstDash val="solid"/>
+                    </a:lnR>
+                    <a:lnT algn="ctr" cmpd="sng" cap="flat" w="9525">
+                      <a:solidFill>
+                        <a:srgbClr val="666666">
+                          <a:alpha val="100000"/>
+                        </a:srgbClr>
+                      </a:solidFill>
+                      <a:prstDash val="solid"/>
+                    </a:lnT>
+                    <a:lnB algn="ctr" cmpd="sng" cap="flat" w="9525">
                       <a:solidFill>
                         <a:srgbClr val="666666">
                           <a:alpha val="100000"/>
@@ -4504,15 +4504,15 @@
                       <a:noFill/>
                       <a:prstDash val="solid"/>
                     </a:lnR>
-                    <a:lnT algn="ctr" cmpd="sng" cap="flat" w="6350">
-                      <a:solidFill>
-                        <a:srgbClr val="666666">
-                          <a:alpha val="100000"/>
-                        </a:srgbClr>
-                      </a:solidFill>
-                      <a:prstDash val="solid"/>
-                    </a:lnT>
-                    <a:lnB algn="ctr" cmpd="sng" cap="flat" w="6350">
+                    <a:lnT algn="ctr" cmpd="sng" cap="flat" w="9525">
+                      <a:solidFill>
+                        <a:srgbClr val="666666">
+                          <a:alpha val="100000"/>
+                        </a:srgbClr>
+                      </a:solidFill>
+                      <a:prstDash val="solid"/>
+                    </a:lnT>
+                    <a:lnB algn="ctr" cmpd="sng" cap="flat" w="9525">
                       <a:solidFill>
                         <a:srgbClr val="666666">
                           <a:alpha val="100000"/>
@@ -4556,28 +4556,28 @@
                           <a:ea typeface="Helvetica"/>
                           <a:sym typeface="Helvetica"/>
                         </a:rPr>
-                        <a:t>5</a:t>
-                      </a:r>
-                    </a:p>
-                  </a:txBody>
-                  <a:tcPr anchor="ctr" marB="63500" marT="63500" marR="0" marL="0">
-                    <a:lnL algn="ctr" cmpd="sng" cap="flat" w="0">
-                      <a:noFill/>
-                      <a:prstDash val="solid"/>
-                    </a:lnL>
-                    <a:lnR algn="ctr" cmpd="sng" cap="flat" w="0">
-                      <a:noFill/>
-                      <a:prstDash val="solid"/>
-                    </a:lnR>
-                    <a:lnT algn="ctr" cmpd="sng" cap="flat" w="6350">
-                      <a:solidFill>
-                        <a:srgbClr val="666666">
-                          <a:alpha val="100000"/>
-                        </a:srgbClr>
-                      </a:solidFill>
-                      <a:prstDash val="solid"/>
-                    </a:lnT>
-                    <a:lnB algn="ctr" cmpd="sng" cap="flat" w="6350">
+                        <a:t>10</a:t>
+                      </a:r>
+                    </a:p>
+                  </a:txBody>
+                  <a:tcPr anchor="ctr" marB="63500" marT="63500" marR="0" marL="0">
+                    <a:lnL algn="ctr" cmpd="sng" cap="flat" w="0">
+                      <a:noFill/>
+                      <a:prstDash val="solid"/>
+                    </a:lnL>
+                    <a:lnR algn="ctr" cmpd="sng" cap="flat" w="0">
+                      <a:noFill/>
+                      <a:prstDash val="solid"/>
+                    </a:lnR>
+                    <a:lnT algn="ctr" cmpd="sng" cap="flat" w="9525">
+                      <a:solidFill>
+                        <a:srgbClr val="666666">
+                          <a:alpha val="100000"/>
+                        </a:srgbClr>
+                      </a:solidFill>
+                      <a:prstDash val="solid"/>
+                    </a:lnT>
+                    <a:lnB algn="ctr" cmpd="sng" cap="flat" w="9525">
                       <a:solidFill>
                         <a:srgbClr val="666666">
                           <a:alpha val="100000"/>
@@ -4636,15 +4636,15 @@
                       <a:noFill/>
                       <a:prstDash val="solid"/>
                     </a:lnR>
-                    <a:lnT algn="ctr" cmpd="sng" cap="flat" w="6350">
-                      <a:solidFill>
-                        <a:srgbClr val="666666">
-                          <a:alpha val="100000"/>
-                        </a:srgbClr>
-                      </a:solidFill>
-                      <a:prstDash val="solid"/>
-                    </a:lnT>
-                    <a:lnB algn="ctr" cmpd="sng" cap="flat" w="6350">
+                    <a:lnT algn="ctr" cmpd="sng" cap="flat" w="9525">
+                      <a:solidFill>
+                        <a:srgbClr val="666666">
+                          <a:alpha val="100000"/>
+                        </a:srgbClr>
+                      </a:solidFill>
+                      <a:prstDash val="solid"/>
+                    </a:lnT>
+                    <a:lnB algn="ctr" cmpd="sng" cap="flat" w="9525">
                       <a:solidFill>
                         <a:srgbClr val="666666">
                           <a:alpha val="100000"/>
@@ -4701,15 +4701,15 @@
                       <a:noFill/>
                       <a:prstDash val="solid"/>
                     </a:lnR>
-                    <a:lnT algn="ctr" cmpd="sng" cap="flat" w="6350">
-                      <a:solidFill>
-                        <a:srgbClr val="666666">
-                          <a:alpha val="100000"/>
-                        </a:srgbClr>
-                      </a:solidFill>
-                      <a:prstDash val="solid"/>
-                    </a:lnT>
-                    <a:lnB algn="ctr" cmpd="sng" cap="flat" w="6350">
+                    <a:lnT algn="ctr" cmpd="sng" cap="flat" w="9525">
+                      <a:solidFill>
+                        <a:srgbClr val="666666">
+                          <a:alpha val="100000"/>
+                        </a:srgbClr>
+                      </a:solidFill>
+                      <a:prstDash val="solid"/>
+                    </a:lnT>
+                    <a:lnB algn="ctr" cmpd="sng" cap="flat" w="9525">
                       <a:solidFill>
                         <a:srgbClr val="666666">
                           <a:alpha val="100000"/>
@@ -4766,15 +4766,15 @@
                       <a:noFill/>
                       <a:prstDash val="solid"/>
                     </a:lnR>
-                    <a:lnT algn="ctr" cmpd="sng" cap="flat" w="6350">
-                      <a:solidFill>
-                        <a:srgbClr val="666666">
-                          <a:alpha val="100000"/>
-                        </a:srgbClr>
-                      </a:solidFill>
-                      <a:prstDash val="solid"/>
-                    </a:lnT>
-                    <a:lnB algn="ctr" cmpd="sng" cap="flat" w="6350">
+                    <a:lnT algn="ctr" cmpd="sng" cap="flat" w="9525">
+                      <a:solidFill>
+                        <a:srgbClr val="666666">
+                          <a:alpha val="100000"/>
+                        </a:srgbClr>
+                      </a:solidFill>
+                      <a:prstDash val="solid"/>
+                    </a:lnT>
+                    <a:lnB algn="ctr" cmpd="sng" cap="flat" w="9525">
                       <a:solidFill>
                         <a:srgbClr val="666666">
                           <a:alpha val="100000"/>
@@ -4831,15 +4831,15 @@
                       <a:noFill/>
                       <a:prstDash val="solid"/>
                     </a:lnR>
-                    <a:lnT algn="ctr" cmpd="sng" cap="flat" w="6350">
-                      <a:solidFill>
-                        <a:srgbClr val="666666">
-                          <a:alpha val="100000"/>
-                        </a:srgbClr>
-                      </a:solidFill>
-                      <a:prstDash val="solid"/>
-                    </a:lnT>
-                    <a:lnB algn="ctr" cmpd="sng" cap="flat" w="6350">
+                    <a:lnT algn="ctr" cmpd="sng" cap="flat" w="9525">
+                      <a:solidFill>
+                        <a:srgbClr val="666666">
+                          <a:alpha val="100000"/>
+                        </a:srgbClr>
+                      </a:solidFill>
+                      <a:prstDash val="solid"/>
+                    </a:lnT>
+                    <a:lnB algn="ctr" cmpd="sng" cap="flat" w="9525">
                       <a:solidFill>
                         <a:srgbClr val="666666">
                           <a:alpha val="100000"/>
@@ -4896,15 +4896,15 @@
                       <a:noFill/>
                       <a:prstDash val="solid"/>
                     </a:lnR>
-                    <a:lnT algn="ctr" cmpd="sng" cap="flat" w="6350">
-                      <a:solidFill>
-                        <a:srgbClr val="666666">
-                          <a:alpha val="100000"/>
-                        </a:srgbClr>
-                      </a:solidFill>
-                      <a:prstDash val="solid"/>
-                    </a:lnT>
-                    <a:lnB algn="ctr" cmpd="sng" cap="flat" w="6350">
+                    <a:lnT algn="ctr" cmpd="sng" cap="flat" w="9525">
+                      <a:solidFill>
+                        <a:srgbClr val="666666">
+                          <a:alpha val="100000"/>
+                        </a:srgbClr>
+                      </a:solidFill>
+                      <a:prstDash val="solid"/>
+                    </a:lnT>
+                    <a:lnB algn="ctr" cmpd="sng" cap="flat" w="9525">
                       <a:solidFill>
                         <a:srgbClr val="666666">
                           <a:alpha val="100000"/>
@@ -4961,15 +4961,15 @@
                       <a:noFill/>
                       <a:prstDash val="solid"/>
                     </a:lnR>
-                    <a:lnT algn="ctr" cmpd="sng" cap="flat" w="6350">
-                      <a:solidFill>
-                        <a:srgbClr val="666666">
-                          <a:alpha val="100000"/>
-                        </a:srgbClr>
-                      </a:solidFill>
-                      <a:prstDash val="solid"/>
-                    </a:lnT>
-                    <a:lnB algn="ctr" cmpd="sng" cap="flat" w="6350">
+                    <a:lnT algn="ctr" cmpd="sng" cap="flat" w="9525">
+                      <a:solidFill>
+                        <a:srgbClr val="666666">
+                          <a:alpha val="100000"/>
+                        </a:srgbClr>
+                      </a:solidFill>
+                      <a:prstDash val="solid"/>
+                    </a:lnT>
+                    <a:lnB algn="ctr" cmpd="sng" cap="flat" w="9525">
                       <a:solidFill>
                         <a:srgbClr val="666666">
                           <a:alpha val="100000"/>
@@ -5015,28 +5015,28 @@
                           <a:ea typeface="Helvetica"/>
                           <a:sym typeface="Helvetica"/>
                         </a:rPr>
-                        <a:t>28</a:t>
-                      </a:r>
-                    </a:p>
-                  </a:txBody>
-                  <a:tcPr anchor="ctr" marB="63500" marT="63500" marR="0" marL="0">
-                    <a:lnL algn="ctr" cmpd="sng" cap="flat" w="0">
-                      <a:noFill/>
-                      <a:prstDash val="solid"/>
-                    </a:lnL>
-                    <a:lnR algn="ctr" cmpd="sng" cap="flat" w="0">
-                      <a:noFill/>
-                      <a:prstDash val="solid"/>
-                    </a:lnR>
-                    <a:lnT algn="ctr" cmpd="sng" cap="flat" w="6350">
-                      <a:solidFill>
-                        <a:srgbClr val="666666">
-                          <a:alpha val="100000"/>
-                        </a:srgbClr>
-                      </a:solidFill>
-                      <a:prstDash val="solid"/>
-                    </a:lnT>
-                    <a:lnB algn="ctr" cmpd="sng" cap="flat" w="6350">
+                        <a:t>18</a:t>
+                      </a:r>
+                    </a:p>
+                  </a:txBody>
+                  <a:tcPr anchor="ctr" marB="63500" marT="63500" marR="0" marL="0">
+                    <a:lnL algn="ctr" cmpd="sng" cap="flat" w="0">
+                      <a:noFill/>
+                      <a:prstDash val="solid"/>
+                    </a:lnL>
+                    <a:lnR algn="ctr" cmpd="sng" cap="flat" w="0">
+                      <a:noFill/>
+                      <a:prstDash val="solid"/>
+                    </a:lnR>
+                    <a:lnT algn="ctr" cmpd="sng" cap="flat" w="9525">
+                      <a:solidFill>
+                        <a:srgbClr val="666666">
+                          <a:alpha val="100000"/>
+                        </a:srgbClr>
+                      </a:solidFill>
+                      <a:prstDash val="solid"/>
+                    </a:lnT>
+                    <a:lnB algn="ctr" cmpd="sng" cap="flat" w="9525">
                       <a:solidFill>
                         <a:srgbClr val="666666">
                           <a:alpha val="100000"/>
@@ -5080,28 +5080,28 @@
                           <a:ea typeface="Helvetica"/>
                           <a:sym typeface="Helvetica"/>
                         </a:rPr>
-                        <a:t/>
-                      </a:r>
-                    </a:p>
-                  </a:txBody>
-                  <a:tcPr anchor="ctr" marB="63500" marT="63500" marR="0" marL="0">
-                    <a:lnL algn="ctr" cmpd="sng" cap="flat" w="0">
-                      <a:noFill/>
-                      <a:prstDash val="solid"/>
-                    </a:lnL>
-                    <a:lnR algn="ctr" cmpd="sng" cap="flat" w="0">
-                      <a:noFill/>
-                      <a:prstDash val="solid"/>
-                    </a:lnR>
-                    <a:lnT algn="ctr" cmpd="sng" cap="flat" w="6350">
-                      <a:solidFill>
-                        <a:srgbClr val="666666">
-                          <a:alpha val="100000"/>
-                        </a:srgbClr>
-                      </a:solidFill>
-                      <a:prstDash val="solid"/>
-                    </a:lnT>
-                    <a:lnB algn="ctr" cmpd="sng" cap="flat" w="6350">
+                        <a:t>313</a:t>
+                      </a:r>
+                    </a:p>
+                  </a:txBody>
+                  <a:tcPr anchor="ctr" marB="63500" marT="63500" marR="0" marL="0">
+                    <a:lnL algn="ctr" cmpd="sng" cap="flat" w="0">
+                      <a:noFill/>
+                      <a:prstDash val="solid"/>
+                    </a:lnL>
+                    <a:lnR algn="ctr" cmpd="sng" cap="flat" w="0">
+                      <a:noFill/>
+                      <a:prstDash val="solid"/>
+                    </a:lnR>
+                    <a:lnT algn="ctr" cmpd="sng" cap="flat" w="9525">
+                      <a:solidFill>
+                        <a:srgbClr val="666666">
+                          <a:alpha val="100000"/>
+                        </a:srgbClr>
+                      </a:solidFill>
+                      <a:prstDash val="solid"/>
+                    </a:lnT>
+                    <a:lnB algn="ctr" cmpd="sng" cap="flat" w="9525">
                       <a:solidFill>
                         <a:srgbClr val="666666">
                           <a:alpha val="100000"/>
@@ -5145,28 +5145,28 @@
                           <a:ea typeface="Helvetica"/>
                           <a:sym typeface="Helvetica"/>
                         </a:rPr>
-                        <a:t>14.9</a:t>
-                      </a:r>
-                    </a:p>
-                  </a:txBody>
-                  <a:tcPr anchor="ctr" marB="63500" marT="63500" marR="0" marL="0">
-                    <a:lnL algn="ctr" cmpd="sng" cap="flat" w="0">
-                      <a:noFill/>
-                      <a:prstDash val="solid"/>
-                    </a:lnL>
-                    <a:lnR algn="ctr" cmpd="sng" cap="flat" w="0">
-                      <a:noFill/>
-                      <a:prstDash val="solid"/>
-                    </a:lnR>
-                    <a:lnT algn="ctr" cmpd="sng" cap="flat" w="6350">
-                      <a:solidFill>
-                        <a:srgbClr val="666666">
-                          <a:alpha val="100000"/>
-                        </a:srgbClr>
-                      </a:solidFill>
-                      <a:prstDash val="solid"/>
-                    </a:lnT>
-                    <a:lnB algn="ctr" cmpd="sng" cap="flat" w="6350">
+                        <a:t>11.5</a:t>
+                      </a:r>
+                    </a:p>
+                  </a:txBody>
+                  <a:tcPr anchor="ctr" marB="63500" marT="63500" marR="0" marL="0">
+                    <a:lnL algn="ctr" cmpd="sng" cap="flat" w="0">
+                      <a:noFill/>
+                      <a:prstDash val="solid"/>
+                    </a:lnL>
+                    <a:lnR algn="ctr" cmpd="sng" cap="flat" w="0">
+                      <a:noFill/>
+                      <a:prstDash val="solid"/>
+                    </a:lnR>
+                    <a:lnT algn="ctr" cmpd="sng" cap="flat" w="9525">
+                      <a:solidFill>
+                        <a:srgbClr val="666666">
+                          <a:alpha val="100000"/>
+                        </a:srgbClr>
+                      </a:solidFill>
+                      <a:prstDash val="solid"/>
+                    </a:lnT>
+                    <a:lnB algn="ctr" cmpd="sng" cap="flat" w="9525">
                       <a:solidFill>
                         <a:srgbClr val="666666">
                           <a:alpha val="100000"/>
@@ -5210,28 +5210,28 @@
                           <a:ea typeface="Helvetica"/>
                           <a:sym typeface="Helvetica"/>
                         </a:rPr>
-                        <a:t>66</a:t>
-                      </a:r>
-                    </a:p>
-                  </a:txBody>
-                  <a:tcPr anchor="ctr" marB="63500" marT="63500" marR="0" marL="0">
-                    <a:lnL algn="ctr" cmpd="sng" cap="flat" w="0">
-                      <a:noFill/>
-                      <a:prstDash val="solid"/>
-                    </a:lnL>
-                    <a:lnR algn="ctr" cmpd="sng" cap="flat" w="0">
-                      <a:noFill/>
-                      <a:prstDash val="solid"/>
-                    </a:lnR>
-                    <a:lnT algn="ctr" cmpd="sng" cap="flat" w="6350">
-                      <a:solidFill>
-                        <a:srgbClr val="666666">
-                          <a:alpha val="100000"/>
-                        </a:srgbClr>
-                      </a:solidFill>
-                      <a:prstDash val="solid"/>
-                    </a:lnT>
-                    <a:lnB algn="ctr" cmpd="sng" cap="flat" w="6350">
+                        <a:t>62</a:t>
+                      </a:r>
+                    </a:p>
+                  </a:txBody>
+                  <a:tcPr anchor="ctr" marB="63500" marT="63500" marR="0" marL="0">
+                    <a:lnL algn="ctr" cmpd="sng" cap="flat" w="0">
+                      <a:noFill/>
+                      <a:prstDash val="solid"/>
+                    </a:lnL>
+                    <a:lnR algn="ctr" cmpd="sng" cap="flat" w="0">
+                      <a:noFill/>
+                      <a:prstDash val="solid"/>
+                    </a:lnR>
+                    <a:lnT algn="ctr" cmpd="sng" cap="flat" w="9525">
+                      <a:solidFill>
+                        <a:srgbClr val="666666">
+                          <a:alpha val="100000"/>
+                        </a:srgbClr>
+                      </a:solidFill>
+                      <a:prstDash val="solid"/>
+                    </a:lnT>
+                    <a:lnB algn="ctr" cmpd="sng" cap="flat" w="9525">
                       <a:solidFill>
                         <a:srgbClr val="666666">
                           <a:alpha val="100000"/>
@@ -5288,15 +5288,15 @@
                       <a:noFill/>
                       <a:prstDash val="solid"/>
                     </a:lnR>
-                    <a:lnT algn="ctr" cmpd="sng" cap="flat" w="6350">
-                      <a:solidFill>
-                        <a:srgbClr val="666666">
-                          <a:alpha val="100000"/>
-                        </a:srgbClr>
-                      </a:solidFill>
-                      <a:prstDash val="solid"/>
-                    </a:lnT>
-                    <a:lnB algn="ctr" cmpd="sng" cap="flat" w="6350">
+                    <a:lnT algn="ctr" cmpd="sng" cap="flat" w="9525">
+                      <a:solidFill>
+                        <a:srgbClr val="666666">
+                          <a:alpha val="100000"/>
+                        </a:srgbClr>
+                      </a:solidFill>
+                      <a:prstDash val="solid"/>
+                    </a:lnT>
+                    <a:lnB algn="ctr" cmpd="sng" cap="flat" w="9525">
                       <a:solidFill>
                         <a:srgbClr val="666666">
                           <a:alpha val="100000"/>
@@ -5340,28 +5340,28 @@
                           <a:ea typeface="Helvetica"/>
                           <a:sym typeface="Helvetica"/>
                         </a:rPr>
-                        <a:t>6</a:t>
-                      </a:r>
-                    </a:p>
-                  </a:txBody>
-                  <a:tcPr anchor="ctr" marB="63500" marT="63500" marR="0" marL="0">
-                    <a:lnL algn="ctr" cmpd="sng" cap="flat" w="0">
-                      <a:noFill/>
-                      <a:prstDash val="solid"/>
-                    </a:lnL>
-                    <a:lnR algn="ctr" cmpd="sng" cap="flat" w="0">
-                      <a:noFill/>
-                      <a:prstDash val="solid"/>
-                    </a:lnR>
-                    <a:lnT algn="ctr" cmpd="sng" cap="flat" w="6350">
-                      <a:solidFill>
-                        <a:srgbClr val="666666">
-                          <a:alpha val="100000"/>
-                        </a:srgbClr>
-                      </a:solidFill>
-                      <a:prstDash val="solid"/>
-                    </a:lnT>
-                    <a:lnB algn="ctr" cmpd="sng" cap="flat" w="6350">
+                        <a:t>4</a:t>
+                      </a:r>
+                    </a:p>
+                  </a:txBody>
+                  <a:tcPr anchor="ctr" marB="63500" marT="63500" marR="0" marL="0">
+                    <a:lnL algn="ctr" cmpd="sng" cap="flat" w="0">
+                      <a:noFill/>
+                      <a:prstDash val="solid"/>
+                    </a:lnL>
+                    <a:lnR algn="ctr" cmpd="sng" cap="flat" w="0">
+                      <a:noFill/>
+                      <a:prstDash val="solid"/>
+                    </a:lnR>
+                    <a:lnT algn="ctr" cmpd="sng" cap="flat" w="9525">
+                      <a:solidFill>
+                        <a:srgbClr val="666666">
+                          <a:alpha val="100000"/>
+                        </a:srgbClr>
+                      </a:solidFill>
+                      <a:prstDash val="solid"/>
+                    </a:lnT>
+                    <a:lnB algn="ctr" cmpd="sng" cap="flat" w="9525">
                       <a:solidFill>
                         <a:srgbClr val="666666">
                           <a:alpha val="100000"/>
@@ -5407,28 +5407,28 @@
                           <a:ea typeface="Helvetica"/>
                           <a:sym typeface="Helvetica"/>
                         </a:rPr>
-                        <a:t>18</a:t>
-                      </a:r>
-                    </a:p>
-                  </a:txBody>
-                  <a:tcPr anchor="ctr" marB="63500" marT="63500" marR="0" marL="0">
-                    <a:lnL algn="ctr" cmpd="sng" cap="flat" w="0">
-                      <a:noFill/>
-                      <a:prstDash val="solid"/>
-                    </a:lnL>
-                    <a:lnR algn="ctr" cmpd="sng" cap="flat" w="0">
-                      <a:noFill/>
-                      <a:prstDash val="solid"/>
-                    </a:lnR>
-                    <a:lnT algn="ctr" cmpd="sng" cap="flat" w="6350">
-                      <a:solidFill>
-                        <a:srgbClr val="666666">
-                          <a:alpha val="100000"/>
-                        </a:srgbClr>
-                      </a:solidFill>
-                      <a:prstDash val="solid"/>
-                    </a:lnT>
-                    <a:lnB algn="ctr" cmpd="sng" cap="flat" w="6350">
+                        <a:t>28</a:t>
+                      </a:r>
+                    </a:p>
+                  </a:txBody>
+                  <a:tcPr anchor="ctr" marB="63500" marT="63500" marR="0" marL="0">
+                    <a:lnL algn="ctr" cmpd="sng" cap="flat" w="0">
+                      <a:noFill/>
+                      <a:prstDash val="solid"/>
+                    </a:lnL>
+                    <a:lnR algn="ctr" cmpd="sng" cap="flat" w="0">
+                      <a:noFill/>
+                      <a:prstDash val="solid"/>
+                    </a:lnR>
+                    <a:lnT algn="ctr" cmpd="sng" cap="flat" w="9525">
+                      <a:solidFill>
+                        <a:srgbClr val="666666">
+                          <a:alpha val="100000"/>
+                        </a:srgbClr>
+                      </a:solidFill>
+                      <a:prstDash val="solid"/>
+                    </a:lnT>
+                    <a:lnB algn="ctr" cmpd="sng" cap="flat" w="9525">
                       <a:solidFill>
                         <a:srgbClr val="666666">
                           <a:alpha val="100000"/>
@@ -5472,28 +5472,28 @@
                           <a:ea typeface="Helvetica"/>
                           <a:sym typeface="Helvetica"/>
                         </a:rPr>
-                        <a:t>313</a:t>
-                      </a:r>
-                    </a:p>
-                  </a:txBody>
-                  <a:tcPr anchor="ctr" marB="63500" marT="63500" marR="0" marL="0">
-                    <a:lnL algn="ctr" cmpd="sng" cap="flat" w="0">
-                      <a:noFill/>
-                      <a:prstDash val="solid"/>
-                    </a:lnL>
-                    <a:lnR algn="ctr" cmpd="sng" cap="flat" w="0">
-                      <a:noFill/>
-                      <a:prstDash val="solid"/>
-                    </a:lnR>
-                    <a:lnT algn="ctr" cmpd="sng" cap="flat" w="6350">
-                      <a:solidFill>
-                        <a:srgbClr val="666666">
-                          <a:alpha val="100000"/>
-                        </a:srgbClr>
-                      </a:solidFill>
-                      <a:prstDash val="solid"/>
-                    </a:lnT>
-                    <a:lnB algn="ctr" cmpd="sng" cap="flat" w="6350">
+                        <a:t/>
+                      </a:r>
+                    </a:p>
+                  </a:txBody>
+                  <a:tcPr anchor="ctr" marB="63500" marT="63500" marR="0" marL="0">
+                    <a:lnL algn="ctr" cmpd="sng" cap="flat" w="0">
+                      <a:noFill/>
+                      <a:prstDash val="solid"/>
+                    </a:lnL>
+                    <a:lnR algn="ctr" cmpd="sng" cap="flat" w="0">
+                      <a:noFill/>
+                      <a:prstDash val="solid"/>
+                    </a:lnR>
+                    <a:lnT algn="ctr" cmpd="sng" cap="flat" w="9525">
+                      <a:solidFill>
+                        <a:srgbClr val="666666">
+                          <a:alpha val="100000"/>
+                        </a:srgbClr>
+                      </a:solidFill>
+                      <a:prstDash val="solid"/>
+                    </a:lnT>
+                    <a:lnB algn="ctr" cmpd="sng" cap="flat" w="9525">
                       <a:solidFill>
                         <a:srgbClr val="666666">
                           <a:alpha val="100000"/>
@@ -5537,28 +5537,28 @@
                           <a:ea typeface="Helvetica"/>
                           <a:sym typeface="Helvetica"/>
                         </a:rPr>
-                        <a:t>11.5</a:t>
-                      </a:r>
-                    </a:p>
-                  </a:txBody>
-                  <a:tcPr anchor="ctr" marB="63500" marT="63500" marR="0" marL="0">
-                    <a:lnL algn="ctr" cmpd="sng" cap="flat" w="0">
-                      <a:noFill/>
-                      <a:prstDash val="solid"/>
-                    </a:lnL>
-                    <a:lnR algn="ctr" cmpd="sng" cap="flat" w="0">
-                      <a:noFill/>
-                      <a:prstDash val="solid"/>
-                    </a:lnR>
-                    <a:lnT algn="ctr" cmpd="sng" cap="flat" w="6350">
-                      <a:solidFill>
-                        <a:srgbClr val="666666">
-                          <a:alpha val="100000"/>
-                        </a:srgbClr>
-                      </a:solidFill>
-                      <a:prstDash val="solid"/>
-                    </a:lnT>
-                    <a:lnB algn="ctr" cmpd="sng" cap="flat" w="6350">
+                        <a:t>14.9</a:t>
+                      </a:r>
+                    </a:p>
+                  </a:txBody>
+                  <a:tcPr anchor="ctr" marB="63500" marT="63500" marR="0" marL="0">
+                    <a:lnL algn="ctr" cmpd="sng" cap="flat" w="0">
+                      <a:noFill/>
+                      <a:prstDash val="solid"/>
+                    </a:lnL>
+                    <a:lnR algn="ctr" cmpd="sng" cap="flat" w="0">
+                      <a:noFill/>
+                      <a:prstDash val="solid"/>
+                    </a:lnR>
+                    <a:lnT algn="ctr" cmpd="sng" cap="flat" w="9525">
+                      <a:solidFill>
+                        <a:srgbClr val="666666">
+                          <a:alpha val="100000"/>
+                        </a:srgbClr>
+                      </a:solidFill>
+                      <a:prstDash val="solid"/>
+                    </a:lnT>
+                    <a:lnB algn="ctr" cmpd="sng" cap="flat" w="9525">
                       <a:solidFill>
                         <a:srgbClr val="666666">
                           <a:alpha val="100000"/>
@@ -5602,28 +5602,28 @@
                           <a:ea typeface="Helvetica"/>
                           <a:sym typeface="Helvetica"/>
                         </a:rPr>
-                        <a:t>62</a:t>
-                      </a:r>
-                    </a:p>
-                  </a:txBody>
-                  <a:tcPr anchor="ctr" marB="63500" marT="63500" marR="0" marL="0">
-                    <a:lnL algn="ctr" cmpd="sng" cap="flat" w="0">
-                      <a:noFill/>
-                      <a:prstDash val="solid"/>
-                    </a:lnL>
-                    <a:lnR algn="ctr" cmpd="sng" cap="flat" w="0">
-                      <a:noFill/>
-                      <a:prstDash val="solid"/>
-                    </a:lnR>
-                    <a:lnT algn="ctr" cmpd="sng" cap="flat" w="6350">
-                      <a:solidFill>
-                        <a:srgbClr val="666666">
-                          <a:alpha val="100000"/>
-                        </a:srgbClr>
-                      </a:solidFill>
-                      <a:prstDash val="solid"/>
-                    </a:lnT>
-                    <a:lnB algn="ctr" cmpd="sng" cap="flat" w="6350">
+                        <a:t>66</a:t>
+                      </a:r>
+                    </a:p>
+                  </a:txBody>
+                  <a:tcPr anchor="ctr" marB="63500" marT="63500" marR="0" marL="0">
+                    <a:lnL algn="ctr" cmpd="sng" cap="flat" w="0">
+                      <a:noFill/>
+                      <a:prstDash val="solid"/>
+                    </a:lnL>
+                    <a:lnR algn="ctr" cmpd="sng" cap="flat" w="0">
+                      <a:noFill/>
+                      <a:prstDash val="solid"/>
+                    </a:lnR>
+                    <a:lnT algn="ctr" cmpd="sng" cap="flat" w="9525">
+                      <a:solidFill>
+                        <a:srgbClr val="666666">
+                          <a:alpha val="100000"/>
+                        </a:srgbClr>
+                      </a:solidFill>
+                      <a:prstDash val="solid"/>
+                    </a:lnT>
+                    <a:lnB algn="ctr" cmpd="sng" cap="flat" w="9525">
                       <a:solidFill>
                         <a:srgbClr val="666666">
                           <a:alpha val="100000"/>
@@ -5680,15 +5680,15 @@
                       <a:noFill/>
                       <a:prstDash val="solid"/>
                     </a:lnR>
-                    <a:lnT algn="ctr" cmpd="sng" cap="flat" w="6350">
-                      <a:solidFill>
-                        <a:srgbClr val="666666">
-                          <a:alpha val="100000"/>
-                        </a:srgbClr>
-                      </a:solidFill>
-                      <a:prstDash val="solid"/>
-                    </a:lnT>
-                    <a:lnB algn="ctr" cmpd="sng" cap="flat" w="6350">
+                    <a:lnT algn="ctr" cmpd="sng" cap="flat" w="9525">
+                      <a:solidFill>
+                        <a:srgbClr val="666666">
+                          <a:alpha val="100000"/>
+                        </a:srgbClr>
+                      </a:solidFill>
+                      <a:prstDash val="solid"/>
+                    </a:lnT>
+                    <a:lnB algn="ctr" cmpd="sng" cap="flat" w="9525">
                       <a:solidFill>
                         <a:srgbClr val="666666">
                           <a:alpha val="100000"/>
@@ -5732,28 +5732,28 @@
                           <a:ea typeface="Helvetica"/>
                           <a:sym typeface="Helvetica"/>
                         </a:rPr>
-                        <a:t>4</a:t>
-                      </a:r>
-                    </a:p>
-                  </a:txBody>
-                  <a:tcPr anchor="ctr" marB="63500" marT="63500" marR="0" marL="0">
-                    <a:lnL algn="ctr" cmpd="sng" cap="flat" w="0">
-                      <a:noFill/>
-                      <a:prstDash val="solid"/>
-                    </a:lnL>
-                    <a:lnR algn="ctr" cmpd="sng" cap="flat" w="0">
-                      <a:noFill/>
-                      <a:prstDash val="solid"/>
-                    </a:lnR>
-                    <a:lnT algn="ctr" cmpd="sng" cap="flat" w="6350">
-                      <a:solidFill>
-                        <a:srgbClr val="666666">
-                          <a:alpha val="100000"/>
-                        </a:srgbClr>
-                      </a:solidFill>
-                      <a:prstDash val="solid"/>
-                    </a:lnT>
-                    <a:lnB algn="ctr" cmpd="sng" cap="flat" w="6350">
+                        <a:t>6</a:t>
+                      </a:r>
+                    </a:p>
+                  </a:txBody>
+                  <a:tcPr anchor="ctr" marB="63500" marT="63500" marR="0" marL="0">
+                    <a:lnL algn="ctr" cmpd="sng" cap="flat" w="0">
+                      <a:noFill/>
+                      <a:prstDash val="solid"/>
+                    </a:lnL>
+                    <a:lnR algn="ctr" cmpd="sng" cap="flat" w="0">
+                      <a:noFill/>
+                      <a:prstDash val="solid"/>
+                    </a:lnR>
+                    <a:lnT algn="ctr" cmpd="sng" cap="flat" w="9525">
+                      <a:solidFill>
+                        <a:srgbClr val="666666">
+                          <a:alpha val="100000"/>
+                        </a:srgbClr>
+                      </a:solidFill>
+                      <a:prstDash val="solid"/>
+                    </a:lnT>
+                    <a:lnB algn="ctr" cmpd="sng" cap="flat" w="9525">
                       <a:solidFill>
                         <a:srgbClr val="666666">
                           <a:alpha val="100000"/>
@@ -5799,28 +5799,28 @@
                           <a:ea typeface="Helvetica"/>
                           <a:sym typeface="Helvetica"/>
                         </a:rPr>
-                        <a:t>8</a:t>
-                      </a:r>
-                    </a:p>
-                  </a:txBody>
-                  <a:tcPr anchor="ctr" marB="63500" marT="63500" marR="0" marL="0">
-                    <a:lnL algn="ctr" cmpd="sng" cap="flat" w="0">
-                      <a:noFill/>
-                      <a:prstDash val="solid"/>
-                    </a:lnL>
-                    <a:lnR algn="ctr" cmpd="sng" cap="flat" w="0">
-                      <a:noFill/>
-                      <a:prstDash val="solid"/>
-                    </a:lnR>
-                    <a:lnT algn="ctr" cmpd="sng" cap="flat" w="6350">
-                      <a:solidFill>
-                        <a:srgbClr val="666666">
-                          <a:alpha val="100000"/>
-                        </a:srgbClr>
-                      </a:solidFill>
-                      <a:prstDash val="solid"/>
-                    </a:lnT>
-                    <a:lnB algn="ctr" cmpd="sng" cap="flat" w="6350">
+                        <a:t>12</a:t>
+                      </a:r>
+                    </a:p>
+                  </a:txBody>
+                  <a:tcPr anchor="ctr" marB="63500" marT="63500" marR="0" marL="0">
+                    <a:lnL algn="ctr" cmpd="sng" cap="flat" w="0">
+                      <a:noFill/>
+                      <a:prstDash val="solid"/>
+                    </a:lnL>
+                    <a:lnR algn="ctr" cmpd="sng" cap="flat" w="0">
+                      <a:noFill/>
+                      <a:prstDash val="solid"/>
+                    </a:lnR>
+                    <a:lnT algn="ctr" cmpd="sng" cap="flat" w="9525">
+                      <a:solidFill>
+                        <a:srgbClr val="666666">
+                          <a:alpha val="100000"/>
+                        </a:srgbClr>
+                      </a:solidFill>
+                      <a:prstDash val="solid"/>
+                    </a:lnT>
+                    <a:lnB algn="ctr" cmpd="sng" cap="flat" w="9525">
                       <a:solidFill>
                         <a:srgbClr val="666666">
                           <a:alpha val="100000"/>
@@ -5864,28 +5864,28 @@
                           <a:ea typeface="Helvetica"/>
                           <a:sym typeface="Helvetica"/>
                         </a:rPr>
-                        <a:t>19</a:t>
-                      </a:r>
-                    </a:p>
-                  </a:txBody>
-                  <a:tcPr anchor="ctr" marB="63500" marT="63500" marR="0" marL="0">
-                    <a:lnL algn="ctr" cmpd="sng" cap="flat" w="0">
-                      <a:noFill/>
-                      <a:prstDash val="solid"/>
-                    </a:lnL>
-                    <a:lnR algn="ctr" cmpd="sng" cap="flat" w="0">
-                      <a:noFill/>
-                      <a:prstDash val="solid"/>
-                    </a:lnR>
-                    <a:lnT algn="ctr" cmpd="sng" cap="flat" w="6350">
-                      <a:solidFill>
-                        <a:srgbClr val="666666">
-                          <a:alpha val="100000"/>
-                        </a:srgbClr>
-                      </a:solidFill>
-                      <a:prstDash val="solid"/>
-                    </a:lnT>
-                    <a:lnB algn="ctr" cmpd="sng" cap="flat" w="6350">
+                        <a:t>149</a:t>
+                      </a:r>
+                    </a:p>
+                  </a:txBody>
+                  <a:tcPr anchor="ctr" marB="63500" marT="63500" marR="0" marL="0">
+                    <a:lnL algn="ctr" cmpd="sng" cap="flat" w="0">
+                      <a:noFill/>
+                      <a:prstDash val="solid"/>
+                    </a:lnL>
+                    <a:lnR algn="ctr" cmpd="sng" cap="flat" w="0">
+                      <a:noFill/>
+                      <a:prstDash val="solid"/>
+                    </a:lnR>
+                    <a:lnT algn="ctr" cmpd="sng" cap="flat" w="9525">
+                      <a:solidFill>
+                        <a:srgbClr val="666666">
+                          <a:alpha val="100000"/>
+                        </a:srgbClr>
+                      </a:solidFill>
+                      <a:prstDash val="solid"/>
+                    </a:lnT>
+                    <a:lnB algn="ctr" cmpd="sng" cap="flat" w="9525">
                       <a:solidFill>
                         <a:srgbClr val="666666">
                           <a:alpha val="100000"/>
@@ -5929,28 +5929,28 @@
                           <a:ea typeface="Helvetica"/>
                           <a:sym typeface="Helvetica"/>
                         </a:rPr>
-                        <a:t>20.1</a:t>
-                      </a:r>
-                    </a:p>
-                  </a:txBody>
-                  <a:tcPr anchor="ctr" marB="63500" marT="63500" marR="0" marL="0">
-                    <a:lnL algn="ctr" cmpd="sng" cap="flat" w="0">
-                      <a:noFill/>
-                      <a:prstDash val="solid"/>
-                    </a:lnL>
-                    <a:lnR algn="ctr" cmpd="sng" cap="flat" w="0">
-                      <a:noFill/>
-                      <a:prstDash val="solid"/>
-                    </a:lnR>
-                    <a:lnT algn="ctr" cmpd="sng" cap="flat" w="6350">
-                      <a:solidFill>
-                        <a:srgbClr val="666666">
-                          <a:alpha val="100000"/>
-                        </a:srgbClr>
-                      </a:solidFill>
-                      <a:prstDash val="solid"/>
-                    </a:lnT>
-                    <a:lnB algn="ctr" cmpd="sng" cap="flat" w="6350">
+                        <a:t>12.6</a:t>
+                      </a:r>
+                    </a:p>
+                  </a:txBody>
+                  <a:tcPr anchor="ctr" marB="63500" marT="63500" marR="0" marL="0">
+                    <a:lnL algn="ctr" cmpd="sng" cap="flat" w="0">
+                      <a:noFill/>
+                      <a:prstDash val="solid"/>
+                    </a:lnL>
+                    <a:lnR algn="ctr" cmpd="sng" cap="flat" w="0">
+                      <a:noFill/>
+                      <a:prstDash val="solid"/>
+                    </a:lnR>
+                    <a:lnT algn="ctr" cmpd="sng" cap="flat" w="9525">
+                      <a:solidFill>
+                        <a:srgbClr val="666666">
+                          <a:alpha val="100000"/>
+                        </a:srgbClr>
+                      </a:solidFill>
+                      <a:prstDash val="solid"/>
+                    </a:lnT>
+                    <a:lnB algn="ctr" cmpd="sng" cap="flat" w="9525">
                       <a:solidFill>
                         <a:srgbClr val="666666">
                           <a:alpha val="100000"/>
@@ -5994,28 +5994,28 @@
                           <a:ea typeface="Helvetica"/>
                           <a:sym typeface="Helvetica"/>
                         </a:rPr>
-                        <a:t>61</a:t>
-                      </a:r>
-                    </a:p>
-                  </a:txBody>
-                  <a:tcPr anchor="ctr" marB="63500" marT="63500" marR="0" marL="0">
-                    <a:lnL algn="ctr" cmpd="sng" cap="flat" w="0">
-                      <a:noFill/>
-                      <a:prstDash val="solid"/>
-                    </a:lnL>
-                    <a:lnR algn="ctr" cmpd="sng" cap="flat" w="0">
-                      <a:noFill/>
-                      <a:prstDash val="solid"/>
-                    </a:lnR>
-                    <a:lnT algn="ctr" cmpd="sng" cap="flat" w="6350">
-                      <a:solidFill>
-                        <a:srgbClr val="666666">
-                          <a:alpha val="100000"/>
-                        </a:srgbClr>
-                      </a:solidFill>
-                      <a:prstDash val="solid"/>
-                    </a:lnT>
-                    <a:lnB algn="ctr" cmpd="sng" cap="flat" w="6350">
+                        <a:t>74</a:t>
+                      </a:r>
+                    </a:p>
+                  </a:txBody>
+                  <a:tcPr anchor="ctr" marB="63500" marT="63500" marR="0" marL="0">
+                    <a:lnL algn="ctr" cmpd="sng" cap="flat" w="0">
+                      <a:noFill/>
+                      <a:prstDash val="solid"/>
+                    </a:lnL>
+                    <a:lnR algn="ctr" cmpd="sng" cap="flat" w="0">
+                      <a:noFill/>
+                      <a:prstDash val="solid"/>
+                    </a:lnR>
+                    <a:lnT algn="ctr" cmpd="sng" cap="flat" w="9525">
+                      <a:solidFill>
+                        <a:srgbClr val="666666">
+                          <a:alpha val="100000"/>
+                        </a:srgbClr>
+                      </a:solidFill>
+                      <a:prstDash val="solid"/>
+                    </a:lnT>
+                    <a:lnB algn="ctr" cmpd="sng" cap="flat" w="9525">
                       <a:solidFill>
                         <a:srgbClr val="666666">
                           <a:alpha val="100000"/>
@@ -6072,15 +6072,15 @@
                       <a:noFill/>
                       <a:prstDash val="solid"/>
                     </a:lnR>
-                    <a:lnT algn="ctr" cmpd="sng" cap="flat" w="6350">
-                      <a:solidFill>
-                        <a:srgbClr val="666666">
-                          <a:alpha val="100000"/>
-                        </a:srgbClr>
-                      </a:solidFill>
-                      <a:prstDash val="solid"/>
-                    </a:lnT>
-                    <a:lnB algn="ctr" cmpd="sng" cap="flat" w="6350">
+                    <a:lnT algn="ctr" cmpd="sng" cap="flat" w="9525">
+                      <a:solidFill>
+                        <a:srgbClr val="666666">
+                          <a:alpha val="100000"/>
+                        </a:srgbClr>
+                      </a:solidFill>
+                      <a:prstDash val="solid"/>
+                    </a:lnT>
+                    <a:lnB algn="ctr" cmpd="sng" cap="flat" w="9525">
                       <a:solidFill>
                         <a:srgbClr val="666666">
                           <a:alpha val="100000"/>
@@ -6124,28 +6124,28 @@
                           <a:ea typeface="Helvetica"/>
                           <a:sym typeface="Helvetica"/>
                         </a:rPr>
-                        <a:t>9</a:t>
-                      </a:r>
-                    </a:p>
-                  </a:txBody>
-                  <a:tcPr anchor="ctr" marB="63500" marT="63500" marR="0" marL="0">
-                    <a:lnL algn="ctr" cmpd="sng" cap="flat" w="0">
-                      <a:noFill/>
-                      <a:prstDash val="solid"/>
-                    </a:lnL>
-                    <a:lnR algn="ctr" cmpd="sng" cap="flat" w="0">
-                      <a:noFill/>
-                      <a:prstDash val="solid"/>
-                    </a:lnR>
-                    <a:lnT algn="ctr" cmpd="sng" cap="flat" w="6350">
-                      <a:solidFill>
-                        <a:srgbClr val="666666">
-                          <a:alpha val="100000"/>
-                        </a:srgbClr>
-                      </a:solidFill>
-                      <a:prstDash val="solid"/>
-                    </a:lnT>
-                    <a:lnB algn="ctr" cmpd="sng" cap="flat" w="6350">
+                        <a:t>3</a:t>
+                      </a:r>
+                    </a:p>
+                  </a:txBody>
+                  <a:tcPr anchor="ctr" marB="63500" marT="63500" marR="0" marL="0">
+                    <a:lnL algn="ctr" cmpd="sng" cap="flat" w="0">
+                      <a:noFill/>
+                      <a:prstDash val="solid"/>
+                    </a:lnL>
+                    <a:lnR algn="ctr" cmpd="sng" cap="flat" w="0">
+                      <a:noFill/>
+                      <a:prstDash val="solid"/>
+                    </a:lnR>
+                    <a:lnT algn="ctr" cmpd="sng" cap="flat" w="9525">
+                      <a:solidFill>
+                        <a:srgbClr val="666666">
+                          <a:alpha val="100000"/>
+                        </a:srgbClr>
+                      </a:solidFill>
+                      <a:prstDash val="solid"/>
+                    </a:lnT>
+                    <a:lnB algn="ctr" cmpd="sng" cap="flat" w="9525">
                       <a:solidFill>
                         <a:srgbClr val="666666">
                           <a:alpha val="100000"/>
@@ -6191,28 +6191,28 @@
                           <a:ea typeface="Helvetica"/>
                           <a:sym typeface="Helvetica"/>
                         </a:rPr>
-                        <a:t>36</a:t>
-                      </a:r>
-                    </a:p>
-                  </a:txBody>
-                  <a:tcPr anchor="ctr" marB="63500" marT="63500" marR="0" marL="0">
-                    <a:lnL algn="ctr" cmpd="sng" cap="flat" w="0">
-                      <a:noFill/>
-                      <a:prstDash val="solid"/>
-                    </a:lnL>
-                    <a:lnR algn="ctr" cmpd="sng" cap="flat" w="0">
-                      <a:noFill/>
-                      <a:prstDash val="solid"/>
-                    </a:lnR>
-                    <a:lnT algn="ctr" cmpd="sng" cap="flat" w="6350">
-                      <a:solidFill>
-                        <a:srgbClr val="666666">
-                          <a:alpha val="100000"/>
-                        </a:srgbClr>
-                      </a:solidFill>
-                      <a:prstDash val="solid"/>
-                    </a:lnT>
-                    <a:lnB algn="ctr" cmpd="sng" cap="flat" w="6350">
+                        <a:t>41</a:t>
+                      </a:r>
+                    </a:p>
+                  </a:txBody>
+                  <a:tcPr anchor="ctr" marB="63500" marT="63500" marR="0" marL="0">
+                    <a:lnL algn="ctr" cmpd="sng" cap="flat" w="0">
+                      <a:noFill/>
+                      <a:prstDash val="solid"/>
+                    </a:lnL>
+                    <a:lnR algn="ctr" cmpd="sng" cap="flat" w="0">
+                      <a:noFill/>
+                      <a:prstDash val="solid"/>
+                    </a:lnR>
+                    <a:lnT algn="ctr" cmpd="sng" cap="flat" w="9525">
+                      <a:solidFill>
+                        <a:srgbClr val="666666">
+                          <a:alpha val="100000"/>
+                        </a:srgbClr>
+                      </a:solidFill>
+                      <a:prstDash val="solid"/>
+                    </a:lnT>
+                    <a:lnB algn="ctr" cmpd="sng" cap="flat" w="9525">
                       <a:solidFill>
                         <a:srgbClr val="666666">
                           <a:alpha val="100000"/>
@@ -6256,28 +6256,28 @@
                           <a:ea typeface="Helvetica"/>
                           <a:sym typeface="Helvetica"/>
                         </a:rPr>
-                        <a:t>118</a:t>
-                      </a:r>
-                    </a:p>
-                  </a:txBody>
-                  <a:tcPr anchor="ctr" marB="63500" marT="63500" marR="0" marL="0">
-                    <a:lnL algn="ctr" cmpd="sng" cap="flat" w="0">
-                      <a:noFill/>
-                      <a:prstDash val="solid"/>
-                    </a:lnL>
-                    <a:lnR algn="ctr" cmpd="sng" cap="flat" w="0">
-                      <a:noFill/>
-                      <a:prstDash val="solid"/>
-                    </a:lnR>
-                    <a:lnT algn="ctr" cmpd="sng" cap="flat" w="6350">
-                      <a:solidFill>
-                        <a:srgbClr val="666666">
-                          <a:alpha val="100000"/>
-                        </a:srgbClr>
-                      </a:solidFill>
-                      <a:prstDash val="solid"/>
-                    </a:lnT>
-                    <a:lnB algn="ctr" cmpd="sng" cap="flat" w="6350">
+                        <a:t>190</a:t>
+                      </a:r>
+                    </a:p>
+                  </a:txBody>
+                  <a:tcPr anchor="ctr" marB="63500" marT="63500" marR="0" marL="0">
+                    <a:lnL algn="ctr" cmpd="sng" cap="flat" w="0">
+                      <a:noFill/>
+                      <a:prstDash val="solid"/>
+                    </a:lnL>
+                    <a:lnR algn="ctr" cmpd="sng" cap="flat" w="0">
+                      <a:noFill/>
+                      <a:prstDash val="solid"/>
+                    </a:lnR>
+                    <a:lnT algn="ctr" cmpd="sng" cap="flat" w="9525">
+                      <a:solidFill>
+                        <a:srgbClr val="666666">
+                          <a:alpha val="100000"/>
+                        </a:srgbClr>
+                      </a:solidFill>
+                      <a:prstDash val="solid"/>
+                    </a:lnT>
+                    <a:lnB algn="ctr" cmpd="sng" cap="flat" w="9525">
                       <a:solidFill>
                         <a:srgbClr val="666666">
                           <a:alpha val="100000"/>
@@ -6321,28 +6321,28 @@
                           <a:ea typeface="Helvetica"/>
                           <a:sym typeface="Helvetica"/>
                         </a:rPr>
-                        <a:t>8.0</a:t>
-                      </a:r>
-                    </a:p>
-                  </a:txBody>
-                  <a:tcPr anchor="ctr" marB="63500" marT="63500" marR="0" marL="0">
-                    <a:lnL algn="ctr" cmpd="sng" cap="flat" w="0">
-                      <a:noFill/>
-                      <a:prstDash val="solid"/>
-                    </a:lnL>
-                    <a:lnR algn="ctr" cmpd="sng" cap="flat" w="0">
-                      <a:noFill/>
-                      <a:prstDash val="solid"/>
-                    </a:lnR>
-                    <a:lnT algn="ctr" cmpd="sng" cap="flat" w="6350">
-                      <a:solidFill>
-                        <a:srgbClr val="666666">
-                          <a:alpha val="100000"/>
-                        </a:srgbClr>
-                      </a:solidFill>
-                      <a:prstDash val="solid"/>
-                    </a:lnT>
-                    <a:lnB algn="ctr" cmpd="sng" cap="flat" w="6350">
+                        <a:t>7.4</a:t>
+                      </a:r>
+                    </a:p>
+                  </a:txBody>
+                  <a:tcPr anchor="ctr" marB="63500" marT="63500" marR="0" marL="0">
+                    <a:lnL algn="ctr" cmpd="sng" cap="flat" w="0">
+                      <a:noFill/>
+                      <a:prstDash val="solid"/>
+                    </a:lnL>
+                    <a:lnR algn="ctr" cmpd="sng" cap="flat" w="0">
+                      <a:noFill/>
+                      <a:prstDash val="solid"/>
+                    </a:lnR>
+                    <a:lnT algn="ctr" cmpd="sng" cap="flat" w="9525">
+                      <a:solidFill>
+                        <a:srgbClr val="666666">
+                          <a:alpha val="100000"/>
+                        </a:srgbClr>
+                      </a:solidFill>
+                      <a:prstDash val="solid"/>
+                    </a:lnT>
+                    <a:lnB algn="ctr" cmpd="sng" cap="flat" w="9525">
                       <a:solidFill>
                         <a:srgbClr val="666666">
                           <a:alpha val="100000"/>
@@ -6386,28 +6386,28 @@
                           <a:ea typeface="Helvetica"/>
                           <a:sym typeface="Helvetica"/>
                         </a:rPr>
-                        <a:t>72</a:t>
-                      </a:r>
-                    </a:p>
-                  </a:txBody>
-                  <a:tcPr anchor="ctr" marB="63500" marT="63500" marR="0" marL="0">
-                    <a:lnL algn="ctr" cmpd="sng" cap="flat" w="0">
-                      <a:noFill/>
-                      <a:prstDash val="solid"/>
-                    </a:lnL>
-                    <a:lnR algn="ctr" cmpd="sng" cap="flat" w="0">
-                      <a:noFill/>
-                      <a:prstDash val="solid"/>
-                    </a:lnR>
-                    <a:lnT algn="ctr" cmpd="sng" cap="flat" w="6350">
-                      <a:solidFill>
-                        <a:srgbClr val="666666">
-                          <a:alpha val="100000"/>
-                        </a:srgbClr>
-                      </a:solidFill>
-                      <a:prstDash val="solid"/>
-                    </a:lnT>
-                    <a:lnB algn="ctr" cmpd="sng" cap="flat" w="6350">
+                        <a:t>67</a:t>
+                      </a:r>
+                    </a:p>
+                  </a:txBody>
+                  <a:tcPr anchor="ctr" marB="63500" marT="63500" marR="0" marL="0">
+                    <a:lnL algn="ctr" cmpd="sng" cap="flat" w="0">
+                      <a:noFill/>
+                      <a:prstDash val="solid"/>
+                    </a:lnL>
+                    <a:lnR algn="ctr" cmpd="sng" cap="flat" w="0">
+                      <a:noFill/>
+                      <a:prstDash val="solid"/>
+                    </a:lnR>
+                    <a:lnT algn="ctr" cmpd="sng" cap="flat" w="9525">
+                      <a:solidFill>
+                        <a:srgbClr val="666666">
+                          <a:alpha val="100000"/>
+                        </a:srgbClr>
+                      </a:solidFill>
+                      <a:prstDash val="solid"/>
+                    </a:lnT>
+                    <a:lnB algn="ctr" cmpd="sng" cap="flat" w="9525">
                       <a:solidFill>
                         <a:srgbClr val="666666">
                           <a:alpha val="100000"/>
@@ -6464,15 +6464,15 @@
                       <a:noFill/>
                       <a:prstDash val="solid"/>
                     </a:lnR>
-                    <a:lnT algn="ctr" cmpd="sng" cap="flat" w="6350">
-                      <a:solidFill>
-                        <a:srgbClr val="666666">
-                          <a:alpha val="100000"/>
-                        </a:srgbClr>
-                      </a:solidFill>
-                      <a:prstDash val="solid"/>
-                    </a:lnT>
-                    <a:lnB algn="ctr" cmpd="sng" cap="flat" w="6350">
+                    <a:lnT algn="ctr" cmpd="sng" cap="flat" w="9525">
+                      <a:solidFill>
+                        <a:srgbClr val="666666">
+                          <a:alpha val="100000"/>
+                        </a:srgbClr>
+                      </a:solidFill>
+                      <a:prstDash val="solid"/>
+                    </a:lnT>
+                    <a:lnB algn="ctr" cmpd="sng" cap="flat" w="9525">
                       <a:solidFill>
                         <a:srgbClr val="666666">
                           <a:alpha val="100000"/>
@@ -6516,28 +6516,28 @@
                           <a:ea typeface="Helvetica"/>
                           <a:sym typeface="Helvetica"/>
                         </a:rPr>
-                        <a:t>2</a:t>
-                      </a:r>
-                    </a:p>
-                  </a:txBody>
-                  <a:tcPr anchor="ctr" marB="63500" marT="63500" marR="0" marL="0">
-                    <a:lnL algn="ctr" cmpd="sng" cap="flat" w="0">
-                      <a:noFill/>
-                      <a:prstDash val="solid"/>
-                    </a:lnL>
-                    <a:lnR algn="ctr" cmpd="sng" cap="flat" w="0">
-                      <a:noFill/>
-                      <a:prstDash val="solid"/>
-                    </a:lnR>
-                    <a:lnT algn="ctr" cmpd="sng" cap="flat" w="6350">
-                      <a:solidFill>
-                        <a:srgbClr val="666666">
-                          <a:alpha val="100000"/>
-                        </a:srgbClr>
-                      </a:solidFill>
-                      <a:prstDash val="solid"/>
-                    </a:lnT>
-                    <a:lnB algn="ctr" cmpd="sng" cap="flat" w="6350">
+                        <a:t>1</a:t>
+                      </a:r>
+                    </a:p>
+                  </a:txBody>
+                  <a:tcPr anchor="ctr" marB="63500" marT="63500" marR="0" marL="0">
+                    <a:lnL algn="ctr" cmpd="sng" cap="flat" w="0">
+                      <a:noFill/>
+                      <a:prstDash val="solid"/>
+                    </a:lnL>
+                    <a:lnR algn="ctr" cmpd="sng" cap="flat" w="0">
+                      <a:noFill/>
+                      <a:prstDash val="solid"/>
+                    </a:lnR>
+                    <a:lnT algn="ctr" cmpd="sng" cap="flat" w="9525">
+                      <a:solidFill>
+                        <a:srgbClr val="666666">
+                          <a:alpha val="100000"/>
+                        </a:srgbClr>
+                      </a:solidFill>
+                      <a:prstDash val="solid"/>
+                    </a:lnT>
+                    <a:lnB algn="ctr" cmpd="sng" cap="flat" w="9525">
                       <a:solidFill>
                         <a:srgbClr val="666666">
                           <a:alpha val="100000"/>
@@ -6583,28 +6583,28 @@
                           <a:ea typeface="Helvetica"/>
                           <a:sym typeface="Helvetica"/>
                         </a:rPr>
-                        <a:t>12</a:t>
-                      </a:r>
-                    </a:p>
-                  </a:txBody>
-                  <a:tcPr anchor="ctr" marB="63500" marT="63500" marR="0" marL="0">
-                    <a:lnL algn="ctr" cmpd="sng" cap="flat" w="0">
-                      <a:noFill/>
-                      <a:prstDash val="solid"/>
-                    </a:lnL>
-                    <a:lnR algn="ctr" cmpd="sng" cap="flat" w="0">
-                      <a:noFill/>
-                      <a:prstDash val="solid"/>
-                    </a:lnR>
-                    <a:lnT algn="ctr" cmpd="sng" cap="flat" w="6350">
-                      <a:solidFill>
-                        <a:srgbClr val="666666">
-                          <a:alpha val="100000"/>
-                        </a:srgbClr>
-                      </a:solidFill>
-                      <a:prstDash val="solid"/>
-                    </a:lnT>
-                    <a:lnB algn="ctr" cmpd="sng" cap="flat" w="25400">
+                        <a:t>8</a:t>
+                      </a:r>
+                    </a:p>
+                  </a:txBody>
+                  <a:tcPr anchor="ctr" marB="63500" marT="63500" marR="0" marL="0">
+                    <a:lnL algn="ctr" cmpd="sng" cap="flat" w="0">
+                      <a:noFill/>
+                      <a:prstDash val="solid"/>
+                    </a:lnL>
+                    <a:lnR algn="ctr" cmpd="sng" cap="flat" w="0">
+                      <a:noFill/>
+                      <a:prstDash val="solid"/>
+                    </a:lnR>
+                    <a:lnT algn="ctr" cmpd="sng" cap="flat" w="9525">
+                      <a:solidFill>
+                        <a:srgbClr val="666666">
+                          <a:alpha val="100000"/>
+                        </a:srgbClr>
+                      </a:solidFill>
+                      <a:prstDash val="solid"/>
+                    </a:lnT>
+                    <a:lnB algn="ctr" cmpd="sng" cap="flat" w="19050">
                       <a:solidFill>
                         <a:srgbClr val="666666">
                           <a:alpha val="100000"/>
@@ -6648,28 +6648,28 @@
                           <a:ea typeface="Helvetica"/>
                           <a:sym typeface="Helvetica"/>
                         </a:rPr>
-                        <a:t>149</a:t>
-                      </a:r>
-                    </a:p>
-                  </a:txBody>
-                  <a:tcPr anchor="ctr" marB="63500" marT="63500" marR="0" marL="0">
-                    <a:lnL algn="ctr" cmpd="sng" cap="flat" w="0">
-                      <a:noFill/>
-                      <a:prstDash val="solid"/>
-                    </a:lnL>
-                    <a:lnR algn="ctr" cmpd="sng" cap="flat" w="0">
-                      <a:noFill/>
-                      <a:prstDash val="solid"/>
-                    </a:lnR>
-                    <a:lnT algn="ctr" cmpd="sng" cap="flat" w="6350">
-                      <a:solidFill>
-                        <a:srgbClr val="666666">
-                          <a:alpha val="100000"/>
-                        </a:srgbClr>
-                      </a:solidFill>
-                      <a:prstDash val="solid"/>
-                    </a:lnT>
-                    <a:lnB algn="ctr" cmpd="sng" cap="flat" w="25400">
+                        <a:t>19</a:t>
+                      </a:r>
+                    </a:p>
+                  </a:txBody>
+                  <a:tcPr anchor="ctr" marB="63500" marT="63500" marR="0" marL="0">
+                    <a:lnL algn="ctr" cmpd="sng" cap="flat" w="0">
+                      <a:noFill/>
+                      <a:prstDash val="solid"/>
+                    </a:lnL>
+                    <a:lnR algn="ctr" cmpd="sng" cap="flat" w="0">
+                      <a:noFill/>
+                      <a:prstDash val="solid"/>
+                    </a:lnR>
+                    <a:lnT algn="ctr" cmpd="sng" cap="flat" w="9525">
+                      <a:solidFill>
+                        <a:srgbClr val="666666">
+                          <a:alpha val="100000"/>
+                        </a:srgbClr>
+                      </a:solidFill>
+                      <a:prstDash val="solid"/>
+                    </a:lnT>
+                    <a:lnB algn="ctr" cmpd="sng" cap="flat" w="19050">
                       <a:solidFill>
                         <a:srgbClr val="666666">
                           <a:alpha val="100000"/>
@@ -6713,28 +6713,28 @@
                           <a:ea typeface="Helvetica"/>
                           <a:sym typeface="Helvetica"/>
                         </a:rPr>
-                        <a:t>12.6</a:t>
-                      </a:r>
-                    </a:p>
-                  </a:txBody>
-                  <a:tcPr anchor="ctr" marB="63500" marT="63500" marR="0" marL="0">
-                    <a:lnL algn="ctr" cmpd="sng" cap="flat" w="0">
-                      <a:noFill/>
-                      <a:prstDash val="solid"/>
-                    </a:lnL>
-                    <a:lnR algn="ctr" cmpd="sng" cap="flat" w="0">
-                      <a:noFill/>
-                      <a:prstDash val="solid"/>
-                    </a:lnR>
-                    <a:lnT algn="ctr" cmpd="sng" cap="flat" w="6350">
-                      <a:solidFill>
-                        <a:srgbClr val="666666">
-                          <a:alpha val="100000"/>
-                        </a:srgbClr>
-                      </a:solidFill>
-                      <a:prstDash val="solid"/>
-                    </a:lnT>
-                    <a:lnB algn="ctr" cmpd="sng" cap="flat" w="25400">
+                        <a:t>20.1</a:t>
+                      </a:r>
+                    </a:p>
+                  </a:txBody>
+                  <a:tcPr anchor="ctr" marB="63500" marT="63500" marR="0" marL="0">
+                    <a:lnL algn="ctr" cmpd="sng" cap="flat" w="0">
+                      <a:noFill/>
+                      <a:prstDash val="solid"/>
+                    </a:lnL>
+                    <a:lnR algn="ctr" cmpd="sng" cap="flat" w="0">
+                      <a:noFill/>
+                      <a:prstDash val="solid"/>
+                    </a:lnR>
+                    <a:lnT algn="ctr" cmpd="sng" cap="flat" w="9525">
+                      <a:solidFill>
+                        <a:srgbClr val="666666">
+                          <a:alpha val="100000"/>
+                        </a:srgbClr>
+                      </a:solidFill>
+                      <a:prstDash val="solid"/>
+                    </a:lnT>
+                    <a:lnB algn="ctr" cmpd="sng" cap="flat" w="19050">
                       <a:solidFill>
                         <a:srgbClr val="666666">
                           <a:alpha val="100000"/>
@@ -6778,28 +6778,28 @@
                           <a:ea typeface="Helvetica"/>
                           <a:sym typeface="Helvetica"/>
                         </a:rPr>
-                        <a:t>74</a:t>
-                      </a:r>
-                    </a:p>
-                  </a:txBody>
-                  <a:tcPr anchor="ctr" marB="63500" marT="63500" marR="0" marL="0">
-                    <a:lnL algn="ctr" cmpd="sng" cap="flat" w="0">
-                      <a:noFill/>
-                      <a:prstDash val="solid"/>
-                    </a:lnL>
-                    <a:lnR algn="ctr" cmpd="sng" cap="flat" w="0">
-                      <a:noFill/>
-                      <a:prstDash val="solid"/>
-                    </a:lnR>
-                    <a:lnT algn="ctr" cmpd="sng" cap="flat" w="6350">
-                      <a:solidFill>
-                        <a:srgbClr val="666666">
-                          <a:alpha val="100000"/>
-                        </a:srgbClr>
-                      </a:solidFill>
-                      <a:prstDash val="solid"/>
-                    </a:lnT>
-                    <a:lnB algn="ctr" cmpd="sng" cap="flat" w="25400">
+                        <a:t>61</a:t>
+                      </a:r>
+                    </a:p>
+                  </a:txBody>
+                  <a:tcPr anchor="ctr" marB="63500" marT="63500" marR="0" marL="0">
+                    <a:lnL algn="ctr" cmpd="sng" cap="flat" w="0">
+                      <a:noFill/>
+                      <a:prstDash val="solid"/>
+                    </a:lnL>
+                    <a:lnR algn="ctr" cmpd="sng" cap="flat" w="0">
+                      <a:noFill/>
+                      <a:prstDash val="solid"/>
+                    </a:lnR>
+                    <a:lnT algn="ctr" cmpd="sng" cap="flat" w="9525">
+                      <a:solidFill>
+                        <a:srgbClr val="666666">
+                          <a:alpha val="100000"/>
+                        </a:srgbClr>
+                      </a:solidFill>
+                      <a:prstDash val="solid"/>
+                    </a:lnT>
+                    <a:lnB algn="ctr" cmpd="sng" cap="flat" w="19050">
                       <a:solidFill>
                         <a:srgbClr val="666666">
                           <a:alpha val="100000"/>
@@ -6856,15 +6856,15 @@
                       <a:noFill/>
                       <a:prstDash val="solid"/>
                     </a:lnR>
-                    <a:lnT algn="ctr" cmpd="sng" cap="flat" w="6350">
-                      <a:solidFill>
-                        <a:srgbClr val="666666">
-                          <a:alpha val="100000"/>
-                        </a:srgbClr>
-                      </a:solidFill>
-                      <a:prstDash val="solid"/>
-                    </a:lnT>
-                    <a:lnB algn="ctr" cmpd="sng" cap="flat" w="25400">
+                    <a:lnT algn="ctr" cmpd="sng" cap="flat" w="9525">
+                      <a:solidFill>
+                        <a:srgbClr val="666666">
+                          <a:alpha val="100000"/>
+                        </a:srgbClr>
+                      </a:solidFill>
+                      <a:prstDash val="solid"/>
+                    </a:lnT>
+                    <a:lnB algn="ctr" cmpd="sng" cap="flat" w="19050">
                       <a:solidFill>
                         <a:srgbClr val="666666">
                           <a:alpha val="100000"/>
@@ -6908,28 +6908,28 @@
                           <a:ea typeface="Helvetica"/>
                           <a:sym typeface="Helvetica"/>
                         </a:rPr>
-                        <a:t>3</a:t>
-                      </a:r>
-                    </a:p>
-                  </a:txBody>
-                  <a:tcPr anchor="ctr" marB="63500" marT="63500" marR="0" marL="0">
-                    <a:lnL algn="ctr" cmpd="sng" cap="flat" w="0">
-                      <a:noFill/>
-                      <a:prstDash val="solid"/>
-                    </a:lnL>
-                    <a:lnR algn="ctr" cmpd="sng" cap="flat" w="0">
-                      <a:noFill/>
-                      <a:prstDash val="solid"/>
-                    </a:lnR>
-                    <a:lnT algn="ctr" cmpd="sng" cap="flat" w="6350">
-                      <a:solidFill>
-                        <a:srgbClr val="666666">
-                          <a:alpha val="100000"/>
-                        </a:srgbClr>
-                      </a:solidFill>
-                      <a:prstDash val="solid"/>
-                    </a:lnT>
-                    <a:lnB algn="ctr" cmpd="sng" cap="flat" w="25400">
+                        <a:t>9</a:t>
+                      </a:r>
+                    </a:p>
+                  </a:txBody>
+                  <a:tcPr anchor="ctr" marB="63500" marT="63500" marR="0" marL="0">
+                    <a:lnL algn="ctr" cmpd="sng" cap="flat" w="0">
+                      <a:noFill/>
+                      <a:prstDash val="solid"/>
+                    </a:lnL>
+                    <a:lnR algn="ctr" cmpd="sng" cap="flat" w="0">
+                      <a:noFill/>
+                      <a:prstDash val="solid"/>
+                    </a:lnR>
+                    <a:lnT algn="ctr" cmpd="sng" cap="flat" w="9525">
+                      <a:solidFill>
+                        <a:srgbClr val="666666">
+                          <a:alpha val="100000"/>
+                        </a:srgbClr>
+                      </a:solidFill>
+                      <a:prstDash val="solid"/>
+                    </a:lnT>
+                    <a:lnB algn="ctr" cmpd="sng" cap="flat" w="19050">
                       <a:solidFill>
                         <a:srgbClr val="666666">
                           <a:alpha val="100000"/>

--- a/ft.pptx
+++ b/ft.pptx
@@ -3140,7 +3140,7 @@
                           <a:ea typeface="Helvetica"/>
                           <a:sym typeface="Helvetica"/>
                         </a:rPr>
-                        <a:t/>
+                        <a:t>194</a:t>
                       </a:r>
                     </a:p>
                   </a:txBody>
@@ -3201,7 +3201,7 @@
                           <a:ea typeface="Helvetica"/>
                           <a:sym typeface="Helvetica"/>
                         </a:rPr>
-                        <a:t>14.3</a:t>
+                        <a:t>8.6</a:t>
                       </a:r>
                     </a:p>
                   </a:txBody>
@@ -3262,7 +3262,7 @@
                           <a:ea typeface="Helvetica"/>
                           <a:sym typeface="Helvetica"/>
                         </a:rPr>
-                        <a:t>56</a:t>
+                        <a:t>69</a:t>
                       </a:r>
                     </a:p>
                   </a:txBody>
@@ -3384,7 +3384,7 @@
                           <a:ea typeface="Helvetica"/>
                           <a:sym typeface="Helvetica"/>
                         </a:rPr>
-                        <a:t>5</a:t>
+                        <a:t>10</a:t>
                       </a:r>
                     </a:p>
                   </a:txBody>
@@ -3447,7 +3447,7 @@
                           <a:ea typeface="Helvetica"/>
                           <a:sym typeface="Helvetica"/>
                         </a:rPr>
-                        <a:t>36</a:t>
+                        <a:t>8</a:t>
                       </a:r>
                     </a:p>
                   </a:txBody>
@@ -3512,7 +3512,7 @@
                           <a:ea typeface="Helvetica"/>
                           <a:sym typeface="Helvetica"/>
                         </a:rPr>
-                        <a:t>118</a:t>
+                        <a:t>19</a:t>
                       </a:r>
                     </a:p>
                   </a:txBody>
@@ -3577,7 +3577,7 @@
                           <a:ea typeface="Helvetica"/>
                           <a:sym typeface="Helvetica"/>
                         </a:rPr>
-                        <a:t>8.0</a:t>
+                        <a:t>20.1</a:t>
                       </a:r>
                     </a:p>
                   </a:txBody>
@@ -3642,7 +3642,7 @@
                           <a:ea typeface="Helvetica"/>
                           <a:sym typeface="Helvetica"/>
                         </a:rPr>
-                        <a:t>72</a:t>
+                        <a:t>61</a:t>
                       </a:r>
                     </a:p>
                   </a:txBody>
@@ -3772,7 +3772,7 @@
                           <a:ea typeface="Helvetica"/>
                           <a:sym typeface="Helvetica"/>
                         </a:rPr>
-                        <a:t>2</a:t>
+                        <a:t>9</a:t>
                       </a:r>
                     </a:p>
                   </a:txBody>
@@ -3839,7 +3839,7 @@
                           <a:ea typeface="Helvetica"/>
                           <a:sym typeface="Helvetica"/>
                         </a:rPr>
-                        <a:t>19</a:t>
+                        <a:t/>
                       </a:r>
                     </a:p>
                   </a:txBody>
@@ -3904,7 +3904,7 @@
                           <a:ea typeface="Helvetica"/>
                           <a:sym typeface="Helvetica"/>
                         </a:rPr>
-                        <a:t>99</a:t>
+                        <a:t/>
                       </a:r>
                     </a:p>
                   </a:txBody>
@@ -3969,7 +3969,7 @@
                           <a:ea typeface="Helvetica"/>
                           <a:sym typeface="Helvetica"/>
                         </a:rPr>
-                        <a:t>13.8</a:t>
+                        <a:t>14.3</a:t>
                       </a:r>
                     </a:p>
                   </a:txBody>
@@ -4034,7 +4034,7 @@
                           <a:ea typeface="Helvetica"/>
                           <a:sym typeface="Helvetica"/>
                         </a:rPr>
-                        <a:t>59</a:t>
+                        <a:t>56</a:t>
                       </a:r>
                     </a:p>
                   </a:txBody>
@@ -4164,7 +4164,7 @@
                           <a:ea typeface="Helvetica"/>
                           <a:sym typeface="Helvetica"/>
                         </a:rPr>
-                        <a:t>8</a:t>
+                        <a:t>5</a:t>
                       </a:r>
                     </a:p>
                   </a:txBody>
@@ -4231,7 +4231,7 @@
                           <a:ea typeface="Helvetica"/>
                           <a:sym typeface="Helvetica"/>
                         </a:rPr>
-                        <a:t/>
+                        <a:t>36</a:t>
                       </a:r>
                     </a:p>
                   </a:txBody>
@@ -4296,7 +4296,7 @@
                           <a:ea typeface="Helvetica"/>
                           <a:sym typeface="Helvetica"/>
                         </a:rPr>
-                        <a:t>194</a:t>
+                        <a:t>118</a:t>
                       </a:r>
                     </a:p>
                   </a:txBody>
@@ -4361,7 +4361,7 @@
                           <a:ea typeface="Helvetica"/>
                           <a:sym typeface="Helvetica"/>
                         </a:rPr>
-                        <a:t>8.6</a:t>
+                        <a:t>8.0</a:t>
                       </a:r>
                     </a:p>
                   </a:txBody>
@@ -4426,7 +4426,7 @@
                           <a:ea typeface="Helvetica"/>
                           <a:sym typeface="Helvetica"/>
                         </a:rPr>
-                        <a:t>69</a:t>
+                        <a:t>72</a:t>
                       </a:r>
                     </a:p>
                   </a:txBody>
@@ -4556,7 +4556,7 @@
                           <a:ea typeface="Helvetica"/>
                           <a:sym typeface="Helvetica"/>
                         </a:rPr>
-                        <a:t>10</a:t>
+                        <a:t>2</a:t>
                       </a:r>
                     </a:p>
                   </a:txBody>
@@ -4623,7 +4623,7 @@
                           <a:ea typeface="Helvetica"/>
                           <a:sym typeface="Helvetica"/>
                         </a:rPr>
-                        <a:t>23</a:t>
+                        <a:t>41</a:t>
                       </a:r>
                     </a:p>
                   </a:txBody>
@@ -4688,7 +4688,7 @@
                           <a:ea typeface="Helvetica"/>
                           <a:sym typeface="Helvetica"/>
                         </a:rPr>
-                        <a:t>299</a:t>
+                        <a:t>190</a:t>
                       </a:r>
                     </a:p>
                   </a:txBody>
@@ -4753,7 +4753,7 @@
                           <a:ea typeface="Helvetica"/>
                           <a:sym typeface="Helvetica"/>
                         </a:rPr>
-                        <a:t>8.6</a:t>
+                        <a:t>7.4</a:t>
                       </a:r>
                     </a:p>
                   </a:txBody>
@@ -4818,7 +4818,7 @@
                           <a:ea typeface="Helvetica"/>
                           <a:sym typeface="Helvetica"/>
                         </a:rPr>
-                        <a:t>65</a:t>
+                        <a:t>67</a:t>
                       </a:r>
                     </a:p>
                   </a:txBody>
@@ -4948,7 +4948,7 @@
                           <a:ea typeface="Helvetica"/>
                           <a:sym typeface="Helvetica"/>
                         </a:rPr>
-                        <a:t>7</a:t>
+                        <a:t>1</a:t>
                       </a:r>
                     </a:p>
                   </a:txBody>
@@ -5015,7 +5015,7 @@
                           <a:ea typeface="Helvetica"/>
                           <a:sym typeface="Helvetica"/>
                         </a:rPr>
-                        <a:t>18</a:t>
+                        <a:t>12</a:t>
                       </a:r>
                     </a:p>
                   </a:txBody>
@@ -5080,7 +5080,7 @@
                           <a:ea typeface="Helvetica"/>
                           <a:sym typeface="Helvetica"/>
                         </a:rPr>
-                        <a:t>313</a:t>
+                        <a:t>149</a:t>
                       </a:r>
                     </a:p>
                   </a:txBody>
@@ -5145,7 +5145,7 @@
                           <a:ea typeface="Helvetica"/>
                           <a:sym typeface="Helvetica"/>
                         </a:rPr>
-                        <a:t>11.5</a:t>
+                        <a:t>12.6</a:t>
                       </a:r>
                     </a:p>
                   </a:txBody>
@@ -5210,7 +5210,7 @@
                           <a:ea typeface="Helvetica"/>
                           <a:sym typeface="Helvetica"/>
                         </a:rPr>
-                        <a:t>62</a:t>
+                        <a:t>74</a:t>
                       </a:r>
                     </a:p>
                   </a:txBody>
@@ -5340,7 +5340,7 @@
                           <a:ea typeface="Helvetica"/>
                           <a:sym typeface="Helvetica"/>
                         </a:rPr>
-                        <a:t>4</a:t>
+                        <a:t>3</a:t>
                       </a:r>
                     </a:p>
                   </a:txBody>
@@ -5407,7 +5407,7 @@
                           <a:ea typeface="Helvetica"/>
                           <a:sym typeface="Helvetica"/>
                         </a:rPr>
-                        <a:t>28</a:t>
+                        <a:t>18</a:t>
                       </a:r>
                     </a:p>
                   </a:txBody>
@@ -5472,7 +5472,7 @@
                           <a:ea typeface="Helvetica"/>
                           <a:sym typeface="Helvetica"/>
                         </a:rPr>
-                        <a:t/>
+                        <a:t>313</a:t>
                       </a:r>
                     </a:p>
                   </a:txBody>
@@ -5537,7 +5537,7 @@
                           <a:ea typeface="Helvetica"/>
                           <a:sym typeface="Helvetica"/>
                         </a:rPr>
-                        <a:t>14.9</a:t>
+                        <a:t>11.5</a:t>
                       </a:r>
                     </a:p>
                   </a:txBody>
@@ -5602,7 +5602,7 @@
                           <a:ea typeface="Helvetica"/>
                           <a:sym typeface="Helvetica"/>
                         </a:rPr>
-                        <a:t>66</a:t>
+                        <a:t>62</a:t>
                       </a:r>
                     </a:p>
                   </a:txBody>
@@ -5732,7 +5732,7 @@
                           <a:ea typeface="Helvetica"/>
                           <a:sym typeface="Helvetica"/>
                         </a:rPr>
-                        <a:t>6</a:t>
+                        <a:t>4</a:t>
                       </a:r>
                     </a:p>
                   </a:txBody>
@@ -5799,7 +5799,7 @@
                           <a:ea typeface="Helvetica"/>
                           <a:sym typeface="Helvetica"/>
                         </a:rPr>
-                        <a:t>12</a:t>
+                        <a:t>23</a:t>
                       </a:r>
                     </a:p>
                   </a:txBody>
@@ -5864,7 +5864,7 @@
                           <a:ea typeface="Helvetica"/>
                           <a:sym typeface="Helvetica"/>
                         </a:rPr>
-                        <a:t>149</a:t>
+                        <a:t>299</a:t>
                       </a:r>
                     </a:p>
                   </a:txBody>
@@ -5929,7 +5929,7 @@
                           <a:ea typeface="Helvetica"/>
                           <a:sym typeface="Helvetica"/>
                         </a:rPr>
-                        <a:t>12.6</a:t>
+                        <a:t>8.6</a:t>
                       </a:r>
                     </a:p>
                   </a:txBody>
@@ -5994,7 +5994,7 @@
                           <a:ea typeface="Helvetica"/>
                           <a:sym typeface="Helvetica"/>
                         </a:rPr>
-                        <a:t>74</a:t>
+                        <a:t>65</a:t>
                       </a:r>
                     </a:p>
                   </a:txBody>
@@ -6124,7 +6124,7 @@
                           <a:ea typeface="Helvetica"/>
                           <a:sym typeface="Helvetica"/>
                         </a:rPr>
-                        <a:t>3</a:t>
+                        <a:t>7</a:t>
                       </a:r>
                     </a:p>
                   </a:txBody>
@@ -6191,7 +6191,7 @@
                           <a:ea typeface="Helvetica"/>
                           <a:sym typeface="Helvetica"/>
                         </a:rPr>
-                        <a:t>41</a:t>
+                        <a:t>28</a:t>
                       </a:r>
                     </a:p>
                   </a:txBody>
@@ -6256,7 +6256,7 @@
                           <a:ea typeface="Helvetica"/>
                           <a:sym typeface="Helvetica"/>
                         </a:rPr>
-                        <a:t>190</a:t>
+                        <a:t/>
                       </a:r>
                     </a:p>
                   </a:txBody>
@@ -6321,7 +6321,7 @@
                           <a:ea typeface="Helvetica"/>
                           <a:sym typeface="Helvetica"/>
                         </a:rPr>
-                        <a:t>7.4</a:t>
+                        <a:t>14.9</a:t>
                       </a:r>
                     </a:p>
                   </a:txBody>
@@ -6386,7 +6386,7 @@
                           <a:ea typeface="Helvetica"/>
                           <a:sym typeface="Helvetica"/>
                         </a:rPr>
-                        <a:t>67</a:t>
+                        <a:t>66</a:t>
                       </a:r>
                     </a:p>
                   </a:txBody>
@@ -6516,7 +6516,7 @@
                           <a:ea typeface="Helvetica"/>
                           <a:sym typeface="Helvetica"/>
                         </a:rPr>
-                        <a:t>1</a:t>
+                        <a:t>6</a:t>
                       </a:r>
                     </a:p>
                   </a:txBody>
@@ -6583,332 +6583,332 @@
                           <a:ea typeface="Helvetica"/>
                           <a:sym typeface="Helvetica"/>
                         </a:rPr>
+                        <a:t>19</a:t>
+                      </a:r>
+                    </a:p>
+                  </a:txBody>
+                  <a:tcPr anchor="ctr" marB="63500" marT="63500" marR="0" marL="0">
+                    <a:lnL algn="ctr" cmpd="sng" cap="flat" w="0">
+                      <a:noFill/>
+                      <a:prstDash val="solid"/>
+                    </a:lnL>
+                    <a:lnR algn="ctr" cmpd="sng" cap="flat" w="0">
+                      <a:noFill/>
+                      <a:prstDash val="solid"/>
+                    </a:lnR>
+                    <a:lnT algn="ctr" cmpd="sng" cap="flat" w="9525">
+                      <a:solidFill>
+                        <a:srgbClr val="666666">
+                          <a:alpha val="100000"/>
+                        </a:srgbClr>
+                      </a:solidFill>
+                      <a:prstDash val="solid"/>
+                    </a:lnT>
+                    <a:lnB algn="ctr" cmpd="sng" cap="flat" w="19050">
+                      <a:solidFill>
+                        <a:srgbClr val="666666">
+                          <a:alpha val="100000"/>
+                        </a:srgbClr>
+                      </a:solidFill>
+                      <a:prstDash val="solid"/>
+                    </a:lnB>
+                    <a:solidFill>
+                      <a:srgbClr val="FFFFFF">
+                        <a:alpha val="0"/>
+                      </a:srgbClr>
+                    </a:solidFill>
+                  </a:tcPr>
+                </a:tc>
+                <a:tc>
+                  <a:txBody>
+                    <a:bodyPr/>
+                    <a:lstStyle/>
+                    <a:p>
+                      <a:pPr algn="r" marL="63500" marR="63500">
+                        <a:lnSpc>
+                          <a:spcPct val="100000"/>
+                        </a:lnSpc>
+                        <a:spcBef>
+                          <a:spcPts val="500"/>
+                        </a:spcBef>
+                        <a:spcAft>
+                          <a:spcPts val="500"/>
+                        </a:spcAft>
+                        <a:buNone/>
+                      </a:pPr>
+                      <a:r>
+                        <a:rPr cap="none" sz="1100" i="0" b="0" u="none">
+                          <a:solidFill>
+                            <a:srgbClr val="000000">
+                              <a:alpha val="100000"/>
+                            </a:srgbClr>
+                          </a:solidFill>
+                          <a:latin typeface="Helvetica"/>
+                          <a:cs typeface="Helvetica"/>
+                          <a:ea typeface="Helvetica"/>
+                          <a:sym typeface="Helvetica"/>
+                        </a:rPr>
+                        <a:t>99</a:t>
+                      </a:r>
+                    </a:p>
+                  </a:txBody>
+                  <a:tcPr anchor="ctr" marB="63500" marT="63500" marR="0" marL="0">
+                    <a:lnL algn="ctr" cmpd="sng" cap="flat" w="0">
+                      <a:noFill/>
+                      <a:prstDash val="solid"/>
+                    </a:lnL>
+                    <a:lnR algn="ctr" cmpd="sng" cap="flat" w="0">
+                      <a:noFill/>
+                      <a:prstDash val="solid"/>
+                    </a:lnR>
+                    <a:lnT algn="ctr" cmpd="sng" cap="flat" w="9525">
+                      <a:solidFill>
+                        <a:srgbClr val="666666">
+                          <a:alpha val="100000"/>
+                        </a:srgbClr>
+                      </a:solidFill>
+                      <a:prstDash val="solid"/>
+                    </a:lnT>
+                    <a:lnB algn="ctr" cmpd="sng" cap="flat" w="19050">
+                      <a:solidFill>
+                        <a:srgbClr val="666666">
+                          <a:alpha val="100000"/>
+                        </a:srgbClr>
+                      </a:solidFill>
+                      <a:prstDash val="solid"/>
+                    </a:lnB>
+                    <a:solidFill>
+                      <a:srgbClr val="FFFFFF">
+                        <a:alpha val="0"/>
+                      </a:srgbClr>
+                    </a:solidFill>
+                  </a:tcPr>
+                </a:tc>
+                <a:tc>
+                  <a:txBody>
+                    <a:bodyPr/>
+                    <a:lstStyle/>
+                    <a:p>
+                      <a:pPr algn="r" marL="63500" marR="63500">
+                        <a:lnSpc>
+                          <a:spcPct val="100000"/>
+                        </a:lnSpc>
+                        <a:spcBef>
+                          <a:spcPts val="500"/>
+                        </a:spcBef>
+                        <a:spcAft>
+                          <a:spcPts val="500"/>
+                        </a:spcAft>
+                        <a:buNone/>
+                      </a:pPr>
+                      <a:r>
+                        <a:rPr cap="none" sz="1100" i="0" b="0" u="none">
+                          <a:solidFill>
+                            <a:srgbClr val="000000">
+                              <a:alpha val="100000"/>
+                            </a:srgbClr>
+                          </a:solidFill>
+                          <a:latin typeface="Helvetica"/>
+                          <a:cs typeface="Helvetica"/>
+                          <a:ea typeface="Helvetica"/>
+                          <a:sym typeface="Helvetica"/>
+                        </a:rPr>
+                        <a:t>13.8</a:t>
+                      </a:r>
+                    </a:p>
+                  </a:txBody>
+                  <a:tcPr anchor="ctr" marB="63500" marT="63500" marR="0" marL="0">
+                    <a:lnL algn="ctr" cmpd="sng" cap="flat" w="0">
+                      <a:noFill/>
+                      <a:prstDash val="solid"/>
+                    </a:lnL>
+                    <a:lnR algn="ctr" cmpd="sng" cap="flat" w="0">
+                      <a:noFill/>
+                      <a:prstDash val="solid"/>
+                    </a:lnR>
+                    <a:lnT algn="ctr" cmpd="sng" cap="flat" w="9525">
+                      <a:solidFill>
+                        <a:srgbClr val="666666">
+                          <a:alpha val="100000"/>
+                        </a:srgbClr>
+                      </a:solidFill>
+                      <a:prstDash val="solid"/>
+                    </a:lnT>
+                    <a:lnB algn="ctr" cmpd="sng" cap="flat" w="19050">
+                      <a:solidFill>
+                        <a:srgbClr val="666666">
+                          <a:alpha val="100000"/>
+                        </a:srgbClr>
+                      </a:solidFill>
+                      <a:prstDash val="solid"/>
+                    </a:lnB>
+                    <a:solidFill>
+                      <a:srgbClr val="FFFFFF">
+                        <a:alpha val="0"/>
+                      </a:srgbClr>
+                    </a:solidFill>
+                  </a:tcPr>
+                </a:tc>
+                <a:tc>
+                  <a:txBody>
+                    <a:bodyPr/>
+                    <a:lstStyle/>
+                    <a:p>
+                      <a:pPr algn="r" marL="63500" marR="63500">
+                        <a:lnSpc>
+                          <a:spcPct val="100000"/>
+                        </a:lnSpc>
+                        <a:spcBef>
+                          <a:spcPts val="500"/>
+                        </a:spcBef>
+                        <a:spcAft>
+                          <a:spcPts val="500"/>
+                        </a:spcAft>
+                        <a:buNone/>
+                      </a:pPr>
+                      <a:r>
+                        <a:rPr cap="none" sz="1100" i="0" b="0" u="none">
+                          <a:solidFill>
+                            <a:srgbClr val="000000">
+                              <a:alpha val="100000"/>
+                            </a:srgbClr>
+                          </a:solidFill>
+                          <a:latin typeface="Helvetica"/>
+                          <a:cs typeface="Helvetica"/>
+                          <a:ea typeface="Helvetica"/>
+                          <a:sym typeface="Helvetica"/>
+                        </a:rPr>
+                        <a:t>59</a:t>
+                      </a:r>
+                    </a:p>
+                  </a:txBody>
+                  <a:tcPr anchor="ctr" marB="63500" marT="63500" marR="0" marL="0">
+                    <a:lnL algn="ctr" cmpd="sng" cap="flat" w="0">
+                      <a:noFill/>
+                      <a:prstDash val="solid"/>
+                    </a:lnL>
+                    <a:lnR algn="ctr" cmpd="sng" cap="flat" w="0">
+                      <a:noFill/>
+                      <a:prstDash val="solid"/>
+                    </a:lnR>
+                    <a:lnT algn="ctr" cmpd="sng" cap="flat" w="9525">
+                      <a:solidFill>
+                        <a:srgbClr val="666666">
+                          <a:alpha val="100000"/>
+                        </a:srgbClr>
+                      </a:solidFill>
+                      <a:prstDash val="solid"/>
+                    </a:lnT>
+                    <a:lnB algn="ctr" cmpd="sng" cap="flat" w="19050">
+                      <a:solidFill>
+                        <a:srgbClr val="666666">
+                          <a:alpha val="100000"/>
+                        </a:srgbClr>
+                      </a:solidFill>
+                      <a:prstDash val="solid"/>
+                    </a:lnB>
+                    <a:solidFill>
+                      <a:srgbClr val="FFFFFF">
+                        <a:alpha val="0"/>
+                      </a:srgbClr>
+                    </a:solidFill>
+                  </a:tcPr>
+                </a:tc>
+                <a:tc>
+                  <a:txBody>
+                    <a:bodyPr/>
+                    <a:lstStyle/>
+                    <a:p>
+                      <a:pPr algn="r" marL="63500" marR="63500">
+                        <a:lnSpc>
+                          <a:spcPct val="100000"/>
+                        </a:lnSpc>
+                        <a:spcBef>
+                          <a:spcPts val="500"/>
+                        </a:spcBef>
+                        <a:spcAft>
+                          <a:spcPts val="500"/>
+                        </a:spcAft>
+                        <a:buNone/>
+                      </a:pPr>
+                      <a:r>
+                        <a:rPr cap="none" sz="1100" i="0" b="0" u="none">
+                          <a:solidFill>
+                            <a:srgbClr val="000000">
+                              <a:alpha val="100000"/>
+                            </a:srgbClr>
+                          </a:solidFill>
+                          <a:latin typeface="Helvetica"/>
+                          <a:cs typeface="Helvetica"/>
+                          <a:ea typeface="Helvetica"/>
+                          <a:sym typeface="Helvetica"/>
+                        </a:rPr>
+                        <a:t>5</a:t>
+                      </a:r>
+                    </a:p>
+                  </a:txBody>
+                  <a:tcPr anchor="ctr" marB="63500" marT="63500" marR="0" marL="0">
+                    <a:lnL algn="ctr" cmpd="sng" cap="flat" w="0">
+                      <a:noFill/>
+                      <a:prstDash val="solid"/>
+                    </a:lnL>
+                    <a:lnR algn="ctr" cmpd="sng" cap="flat" w="0">
+                      <a:noFill/>
+                      <a:prstDash val="solid"/>
+                    </a:lnR>
+                    <a:lnT algn="ctr" cmpd="sng" cap="flat" w="9525">
+                      <a:solidFill>
+                        <a:srgbClr val="666666">
+                          <a:alpha val="100000"/>
+                        </a:srgbClr>
+                      </a:solidFill>
+                      <a:prstDash val="solid"/>
+                    </a:lnT>
+                    <a:lnB algn="ctr" cmpd="sng" cap="flat" w="19050">
+                      <a:solidFill>
+                        <a:srgbClr val="666666">
+                          <a:alpha val="100000"/>
+                        </a:srgbClr>
+                      </a:solidFill>
+                      <a:prstDash val="solid"/>
+                    </a:lnB>
+                    <a:solidFill>
+                      <a:srgbClr val="FFFFFF">
+                        <a:alpha val="0"/>
+                      </a:srgbClr>
+                    </a:solidFill>
+                  </a:tcPr>
+                </a:tc>
+                <a:tc>
+                  <a:txBody>
+                    <a:bodyPr/>
+                    <a:lstStyle/>
+                    <a:p>
+                      <a:pPr algn="r" marL="63500" marR="63500">
+                        <a:lnSpc>
+                          <a:spcPct val="100000"/>
+                        </a:lnSpc>
+                        <a:spcBef>
+                          <a:spcPts val="500"/>
+                        </a:spcBef>
+                        <a:spcAft>
+                          <a:spcPts val="500"/>
+                        </a:spcAft>
+                        <a:buNone/>
+                      </a:pPr>
+                      <a:r>
+                        <a:rPr cap="none" sz="1100" i="0" b="0" u="none">
+                          <a:solidFill>
+                            <a:srgbClr val="000000">
+                              <a:alpha val="100000"/>
+                            </a:srgbClr>
+                          </a:solidFill>
+                          <a:latin typeface="Helvetica"/>
+                          <a:cs typeface="Helvetica"/>
+                          <a:ea typeface="Helvetica"/>
+                          <a:sym typeface="Helvetica"/>
+                        </a:rPr>
                         <a:t>8</a:t>
-                      </a:r>
-                    </a:p>
-                  </a:txBody>
-                  <a:tcPr anchor="ctr" marB="63500" marT="63500" marR="0" marL="0">
-                    <a:lnL algn="ctr" cmpd="sng" cap="flat" w="0">
-                      <a:noFill/>
-                      <a:prstDash val="solid"/>
-                    </a:lnL>
-                    <a:lnR algn="ctr" cmpd="sng" cap="flat" w="0">
-                      <a:noFill/>
-                      <a:prstDash val="solid"/>
-                    </a:lnR>
-                    <a:lnT algn="ctr" cmpd="sng" cap="flat" w="9525">
-                      <a:solidFill>
-                        <a:srgbClr val="666666">
-                          <a:alpha val="100000"/>
-                        </a:srgbClr>
-                      </a:solidFill>
-                      <a:prstDash val="solid"/>
-                    </a:lnT>
-                    <a:lnB algn="ctr" cmpd="sng" cap="flat" w="19050">
-                      <a:solidFill>
-                        <a:srgbClr val="666666">
-                          <a:alpha val="100000"/>
-                        </a:srgbClr>
-                      </a:solidFill>
-                      <a:prstDash val="solid"/>
-                    </a:lnB>
-                    <a:solidFill>
-                      <a:srgbClr val="FFFFFF">
-                        <a:alpha val="0"/>
-                      </a:srgbClr>
-                    </a:solidFill>
-                  </a:tcPr>
-                </a:tc>
-                <a:tc>
-                  <a:txBody>
-                    <a:bodyPr/>
-                    <a:lstStyle/>
-                    <a:p>
-                      <a:pPr algn="r" marL="63500" marR="63500">
-                        <a:lnSpc>
-                          <a:spcPct val="100000"/>
-                        </a:lnSpc>
-                        <a:spcBef>
-                          <a:spcPts val="500"/>
-                        </a:spcBef>
-                        <a:spcAft>
-                          <a:spcPts val="500"/>
-                        </a:spcAft>
-                        <a:buNone/>
-                      </a:pPr>
-                      <a:r>
-                        <a:rPr cap="none" sz="1100" i="0" b="0" u="none">
-                          <a:solidFill>
-                            <a:srgbClr val="000000">
-                              <a:alpha val="100000"/>
-                            </a:srgbClr>
-                          </a:solidFill>
-                          <a:latin typeface="Helvetica"/>
-                          <a:cs typeface="Helvetica"/>
-                          <a:ea typeface="Helvetica"/>
-                          <a:sym typeface="Helvetica"/>
-                        </a:rPr>
-                        <a:t>19</a:t>
-                      </a:r>
-                    </a:p>
-                  </a:txBody>
-                  <a:tcPr anchor="ctr" marB="63500" marT="63500" marR="0" marL="0">
-                    <a:lnL algn="ctr" cmpd="sng" cap="flat" w="0">
-                      <a:noFill/>
-                      <a:prstDash val="solid"/>
-                    </a:lnL>
-                    <a:lnR algn="ctr" cmpd="sng" cap="flat" w="0">
-                      <a:noFill/>
-                      <a:prstDash val="solid"/>
-                    </a:lnR>
-                    <a:lnT algn="ctr" cmpd="sng" cap="flat" w="9525">
-                      <a:solidFill>
-                        <a:srgbClr val="666666">
-                          <a:alpha val="100000"/>
-                        </a:srgbClr>
-                      </a:solidFill>
-                      <a:prstDash val="solid"/>
-                    </a:lnT>
-                    <a:lnB algn="ctr" cmpd="sng" cap="flat" w="19050">
-                      <a:solidFill>
-                        <a:srgbClr val="666666">
-                          <a:alpha val="100000"/>
-                        </a:srgbClr>
-                      </a:solidFill>
-                      <a:prstDash val="solid"/>
-                    </a:lnB>
-                    <a:solidFill>
-                      <a:srgbClr val="FFFFFF">
-                        <a:alpha val="0"/>
-                      </a:srgbClr>
-                    </a:solidFill>
-                  </a:tcPr>
-                </a:tc>
-                <a:tc>
-                  <a:txBody>
-                    <a:bodyPr/>
-                    <a:lstStyle/>
-                    <a:p>
-                      <a:pPr algn="r" marL="63500" marR="63500">
-                        <a:lnSpc>
-                          <a:spcPct val="100000"/>
-                        </a:lnSpc>
-                        <a:spcBef>
-                          <a:spcPts val="500"/>
-                        </a:spcBef>
-                        <a:spcAft>
-                          <a:spcPts val="500"/>
-                        </a:spcAft>
-                        <a:buNone/>
-                      </a:pPr>
-                      <a:r>
-                        <a:rPr cap="none" sz="1100" i="0" b="0" u="none">
-                          <a:solidFill>
-                            <a:srgbClr val="000000">
-                              <a:alpha val="100000"/>
-                            </a:srgbClr>
-                          </a:solidFill>
-                          <a:latin typeface="Helvetica"/>
-                          <a:cs typeface="Helvetica"/>
-                          <a:ea typeface="Helvetica"/>
-                          <a:sym typeface="Helvetica"/>
-                        </a:rPr>
-                        <a:t>20.1</a:t>
-                      </a:r>
-                    </a:p>
-                  </a:txBody>
-                  <a:tcPr anchor="ctr" marB="63500" marT="63500" marR="0" marL="0">
-                    <a:lnL algn="ctr" cmpd="sng" cap="flat" w="0">
-                      <a:noFill/>
-                      <a:prstDash val="solid"/>
-                    </a:lnL>
-                    <a:lnR algn="ctr" cmpd="sng" cap="flat" w="0">
-                      <a:noFill/>
-                      <a:prstDash val="solid"/>
-                    </a:lnR>
-                    <a:lnT algn="ctr" cmpd="sng" cap="flat" w="9525">
-                      <a:solidFill>
-                        <a:srgbClr val="666666">
-                          <a:alpha val="100000"/>
-                        </a:srgbClr>
-                      </a:solidFill>
-                      <a:prstDash val="solid"/>
-                    </a:lnT>
-                    <a:lnB algn="ctr" cmpd="sng" cap="flat" w="19050">
-                      <a:solidFill>
-                        <a:srgbClr val="666666">
-                          <a:alpha val="100000"/>
-                        </a:srgbClr>
-                      </a:solidFill>
-                      <a:prstDash val="solid"/>
-                    </a:lnB>
-                    <a:solidFill>
-                      <a:srgbClr val="FFFFFF">
-                        <a:alpha val="0"/>
-                      </a:srgbClr>
-                    </a:solidFill>
-                  </a:tcPr>
-                </a:tc>
-                <a:tc>
-                  <a:txBody>
-                    <a:bodyPr/>
-                    <a:lstStyle/>
-                    <a:p>
-                      <a:pPr algn="r" marL="63500" marR="63500">
-                        <a:lnSpc>
-                          <a:spcPct val="100000"/>
-                        </a:lnSpc>
-                        <a:spcBef>
-                          <a:spcPts val="500"/>
-                        </a:spcBef>
-                        <a:spcAft>
-                          <a:spcPts val="500"/>
-                        </a:spcAft>
-                        <a:buNone/>
-                      </a:pPr>
-                      <a:r>
-                        <a:rPr cap="none" sz="1100" i="0" b="0" u="none">
-                          <a:solidFill>
-                            <a:srgbClr val="000000">
-                              <a:alpha val="100000"/>
-                            </a:srgbClr>
-                          </a:solidFill>
-                          <a:latin typeface="Helvetica"/>
-                          <a:cs typeface="Helvetica"/>
-                          <a:ea typeface="Helvetica"/>
-                          <a:sym typeface="Helvetica"/>
-                        </a:rPr>
-                        <a:t>61</a:t>
-                      </a:r>
-                    </a:p>
-                  </a:txBody>
-                  <a:tcPr anchor="ctr" marB="63500" marT="63500" marR="0" marL="0">
-                    <a:lnL algn="ctr" cmpd="sng" cap="flat" w="0">
-                      <a:noFill/>
-                      <a:prstDash val="solid"/>
-                    </a:lnL>
-                    <a:lnR algn="ctr" cmpd="sng" cap="flat" w="0">
-                      <a:noFill/>
-                      <a:prstDash val="solid"/>
-                    </a:lnR>
-                    <a:lnT algn="ctr" cmpd="sng" cap="flat" w="9525">
-                      <a:solidFill>
-                        <a:srgbClr val="666666">
-                          <a:alpha val="100000"/>
-                        </a:srgbClr>
-                      </a:solidFill>
-                      <a:prstDash val="solid"/>
-                    </a:lnT>
-                    <a:lnB algn="ctr" cmpd="sng" cap="flat" w="19050">
-                      <a:solidFill>
-                        <a:srgbClr val="666666">
-                          <a:alpha val="100000"/>
-                        </a:srgbClr>
-                      </a:solidFill>
-                      <a:prstDash val="solid"/>
-                    </a:lnB>
-                    <a:solidFill>
-                      <a:srgbClr val="FFFFFF">
-                        <a:alpha val="0"/>
-                      </a:srgbClr>
-                    </a:solidFill>
-                  </a:tcPr>
-                </a:tc>
-                <a:tc>
-                  <a:txBody>
-                    <a:bodyPr/>
-                    <a:lstStyle/>
-                    <a:p>
-                      <a:pPr algn="r" marL="63500" marR="63500">
-                        <a:lnSpc>
-                          <a:spcPct val="100000"/>
-                        </a:lnSpc>
-                        <a:spcBef>
-                          <a:spcPts val="500"/>
-                        </a:spcBef>
-                        <a:spcAft>
-                          <a:spcPts val="500"/>
-                        </a:spcAft>
-                        <a:buNone/>
-                      </a:pPr>
-                      <a:r>
-                        <a:rPr cap="none" sz="1100" i="0" b="0" u="none">
-                          <a:solidFill>
-                            <a:srgbClr val="000000">
-                              <a:alpha val="100000"/>
-                            </a:srgbClr>
-                          </a:solidFill>
-                          <a:latin typeface="Helvetica"/>
-                          <a:cs typeface="Helvetica"/>
-                          <a:ea typeface="Helvetica"/>
-                          <a:sym typeface="Helvetica"/>
-                        </a:rPr>
-                        <a:t>5</a:t>
-                      </a:r>
-                    </a:p>
-                  </a:txBody>
-                  <a:tcPr anchor="ctr" marB="63500" marT="63500" marR="0" marL="0">
-                    <a:lnL algn="ctr" cmpd="sng" cap="flat" w="0">
-                      <a:noFill/>
-                      <a:prstDash val="solid"/>
-                    </a:lnL>
-                    <a:lnR algn="ctr" cmpd="sng" cap="flat" w="0">
-                      <a:noFill/>
-                      <a:prstDash val="solid"/>
-                    </a:lnR>
-                    <a:lnT algn="ctr" cmpd="sng" cap="flat" w="9525">
-                      <a:solidFill>
-                        <a:srgbClr val="666666">
-                          <a:alpha val="100000"/>
-                        </a:srgbClr>
-                      </a:solidFill>
-                      <a:prstDash val="solid"/>
-                    </a:lnT>
-                    <a:lnB algn="ctr" cmpd="sng" cap="flat" w="19050">
-                      <a:solidFill>
-                        <a:srgbClr val="666666">
-                          <a:alpha val="100000"/>
-                        </a:srgbClr>
-                      </a:solidFill>
-                      <a:prstDash val="solid"/>
-                    </a:lnB>
-                    <a:solidFill>
-                      <a:srgbClr val="FFFFFF">
-                        <a:alpha val="0"/>
-                      </a:srgbClr>
-                    </a:solidFill>
-                  </a:tcPr>
-                </a:tc>
-                <a:tc>
-                  <a:txBody>
-                    <a:bodyPr/>
-                    <a:lstStyle/>
-                    <a:p>
-                      <a:pPr algn="r" marL="63500" marR="63500">
-                        <a:lnSpc>
-                          <a:spcPct val="100000"/>
-                        </a:lnSpc>
-                        <a:spcBef>
-                          <a:spcPts val="500"/>
-                        </a:spcBef>
-                        <a:spcAft>
-                          <a:spcPts val="500"/>
-                        </a:spcAft>
-                        <a:buNone/>
-                      </a:pPr>
-                      <a:r>
-                        <a:rPr cap="none" sz="1100" i="0" b="0" u="none">
-                          <a:solidFill>
-                            <a:srgbClr val="000000">
-                              <a:alpha val="100000"/>
-                            </a:srgbClr>
-                          </a:solidFill>
-                          <a:latin typeface="Helvetica"/>
-                          <a:cs typeface="Helvetica"/>
-                          <a:ea typeface="Helvetica"/>
-                          <a:sym typeface="Helvetica"/>
-                        </a:rPr>
-                        <a:t>9</a:t>
                       </a:r>
                     </a:p>
                   </a:txBody>

--- a/ft.pptx
+++ b/ft.pptx
@@ -2308,15 +2308,15 @@
                       <a:noFill/>
                       <a:prstDash val="solid"/>
                     </a:lnR>
-                    <a:lnT algn="ctr" cmpd="sng" cap="flat" w="19050">
-                      <a:solidFill>
-                        <a:srgbClr val="666666">
-                          <a:alpha val="100000"/>
-                        </a:srgbClr>
-                      </a:solidFill>
-                      <a:prstDash val="solid"/>
-                    </a:lnT>
-                    <a:lnB algn="ctr" cmpd="sng" cap="flat" w="9525">
+                    <a:lnT algn="ctr" cmpd="sng" cap="flat" w="25400">
+                      <a:solidFill>
+                        <a:srgbClr val="666666">
+                          <a:alpha val="100000"/>
+                        </a:srgbClr>
+                      </a:solidFill>
+                      <a:prstDash val="solid"/>
+                    </a:lnT>
+                    <a:lnB algn="ctr" cmpd="sng" cap="flat" w="6350">
                       <a:solidFill>
                         <a:srgbClr val="666666">
                           <a:alpha val="100000"/>
@@ -2373,15 +2373,15 @@
                       <a:noFill/>
                       <a:prstDash val="solid"/>
                     </a:lnR>
-                    <a:lnT algn="ctr" cmpd="sng" cap="flat" w="19050">
-                      <a:solidFill>
-                        <a:srgbClr val="666666">
-                          <a:alpha val="100000"/>
-                        </a:srgbClr>
-                      </a:solidFill>
-                      <a:prstDash val="solid"/>
-                    </a:lnT>
-                    <a:lnB algn="ctr" cmpd="sng" cap="flat" w="9525">
+                    <a:lnT algn="ctr" cmpd="sng" cap="flat" w="25400">
+                      <a:solidFill>
+                        <a:srgbClr val="666666">
+                          <a:alpha val="100000"/>
+                        </a:srgbClr>
+                      </a:solidFill>
+                      <a:prstDash val="solid"/>
+                    </a:lnT>
+                    <a:lnB algn="ctr" cmpd="sng" cap="flat" w="6350">
                       <a:solidFill>
                         <a:srgbClr val="666666">
                           <a:alpha val="100000"/>
@@ -2438,15 +2438,15 @@
                       <a:noFill/>
                       <a:prstDash val="solid"/>
                     </a:lnR>
-                    <a:lnT algn="ctr" cmpd="sng" cap="flat" w="19050">
-                      <a:solidFill>
-                        <a:srgbClr val="666666">
-                          <a:alpha val="100000"/>
-                        </a:srgbClr>
-                      </a:solidFill>
-                      <a:prstDash val="solid"/>
-                    </a:lnT>
-                    <a:lnB algn="ctr" cmpd="sng" cap="flat" w="9525">
+                    <a:lnT algn="ctr" cmpd="sng" cap="flat" w="25400">
+                      <a:solidFill>
+                        <a:srgbClr val="666666">
+                          <a:alpha val="100000"/>
+                        </a:srgbClr>
+                      </a:solidFill>
+                      <a:prstDash val="solid"/>
+                    </a:lnT>
+                    <a:lnB algn="ctr" cmpd="sng" cap="flat" w="6350">
                       <a:solidFill>
                         <a:srgbClr val="666666">
                           <a:alpha val="100000"/>
@@ -2503,15 +2503,15 @@
                       <a:noFill/>
                       <a:prstDash val="solid"/>
                     </a:lnR>
-                    <a:lnT algn="ctr" cmpd="sng" cap="flat" w="19050">
-                      <a:solidFill>
-                        <a:srgbClr val="666666">
-                          <a:alpha val="100000"/>
-                        </a:srgbClr>
-                      </a:solidFill>
-                      <a:prstDash val="solid"/>
-                    </a:lnT>
-                    <a:lnB algn="ctr" cmpd="sng" cap="flat" w="9525">
+                    <a:lnT algn="ctr" cmpd="sng" cap="flat" w="25400">
+                      <a:solidFill>
+                        <a:srgbClr val="666666">
+                          <a:alpha val="100000"/>
+                        </a:srgbClr>
+                      </a:solidFill>
+                      <a:prstDash val="solid"/>
+                    </a:lnT>
+                    <a:lnB algn="ctr" cmpd="sng" cap="flat" w="6350">
                       <a:solidFill>
                         <a:srgbClr val="666666">
                           <a:alpha val="100000"/>
@@ -2568,15 +2568,15 @@
                       <a:noFill/>
                       <a:prstDash val="solid"/>
                     </a:lnR>
-                    <a:lnT algn="ctr" cmpd="sng" cap="flat" w="19050">
-                      <a:solidFill>
-                        <a:srgbClr val="666666">
-                          <a:alpha val="100000"/>
-                        </a:srgbClr>
-                      </a:solidFill>
-                      <a:prstDash val="solid"/>
-                    </a:lnT>
-                    <a:lnB algn="ctr" cmpd="sng" cap="flat" w="9525">
+                    <a:lnT algn="ctr" cmpd="sng" cap="flat" w="25400">
+                      <a:solidFill>
+                        <a:srgbClr val="666666">
+                          <a:alpha val="100000"/>
+                        </a:srgbClr>
+                      </a:solidFill>
+                      <a:prstDash val="solid"/>
+                    </a:lnT>
+                    <a:lnB algn="ctr" cmpd="sng" cap="flat" w="6350">
                       <a:solidFill>
                         <a:srgbClr val="666666">
                           <a:alpha val="100000"/>
@@ -2633,15 +2633,15 @@
                       <a:noFill/>
                       <a:prstDash val="solid"/>
                     </a:lnR>
-                    <a:lnT algn="ctr" cmpd="sng" cap="flat" w="19050">
-                      <a:solidFill>
-                        <a:srgbClr val="666666">
-                          <a:alpha val="100000"/>
-                        </a:srgbClr>
-                      </a:solidFill>
-                      <a:prstDash val="solid"/>
-                    </a:lnT>
-                    <a:lnB algn="ctr" cmpd="sng" cap="flat" w="9525">
+                    <a:lnT algn="ctr" cmpd="sng" cap="flat" w="25400">
+                      <a:solidFill>
+                        <a:srgbClr val="666666">
+                          <a:alpha val="100000"/>
+                        </a:srgbClr>
+                      </a:solidFill>
+                      <a:prstDash val="solid"/>
+                    </a:lnT>
+                    <a:lnB algn="ctr" cmpd="sng" cap="flat" w="6350">
                       <a:solidFill>
                         <a:srgbClr val="666666">
                           <a:alpha val="100000"/>
@@ -2700,15 +2700,15 @@
                       <a:noFill/>
                       <a:prstDash val="solid"/>
                     </a:lnR>
-                    <a:lnT algn="ctr" cmpd="sng" cap="flat" w="9525">
-                      <a:solidFill>
-                        <a:srgbClr val="666666">
-                          <a:alpha val="100000"/>
-                        </a:srgbClr>
-                      </a:solidFill>
-                      <a:prstDash val="solid"/>
-                    </a:lnT>
-                    <a:lnB algn="ctr" cmpd="sng" cap="flat" w="19050">
+                    <a:lnT algn="ctr" cmpd="sng" cap="flat" w="6350">
+                      <a:solidFill>
+                        <a:srgbClr val="666666">
+                          <a:alpha val="100000"/>
+                        </a:srgbClr>
+                      </a:solidFill>
+                      <a:prstDash val="solid"/>
+                    </a:lnT>
+                    <a:lnB algn="ctr" cmpd="sng" cap="flat" w="25400">
                       <a:solidFill>
                         <a:srgbClr val="666666">
                           <a:alpha val="100000"/>
@@ -2765,15 +2765,15 @@
                       <a:noFill/>
                       <a:prstDash val="solid"/>
                     </a:lnR>
-                    <a:lnT algn="ctr" cmpd="sng" cap="flat" w="9525">
-                      <a:solidFill>
-                        <a:srgbClr val="666666">
-                          <a:alpha val="100000"/>
-                        </a:srgbClr>
-                      </a:solidFill>
-                      <a:prstDash val="solid"/>
-                    </a:lnT>
-                    <a:lnB algn="ctr" cmpd="sng" cap="flat" w="19050">
+                    <a:lnT algn="ctr" cmpd="sng" cap="flat" w="6350">
+                      <a:solidFill>
+                        <a:srgbClr val="666666">
+                          <a:alpha val="100000"/>
+                        </a:srgbClr>
+                      </a:solidFill>
+                      <a:prstDash val="solid"/>
+                    </a:lnT>
+                    <a:lnB algn="ctr" cmpd="sng" cap="flat" w="25400">
                       <a:solidFill>
                         <a:srgbClr val="666666">
                           <a:alpha val="100000"/>
@@ -2830,15 +2830,15 @@
                       <a:noFill/>
                       <a:prstDash val="solid"/>
                     </a:lnR>
-                    <a:lnT algn="ctr" cmpd="sng" cap="flat" w="9525">
-                      <a:solidFill>
-                        <a:srgbClr val="666666">
-                          <a:alpha val="100000"/>
-                        </a:srgbClr>
-                      </a:solidFill>
-                      <a:prstDash val="solid"/>
-                    </a:lnT>
-                    <a:lnB algn="ctr" cmpd="sng" cap="flat" w="19050">
+                    <a:lnT algn="ctr" cmpd="sng" cap="flat" w="6350">
+                      <a:solidFill>
+                        <a:srgbClr val="666666">
+                          <a:alpha val="100000"/>
+                        </a:srgbClr>
+                      </a:solidFill>
+                      <a:prstDash val="solid"/>
+                    </a:lnT>
+                    <a:lnB algn="ctr" cmpd="sng" cap="flat" w="25400">
                       <a:solidFill>
                         <a:srgbClr val="666666">
                           <a:alpha val="100000"/>
@@ -2895,15 +2895,15 @@
                       <a:noFill/>
                       <a:prstDash val="solid"/>
                     </a:lnR>
-                    <a:lnT algn="ctr" cmpd="sng" cap="flat" w="9525">
-                      <a:solidFill>
-                        <a:srgbClr val="666666">
-                          <a:alpha val="100000"/>
-                        </a:srgbClr>
-                      </a:solidFill>
-                      <a:prstDash val="solid"/>
-                    </a:lnT>
-                    <a:lnB algn="ctr" cmpd="sng" cap="flat" w="19050">
+                    <a:lnT algn="ctr" cmpd="sng" cap="flat" w="6350">
+                      <a:solidFill>
+                        <a:srgbClr val="666666">
+                          <a:alpha val="100000"/>
+                        </a:srgbClr>
+                      </a:solidFill>
+                      <a:prstDash val="solid"/>
+                    </a:lnT>
+                    <a:lnB algn="ctr" cmpd="sng" cap="flat" w="25400">
                       <a:solidFill>
                         <a:srgbClr val="666666">
                           <a:alpha val="100000"/>
@@ -2960,15 +2960,15 @@
                       <a:noFill/>
                       <a:prstDash val="solid"/>
                     </a:lnR>
-                    <a:lnT algn="ctr" cmpd="sng" cap="flat" w="9525">
-                      <a:solidFill>
-                        <a:srgbClr val="666666">
-                          <a:alpha val="100000"/>
-                        </a:srgbClr>
-                      </a:solidFill>
-                      <a:prstDash val="solid"/>
-                    </a:lnT>
-                    <a:lnB algn="ctr" cmpd="sng" cap="flat" w="19050">
+                    <a:lnT algn="ctr" cmpd="sng" cap="flat" w="6350">
+                      <a:solidFill>
+                        <a:srgbClr val="666666">
+                          <a:alpha val="100000"/>
+                        </a:srgbClr>
+                      </a:solidFill>
+                      <a:prstDash val="solid"/>
+                    </a:lnT>
+                    <a:lnB algn="ctr" cmpd="sng" cap="flat" w="25400">
                       <a:solidFill>
                         <a:srgbClr val="666666">
                           <a:alpha val="100000"/>
@@ -3025,15 +3025,15 @@
                       <a:noFill/>
                       <a:prstDash val="solid"/>
                     </a:lnR>
-                    <a:lnT algn="ctr" cmpd="sng" cap="flat" w="9525">
-                      <a:solidFill>
-                        <a:srgbClr val="666666">
-                          <a:alpha val="100000"/>
-                        </a:srgbClr>
-                      </a:solidFill>
-                      <a:prstDash val="solid"/>
-                    </a:lnT>
-                    <a:lnB algn="ctr" cmpd="sng" cap="flat" w="19050">
+                    <a:lnT algn="ctr" cmpd="sng" cap="flat" w="6350">
+                      <a:solidFill>
+                        <a:srgbClr val="666666">
+                          <a:alpha val="100000"/>
+                        </a:srgbClr>
+                      </a:solidFill>
+                      <a:prstDash val="solid"/>
+                    </a:lnT>
+                    <a:lnB algn="ctr" cmpd="sng" cap="flat" w="25400">
                       <a:solidFill>
                         <a:srgbClr val="666666">
                           <a:alpha val="100000"/>
@@ -3079,7 +3079,7 @@
                           <a:ea typeface="Helvetica"/>
                           <a:sym typeface="Helvetica"/>
                         </a:rPr>
-                        <a:t/>
+                        <a:t>12</a:t>
                       </a:r>
                     </a:p>
                   </a:txBody>
@@ -3096,7 +3096,7 @@
                       <a:noFill/>
                       <a:prstDash val="solid"/>
                     </a:lnT>
-                    <a:lnB algn="ctr" cmpd="sng" cap="flat" w="9525">
+                    <a:lnB algn="ctr" cmpd="sng" cap="flat" w="6350">
                       <a:solidFill>
                         <a:srgbClr val="666666">
                           <a:alpha val="100000"/>
@@ -3140,7 +3140,7 @@
                           <a:ea typeface="Helvetica"/>
                           <a:sym typeface="Helvetica"/>
                         </a:rPr>
-                        <a:t>194</a:t>
+                        <a:t>149</a:t>
                       </a:r>
                     </a:p>
                   </a:txBody>
@@ -3157,7 +3157,7 @@
                       <a:noFill/>
                       <a:prstDash val="solid"/>
                     </a:lnT>
-                    <a:lnB algn="ctr" cmpd="sng" cap="flat" w="9525">
+                    <a:lnB algn="ctr" cmpd="sng" cap="flat" w="6350">
                       <a:solidFill>
                         <a:srgbClr val="666666">
                           <a:alpha val="100000"/>
@@ -3201,7 +3201,7 @@
                           <a:ea typeface="Helvetica"/>
                           <a:sym typeface="Helvetica"/>
                         </a:rPr>
-                        <a:t>8.6</a:t>
+                        <a:t>12.6</a:t>
                       </a:r>
                     </a:p>
                   </a:txBody>
@@ -3218,7 +3218,7 @@
                       <a:noFill/>
                       <a:prstDash val="solid"/>
                     </a:lnT>
-                    <a:lnB algn="ctr" cmpd="sng" cap="flat" w="9525">
+                    <a:lnB algn="ctr" cmpd="sng" cap="flat" w="6350">
                       <a:solidFill>
                         <a:srgbClr val="666666">
                           <a:alpha val="100000"/>
@@ -3262,7 +3262,7 @@
                           <a:ea typeface="Helvetica"/>
                           <a:sym typeface="Helvetica"/>
                         </a:rPr>
-                        <a:t>69</a:t>
+                        <a:t>74</a:t>
                       </a:r>
                     </a:p>
                   </a:txBody>
@@ -3279,7 +3279,7 @@
                       <a:noFill/>
                       <a:prstDash val="solid"/>
                     </a:lnT>
-                    <a:lnB algn="ctr" cmpd="sng" cap="flat" w="9525">
+                    <a:lnB algn="ctr" cmpd="sng" cap="flat" w="6350">
                       <a:solidFill>
                         <a:srgbClr val="666666">
                           <a:alpha val="100000"/>
@@ -3340,7 +3340,7 @@
                       <a:noFill/>
                       <a:prstDash val="solid"/>
                     </a:lnT>
-                    <a:lnB algn="ctr" cmpd="sng" cap="flat" w="9525">
+                    <a:lnB algn="ctr" cmpd="sng" cap="flat" w="6350">
                       <a:solidFill>
                         <a:srgbClr val="666666">
                           <a:alpha val="100000"/>
@@ -3384,7 +3384,7 @@
                           <a:ea typeface="Helvetica"/>
                           <a:sym typeface="Helvetica"/>
                         </a:rPr>
-                        <a:t>10</a:t>
+                        <a:t>3</a:t>
                       </a:r>
                     </a:p>
                   </a:txBody>
@@ -3401,7 +3401,7 @@
                       <a:noFill/>
                       <a:prstDash val="solid"/>
                     </a:lnT>
-                    <a:lnB algn="ctr" cmpd="sng" cap="flat" w="9525">
+                    <a:lnB algn="ctr" cmpd="sng" cap="flat" w="6350">
                       <a:solidFill>
                         <a:srgbClr val="666666">
                           <a:alpha val="100000"/>
@@ -3447,28 +3447,28 @@
                           <a:ea typeface="Helvetica"/>
                           <a:sym typeface="Helvetica"/>
                         </a:rPr>
-                        <a:t>8</a:t>
-                      </a:r>
-                    </a:p>
-                  </a:txBody>
-                  <a:tcPr anchor="ctr" marB="63500" marT="63500" marR="0" marL="0">
-                    <a:lnL algn="ctr" cmpd="sng" cap="flat" w="0">
-                      <a:noFill/>
-                      <a:prstDash val="solid"/>
-                    </a:lnL>
-                    <a:lnR algn="ctr" cmpd="sng" cap="flat" w="0">
-                      <a:noFill/>
-                      <a:prstDash val="solid"/>
-                    </a:lnR>
-                    <a:lnT algn="ctr" cmpd="sng" cap="flat" w="9525">
-                      <a:solidFill>
-                        <a:srgbClr val="666666">
-                          <a:alpha val="100000"/>
-                        </a:srgbClr>
-                      </a:solidFill>
-                      <a:prstDash val="solid"/>
-                    </a:lnT>
-                    <a:lnB algn="ctr" cmpd="sng" cap="flat" w="9525">
+                        <a:t>41</a:t>
+                      </a:r>
+                    </a:p>
+                  </a:txBody>
+                  <a:tcPr anchor="ctr" marB="63500" marT="63500" marR="0" marL="0">
+                    <a:lnL algn="ctr" cmpd="sng" cap="flat" w="0">
+                      <a:noFill/>
+                      <a:prstDash val="solid"/>
+                    </a:lnL>
+                    <a:lnR algn="ctr" cmpd="sng" cap="flat" w="0">
+                      <a:noFill/>
+                      <a:prstDash val="solid"/>
+                    </a:lnR>
+                    <a:lnT algn="ctr" cmpd="sng" cap="flat" w="6350">
+                      <a:solidFill>
+                        <a:srgbClr val="666666">
+                          <a:alpha val="100000"/>
+                        </a:srgbClr>
+                      </a:solidFill>
+                      <a:prstDash val="solid"/>
+                    </a:lnT>
+                    <a:lnB algn="ctr" cmpd="sng" cap="flat" w="6350">
                       <a:solidFill>
                         <a:srgbClr val="666666">
                           <a:alpha val="100000"/>
@@ -3512,28 +3512,28 @@
                           <a:ea typeface="Helvetica"/>
                           <a:sym typeface="Helvetica"/>
                         </a:rPr>
-                        <a:t>19</a:t>
-                      </a:r>
-                    </a:p>
-                  </a:txBody>
-                  <a:tcPr anchor="ctr" marB="63500" marT="63500" marR="0" marL="0">
-                    <a:lnL algn="ctr" cmpd="sng" cap="flat" w="0">
-                      <a:noFill/>
-                      <a:prstDash val="solid"/>
-                    </a:lnL>
-                    <a:lnR algn="ctr" cmpd="sng" cap="flat" w="0">
-                      <a:noFill/>
-                      <a:prstDash val="solid"/>
-                    </a:lnR>
-                    <a:lnT algn="ctr" cmpd="sng" cap="flat" w="9525">
-                      <a:solidFill>
-                        <a:srgbClr val="666666">
-                          <a:alpha val="100000"/>
-                        </a:srgbClr>
-                      </a:solidFill>
-                      <a:prstDash val="solid"/>
-                    </a:lnT>
-                    <a:lnB algn="ctr" cmpd="sng" cap="flat" w="9525">
+                        <a:t>190</a:t>
+                      </a:r>
+                    </a:p>
+                  </a:txBody>
+                  <a:tcPr anchor="ctr" marB="63500" marT="63500" marR="0" marL="0">
+                    <a:lnL algn="ctr" cmpd="sng" cap="flat" w="0">
+                      <a:noFill/>
+                      <a:prstDash val="solid"/>
+                    </a:lnL>
+                    <a:lnR algn="ctr" cmpd="sng" cap="flat" w="0">
+                      <a:noFill/>
+                      <a:prstDash val="solid"/>
+                    </a:lnR>
+                    <a:lnT algn="ctr" cmpd="sng" cap="flat" w="6350">
+                      <a:solidFill>
+                        <a:srgbClr val="666666">
+                          <a:alpha val="100000"/>
+                        </a:srgbClr>
+                      </a:solidFill>
+                      <a:prstDash val="solid"/>
+                    </a:lnT>
+                    <a:lnB algn="ctr" cmpd="sng" cap="flat" w="6350">
                       <a:solidFill>
                         <a:srgbClr val="666666">
                           <a:alpha val="100000"/>
@@ -3577,28 +3577,28 @@
                           <a:ea typeface="Helvetica"/>
                           <a:sym typeface="Helvetica"/>
                         </a:rPr>
-                        <a:t>20.1</a:t>
-                      </a:r>
-                    </a:p>
-                  </a:txBody>
-                  <a:tcPr anchor="ctr" marB="63500" marT="63500" marR="0" marL="0">
-                    <a:lnL algn="ctr" cmpd="sng" cap="flat" w="0">
-                      <a:noFill/>
-                      <a:prstDash val="solid"/>
-                    </a:lnL>
-                    <a:lnR algn="ctr" cmpd="sng" cap="flat" w="0">
-                      <a:noFill/>
-                      <a:prstDash val="solid"/>
-                    </a:lnR>
-                    <a:lnT algn="ctr" cmpd="sng" cap="flat" w="9525">
-                      <a:solidFill>
-                        <a:srgbClr val="666666">
-                          <a:alpha val="100000"/>
-                        </a:srgbClr>
-                      </a:solidFill>
-                      <a:prstDash val="solid"/>
-                    </a:lnT>
-                    <a:lnB algn="ctr" cmpd="sng" cap="flat" w="9525">
+                        <a:t>7.4</a:t>
+                      </a:r>
+                    </a:p>
+                  </a:txBody>
+                  <a:tcPr anchor="ctr" marB="63500" marT="63500" marR="0" marL="0">
+                    <a:lnL algn="ctr" cmpd="sng" cap="flat" w="0">
+                      <a:noFill/>
+                      <a:prstDash val="solid"/>
+                    </a:lnL>
+                    <a:lnR algn="ctr" cmpd="sng" cap="flat" w="0">
+                      <a:noFill/>
+                      <a:prstDash val="solid"/>
+                    </a:lnR>
+                    <a:lnT algn="ctr" cmpd="sng" cap="flat" w="6350">
+                      <a:solidFill>
+                        <a:srgbClr val="666666">
+                          <a:alpha val="100000"/>
+                        </a:srgbClr>
+                      </a:solidFill>
+                      <a:prstDash val="solid"/>
+                    </a:lnT>
+                    <a:lnB algn="ctr" cmpd="sng" cap="flat" w="6350">
                       <a:solidFill>
                         <a:srgbClr val="666666">
                           <a:alpha val="100000"/>
@@ -3642,28 +3642,28 @@
                           <a:ea typeface="Helvetica"/>
                           <a:sym typeface="Helvetica"/>
                         </a:rPr>
-                        <a:t>61</a:t>
-                      </a:r>
-                    </a:p>
-                  </a:txBody>
-                  <a:tcPr anchor="ctr" marB="63500" marT="63500" marR="0" marL="0">
-                    <a:lnL algn="ctr" cmpd="sng" cap="flat" w="0">
-                      <a:noFill/>
-                      <a:prstDash val="solid"/>
-                    </a:lnL>
-                    <a:lnR algn="ctr" cmpd="sng" cap="flat" w="0">
-                      <a:noFill/>
-                      <a:prstDash val="solid"/>
-                    </a:lnR>
-                    <a:lnT algn="ctr" cmpd="sng" cap="flat" w="9525">
-                      <a:solidFill>
-                        <a:srgbClr val="666666">
-                          <a:alpha val="100000"/>
-                        </a:srgbClr>
-                      </a:solidFill>
-                      <a:prstDash val="solid"/>
-                    </a:lnT>
-                    <a:lnB algn="ctr" cmpd="sng" cap="flat" w="9525">
+                        <a:t>67</a:t>
+                      </a:r>
+                    </a:p>
+                  </a:txBody>
+                  <a:tcPr anchor="ctr" marB="63500" marT="63500" marR="0" marL="0">
+                    <a:lnL algn="ctr" cmpd="sng" cap="flat" w="0">
+                      <a:noFill/>
+                      <a:prstDash val="solid"/>
+                    </a:lnL>
+                    <a:lnR algn="ctr" cmpd="sng" cap="flat" w="0">
+                      <a:noFill/>
+                      <a:prstDash val="solid"/>
+                    </a:lnR>
+                    <a:lnT algn="ctr" cmpd="sng" cap="flat" w="6350">
+                      <a:solidFill>
+                        <a:srgbClr val="666666">
+                          <a:alpha val="100000"/>
+                        </a:srgbClr>
+                      </a:solidFill>
+                      <a:prstDash val="solid"/>
+                    </a:lnT>
+                    <a:lnB algn="ctr" cmpd="sng" cap="flat" w="6350">
                       <a:solidFill>
                         <a:srgbClr val="666666">
                           <a:alpha val="100000"/>
@@ -3720,15 +3720,15 @@
                       <a:noFill/>
                       <a:prstDash val="solid"/>
                     </a:lnR>
-                    <a:lnT algn="ctr" cmpd="sng" cap="flat" w="9525">
-                      <a:solidFill>
-                        <a:srgbClr val="666666">
-                          <a:alpha val="100000"/>
-                        </a:srgbClr>
-                      </a:solidFill>
-                      <a:prstDash val="solid"/>
-                    </a:lnT>
-                    <a:lnB algn="ctr" cmpd="sng" cap="flat" w="9525">
+                    <a:lnT algn="ctr" cmpd="sng" cap="flat" w="6350">
+                      <a:solidFill>
+                        <a:srgbClr val="666666">
+                          <a:alpha val="100000"/>
+                        </a:srgbClr>
+                      </a:solidFill>
+                      <a:prstDash val="solid"/>
+                    </a:lnT>
+                    <a:lnB algn="ctr" cmpd="sng" cap="flat" w="6350">
                       <a:solidFill>
                         <a:srgbClr val="666666">
                           <a:alpha val="100000"/>
@@ -3772,28 +3772,28 @@
                           <a:ea typeface="Helvetica"/>
                           <a:sym typeface="Helvetica"/>
                         </a:rPr>
-                        <a:t>9</a:t>
-                      </a:r>
-                    </a:p>
-                  </a:txBody>
-                  <a:tcPr anchor="ctr" marB="63500" marT="63500" marR="0" marL="0">
-                    <a:lnL algn="ctr" cmpd="sng" cap="flat" w="0">
-                      <a:noFill/>
-                      <a:prstDash val="solid"/>
-                    </a:lnL>
-                    <a:lnR algn="ctr" cmpd="sng" cap="flat" w="0">
-                      <a:noFill/>
-                      <a:prstDash val="solid"/>
-                    </a:lnR>
-                    <a:lnT algn="ctr" cmpd="sng" cap="flat" w="9525">
-                      <a:solidFill>
-                        <a:srgbClr val="666666">
-                          <a:alpha val="100000"/>
-                        </a:srgbClr>
-                      </a:solidFill>
-                      <a:prstDash val="solid"/>
-                    </a:lnT>
-                    <a:lnB algn="ctr" cmpd="sng" cap="flat" w="9525">
+                        <a:t>1</a:t>
+                      </a:r>
+                    </a:p>
+                  </a:txBody>
+                  <a:tcPr anchor="ctr" marB="63500" marT="63500" marR="0" marL="0">
+                    <a:lnL algn="ctr" cmpd="sng" cap="flat" w="0">
+                      <a:noFill/>
+                      <a:prstDash val="solid"/>
+                    </a:lnL>
+                    <a:lnR algn="ctr" cmpd="sng" cap="flat" w="0">
+                      <a:noFill/>
+                      <a:prstDash val="solid"/>
+                    </a:lnR>
+                    <a:lnT algn="ctr" cmpd="sng" cap="flat" w="6350">
+                      <a:solidFill>
+                        <a:srgbClr val="666666">
+                          <a:alpha val="100000"/>
+                        </a:srgbClr>
+                      </a:solidFill>
+                      <a:prstDash val="solid"/>
+                    </a:lnT>
+                    <a:lnB algn="ctr" cmpd="sng" cap="flat" w="6350">
                       <a:solidFill>
                         <a:srgbClr val="666666">
                           <a:alpha val="100000"/>
@@ -3852,15 +3852,15 @@
                       <a:noFill/>
                       <a:prstDash val="solid"/>
                     </a:lnR>
-                    <a:lnT algn="ctr" cmpd="sng" cap="flat" w="9525">
-                      <a:solidFill>
-                        <a:srgbClr val="666666">
-                          <a:alpha val="100000"/>
-                        </a:srgbClr>
-                      </a:solidFill>
-                      <a:prstDash val="solid"/>
-                    </a:lnT>
-                    <a:lnB algn="ctr" cmpd="sng" cap="flat" w="9525">
+                    <a:lnT algn="ctr" cmpd="sng" cap="flat" w="6350">
+                      <a:solidFill>
+                        <a:srgbClr val="666666">
+                          <a:alpha val="100000"/>
+                        </a:srgbClr>
+                      </a:solidFill>
+                      <a:prstDash val="solid"/>
+                    </a:lnT>
+                    <a:lnB algn="ctr" cmpd="sng" cap="flat" w="6350">
                       <a:solidFill>
                         <a:srgbClr val="666666">
                           <a:alpha val="100000"/>
@@ -3904,28 +3904,28 @@
                           <a:ea typeface="Helvetica"/>
                           <a:sym typeface="Helvetica"/>
                         </a:rPr>
-                        <a:t/>
-                      </a:r>
-                    </a:p>
-                  </a:txBody>
-                  <a:tcPr anchor="ctr" marB="63500" marT="63500" marR="0" marL="0">
-                    <a:lnL algn="ctr" cmpd="sng" cap="flat" w="0">
-                      <a:noFill/>
-                      <a:prstDash val="solid"/>
-                    </a:lnL>
-                    <a:lnR algn="ctr" cmpd="sng" cap="flat" w="0">
-                      <a:noFill/>
-                      <a:prstDash val="solid"/>
-                    </a:lnR>
-                    <a:lnT algn="ctr" cmpd="sng" cap="flat" w="9525">
-                      <a:solidFill>
-                        <a:srgbClr val="666666">
-                          <a:alpha val="100000"/>
-                        </a:srgbClr>
-                      </a:solidFill>
-                      <a:prstDash val="solid"/>
-                    </a:lnT>
-                    <a:lnB algn="ctr" cmpd="sng" cap="flat" w="9525">
+                        <a:t>194</a:t>
+                      </a:r>
+                    </a:p>
+                  </a:txBody>
+                  <a:tcPr anchor="ctr" marB="63500" marT="63500" marR="0" marL="0">
+                    <a:lnL algn="ctr" cmpd="sng" cap="flat" w="0">
+                      <a:noFill/>
+                      <a:prstDash val="solid"/>
+                    </a:lnL>
+                    <a:lnR algn="ctr" cmpd="sng" cap="flat" w="0">
+                      <a:noFill/>
+                      <a:prstDash val="solid"/>
+                    </a:lnR>
+                    <a:lnT algn="ctr" cmpd="sng" cap="flat" w="6350">
+                      <a:solidFill>
+                        <a:srgbClr val="666666">
+                          <a:alpha val="100000"/>
+                        </a:srgbClr>
+                      </a:solidFill>
+                      <a:prstDash val="solid"/>
+                    </a:lnT>
+                    <a:lnB algn="ctr" cmpd="sng" cap="flat" w="6350">
                       <a:solidFill>
                         <a:srgbClr val="666666">
                           <a:alpha val="100000"/>
@@ -3969,28 +3969,28 @@
                           <a:ea typeface="Helvetica"/>
                           <a:sym typeface="Helvetica"/>
                         </a:rPr>
-                        <a:t>14.3</a:t>
-                      </a:r>
-                    </a:p>
-                  </a:txBody>
-                  <a:tcPr anchor="ctr" marB="63500" marT="63500" marR="0" marL="0">
-                    <a:lnL algn="ctr" cmpd="sng" cap="flat" w="0">
-                      <a:noFill/>
-                      <a:prstDash val="solid"/>
-                    </a:lnL>
-                    <a:lnR algn="ctr" cmpd="sng" cap="flat" w="0">
-                      <a:noFill/>
-                      <a:prstDash val="solid"/>
-                    </a:lnR>
-                    <a:lnT algn="ctr" cmpd="sng" cap="flat" w="9525">
-                      <a:solidFill>
-                        <a:srgbClr val="666666">
-                          <a:alpha val="100000"/>
-                        </a:srgbClr>
-                      </a:solidFill>
-                      <a:prstDash val="solid"/>
-                    </a:lnT>
-                    <a:lnB algn="ctr" cmpd="sng" cap="flat" w="9525">
+                        <a:t>8.6</a:t>
+                      </a:r>
+                    </a:p>
+                  </a:txBody>
+                  <a:tcPr anchor="ctr" marB="63500" marT="63500" marR="0" marL="0">
+                    <a:lnL algn="ctr" cmpd="sng" cap="flat" w="0">
+                      <a:noFill/>
+                      <a:prstDash val="solid"/>
+                    </a:lnL>
+                    <a:lnR algn="ctr" cmpd="sng" cap="flat" w="0">
+                      <a:noFill/>
+                      <a:prstDash val="solid"/>
+                    </a:lnR>
+                    <a:lnT algn="ctr" cmpd="sng" cap="flat" w="6350">
+                      <a:solidFill>
+                        <a:srgbClr val="666666">
+                          <a:alpha val="100000"/>
+                        </a:srgbClr>
+                      </a:solidFill>
+                      <a:prstDash val="solid"/>
+                    </a:lnT>
+                    <a:lnB algn="ctr" cmpd="sng" cap="flat" w="6350">
                       <a:solidFill>
                         <a:srgbClr val="666666">
                           <a:alpha val="100000"/>
@@ -4034,28 +4034,28 @@
                           <a:ea typeface="Helvetica"/>
                           <a:sym typeface="Helvetica"/>
                         </a:rPr>
-                        <a:t>56</a:t>
-                      </a:r>
-                    </a:p>
-                  </a:txBody>
-                  <a:tcPr anchor="ctr" marB="63500" marT="63500" marR="0" marL="0">
-                    <a:lnL algn="ctr" cmpd="sng" cap="flat" w="0">
-                      <a:noFill/>
-                      <a:prstDash val="solid"/>
-                    </a:lnL>
-                    <a:lnR algn="ctr" cmpd="sng" cap="flat" w="0">
-                      <a:noFill/>
-                      <a:prstDash val="solid"/>
-                    </a:lnR>
-                    <a:lnT algn="ctr" cmpd="sng" cap="flat" w="9525">
-                      <a:solidFill>
-                        <a:srgbClr val="666666">
-                          <a:alpha val="100000"/>
-                        </a:srgbClr>
-                      </a:solidFill>
-                      <a:prstDash val="solid"/>
-                    </a:lnT>
-                    <a:lnB algn="ctr" cmpd="sng" cap="flat" w="9525">
+                        <a:t>69</a:t>
+                      </a:r>
+                    </a:p>
+                  </a:txBody>
+                  <a:tcPr anchor="ctr" marB="63500" marT="63500" marR="0" marL="0">
+                    <a:lnL algn="ctr" cmpd="sng" cap="flat" w="0">
+                      <a:noFill/>
+                      <a:prstDash val="solid"/>
+                    </a:lnL>
+                    <a:lnR algn="ctr" cmpd="sng" cap="flat" w="0">
+                      <a:noFill/>
+                      <a:prstDash val="solid"/>
+                    </a:lnR>
+                    <a:lnT algn="ctr" cmpd="sng" cap="flat" w="6350">
+                      <a:solidFill>
+                        <a:srgbClr val="666666">
+                          <a:alpha val="100000"/>
+                        </a:srgbClr>
+                      </a:solidFill>
+                      <a:prstDash val="solid"/>
+                    </a:lnT>
+                    <a:lnB algn="ctr" cmpd="sng" cap="flat" w="6350">
                       <a:solidFill>
                         <a:srgbClr val="666666">
                           <a:alpha val="100000"/>
@@ -4112,15 +4112,15 @@
                       <a:noFill/>
                       <a:prstDash val="solid"/>
                     </a:lnR>
-                    <a:lnT algn="ctr" cmpd="sng" cap="flat" w="9525">
-                      <a:solidFill>
-                        <a:srgbClr val="666666">
-                          <a:alpha val="100000"/>
-                        </a:srgbClr>
-                      </a:solidFill>
-                      <a:prstDash val="solid"/>
-                    </a:lnT>
-                    <a:lnB algn="ctr" cmpd="sng" cap="flat" w="9525">
+                    <a:lnT algn="ctr" cmpd="sng" cap="flat" w="6350">
+                      <a:solidFill>
+                        <a:srgbClr val="666666">
+                          <a:alpha val="100000"/>
+                        </a:srgbClr>
+                      </a:solidFill>
+                      <a:prstDash val="solid"/>
+                    </a:lnT>
+                    <a:lnB algn="ctr" cmpd="sng" cap="flat" w="6350">
                       <a:solidFill>
                         <a:srgbClr val="666666">
                           <a:alpha val="100000"/>
@@ -4164,28 +4164,28 @@
                           <a:ea typeface="Helvetica"/>
                           <a:sym typeface="Helvetica"/>
                         </a:rPr>
-                        <a:t>5</a:t>
-                      </a:r>
-                    </a:p>
-                  </a:txBody>
-                  <a:tcPr anchor="ctr" marB="63500" marT="63500" marR="0" marL="0">
-                    <a:lnL algn="ctr" cmpd="sng" cap="flat" w="0">
-                      <a:noFill/>
-                      <a:prstDash val="solid"/>
-                    </a:lnL>
-                    <a:lnR algn="ctr" cmpd="sng" cap="flat" w="0">
-                      <a:noFill/>
-                      <a:prstDash val="solid"/>
-                    </a:lnR>
-                    <a:lnT algn="ctr" cmpd="sng" cap="flat" w="9525">
-                      <a:solidFill>
-                        <a:srgbClr val="666666">
-                          <a:alpha val="100000"/>
-                        </a:srgbClr>
-                      </a:solidFill>
-                      <a:prstDash val="solid"/>
-                    </a:lnT>
-                    <a:lnB algn="ctr" cmpd="sng" cap="flat" w="9525">
+                        <a:t>10</a:t>
+                      </a:r>
+                    </a:p>
+                  </a:txBody>
+                  <a:tcPr anchor="ctr" marB="63500" marT="63500" marR="0" marL="0">
+                    <a:lnL algn="ctr" cmpd="sng" cap="flat" w="0">
+                      <a:noFill/>
+                      <a:prstDash val="solid"/>
+                    </a:lnL>
+                    <a:lnR algn="ctr" cmpd="sng" cap="flat" w="0">
+                      <a:noFill/>
+                      <a:prstDash val="solid"/>
+                    </a:lnR>
+                    <a:lnT algn="ctr" cmpd="sng" cap="flat" w="6350">
+                      <a:solidFill>
+                        <a:srgbClr val="666666">
+                          <a:alpha val="100000"/>
+                        </a:srgbClr>
+                      </a:solidFill>
+                      <a:prstDash val="solid"/>
+                    </a:lnT>
+                    <a:lnB algn="ctr" cmpd="sng" cap="flat" w="6350">
                       <a:solidFill>
                         <a:srgbClr val="666666">
                           <a:alpha val="100000"/>
@@ -4231,28 +4231,28 @@
                           <a:ea typeface="Helvetica"/>
                           <a:sym typeface="Helvetica"/>
                         </a:rPr>
-                        <a:t>36</a:t>
-                      </a:r>
-                    </a:p>
-                  </a:txBody>
-                  <a:tcPr anchor="ctr" marB="63500" marT="63500" marR="0" marL="0">
-                    <a:lnL algn="ctr" cmpd="sng" cap="flat" w="0">
-                      <a:noFill/>
-                      <a:prstDash val="solid"/>
-                    </a:lnL>
-                    <a:lnR algn="ctr" cmpd="sng" cap="flat" w="0">
-                      <a:noFill/>
-                      <a:prstDash val="solid"/>
-                    </a:lnR>
-                    <a:lnT algn="ctr" cmpd="sng" cap="flat" w="9525">
-                      <a:solidFill>
-                        <a:srgbClr val="666666">
-                          <a:alpha val="100000"/>
-                        </a:srgbClr>
-                      </a:solidFill>
-                      <a:prstDash val="solid"/>
-                    </a:lnT>
-                    <a:lnB algn="ctr" cmpd="sng" cap="flat" w="9525">
+                        <a:t>23</a:t>
+                      </a:r>
+                    </a:p>
+                  </a:txBody>
+                  <a:tcPr anchor="ctr" marB="63500" marT="63500" marR="0" marL="0">
+                    <a:lnL algn="ctr" cmpd="sng" cap="flat" w="0">
+                      <a:noFill/>
+                      <a:prstDash val="solid"/>
+                    </a:lnL>
+                    <a:lnR algn="ctr" cmpd="sng" cap="flat" w="0">
+                      <a:noFill/>
+                      <a:prstDash val="solid"/>
+                    </a:lnR>
+                    <a:lnT algn="ctr" cmpd="sng" cap="flat" w="6350">
+                      <a:solidFill>
+                        <a:srgbClr val="666666">
+                          <a:alpha val="100000"/>
+                        </a:srgbClr>
+                      </a:solidFill>
+                      <a:prstDash val="solid"/>
+                    </a:lnT>
+                    <a:lnB algn="ctr" cmpd="sng" cap="flat" w="6350">
                       <a:solidFill>
                         <a:srgbClr val="666666">
                           <a:alpha val="100000"/>
@@ -4296,28 +4296,28 @@
                           <a:ea typeface="Helvetica"/>
                           <a:sym typeface="Helvetica"/>
                         </a:rPr>
-                        <a:t>118</a:t>
-                      </a:r>
-                    </a:p>
-                  </a:txBody>
-                  <a:tcPr anchor="ctr" marB="63500" marT="63500" marR="0" marL="0">
-                    <a:lnL algn="ctr" cmpd="sng" cap="flat" w="0">
-                      <a:noFill/>
-                      <a:prstDash val="solid"/>
-                    </a:lnL>
-                    <a:lnR algn="ctr" cmpd="sng" cap="flat" w="0">
-                      <a:noFill/>
-                      <a:prstDash val="solid"/>
-                    </a:lnR>
-                    <a:lnT algn="ctr" cmpd="sng" cap="flat" w="9525">
-                      <a:solidFill>
-                        <a:srgbClr val="666666">
-                          <a:alpha val="100000"/>
-                        </a:srgbClr>
-                      </a:solidFill>
-                      <a:prstDash val="solid"/>
-                    </a:lnT>
-                    <a:lnB algn="ctr" cmpd="sng" cap="flat" w="9525">
+                        <a:t>299</a:t>
+                      </a:r>
+                    </a:p>
+                  </a:txBody>
+                  <a:tcPr anchor="ctr" marB="63500" marT="63500" marR="0" marL="0">
+                    <a:lnL algn="ctr" cmpd="sng" cap="flat" w="0">
+                      <a:noFill/>
+                      <a:prstDash val="solid"/>
+                    </a:lnL>
+                    <a:lnR algn="ctr" cmpd="sng" cap="flat" w="0">
+                      <a:noFill/>
+                      <a:prstDash val="solid"/>
+                    </a:lnR>
+                    <a:lnT algn="ctr" cmpd="sng" cap="flat" w="6350">
+                      <a:solidFill>
+                        <a:srgbClr val="666666">
+                          <a:alpha val="100000"/>
+                        </a:srgbClr>
+                      </a:solidFill>
+                      <a:prstDash val="solid"/>
+                    </a:lnT>
+                    <a:lnB algn="ctr" cmpd="sng" cap="flat" w="6350">
                       <a:solidFill>
                         <a:srgbClr val="666666">
                           <a:alpha val="100000"/>
@@ -4361,28 +4361,28 @@
                           <a:ea typeface="Helvetica"/>
                           <a:sym typeface="Helvetica"/>
                         </a:rPr>
-                        <a:t>8.0</a:t>
-                      </a:r>
-                    </a:p>
-                  </a:txBody>
-                  <a:tcPr anchor="ctr" marB="63500" marT="63500" marR="0" marL="0">
-                    <a:lnL algn="ctr" cmpd="sng" cap="flat" w="0">
-                      <a:noFill/>
-                      <a:prstDash val="solid"/>
-                    </a:lnL>
-                    <a:lnR algn="ctr" cmpd="sng" cap="flat" w="0">
-                      <a:noFill/>
-                      <a:prstDash val="solid"/>
-                    </a:lnR>
-                    <a:lnT algn="ctr" cmpd="sng" cap="flat" w="9525">
-                      <a:solidFill>
-                        <a:srgbClr val="666666">
-                          <a:alpha val="100000"/>
-                        </a:srgbClr>
-                      </a:solidFill>
-                      <a:prstDash val="solid"/>
-                    </a:lnT>
-                    <a:lnB algn="ctr" cmpd="sng" cap="flat" w="9525">
+                        <a:t>8.6</a:t>
+                      </a:r>
+                    </a:p>
+                  </a:txBody>
+                  <a:tcPr anchor="ctr" marB="63500" marT="63500" marR="0" marL="0">
+                    <a:lnL algn="ctr" cmpd="sng" cap="flat" w="0">
+                      <a:noFill/>
+                      <a:prstDash val="solid"/>
+                    </a:lnL>
+                    <a:lnR algn="ctr" cmpd="sng" cap="flat" w="0">
+                      <a:noFill/>
+                      <a:prstDash val="solid"/>
+                    </a:lnR>
+                    <a:lnT algn="ctr" cmpd="sng" cap="flat" w="6350">
+                      <a:solidFill>
+                        <a:srgbClr val="666666">
+                          <a:alpha val="100000"/>
+                        </a:srgbClr>
+                      </a:solidFill>
+                      <a:prstDash val="solid"/>
+                    </a:lnT>
+                    <a:lnB algn="ctr" cmpd="sng" cap="flat" w="6350">
                       <a:solidFill>
                         <a:srgbClr val="666666">
                           <a:alpha val="100000"/>
@@ -4426,28 +4426,28 @@
                           <a:ea typeface="Helvetica"/>
                           <a:sym typeface="Helvetica"/>
                         </a:rPr>
-                        <a:t>72</a:t>
-                      </a:r>
-                    </a:p>
-                  </a:txBody>
-                  <a:tcPr anchor="ctr" marB="63500" marT="63500" marR="0" marL="0">
-                    <a:lnL algn="ctr" cmpd="sng" cap="flat" w="0">
-                      <a:noFill/>
-                      <a:prstDash val="solid"/>
-                    </a:lnL>
-                    <a:lnR algn="ctr" cmpd="sng" cap="flat" w="0">
-                      <a:noFill/>
-                      <a:prstDash val="solid"/>
-                    </a:lnR>
-                    <a:lnT algn="ctr" cmpd="sng" cap="flat" w="9525">
-                      <a:solidFill>
-                        <a:srgbClr val="666666">
-                          <a:alpha val="100000"/>
-                        </a:srgbClr>
-                      </a:solidFill>
-                      <a:prstDash val="solid"/>
-                    </a:lnT>
-                    <a:lnB algn="ctr" cmpd="sng" cap="flat" w="9525">
+                        <a:t>65</a:t>
+                      </a:r>
+                    </a:p>
+                  </a:txBody>
+                  <a:tcPr anchor="ctr" marB="63500" marT="63500" marR="0" marL="0">
+                    <a:lnL algn="ctr" cmpd="sng" cap="flat" w="0">
+                      <a:noFill/>
+                      <a:prstDash val="solid"/>
+                    </a:lnL>
+                    <a:lnR algn="ctr" cmpd="sng" cap="flat" w="0">
+                      <a:noFill/>
+                      <a:prstDash val="solid"/>
+                    </a:lnR>
+                    <a:lnT algn="ctr" cmpd="sng" cap="flat" w="6350">
+                      <a:solidFill>
+                        <a:srgbClr val="666666">
+                          <a:alpha val="100000"/>
+                        </a:srgbClr>
+                      </a:solidFill>
+                      <a:prstDash val="solid"/>
+                    </a:lnT>
+                    <a:lnB algn="ctr" cmpd="sng" cap="flat" w="6350">
                       <a:solidFill>
                         <a:srgbClr val="666666">
                           <a:alpha val="100000"/>
@@ -4504,15 +4504,15 @@
                       <a:noFill/>
                       <a:prstDash val="solid"/>
                     </a:lnR>
-                    <a:lnT algn="ctr" cmpd="sng" cap="flat" w="9525">
-                      <a:solidFill>
-                        <a:srgbClr val="666666">
-                          <a:alpha val="100000"/>
-                        </a:srgbClr>
-                      </a:solidFill>
-                      <a:prstDash val="solid"/>
-                    </a:lnT>
-                    <a:lnB algn="ctr" cmpd="sng" cap="flat" w="9525">
+                    <a:lnT algn="ctr" cmpd="sng" cap="flat" w="6350">
+                      <a:solidFill>
+                        <a:srgbClr val="666666">
+                          <a:alpha val="100000"/>
+                        </a:srgbClr>
+                      </a:solidFill>
+                      <a:prstDash val="solid"/>
+                    </a:lnT>
+                    <a:lnB algn="ctr" cmpd="sng" cap="flat" w="6350">
                       <a:solidFill>
                         <a:srgbClr val="666666">
                           <a:alpha val="100000"/>
@@ -4556,28 +4556,28 @@
                           <a:ea typeface="Helvetica"/>
                           <a:sym typeface="Helvetica"/>
                         </a:rPr>
-                        <a:t>2</a:t>
-                      </a:r>
-                    </a:p>
-                  </a:txBody>
-                  <a:tcPr anchor="ctr" marB="63500" marT="63500" marR="0" marL="0">
-                    <a:lnL algn="ctr" cmpd="sng" cap="flat" w="0">
-                      <a:noFill/>
-                      <a:prstDash val="solid"/>
-                    </a:lnL>
-                    <a:lnR algn="ctr" cmpd="sng" cap="flat" w="0">
-                      <a:noFill/>
-                      <a:prstDash val="solid"/>
-                    </a:lnR>
-                    <a:lnT algn="ctr" cmpd="sng" cap="flat" w="9525">
-                      <a:solidFill>
-                        <a:srgbClr val="666666">
-                          <a:alpha val="100000"/>
-                        </a:srgbClr>
-                      </a:solidFill>
-                      <a:prstDash val="solid"/>
-                    </a:lnT>
-                    <a:lnB algn="ctr" cmpd="sng" cap="flat" w="9525">
+                        <a:t>7</a:t>
+                      </a:r>
+                    </a:p>
+                  </a:txBody>
+                  <a:tcPr anchor="ctr" marB="63500" marT="63500" marR="0" marL="0">
+                    <a:lnL algn="ctr" cmpd="sng" cap="flat" w="0">
+                      <a:noFill/>
+                      <a:prstDash val="solid"/>
+                    </a:lnL>
+                    <a:lnR algn="ctr" cmpd="sng" cap="flat" w="0">
+                      <a:noFill/>
+                      <a:prstDash val="solid"/>
+                    </a:lnR>
+                    <a:lnT algn="ctr" cmpd="sng" cap="flat" w="6350">
+                      <a:solidFill>
+                        <a:srgbClr val="666666">
+                          <a:alpha val="100000"/>
+                        </a:srgbClr>
+                      </a:solidFill>
+                      <a:prstDash val="solid"/>
+                    </a:lnT>
+                    <a:lnB algn="ctr" cmpd="sng" cap="flat" w="6350">
                       <a:solidFill>
                         <a:srgbClr val="666666">
                           <a:alpha val="100000"/>
@@ -4623,28 +4623,28 @@
                           <a:ea typeface="Helvetica"/>
                           <a:sym typeface="Helvetica"/>
                         </a:rPr>
-                        <a:t>41</a:t>
-                      </a:r>
-                    </a:p>
-                  </a:txBody>
-                  <a:tcPr anchor="ctr" marB="63500" marT="63500" marR="0" marL="0">
-                    <a:lnL algn="ctr" cmpd="sng" cap="flat" w="0">
-                      <a:noFill/>
-                      <a:prstDash val="solid"/>
-                    </a:lnL>
-                    <a:lnR algn="ctr" cmpd="sng" cap="flat" w="0">
-                      <a:noFill/>
-                      <a:prstDash val="solid"/>
-                    </a:lnR>
-                    <a:lnT algn="ctr" cmpd="sng" cap="flat" w="9525">
-                      <a:solidFill>
-                        <a:srgbClr val="666666">
-                          <a:alpha val="100000"/>
-                        </a:srgbClr>
-                      </a:solidFill>
-                      <a:prstDash val="solid"/>
-                    </a:lnT>
-                    <a:lnB algn="ctr" cmpd="sng" cap="flat" w="9525">
+                        <a:t>8</a:t>
+                      </a:r>
+                    </a:p>
+                  </a:txBody>
+                  <a:tcPr anchor="ctr" marB="63500" marT="63500" marR="0" marL="0">
+                    <a:lnL algn="ctr" cmpd="sng" cap="flat" w="0">
+                      <a:noFill/>
+                      <a:prstDash val="solid"/>
+                    </a:lnL>
+                    <a:lnR algn="ctr" cmpd="sng" cap="flat" w="0">
+                      <a:noFill/>
+                      <a:prstDash val="solid"/>
+                    </a:lnR>
+                    <a:lnT algn="ctr" cmpd="sng" cap="flat" w="6350">
+                      <a:solidFill>
+                        <a:srgbClr val="666666">
+                          <a:alpha val="100000"/>
+                        </a:srgbClr>
+                      </a:solidFill>
+                      <a:prstDash val="solid"/>
+                    </a:lnT>
+                    <a:lnB algn="ctr" cmpd="sng" cap="flat" w="6350">
                       <a:solidFill>
                         <a:srgbClr val="666666">
                           <a:alpha val="100000"/>
@@ -4688,28 +4688,28 @@
                           <a:ea typeface="Helvetica"/>
                           <a:sym typeface="Helvetica"/>
                         </a:rPr>
-                        <a:t>190</a:t>
-                      </a:r>
-                    </a:p>
-                  </a:txBody>
-                  <a:tcPr anchor="ctr" marB="63500" marT="63500" marR="0" marL="0">
-                    <a:lnL algn="ctr" cmpd="sng" cap="flat" w="0">
-                      <a:noFill/>
-                      <a:prstDash val="solid"/>
-                    </a:lnL>
-                    <a:lnR algn="ctr" cmpd="sng" cap="flat" w="0">
-                      <a:noFill/>
-                      <a:prstDash val="solid"/>
-                    </a:lnR>
-                    <a:lnT algn="ctr" cmpd="sng" cap="flat" w="9525">
-                      <a:solidFill>
-                        <a:srgbClr val="666666">
-                          <a:alpha val="100000"/>
-                        </a:srgbClr>
-                      </a:solidFill>
-                      <a:prstDash val="solid"/>
-                    </a:lnT>
-                    <a:lnB algn="ctr" cmpd="sng" cap="flat" w="9525">
+                        <a:t>19</a:t>
+                      </a:r>
+                    </a:p>
+                  </a:txBody>
+                  <a:tcPr anchor="ctr" marB="63500" marT="63500" marR="0" marL="0">
+                    <a:lnL algn="ctr" cmpd="sng" cap="flat" w="0">
+                      <a:noFill/>
+                      <a:prstDash val="solid"/>
+                    </a:lnL>
+                    <a:lnR algn="ctr" cmpd="sng" cap="flat" w="0">
+                      <a:noFill/>
+                      <a:prstDash val="solid"/>
+                    </a:lnR>
+                    <a:lnT algn="ctr" cmpd="sng" cap="flat" w="6350">
+                      <a:solidFill>
+                        <a:srgbClr val="666666">
+                          <a:alpha val="100000"/>
+                        </a:srgbClr>
+                      </a:solidFill>
+                      <a:prstDash val="solid"/>
+                    </a:lnT>
+                    <a:lnB algn="ctr" cmpd="sng" cap="flat" w="6350">
                       <a:solidFill>
                         <a:srgbClr val="666666">
                           <a:alpha val="100000"/>
@@ -4753,28 +4753,28 @@
                           <a:ea typeface="Helvetica"/>
                           <a:sym typeface="Helvetica"/>
                         </a:rPr>
-                        <a:t>7.4</a:t>
-                      </a:r>
-                    </a:p>
-                  </a:txBody>
-                  <a:tcPr anchor="ctr" marB="63500" marT="63500" marR="0" marL="0">
-                    <a:lnL algn="ctr" cmpd="sng" cap="flat" w="0">
-                      <a:noFill/>
-                      <a:prstDash val="solid"/>
-                    </a:lnL>
-                    <a:lnR algn="ctr" cmpd="sng" cap="flat" w="0">
-                      <a:noFill/>
-                      <a:prstDash val="solid"/>
-                    </a:lnR>
-                    <a:lnT algn="ctr" cmpd="sng" cap="flat" w="9525">
-                      <a:solidFill>
-                        <a:srgbClr val="666666">
-                          <a:alpha val="100000"/>
-                        </a:srgbClr>
-                      </a:solidFill>
-                      <a:prstDash val="solid"/>
-                    </a:lnT>
-                    <a:lnB algn="ctr" cmpd="sng" cap="flat" w="9525">
+                        <a:t>20.1</a:t>
+                      </a:r>
+                    </a:p>
+                  </a:txBody>
+                  <a:tcPr anchor="ctr" marB="63500" marT="63500" marR="0" marL="0">
+                    <a:lnL algn="ctr" cmpd="sng" cap="flat" w="0">
+                      <a:noFill/>
+                      <a:prstDash val="solid"/>
+                    </a:lnL>
+                    <a:lnR algn="ctr" cmpd="sng" cap="flat" w="0">
+                      <a:noFill/>
+                      <a:prstDash val="solid"/>
+                    </a:lnR>
+                    <a:lnT algn="ctr" cmpd="sng" cap="flat" w="6350">
+                      <a:solidFill>
+                        <a:srgbClr val="666666">
+                          <a:alpha val="100000"/>
+                        </a:srgbClr>
+                      </a:solidFill>
+                      <a:prstDash val="solid"/>
+                    </a:lnT>
+                    <a:lnB algn="ctr" cmpd="sng" cap="flat" w="6350">
                       <a:solidFill>
                         <a:srgbClr val="666666">
                           <a:alpha val="100000"/>
@@ -4818,28 +4818,28 @@
                           <a:ea typeface="Helvetica"/>
                           <a:sym typeface="Helvetica"/>
                         </a:rPr>
-                        <a:t>67</a:t>
-                      </a:r>
-                    </a:p>
-                  </a:txBody>
-                  <a:tcPr anchor="ctr" marB="63500" marT="63500" marR="0" marL="0">
-                    <a:lnL algn="ctr" cmpd="sng" cap="flat" w="0">
-                      <a:noFill/>
-                      <a:prstDash val="solid"/>
-                    </a:lnL>
-                    <a:lnR algn="ctr" cmpd="sng" cap="flat" w="0">
-                      <a:noFill/>
-                      <a:prstDash val="solid"/>
-                    </a:lnR>
-                    <a:lnT algn="ctr" cmpd="sng" cap="flat" w="9525">
-                      <a:solidFill>
-                        <a:srgbClr val="666666">
-                          <a:alpha val="100000"/>
-                        </a:srgbClr>
-                      </a:solidFill>
-                      <a:prstDash val="solid"/>
-                    </a:lnT>
-                    <a:lnB algn="ctr" cmpd="sng" cap="flat" w="9525">
+                        <a:t>61</a:t>
+                      </a:r>
+                    </a:p>
+                  </a:txBody>
+                  <a:tcPr anchor="ctr" marB="63500" marT="63500" marR="0" marL="0">
+                    <a:lnL algn="ctr" cmpd="sng" cap="flat" w="0">
+                      <a:noFill/>
+                      <a:prstDash val="solid"/>
+                    </a:lnL>
+                    <a:lnR algn="ctr" cmpd="sng" cap="flat" w="0">
+                      <a:noFill/>
+                      <a:prstDash val="solid"/>
+                    </a:lnR>
+                    <a:lnT algn="ctr" cmpd="sng" cap="flat" w="6350">
+                      <a:solidFill>
+                        <a:srgbClr val="666666">
+                          <a:alpha val="100000"/>
+                        </a:srgbClr>
+                      </a:solidFill>
+                      <a:prstDash val="solid"/>
+                    </a:lnT>
+                    <a:lnB algn="ctr" cmpd="sng" cap="flat" w="6350">
                       <a:solidFill>
                         <a:srgbClr val="666666">
                           <a:alpha val="100000"/>
@@ -4896,15 +4896,15 @@
                       <a:noFill/>
                       <a:prstDash val="solid"/>
                     </a:lnR>
-                    <a:lnT algn="ctr" cmpd="sng" cap="flat" w="9525">
-                      <a:solidFill>
-                        <a:srgbClr val="666666">
-                          <a:alpha val="100000"/>
-                        </a:srgbClr>
-                      </a:solidFill>
-                      <a:prstDash val="solid"/>
-                    </a:lnT>
-                    <a:lnB algn="ctr" cmpd="sng" cap="flat" w="9525">
+                    <a:lnT algn="ctr" cmpd="sng" cap="flat" w="6350">
+                      <a:solidFill>
+                        <a:srgbClr val="666666">
+                          <a:alpha val="100000"/>
+                        </a:srgbClr>
+                      </a:solidFill>
+                      <a:prstDash val="solid"/>
+                    </a:lnT>
+                    <a:lnB algn="ctr" cmpd="sng" cap="flat" w="6350">
                       <a:solidFill>
                         <a:srgbClr val="666666">
                           <a:alpha val="100000"/>
@@ -4948,28 +4948,28 @@
                           <a:ea typeface="Helvetica"/>
                           <a:sym typeface="Helvetica"/>
                         </a:rPr>
-                        <a:t>1</a:t>
-                      </a:r>
-                    </a:p>
-                  </a:txBody>
-                  <a:tcPr anchor="ctr" marB="63500" marT="63500" marR="0" marL="0">
-                    <a:lnL algn="ctr" cmpd="sng" cap="flat" w="0">
-                      <a:noFill/>
-                      <a:prstDash val="solid"/>
-                    </a:lnL>
-                    <a:lnR algn="ctr" cmpd="sng" cap="flat" w="0">
-                      <a:noFill/>
-                      <a:prstDash val="solid"/>
-                    </a:lnR>
-                    <a:lnT algn="ctr" cmpd="sng" cap="flat" w="9525">
-                      <a:solidFill>
-                        <a:srgbClr val="666666">
-                          <a:alpha val="100000"/>
-                        </a:srgbClr>
-                      </a:solidFill>
-                      <a:prstDash val="solid"/>
-                    </a:lnT>
-                    <a:lnB algn="ctr" cmpd="sng" cap="flat" w="9525">
+                        <a:t>9</a:t>
+                      </a:r>
+                    </a:p>
+                  </a:txBody>
+                  <a:tcPr anchor="ctr" marB="63500" marT="63500" marR="0" marL="0">
+                    <a:lnL algn="ctr" cmpd="sng" cap="flat" w="0">
+                      <a:noFill/>
+                      <a:prstDash val="solid"/>
+                    </a:lnL>
+                    <a:lnR algn="ctr" cmpd="sng" cap="flat" w="0">
+                      <a:noFill/>
+                      <a:prstDash val="solid"/>
+                    </a:lnR>
+                    <a:lnT algn="ctr" cmpd="sng" cap="flat" w="6350">
+                      <a:solidFill>
+                        <a:srgbClr val="666666">
+                          <a:alpha val="100000"/>
+                        </a:srgbClr>
+                      </a:solidFill>
+                      <a:prstDash val="solid"/>
+                    </a:lnT>
+                    <a:lnB algn="ctr" cmpd="sng" cap="flat" w="6350">
                       <a:solidFill>
                         <a:srgbClr val="666666">
                           <a:alpha val="100000"/>
@@ -5015,28 +5015,28 @@
                           <a:ea typeface="Helvetica"/>
                           <a:sym typeface="Helvetica"/>
                         </a:rPr>
-                        <a:t>12</a:t>
-                      </a:r>
-                    </a:p>
-                  </a:txBody>
-                  <a:tcPr anchor="ctr" marB="63500" marT="63500" marR="0" marL="0">
-                    <a:lnL algn="ctr" cmpd="sng" cap="flat" w="0">
-                      <a:noFill/>
-                      <a:prstDash val="solid"/>
-                    </a:lnL>
-                    <a:lnR algn="ctr" cmpd="sng" cap="flat" w="0">
-                      <a:noFill/>
-                      <a:prstDash val="solid"/>
-                    </a:lnR>
-                    <a:lnT algn="ctr" cmpd="sng" cap="flat" w="9525">
-                      <a:solidFill>
-                        <a:srgbClr val="666666">
-                          <a:alpha val="100000"/>
-                        </a:srgbClr>
-                      </a:solidFill>
-                      <a:prstDash val="solid"/>
-                    </a:lnT>
-                    <a:lnB algn="ctr" cmpd="sng" cap="flat" w="9525">
+                        <a:t/>
+                      </a:r>
+                    </a:p>
+                  </a:txBody>
+                  <a:tcPr anchor="ctr" marB="63500" marT="63500" marR="0" marL="0">
+                    <a:lnL algn="ctr" cmpd="sng" cap="flat" w="0">
+                      <a:noFill/>
+                      <a:prstDash val="solid"/>
+                    </a:lnL>
+                    <a:lnR algn="ctr" cmpd="sng" cap="flat" w="0">
+                      <a:noFill/>
+                      <a:prstDash val="solid"/>
+                    </a:lnR>
+                    <a:lnT algn="ctr" cmpd="sng" cap="flat" w="6350">
+                      <a:solidFill>
+                        <a:srgbClr val="666666">
+                          <a:alpha val="100000"/>
+                        </a:srgbClr>
+                      </a:solidFill>
+                      <a:prstDash val="solid"/>
+                    </a:lnT>
+                    <a:lnB algn="ctr" cmpd="sng" cap="flat" w="6350">
                       <a:solidFill>
                         <a:srgbClr val="666666">
                           <a:alpha val="100000"/>
@@ -5080,28 +5080,28 @@
                           <a:ea typeface="Helvetica"/>
                           <a:sym typeface="Helvetica"/>
                         </a:rPr>
-                        <a:t>149</a:t>
-                      </a:r>
-                    </a:p>
-                  </a:txBody>
-                  <a:tcPr anchor="ctr" marB="63500" marT="63500" marR="0" marL="0">
-                    <a:lnL algn="ctr" cmpd="sng" cap="flat" w="0">
-                      <a:noFill/>
-                      <a:prstDash val="solid"/>
-                    </a:lnL>
-                    <a:lnR algn="ctr" cmpd="sng" cap="flat" w="0">
-                      <a:noFill/>
-                      <a:prstDash val="solid"/>
-                    </a:lnR>
-                    <a:lnT algn="ctr" cmpd="sng" cap="flat" w="9525">
-                      <a:solidFill>
-                        <a:srgbClr val="666666">
-                          <a:alpha val="100000"/>
-                        </a:srgbClr>
-                      </a:solidFill>
-                      <a:prstDash val="solid"/>
-                    </a:lnT>
-                    <a:lnB algn="ctr" cmpd="sng" cap="flat" w="9525">
+                        <a:t/>
+                      </a:r>
+                    </a:p>
+                  </a:txBody>
+                  <a:tcPr anchor="ctr" marB="63500" marT="63500" marR="0" marL="0">
+                    <a:lnL algn="ctr" cmpd="sng" cap="flat" w="0">
+                      <a:noFill/>
+                      <a:prstDash val="solid"/>
+                    </a:lnL>
+                    <a:lnR algn="ctr" cmpd="sng" cap="flat" w="0">
+                      <a:noFill/>
+                      <a:prstDash val="solid"/>
+                    </a:lnR>
+                    <a:lnT algn="ctr" cmpd="sng" cap="flat" w="6350">
+                      <a:solidFill>
+                        <a:srgbClr val="666666">
+                          <a:alpha val="100000"/>
+                        </a:srgbClr>
+                      </a:solidFill>
+                      <a:prstDash val="solid"/>
+                    </a:lnT>
+                    <a:lnB algn="ctr" cmpd="sng" cap="flat" w="6350">
                       <a:solidFill>
                         <a:srgbClr val="666666">
                           <a:alpha val="100000"/>
@@ -5145,28 +5145,28 @@
                           <a:ea typeface="Helvetica"/>
                           <a:sym typeface="Helvetica"/>
                         </a:rPr>
-                        <a:t>12.6</a:t>
-                      </a:r>
-                    </a:p>
-                  </a:txBody>
-                  <a:tcPr anchor="ctr" marB="63500" marT="63500" marR="0" marL="0">
-                    <a:lnL algn="ctr" cmpd="sng" cap="flat" w="0">
-                      <a:noFill/>
-                      <a:prstDash val="solid"/>
-                    </a:lnL>
-                    <a:lnR algn="ctr" cmpd="sng" cap="flat" w="0">
-                      <a:noFill/>
-                      <a:prstDash val="solid"/>
-                    </a:lnR>
-                    <a:lnT algn="ctr" cmpd="sng" cap="flat" w="9525">
-                      <a:solidFill>
-                        <a:srgbClr val="666666">
-                          <a:alpha val="100000"/>
-                        </a:srgbClr>
-                      </a:solidFill>
-                      <a:prstDash val="solid"/>
-                    </a:lnT>
-                    <a:lnB algn="ctr" cmpd="sng" cap="flat" w="9525">
+                        <a:t>14.3</a:t>
+                      </a:r>
+                    </a:p>
+                  </a:txBody>
+                  <a:tcPr anchor="ctr" marB="63500" marT="63500" marR="0" marL="0">
+                    <a:lnL algn="ctr" cmpd="sng" cap="flat" w="0">
+                      <a:noFill/>
+                      <a:prstDash val="solid"/>
+                    </a:lnL>
+                    <a:lnR algn="ctr" cmpd="sng" cap="flat" w="0">
+                      <a:noFill/>
+                      <a:prstDash val="solid"/>
+                    </a:lnR>
+                    <a:lnT algn="ctr" cmpd="sng" cap="flat" w="6350">
+                      <a:solidFill>
+                        <a:srgbClr val="666666">
+                          <a:alpha val="100000"/>
+                        </a:srgbClr>
+                      </a:solidFill>
+                      <a:prstDash val="solid"/>
+                    </a:lnT>
+                    <a:lnB algn="ctr" cmpd="sng" cap="flat" w="6350">
                       <a:solidFill>
                         <a:srgbClr val="666666">
                           <a:alpha val="100000"/>
@@ -5210,28 +5210,28 @@
                           <a:ea typeface="Helvetica"/>
                           <a:sym typeface="Helvetica"/>
                         </a:rPr>
-                        <a:t>74</a:t>
-                      </a:r>
-                    </a:p>
-                  </a:txBody>
-                  <a:tcPr anchor="ctr" marB="63500" marT="63500" marR="0" marL="0">
-                    <a:lnL algn="ctr" cmpd="sng" cap="flat" w="0">
-                      <a:noFill/>
-                      <a:prstDash val="solid"/>
-                    </a:lnL>
-                    <a:lnR algn="ctr" cmpd="sng" cap="flat" w="0">
-                      <a:noFill/>
-                      <a:prstDash val="solid"/>
-                    </a:lnR>
-                    <a:lnT algn="ctr" cmpd="sng" cap="flat" w="9525">
-                      <a:solidFill>
-                        <a:srgbClr val="666666">
-                          <a:alpha val="100000"/>
-                        </a:srgbClr>
-                      </a:solidFill>
-                      <a:prstDash val="solid"/>
-                    </a:lnT>
-                    <a:lnB algn="ctr" cmpd="sng" cap="flat" w="9525">
+                        <a:t>56</a:t>
+                      </a:r>
+                    </a:p>
+                  </a:txBody>
+                  <a:tcPr anchor="ctr" marB="63500" marT="63500" marR="0" marL="0">
+                    <a:lnL algn="ctr" cmpd="sng" cap="flat" w="0">
+                      <a:noFill/>
+                      <a:prstDash val="solid"/>
+                    </a:lnL>
+                    <a:lnR algn="ctr" cmpd="sng" cap="flat" w="0">
+                      <a:noFill/>
+                      <a:prstDash val="solid"/>
+                    </a:lnR>
+                    <a:lnT algn="ctr" cmpd="sng" cap="flat" w="6350">
+                      <a:solidFill>
+                        <a:srgbClr val="666666">
+                          <a:alpha val="100000"/>
+                        </a:srgbClr>
+                      </a:solidFill>
+                      <a:prstDash val="solid"/>
+                    </a:lnT>
+                    <a:lnB algn="ctr" cmpd="sng" cap="flat" w="6350">
                       <a:solidFill>
                         <a:srgbClr val="666666">
                           <a:alpha val="100000"/>
@@ -5288,15 +5288,15 @@
                       <a:noFill/>
                       <a:prstDash val="solid"/>
                     </a:lnR>
-                    <a:lnT algn="ctr" cmpd="sng" cap="flat" w="9525">
-                      <a:solidFill>
-                        <a:srgbClr val="666666">
-                          <a:alpha val="100000"/>
-                        </a:srgbClr>
-                      </a:solidFill>
-                      <a:prstDash val="solid"/>
-                    </a:lnT>
-                    <a:lnB algn="ctr" cmpd="sng" cap="flat" w="9525">
+                    <a:lnT algn="ctr" cmpd="sng" cap="flat" w="6350">
+                      <a:solidFill>
+                        <a:srgbClr val="666666">
+                          <a:alpha val="100000"/>
+                        </a:srgbClr>
+                      </a:solidFill>
+                      <a:prstDash val="solid"/>
+                    </a:lnT>
+                    <a:lnB algn="ctr" cmpd="sng" cap="flat" w="6350">
                       <a:solidFill>
                         <a:srgbClr val="666666">
                           <a:alpha val="100000"/>
@@ -5340,28 +5340,28 @@
                           <a:ea typeface="Helvetica"/>
                           <a:sym typeface="Helvetica"/>
                         </a:rPr>
-                        <a:t>3</a:t>
-                      </a:r>
-                    </a:p>
-                  </a:txBody>
-                  <a:tcPr anchor="ctr" marB="63500" marT="63500" marR="0" marL="0">
-                    <a:lnL algn="ctr" cmpd="sng" cap="flat" w="0">
-                      <a:noFill/>
-                      <a:prstDash val="solid"/>
-                    </a:lnL>
-                    <a:lnR algn="ctr" cmpd="sng" cap="flat" w="0">
-                      <a:noFill/>
-                      <a:prstDash val="solid"/>
-                    </a:lnR>
-                    <a:lnT algn="ctr" cmpd="sng" cap="flat" w="9525">
-                      <a:solidFill>
-                        <a:srgbClr val="666666">
-                          <a:alpha val="100000"/>
-                        </a:srgbClr>
-                      </a:solidFill>
-                      <a:prstDash val="solid"/>
-                    </a:lnT>
-                    <a:lnB algn="ctr" cmpd="sng" cap="flat" w="9525">
+                        <a:t>5</a:t>
+                      </a:r>
+                    </a:p>
+                  </a:txBody>
+                  <a:tcPr anchor="ctr" marB="63500" marT="63500" marR="0" marL="0">
+                    <a:lnL algn="ctr" cmpd="sng" cap="flat" w="0">
+                      <a:noFill/>
+                      <a:prstDash val="solid"/>
+                    </a:lnL>
+                    <a:lnR algn="ctr" cmpd="sng" cap="flat" w="0">
+                      <a:noFill/>
+                      <a:prstDash val="solid"/>
+                    </a:lnR>
+                    <a:lnT algn="ctr" cmpd="sng" cap="flat" w="6350">
+                      <a:solidFill>
+                        <a:srgbClr val="666666">
+                          <a:alpha val="100000"/>
+                        </a:srgbClr>
+                      </a:solidFill>
+                      <a:prstDash val="solid"/>
+                    </a:lnT>
+                    <a:lnB algn="ctr" cmpd="sng" cap="flat" w="6350">
                       <a:solidFill>
                         <a:srgbClr val="666666">
                           <a:alpha val="100000"/>
@@ -5407,28 +5407,28 @@
                           <a:ea typeface="Helvetica"/>
                           <a:sym typeface="Helvetica"/>
                         </a:rPr>
-                        <a:t>18</a:t>
-                      </a:r>
-                    </a:p>
-                  </a:txBody>
-                  <a:tcPr anchor="ctr" marB="63500" marT="63500" marR="0" marL="0">
-                    <a:lnL algn="ctr" cmpd="sng" cap="flat" w="0">
-                      <a:noFill/>
-                      <a:prstDash val="solid"/>
-                    </a:lnL>
-                    <a:lnR algn="ctr" cmpd="sng" cap="flat" w="0">
-                      <a:noFill/>
-                      <a:prstDash val="solid"/>
-                    </a:lnR>
-                    <a:lnT algn="ctr" cmpd="sng" cap="flat" w="9525">
-                      <a:solidFill>
-                        <a:srgbClr val="666666">
-                          <a:alpha val="100000"/>
-                        </a:srgbClr>
-                      </a:solidFill>
-                      <a:prstDash val="solid"/>
-                    </a:lnT>
-                    <a:lnB algn="ctr" cmpd="sng" cap="flat" w="9525">
+                        <a:t>36</a:t>
+                      </a:r>
+                    </a:p>
+                  </a:txBody>
+                  <a:tcPr anchor="ctr" marB="63500" marT="63500" marR="0" marL="0">
+                    <a:lnL algn="ctr" cmpd="sng" cap="flat" w="0">
+                      <a:noFill/>
+                      <a:prstDash val="solid"/>
+                    </a:lnL>
+                    <a:lnR algn="ctr" cmpd="sng" cap="flat" w="0">
+                      <a:noFill/>
+                      <a:prstDash val="solid"/>
+                    </a:lnR>
+                    <a:lnT algn="ctr" cmpd="sng" cap="flat" w="6350">
+                      <a:solidFill>
+                        <a:srgbClr val="666666">
+                          <a:alpha val="100000"/>
+                        </a:srgbClr>
+                      </a:solidFill>
+                      <a:prstDash val="solid"/>
+                    </a:lnT>
+                    <a:lnB algn="ctr" cmpd="sng" cap="flat" w="6350">
                       <a:solidFill>
                         <a:srgbClr val="666666">
                           <a:alpha val="100000"/>
@@ -5472,28 +5472,28 @@
                           <a:ea typeface="Helvetica"/>
                           <a:sym typeface="Helvetica"/>
                         </a:rPr>
-                        <a:t>313</a:t>
-                      </a:r>
-                    </a:p>
-                  </a:txBody>
-                  <a:tcPr anchor="ctr" marB="63500" marT="63500" marR="0" marL="0">
-                    <a:lnL algn="ctr" cmpd="sng" cap="flat" w="0">
-                      <a:noFill/>
-                      <a:prstDash val="solid"/>
-                    </a:lnL>
-                    <a:lnR algn="ctr" cmpd="sng" cap="flat" w="0">
-                      <a:noFill/>
-                      <a:prstDash val="solid"/>
-                    </a:lnR>
-                    <a:lnT algn="ctr" cmpd="sng" cap="flat" w="9525">
-                      <a:solidFill>
-                        <a:srgbClr val="666666">
-                          <a:alpha val="100000"/>
-                        </a:srgbClr>
-                      </a:solidFill>
-                      <a:prstDash val="solid"/>
-                    </a:lnT>
-                    <a:lnB algn="ctr" cmpd="sng" cap="flat" w="9525">
+                        <a:t>118</a:t>
+                      </a:r>
+                    </a:p>
+                  </a:txBody>
+                  <a:tcPr anchor="ctr" marB="63500" marT="63500" marR="0" marL="0">
+                    <a:lnL algn="ctr" cmpd="sng" cap="flat" w="0">
+                      <a:noFill/>
+                      <a:prstDash val="solid"/>
+                    </a:lnL>
+                    <a:lnR algn="ctr" cmpd="sng" cap="flat" w="0">
+                      <a:noFill/>
+                      <a:prstDash val="solid"/>
+                    </a:lnR>
+                    <a:lnT algn="ctr" cmpd="sng" cap="flat" w="6350">
+                      <a:solidFill>
+                        <a:srgbClr val="666666">
+                          <a:alpha val="100000"/>
+                        </a:srgbClr>
+                      </a:solidFill>
+                      <a:prstDash val="solid"/>
+                    </a:lnT>
+                    <a:lnB algn="ctr" cmpd="sng" cap="flat" w="6350">
                       <a:solidFill>
                         <a:srgbClr val="666666">
                           <a:alpha val="100000"/>
@@ -5537,28 +5537,28 @@
                           <a:ea typeface="Helvetica"/>
                           <a:sym typeface="Helvetica"/>
                         </a:rPr>
-                        <a:t>11.5</a:t>
-                      </a:r>
-                    </a:p>
-                  </a:txBody>
-                  <a:tcPr anchor="ctr" marB="63500" marT="63500" marR="0" marL="0">
-                    <a:lnL algn="ctr" cmpd="sng" cap="flat" w="0">
-                      <a:noFill/>
-                      <a:prstDash val="solid"/>
-                    </a:lnL>
-                    <a:lnR algn="ctr" cmpd="sng" cap="flat" w="0">
-                      <a:noFill/>
-                      <a:prstDash val="solid"/>
-                    </a:lnR>
-                    <a:lnT algn="ctr" cmpd="sng" cap="flat" w="9525">
-                      <a:solidFill>
-                        <a:srgbClr val="666666">
-                          <a:alpha val="100000"/>
-                        </a:srgbClr>
-                      </a:solidFill>
-                      <a:prstDash val="solid"/>
-                    </a:lnT>
-                    <a:lnB algn="ctr" cmpd="sng" cap="flat" w="9525">
+                        <a:t>8.0</a:t>
+                      </a:r>
+                    </a:p>
+                  </a:txBody>
+                  <a:tcPr anchor="ctr" marB="63500" marT="63500" marR="0" marL="0">
+                    <a:lnL algn="ctr" cmpd="sng" cap="flat" w="0">
+                      <a:noFill/>
+                      <a:prstDash val="solid"/>
+                    </a:lnL>
+                    <a:lnR algn="ctr" cmpd="sng" cap="flat" w="0">
+                      <a:noFill/>
+                      <a:prstDash val="solid"/>
+                    </a:lnR>
+                    <a:lnT algn="ctr" cmpd="sng" cap="flat" w="6350">
+                      <a:solidFill>
+                        <a:srgbClr val="666666">
+                          <a:alpha val="100000"/>
+                        </a:srgbClr>
+                      </a:solidFill>
+                      <a:prstDash val="solid"/>
+                    </a:lnT>
+                    <a:lnB algn="ctr" cmpd="sng" cap="flat" w="6350">
                       <a:solidFill>
                         <a:srgbClr val="666666">
                           <a:alpha val="100000"/>
@@ -5602,28 +5602,28 @@
                           <a:ea typeface="Helvetica"/>
                           <a:sym typeface="Helvetica"/>
                         </a:rPr>
-                        <a:t>62</a:t>
-                      </a:r>
-                    </a:p>
-                  </a:txBody>
-                  <a:tcPr anchor="ctr" marB="63500" marT="63500" marR="0" marL="0">
-                    <a:lnL algn="ctr" cmpd="sng" cap="flat" w="0">
-                      <a:noFill/>
-                      <a:prstDash val="solid"/>
-                    </a:lnL>
-                    <a:lnR algn="ctr" cmpd="sng" cap="flat" w="0">
-                      <a:noFill/>
-                      <a:prstDash val="solid"/>
-                    </a:lnR>
-                    <a:lnT algn="ctr" cmpd="sng" cap="flat" w="9525">
-                      <a:solidFill>
-                        <a:srgbClr val="666666">
-                          <a:alpha val="100000"/>
-                        </a:srgbClr>
-                      </a:solidFill>
-                      <a:prstDash val="solid"/>
-                    </a:lnT>
-                    <a:lnB algn="ctr" cmpd="sng" cap="flat" w="9525">
+                        <a:t>72</a:t>
+                      </a:r>
+                    </a:p>
+                  </a:txBody>
+                  <a:tcPr anchor="ctr" marB="63500" marT="63500" marR="0" marL="0">
+                    <a:lnL algn="ctr" cmpd="sng" cap="flat" w="0">
+                      <a:noFill/>
+                      <a:prstDash val="solid"/>
+                    </a:lnL>
+                    <a:lnR algn="ctr" cmpd="sng" cap="flat" w="0">
+                      <a:noFill/>
+                      <a:prstDash val="solid"/>
+                    </a:lnR>
+                    <a:lnT algn="ctr" cmpd="sng" cap="flat" w="6350">
+                      <a:solidFill>
+                        <a:srgbClr val="666666">
+                          <a:alpha val="100000"/>
+                        </a:srgbClr>
+                      </a:solidFill>
+                      <a:prstDash val="solid"/>
+                    </a:lnT>
+                    <a:lnB algn="ctr" cmpd="sng" cap="flat" w="6350">
                       <a:solidFill>
                         <a:srgbClr val="666666">
                           <a:alpha val="100000"/>
@@ -5680,15 +5680,15 @@
                       <a:noFill/>
                       <a:prstDash val="solid"/>
                     </a:lnR>
-                    <a:lnT algn="ctr" cmpd="sng" cap="flat" w="9525">
-                      <a:solidFill>
-                        <a:srgbClr val="666666">
-                          <a:alpha val="100000"/>
-                        </a:srgbClr>
-                      </a:solidFill>
-                      <a:prstDash val="solid"/>
-                    </a:lnT>
-                    <a:lnB algn="ctr" cmpd="sng" cap="flat" w="9525">
+                    <a:lnT algn="ctr" cmpd="sng" cap="flat" w="6350">
+                      <a:solidFill>
+                        <a:srgbClr val="666666">
+                          <a:alpha val="100000"/>
+                        </a:srgbClr>
+                      </a:solidFill>
+                      <a:prstDash val="solid"/>
+                    </a:lnT>
+                    <a:lnB algn="ctr" cmpd="sng" cap="flat" w="6350">
                       <a:solidFill>
                         <a:srgbClr val="666666">
                           <a:alpha val="100000"/>
@@ -5732,28 +5732,28 @@
                           <a:ea typeface="Helvetica"/>
                           <a:sym typeface="Helvetica"/>
                         </a:rPr>
-                        <a:t>4</a:t>
-                      </a:r>
-                    </a:p>
-                  </a:txBody>
-                  <a:tcPr anchor="ctr" marB="63500" marT="63500" marR="0" marL="0">
-                    <a:lnL algn="ctr" cmpd="sng" cap="flat" w="0">
-                      <a:noFill/>
-                      <a:prstDash val="solid"/>
-                    </a:lnL>
-                    <a:lnR algn="ctr" cmpd="sng" cap="flat" w="0">
-                      <a:noFill/>
-                      <a:prstDash val="solid"/>
-                    </a:lnR>
-                    <a:lnT algn="ctr" cmpd="sng" cap="flat" w="9525">
-                      <a:solidFill>
-                        <a:srgbClr val="666666">
-                          <a:alpha val="100000"/>
-                        </a:srgbClr>
-                      </a:solidFill>
-                      <a:prstDash val="solid"/>
-                    </a:lnT>
-                    <a:lnB algn="ctr" cmpd="sng" cap="flat" w="9525">
+                        <a:t>2</a:t>
+                      </a:r>
+                    </a:p>
+                  </a:txBody>
+                  <a:tcPr anchor="ctr" marB="63500" marT="63500" marR="0" marL="0">
+                    <a:lnL algn="ctr" cmpd="sng" cap="flat" w="0">
+                      <a:noFill/>
+                      <a:prstDash val="solid"/>
+                    </a:lnL>
+                    <a:lnR algn="ctr" cmpd="sng" cap="flat" w="0">
+                      <a:noFill/>
+                      <a:prstDash val="solid"/>
+                    </a:lnR>
+                    <a:lnT algn="ctr" cmpd="sng" cap="flat" w="6350">
+                      <a:solidFill>
+                        <a:srgbClr val="666666">
+                          <a:alpha val="100000"/>
+                        </a:srgbClr>
+                      </a:solidFill>
+                      <a:prstDash val="solid"/>
+                    </a:lnT>
+                    <a:lnB algn="ctr" cmpd="sng" cap="flat" w="6350">
                       <a:solidFill>
                         <a:srgbClr val="666666">
                           <a:alpha val="100000"/>
@@ -5799,28 +5799,28 @@
                           <a:ea typeface="Helvetica"/>
                           <a:sym typeface="Helvetica"/>
                         </a:rPr>
-                        <a:t>23</a:t>
-                      </a:r>
-                    </a:p>
-                  </a:txBody>
-                  <a:tcPr anchor="ctr" marB="63500" marT="63500" marR="0" marL="0">
-                    <a:lnL algn="ctr" cmpd="sng" cap="flat" w="0">
-                      <a:noFill/>
-                      <a:prstDash val="solid"/>
-                    </a:lnL>
-                    <a:lnR algn="ctr" cmpd="sng" cap="flat" w="0">
-                      <a:noFill/>
-                      <a:prstDash val="solid"/>
-                    </a:lnR>
-                    <a:lnT algn="ctr" cmpd="sng" cap="flat" w="9525">
-                      <a:solidFill>
-                        <a:srgbClr val="666666">
-                          <a:alpha val="100000"/>
-                        </a:srgbClr>
-                      </a:solidFill>
-                      <a:prstDash val="solid"/>
-                    </a:lnT>
-                    <a:lnB algn="ctr" cmpd="sng" cap="flat" w="9525">
+                        <a:t>19</a:t>
+                      </a:r>
+                    </a:p>
+                  </a:txBody>
+                  <a:tcPr anchor="ctr" marB="63500" marT="63500" marR="0" marL="0">
+                    <a:lnL algn="ctr" cmpd="sng" cap="flat" w="0">
+                      <a:noFill/>
+                      <a:prstDash val="solid"/>
+                    </a:lnL>
+                    <a:lnR algn="ctr" cmpd="sng" cap="flat" w="0">
+                      <a:noFill/>
+                      <a:prstDash val="solid"/>
+                    </a:lnR>
+                    <a:lnT algn="ctr" cmpd="sng" cap="flat" w="6350">
+                      <a:solidFill>
+                        <a:srgbClr val="666666">
+                          <a:alpha val="100000"/>
+                        </a:srgbClr>
+                      </a:solidFill>
+                      <a:prstDash val="solid"/>
+                    </a:lnT>
+                    <a:lnB algn="ctr" cmpd="sng" cap="flat" w="6350">
                       <a:solidFill>
                         <a:srgbClr val="666666">
                           <a:alpha val="100000"/>
@@ -5864,28 +5864,28 @@
                           <a:ea typeface="Helvetica"/>
                           <a:sym typeface="Helvetica"/>
                         </a:rPr>
-                        <a:t>299</a:t>
-                      </a:r>
-                    </a:p>
-                  </a:txBody>
-                  <a:tcPr anchor="ctr" marB="63500" marT="63500" marR="0" marL="0">
-                    <a:lnL algn="ctr" cmpd="sng" cap="flat" w="0">
-                      <a:noFill/>
-                      <a:prstDash val="solid"/>
-                    </a:lnL>
-                    <a:lnR algn="ctr" cmpd="sng" cap="flat" w="0">
-                      <a:noFill/>
-                      <a:prstDash val="solid"/>
-                    </a:lnR>
-                    <a:lnT algn="ctr" cmpd="sng" cap="flat" w="9525">
-                      <a:solidFill>
-                        <a:srgbClr val="666666">
-                          <a:alpha val="100000"/>
-                        </a:srgbClr>
-                      </a:solidFill>
-                      <a:prstDash val="solid"/>
-                    </a:lnT>
-                    <a:lnB algn="ctr" cmpd="sng" cap="flat" w="9525">
+                        <a:t>99</a:t>
+                      </a:r>
+                    </a:p>
+                  </a:txBody>
+                  <a:tcPr anchor="ctr" marB="63500" marT="63500" marR="0" marL="0">
+                    <a:lnL algn="ctr" cmpd="sng" cap="flat" w="0">
+                      <a:noFill/>
+                      <a:prstDash val="solid"/>
+                    </a:lnL>
+                    <a:lnR algn="ctr" cmpd="sng" cap="flat" w="0">
+                      <a:noFill/>
+                      <a:prstDash val="solid"/>
+                    </a:lnR>
+                    <a:lnT algn="ctr" cmpd="sng" cap="flat" w="6350">
+                      <a:solidFill>
+                        <a:srgbClr val="666666">
+                          <a:alpha val="100000"/>
+                        </a:srgbClr>
+                      </a:solidFill>
+                      <a:prstDash val="solid"/>
+                    </a:lnT>
+                    <a:lnB algn="ctr" cmpd="sng" cap="flat" w="6350">
                       <a:solidFill>
                         <a:srgbClr val="666666">
                           <a:alpha val="100000"/>
@@ -5929,28 +5929,28 @@
                           <a:ea typeface="Helvetica"/>
                           <a:sym typeface="Helvetica"/>
                         </a:rPr>
-                        <a:t>8.6</a:t>
-                      </a:r>
-                    </a:p>
-                  </a:txBody>
-                  <a:tcPr anchor="ctr" marB="63500" marT="63500" marR="0" marL="0">
-                    <a:lnL algn="ctr" cmpd="sng" cap="flat" w="0">
-                      <a:noFill/>
-                      <a:prstDash val="solid"/>
-                    </a:lnL>
-                    <a:lnR algn="ctr" cmpd="sng" cap="flat" w="0">
-                      <a:noFill/>
-                      <a:prstDash val="solid"/>
-                    </a:lnR>
-                    <a:lnT algn="ctr" cmpd="sng" cap="flat" w="9525">
-                      <a:solidFill>
-                        <a:srgbClr val="666666">
-                          <a:alpha val="100000"/>
-                        </a:srgbClr>
-                      </a:solidFill>
-                      <a:prstDash val="solid"/>
-                    </a:lnT>
-                    <a:lnB algn="ctr" cmpd="sng" cap="flat" w="9525">
+                        <a:t>13.8</a:t>
+                      </a:r>
+                    </a:p>
+                  </a:txBody>
+                  <a:tcPr anchor="ctr" marB="63500" marT="63500" marR="0" marL="0">
+                    <a:lnL algn="ctr" cmpd="sng" cap="flat" w="0">
+                      <a:noFill/>
+                      <a:prstDash val="solid"/>
+                    </a:lnL>
+                    <a:lnR algn="ctr" cmpd="sng" cap="flat" w="0">
+                      <a:noFill/>
+                      <a:prstDash val="solid"/>
+                    </a:lnR>
+                    <a:lnT algn="ctr" cmpd="sng" cap="flat" w="6350">
+                      <a:solidFill>
+                        <a:srgbClr val="666666">
+                          <a:alpha val="100000"/>
+                        </a:srgbClr>
+                      </a:solidFill>
+                      <a:prstDash val="solid"/>
+                    </a:lnT>
+                    <a:lnB algn="ctr" cmpd="sng" cap="flat" w="6350">
                       <a:solidFill>
                         <a:srgbClr val="666666">
                           <a:alpha val="100000"/>
@@ -5994,28 +5994,28 @@
                           <a:ea typeface="Helvetica"/>
                           <a:sym typeface="Helvetica"/>
                         </a:rPr>
-                        <a:t>65</a:t>
-                      </a:r>
-                    </a:p>
-                  </a:txBody>
-                  <a:tcPr anchor="ctr" marB="63500" marT="63500" marR="0" marL="0">
-                    <a:lnL algn="ctr" cmpd="sng" cap="flat" w="0">
-                      <a:noFill/>
-                      <a:prstDash val="solid"/>
-                    </a:lnL>
-                    <a:lnR algn="ctr" cmpd="sng" cap="flat" w="0">
-                      <a:noFill/>
-                      <a:prstDash val="solid"/>
-                    </a:lnR>
-                    <a:lnT algn="ctr" cmpd="sng" cap="flat" w="9525">
-                      <a:solidFill>
-                        <a:srgbClr val="666666">
-                          <a:alpha val="100000"/>
-                        </a:srgbClr>
-                      </a:solidFill>
-                      <a:prstDash val="solid"/>
-                    </a:lnT>
-                    <a:lnB algn="ctr" cmpd="sng" cap="flat" w="9525">
+                        <a:t>59</a:t>
+                      </a:r>
+                    </a:p>
+                  </a:txBody>
+                  <a:tcPr anchor="ctr" marB="63500" marT="63500" marR="0" marL="0">
+                    <a:lnL algn="ctr" cmpd="sng" cap="flat" w="0">
+                      <a:noFill/>
+                      <a:prstDash val="solid"/>
+                    </a:lnL>
+                    <a:lnR algn="ctr" cmpd="sng" cap="flat" w="0">
+                      <a:noFill/>
+                      <a:prstDash val="solid"/>
+                    </a:lnR>
+                    <a:lnT algn="ctr" cmpd="sng" cap="flat" w="6350">
+                      <a:solidFill>
+                        <a:srgbClr val="666666">
+                          <a:alpha val="100000"/>
+                        </a:srgbClr>
+                      </a:solidFill>
+                      <a:prstDash val="solid"/>
+                    </a:lnT>
+                    <a:lnB algn="ctr" cmpd="sng" cap="flat" w="6350">
                       <a:solidFill>
                         <a:srgbClr val="666666">
                           <a:alpha val="100000"/>
@@ -6072,15 +6072,15 @@
                       <a:noFill/>
                       <a:prstDash val="solid"/>
                     </a:lnR>
-                    <a:lnT algn="ctr" cmpd="sng" cap="flat" w="9525">
-                      <a:solidFill>
-                        <a:srgbClr val="666666">
-                          <a:alpha val="100000"/>
-                        </a:srgbClr>
-                      </a:solidFill>
-                      <a:prstDash val="solid"/>
-                    </a:lnT>
-                    <a:lnB algn="ctr" cmpd="sng" cap="flat" w="9525">
+                    <a:lnT algn="ctr" cmpd="sng" cap="flat" w="6350">
+                      <a:solidFill>
+                        <a:srgbClr val="666666">
+                          <a:alpha val="100000"/>
+                        </a:srgbClr>
+                      </a:solidFill>
+                      <a:prstDash val="solid"/>
+                    </a:lnT>
+                    <a:lnB algn="ctr" cmpd="sng" cap="flat" w="6350">
                       <a:solidFill>
                         <a:srgbClr val="666666">
                           <a:alpha val="100000"/>
@@ -6124,28 +6124,28 @@
                           <a:ea typeface="Helvetica"/>
                           <a:sym typeface="Helvetica"/>
                         </a:rPr>
-                        <a:t>7</a:t>
-                      </a:r>
-                    </a:p>
-                  </a:txBody>
-                  <a:tcPr anchor="ctr" marB="63500" marT="63500" marR="0" marL="0">
-                    <a:lnL algn="ctr" cmpd="sng" cap="flat" w="0">
-                      <a:noFill/>
-                      <a:prstDash val="solid"/>
-                    </a:lnL>
-                    <a:lnR algn="ctr" cmpd="sng" cap="flat" w="0">
-                      <a:noFill/>
-                      <a:prstDash val="solid"/>
-                    </a:lnR>
-                    <a:lnT algn="ctr" cmpd="sng" cap="flat" w="9525">
-                      <a:solidFill>
-                        <a:srgbClr val="666666">
-                          <a:alpha val="100000"/>
-                        </a:srgbClr>
-                      </a:solidFill>
-                      <a:prstDash val="solid"/>
-                    </a:lnT>
-                    <a:lnB algn="ctr" cmpd="sng" cap="flat" w="9525">
+                        <a:t>8</a:t>
+                      </a:r>
+                    </a:p>
+                  </a:txBody>
+                  <a:tcPr anchor="ctr" marB="63500" marT="63500" marR="0" marL="0">
+                    <a:lnL algn="ctr" cmpd="sng" cap="flat" w="0">
+                      <a:noFill/>
+                      <a:prstDash val="solid"/>
+                    </a:lnL>
+                    <a:lnR algn="ctr" cmpd="sng" cap="flat" w="0">
+                      <a:noFill/>
+                      <a:prstDash val="solid"/>
+                    </a:lnR>
+                    <a:lnT algn="ctr" cmpd="sng" cap="flat" w="6350">
+                      <a:solidFill>
+                        <a:srgbClr val="666666">
+                          <a:alpha val="100000"/>
+                        </a:srgbClr>
+                      </a:solidFill>
+                      <a:prstDash val="solid"/>
+                    </a:lnT>
+                    <a:lnB algn="ctr" cmpd="sng" cap="flat" w="6350">
                       <a:solidFill>
                         <a:srgbClr val="666666">
                           <a:alpha val="100000"/>
@@ -6191,28 +6191,28 @@
                           <a:ea typeface="Helvetica"/>
                           <a:sym typeface="Helvetica"/>
                         </a:rPr>
-                        <a:t>28</a:t>
-                      </a:r>
-                    </a:p>
-                  </a:txBody>
-                  <a:tcPr anchor="ctr" marB="63500" marT="63500" marR="0" marL="0">
-                    <a:lnL algn="ctr" cmpd="sng" cap="flat" w="0">
-                      <a:noFill/>
-                      <a:prstDash val="solid"/>
-                    </a:lnL>
-                    <a:lnR algn="ctr" cmpd="sng" cap="flat" w="0">
-                      <a:noFill/>
-                      <a:prstDash val="solid"/>
-                    </a:lnR>
-                    <a:lnT algn="ctr" cmpd="sng" cap="flat" w="9525">
-                      <a:solidFill>
-                        <a:srgbClr val="666666">
-                          <a:alpha val="100000"/>
-                        </a:srgbClr>
-                      </a:solidFill>
-                      <a:prstDash val="solid"/>
-                    </a:lnT>
-                    <a:lnB algn="ctr" cmpd="sng" cap="flat" w="9525">
+                        <a:t>18</a:t>
+                      </a:r>
+                    </a:p>
+                  </a:txBody>
+                  <a:tcPr anchor="ctr" marB="63500" marT="63500" marR="0" marL="0">
+                    <a:lnL algn="ctr" cmpd="sng" cap="flat" w="0">
+                      <a:noFill/>
+                      <a:prstDash val="solid"/>
+                    </a:lnL>
+                    <a:lnR algn="ctr" cmpd="sng" cap="flat" w="0">
+                      <a:noFill/>
+                      <a:prstDash val="solid"/>
+                    </a:lnR>
+                    <a:lnT algn="ctr" cmpd="sng" cap="flat" w="6350">
+                      <a:solidFill>
+                        <a:srgbClr val="666666">
+                          <a:alpha val="100000"/>
+                        </a:srgbClr>
+                      </a:solidFill>
+                      <a:prstDash val="solid"/>
+                    </a:lnT>
+                    <a:lnB algn="ctr" cmpd="sng" cap="flat" w="6350">
                       <a:solidFill>
                         <a:srgbClr val="666666">
                           <a:alpha val="100000"/>
@@ -6256,28 +6256,28 @@
                           <a:ea typeface="Helvetica"/>
                           <a:sym typeface="Helvetica"/>
                         </a:rPr>
-                        <a:t/>
-                      </a:r>
-                    </a:p>
-                  </a:txBody>
-                  <a:tcPr anchor="ctr" marB="63500" marT="63500" marR="0" marL="0">
-                    <a:lnL algn="ctr" cmpd="sng" cap="flat" w="0">
-                      <a:noFill/>
-                      <a:prstDash val="solid"/>
-                    </a:lnL>
-                    <a:lnR algn="ctr" cmpd="sng" cap="flat" w="0">
-                      <a:noFill/>
-                      <a:prstDash val="solid"/>
-                    </a:lnR>
-                    <a:lnT algn="ctr" cmpd="sng" cap="flat" w="9525">
-                      <a:solidFill>
-                        <a:srgbClr val="666666">
-                          <a:alpha val="100000"/>
-                        </a:srgbClr>
-                      </a:solidFill>
-                      <a:prstDash val="solid"/>
-                    </a:lnT>
-                    <a:lnB algn="ctr" cmpd="sng" cap="flat" w="9525">
+                        <a:t>313</a:t>
+                      </a:r>
+                    </a:p>
+                  </a:txBody>
+                  <a:tcPr anchor="ctr" marB="63500" marT="63500" marR="0" marL="0">
+                    <a:lnL algn="ctr" cmpd="sng" cap="flat" w="0">
+                      <a:noFill/>
+                      <a:prstDash val="solid"/>
+                    </a:lnL>
+                    <a:lnR algn="ctr" cmpd="sng" cap="flat" w="0">
+                      <a:noFill/>
+                      <a:prstDash val="solid"/>
+                    </a:lnR>
+                    <a:lnT algn="ctr" cmpd="sng" cap="flat" w="6350">
+                      <a:solidFill>
+                        <a:srgbClr val="666666">
+                          <a:alpha val="100000"/>
+                        </a:srgbClr>
+                      </a:solidFill>
+                      <a:prstDash val="solid"/>
+                    </a:lnT>
+                    <a:lnB algn="ctr" cmpd="sng" cap="flat" w="6350">
                       <a:solidFill>
                         <a:srgbClr val="666666">
                           <a:alpha val="100000"/>
@@ -6321,28 +6321,28 @@
                           <a:ea typeface="Helvetica"/>
                           <a:sym typeface="Helvetica"/>
                         </a:rPr>
-                        <a:t>14.9</a:t>
-                      </a:r>
-                    </a:p>
-                  </a:txBody>
-                  <a:tcPr anchor="ctr" marB="63500" marT="63500" marR="0" marL="0">
-                    <a:lnL algn="ctr" cmpd="sng" cap="flat" w="0">
-                      <a:noFill/>
-                      <a:prstDash val="solid"/>
-                    </a:lnL>
-                    <a:lnR algn="ctr" cmpd="sng" cap="flat" w="0">
-                      <a:noFill/>
-                      <a:prstDash val="solid"/>
-                    </a:lnR>
-                    <a:lnT algn="ctr" cmpd="sng" cap="flat" w="9525">
-                      <a:solidFill>
-                        <a:srgbClr val="666666">
-                          <a:alpha val="100000"/>
-                        </a:srgbClr>
-                      </a:solidFill>
-                      <a:prstDash val="solid"/>
-                    </a:lnT>
-                    <a:lnB algn="ctr" cmpd="sng" cap="flat" w="9525">
+                        <a:t>11.5</a:t>
+                      </a:r>
+                    </a:p>
+                  </a:txBody>
+                  <a:tcPr anchor="ctr" marB="63500" marT="63500" marR="0" marL="0">
+                    <a:lnL algn="ctr" cmpd="sng" cap="flat" w="0">
+                      <a:noFill/>
+                      <a:prstDash val="solid"/>
+                    </a:lnL>
+                    <a:lnR algn="ctr" cmpd="sng" cap="flat" w="0">
+                      <a:noFill/>
+                      <a:prstDash val="solid"/>
+                    </a:lnR>
+                    <a:lnT algn="ctr" cmpd="sng" cap="flat" w="6350">
+                      <a:solidFill>
+                        <a:srgbClr val="666666">
+                          <a:alpha val="100000"/>
+                        </a:srgbClr>
+                      </a:solidFill>
+                      <a:prstDash val="solid"/>
+                    </a:lnT>
+                    <a:lnB algn="ctr" cmpd="sng" cap="flat" w="6350">
                       <a:solidFill>
                         <a:srgbClr val="666666">
                           <a:alpha val="100000"/>
@@ -6386,28 +6386,28 @@
                           <a:ea typeface="Helvetica"/>
                           <a:sym typeface="Helvetica"/>
                         </a:rPr>
-                        <a:t>66</a:t>
-                      </a:r>
-                    </a:p>
-                  </a:txBody>
-                  <a:tcPr anchor="ctr" marB="63500" marT="63500" marR="0" marL="0">
-                    <a:lnL algn="ctr" cmpd="sng" cap="flat" w="0">
-                      <a:noFill/>
-                      <a:prstDash val="solid"/>
-                    </a:lnL>
-                    <a:lnR algn="ctr" cmpd="sng" cap="flat" w="0">
-                      <a:noFill/>
-                      <a:prstDash val="solid"/>
-                    </a:lnR>
-                    <a:lnT algn="ctr" cmpd="sng" cap="flat" w="9525">
-                      <a:solidFill>
-                        <a:srgbClr val="666666">
-                          <a:alpha val="100000"/>
-                        </a:srgbClr>
-                      </a:solidFill>
-                      <a:prstDash val="solid"/>
-                    </a:lnT>
-                    <a:lnB algn="ctr" cmpd="sng" cap="flat" w="9525">
+                        <a:t>62</a:t>
+                      </a:r>
+                    </a:p>
+                  </a:txBody>
+                  <a:tcPr anchor="ctr" marB="63500" marT="63500" marR="0" marL="0">
+                    <a:lnL algn="ctr" cmpd="sng" cap="flat" w="0">
+                      <a:noFill/>
+                      <a:prstDash val="solid"/>
+                    </a:lnL>
+                    <a:lnR algn="ctr" cmpd="sng" cap="flat" w="0">
+                      <a:noFill/>
+                      <a:prstDash val="solid"/>
+                    </a:lnR>
+                    <a:lnT algn="ctr" cmpd="sng" cap="flat" w="6350">
+                      <a:solidFill>
+                        <a:srgbClr val="666666">
+                          <a:alpha val="100000"/>
+                        </a:srgbClr>
+                      </a:solidFill>
+                      <a:prstDash val="solid"/>
+                    </a:lnT>
+                    <a:lnB algn="ctr" cmpd="sng" cap="flat" w="6350">
                       <a:solidFill>
                         <a:srgbClr val="666666">
                           <a:alpha val="100000"/>
@@ -6464,15 +6464,15 @@
                       <a:noFill/>
                       <a:prstDash val="solid"/>
                     </a:lnR>
-                    <a:lnT algn="ctr" cmpd="sng" cap="flat" w="9525">
-                      <a:solidFill>
-                        <a:srgbClr val="666666">
-                          <a:alpha val="100000"/>
-                        </a:srgbClr>
-                      </a:solidFill>
-                      <a:prstDash val="solid"/>
-                    </a:lnT>
-                    <a:lnB algn="ctr" cmpd="sng" cap="flat" w="9525">
+                    <a:lnT algn="ctr" cmpd="sng" cap="flat" w="6350">
+                      <a:solidFill>
+                        <a:srgbClr val="666666">
+                          <a:alpha val="100000"/>
+                        </a:srgbClr>
+                      </a:solidFill>
+                      <a:prstDash val="solid"/>
+                    </a:lnT>
+                    <a:lnB algn="ctr" cmpd="sng" cap="flat" w="6350">
                       <a:solidFill>
                         <a:srgbClr val="666666">
                           <a:alpha val="100000"/>
@@ -6516,28 +6516,28 @@
                           <a:ea typeface="Helvetica"/>
                           <a:sym typeface="Helvetica"/>
                         </a:rPr>
-                        <a:t>6</a:t>
-                      </a:r>
-                    </a:p>
-                  </a:txBody>
-                  <a:tcPr anchor="ctr" marB="63500" marT="63500" marR="0" marL="0">
-                    <a:lnL algn="ctr" cmpd="sng" cap="flat" w="0">
-                      <a:noFill/>
-                      <a:prstDash val="solid"/>
-                    </a:lnL>
-                    <a:lnR algn="ctr" cmpd="sng" cap="flat" w="0">
-                      <a:noFill/>
-                      <a:prstDash val="solid"/>
-                    </a:lnR>
-                    <a:lnT algn="ctr" cmpd="sng" cap="flat" w="9525">
-                      <a:solidFill>
-                        <a:srgbClr val="666666">
-                          <a:alpha val="100000"/>
-                        </a:srgbClr>
-                      </a:solidFill>
-                      <a:prstDash val="solid"/>
-                    </a:lnT>
-                    <a:lnB algn="ctr" cmpd="sng" cap="flat" w="9525">
+                        <a:t>4</a:t>
+                      </a:r>
+                    </a:p>
+                  </a:txBody>
+                  <a:tcPr anchor="ctr" marB="63500" marT="63500" marR="0" marL="0">
+                    <a:lnL algn="ctr" cmpd="sng" cap="flat" w="0">
+                      <a:noFill/>
+                      <a:prstDash val="solid"/>
+                    </a:lnL>
+                    <a:lnR algn="ctr" cmpd="sng" cap="flat" w="0">
+                      <a:noFill/>
+                      <a:prstDash val="solid"/>
+                    </a:lnR>
+                    <a:lnT algn="ctr" cmpd="sng" cap="flat" w="6350">
+                      <a:solidFill>
+                        <a:srgbClr val="666666">
+                          <a:alpha val="100000"/>
+                        </a:srgbClr>
+                      </a:solidFill>
+                      <a:prstDash val="solid"/>
+                    </a:lnT>
+                    <a:lnB algn="ctr" cmpd="sng" cap="flat" w="6350">
                       <a:solidFill>
                         <a:srgbClr val="666666">
                           <a:alpha val="100000"/>
@@ -6583,28 +6583,28 @@
                           <a:ea typeface="Helvetica"/>
                           <a:sym typeface="Helvetica"/>
                         </a:rPr>
-                        <a:t>19</a:t>
-                      </a:r>
-                    </a:p>
-                  </a:txBody>
-                  <a:tcPr anchor="ctr" marB="63500" marT="63500" marR="0" marL="0">
-                    <a:lnL algn="ctr" cmpd="sng" cap="flat" w="0">
-                      <a:noFill/>
-                      <a:prstDash val="solid"/>
-                    </a:lnL>
-                    <a:lnR algn="ctr" cmpd="sng" cap="flat" w="0">
-                      <a:noFill/>
-                      <a:prstDash val="solid"/>
-                    </a:lnR>
-                    <a:lnT algn="ctr" cmpd="sng" cap="flat" w="9525">
-                      <a:solidFill>
-                        <a:srgbClr val="666666">
-                          <a:alpha val="100000"/>
-                        </a:srgbClr>
-                      </a:solidFill>
-                      <a:prstDash val="solid"/>
-                    </a:lnT>
-                    <a:lnB algn="ctr" cmpd="sng" cap="flat" w="19050">
+                        <a:t>28</a:t>
+                      </a:r>
+                    </a:p>
+                  </a:txBody>
+                  <a:tcPr anchor="ctr" marB="63500" marT="63500" marR="0" marL="0">
+                    <a:lnL algn="ctr" cmpd="sng" cap="flat" w="0">
+                      <a:noFill/>
+                      <a:prstDash val="solid"/>
+                    </a:lnL>
+                    <a:lnR algn="ctr" cmpd="sng" cap="flat" w="0">
+                      <a:noFill/>
+                      <a:prstDash val="solid"/>
+                    </a:lnR>
+                    <a:lnT algn="ctr" cmpd="sng" cap="flat" w="6350">
+                      <a:solidFill>
+                        <a:srgbClr val="666666">
+                          <a:alpha val="100000"/>
+                        </a:srgbClr>
+                      </a:solidFill>
+                      <a:prstDash val="solid"/>
+                    </a:lnT>
+                    <a:lnB algn="ctr" cmpd="sng" cap="flat" w="25400">
                       <a:solidFill>
                         <a:srgbClr val="666666">
                           <a:alpha val="100000"/>
@@ -6648,28 +6648,28 @@
                           <a:ea typeface="Helvetica"/>
                           <a:sym typeface="Helvetica"/>
                         </a:rPr>
-                        <a:t>99</a:t>
-                      </a:r>
-                    </a:p>
-                  </a:txBody>
-                  <a:tcPr anchor="ctr" marB="63500" marT="63500" marR="0" marL="0">
-                    <a:lnL algn="ctr" cmpd="sng" cap="flat" w="0">
-                      <a:noFill/>
-                      <a:prstDash val="solid"/>
-                    </a:lnL>
-                    <a:lnR algn="ctr" cmpd="sng" cap="flat" w="0">
-                      <a:noFill/>
-                      <a:prstDash val="solid"/>
-                    </a:lnR>
-                    <a:lnT algn="ctr" cmpd="sng" cap="flat" w="9525">
-                      <a:solidFill>
-                        <a:srgbClr val="666666">
-                          <a:alpha val="100000"/>
-                        </a:srgbClr>
-                      </a:solidFill>
-                      <a:prstDash val="solid"/>
-                    </a:lnT>
-                    <a:lnB algn="ctr" cmpd="sng" cap="flat" w="19050">
+                        <a:t/>
+                      </a:r>
+                    </a:p>
+                  </a:txBody>
+                  <a:tcPr anchor="ctr" marB="63500" marT="63500" marR="0" marL="0">
+                    <a:lnL algn="ctr" cmpd="sng" cap="flat" w="0">
+                      <a:noFill/>
+                      <a:prstDash val="solid"/>
+                    </a:lnL>
+                    <a:lnR algn="ctr" cmpd="sng" cap="flat" w="0">
+                      <a:noFill/>
+                      <a:prstDash val="solid"/>
+                    </a:lnR>
+                    <a:lnT algn="ctr" cmpd="sng" cap="flat" w="6350">
+                      <a:solidFill>
+                        <a:srgbClr val="666666">
+                          <a:alpha val="100000"/>
+                        </a:srgbClr>
+                      </a:solidFill>
+                      <a:prstDash val="solid"/>
+                    </a:lnT>
+                    <a:lnB algn="ctr" cmpd="sng" cap="flat" w="25400">
                       <a:solidFill>
                         <a:srgbClr val="666666">
                           <a:alpha val="100000"/>
@@ -6713,28 +6713,28 @@
                           <a:ea typeface="Helvetica"/>
                           <a:sym typeface="Helvetica"/>
                         </a:rPr>
-                        <a:t>13.8</a:t>
-                      </a:r>
-                    </a:p>
-                  </a:txBody>
-                  <a:tcPr anchor="ctr" marB="63500" marT="63500" marR="0" marL="0">
-                    <a:lnL algn="ctr" cmpd="sng" cap="flat" w="0">
-                      <a:noFill/>
-                      <a:prstDash val="solid"/>
-                    </a:lnL>
-                    <a:lnR algn="ctr" cmpd="sng" cap="flat" w="0">
-                      <a:noFill/>
-                      <a:prstDash val="solid"/>
-                    </a:lnR>
-                    <a:lnT algn="ctr" cmpd="sng" cap="flat" w="9525">
-                      <a:solidFill>
-                        <a:srgbClr val="666666">
-                          <a:alpha val="100000"/>
-                        </a:srgbClr>
-                      </a:solidFill>
-                      <a:prstDash val="solid"/>
-                    </a:lnT>
-                    <a:lnB algn="ctr" cmpd="sng" cap="flat" w="19050">
+                        <a:t>14.9</a:t>
+                      </a:r>
+                    </a:p>
+                  </a:txBody>
+                  <a:tcPr anchor="ctr" marB="63500" marT="63500" marR="0" marL="0">
+                    <a:lnL algn="ctr" cmpd="sng" cap="flat" w="0">
+                      <a:noFill/>
+                      <a:prstDash val="solid"/>
+                    </a:lnL>
+                    <a:lnR algn="ctr" cmpd="sng" cap="flat" w="0">
+                      <a:noFill/>
+                      <a:prstDash val="solid"/>
+                    </a:lnR>
+                    <a:lnT algn="ctr" cmpd="sng" cap="flat" w="6350">
+                      <a:solidFill>
+                        <a:srgbClr val="666666">
+                          <a:alpha val="100000"/>
+                        </a:srgbClr>
+                      </a:solidFill>
+                      <a:prstDash val="solid"/>
+                    </a:lnT>
+                    <a:lnB algn="ctr" cmpd="sng" cap="flat" w="25400">
                       <a:solidFill>
                         <a:srgbClr val="666666">
                           <a:alpha val="100000"/>
@@ -6778,28 +6778,28 @@
                           <a:ea typeface="Helvetica"/>
                           <a:sym typeface="Helvetica"/>
                         </a:rPr>
-                        <a:t>59</a:t>
-                      </a:r>
-                    </a:p>
-                  </a:txBody>
-                  <a:tcPr anchor="ctr" marB="63500" marT="63500" marR="0" marL="0">
-                    <a:lnL algn="ctr" cmpd="sng" cap="flat" w="0">
-                      <a:noFill/>
-                      <a:prstDash val="solid"/>
-                    </a:lnL>
-                    <a:lnR algn="ctr" cmpd="sng" cap="flat" w="0">
-                      <a:noFill/>
-                      <a:prstDash val="solid"/>
-                    </a:lnR>
-                    <a:lnT algn="ctr" cmpd="sng" cap="flat" w="9525">
-                      <a:solidFill>
-                        <a:srgbClr val="666666">
-                          <a:alpha val="100000"/>
-                        </a:srgbClr>
-                      </a:solidFill>
-                      <a:prstDash val="solid"/>
-                    </a:lnT>
-                    <a:lnB algn="ctr" cmpd="sng" cap="flat" w="19050">
+                        <a:t>66</a:t>
+                      </a:r>
+                    </a:p>
+                  </a:txBody>
+                  <a:tcPr anchor="ctr" marB="63500" marT="63500" marR="0" marL="0">
+                    <a:lnL algn="ctr" cmpd="sng" cap="flat" w="0">
+                      <a:noFill/>
+                      <a:prstDash val="solid"/>
+                    </a:lnL>
+                    <a:lnR algn="ctr" cmpd="sng" cap="flat" w="0">
+                      <a:noFill/>
+                      <a:prstDash val="solid"/>
+                    </a:lnR>
+                    <a:lnT algn="ctr" cmpd="sng" cap="flat" w="6350">
+                      <a:solidFill>
+                        <a:srgbClr val="666666">
+                          <a:alpha val="100000"/>
+                        </a:srgbClr>
+                      </a:solidFill>
+                      <a:prstDash val="solid"/>
+                    </a:lnT>
+                    <a:lnB algn="ctr" cmpd="sng" cap="flat" w="25400">
                       <a:solidFill>
                         <a:srgbClr val="666666">
                           <a:alpha val="100000"/>
@@ -6856,15 +6856,15 @@
                       <a:noFill/>
                       <a:prstDash val="solid"/>
                     </a:lnR>
-                    <a:lnT algn="ctr" cmpd="sng" cap="flat" w="9525">
-                      <a:solidFill>
-                        <a:srgbClr val="666666">
-                          <a:alpha val="100000"/>
-                        </a:srgbClr>
-                      </a:solidFill>
-                      <a:prstDash val="solid"/>
-                    </a:lnT>
-                    <a:lnB algn="ctr" cmpd="sng" cap="flat" w="19050">
+                    <a:lnT algn="ctr" cmpd="sng" cap="flat" w="6350">
+                      <a:solidFill>
+                        <a:srgbClr val="666666">
+                          <a:alpha val="100000"/>
+                        </a:srgbClr>
+                      </a:solidFill>
+                      <a:prstDash val="solid"/>
+                    </a:lnT>
+                    <a:lnB algn="ctr" cmpd="sng" cap="flat" w="25400">
                       <a:solidFill>
                         <a:srgbClr val="666666">
                           <a:alpha val="100000"/>
@@ -6908,28 +6908,28 @@
                           <a:ea typeface="Helvetica"/>
                           <a:sym typeface="Helvetica"/>
                         </a:rPr>
-                        <a:t>8</a:t>
-                      </a:r>
-                    </a:p>
-                  </a:txBody>
-                  <a:tcPr anchor="ctr" marB="63500" marT="63500" marR="0" marL="0">
-                    <a:lnL algn="ctr" cmpd="sng" cap="flat" w="0">
-                      <a:noFill/>
-                      <a:prstDash val="solid"/>
-                    </a:lnL>
-                    <a:lnR algn="ctr" cmpd="sng" cap="flat" w="0">
-                      <a:noFill/>
-                      <a:prstDash val="solid"/>
-                    </a:lnR>
-                    <a:lnT algn="ctr" cmpd="sng" cap="flat" w="9525">
-                      <a:solidFill>
-                        <a:srgbClr val="666666">
-                          <a:alpha val="100000"/>
-                        </a:srgbClr>
-                      </a:solidFill>
-                      <a:prstDash val="solid"/>
-                    </a:lnT>
-                    <a:lnB algn="ctr" cmpd="sng" cap="flat" w="19050">
+                        <a:t>6</a:t>
+                      </a:r>
+                    </a:p>
+                  </a:txBody>
+                  <a:tcPr anchor="ctr" marB="63500" marT="63500" marR="0" marL="0">
+                    <a:lnL algn="ctr" cmpd="sng" cap="flat" w="0">
+                      <a:noFill/>
+                      <a:prstDash val="solid"/>
+                    </a:lnL>
+                    <a:lnR algn="ctr" cmpd="sng" cap="flat" w="0">
+                      <a:noFill/>
+                      <a:prstDash val="solid"/>
+                    </a:lnR>
+                    <a:lnT algn="ctr" cmpd="sng" cap="flat" w="6350">
+                      <a:solidFill>
+                        <a:srgbClr val="666666">
+                          <a:alpha val="100000"/>
+                        </a:srgbClr>
+                      </a:solidFill>
+                      <a:prstDash val="solid"/>
+                    </a:lnT>
+                    <a:lnB algn="ctr" cmpd="sng" cap="flat" w="25400">
                       <a:solidFill>
                         <a:srgbClr val="666666">
                           <a:alpha val="100000"/>

--- a/ft.pptx
+++ b/ft.pptx
@@ -2308,15 +2308,15 @@
                       <a:noFill/>
                       <a:prstDash val="solid"/>
                     </a:lnR>
-                    <a:lnT algn="ctr" cmpd="sng" cap="flat" w="25400">
-                      <a:solidFill>
-                        <a:srgbClr val="666666">
-                          <a:alpha val="100000"/>
-                        </a:srgbClr>
-                      </a:solidFill>
-                      <a:prstDash val="solid"/>
-                    </a:lnT>
-                    <a:lnB algn="ctr" cmpd="sng" cap="flat" w="6350">
+                    <a:lnT algn="ctr" cmpd="sng" cap="flat" w="19050">
+                      <a:solidFill>
+                        <a:srgbClr val="666666">
+                          <a:alpha val="100000"/>
+                        </a:srgbClr>
+                      </a:solidFill>
+                      <a:prstDash val="solid"/>
+                    </a:lnT>
+                    <a:lnB algn="ctr" cmpd="sng" cap="flat" w="9525">
                       <a:solidFill>
                         <a:srgbClr val="666666">
                           <a:alpha val="100000"/>
@@ -2373,15 +2373,15 @@
                       <a:noFill/>
                       <a:prstDash val="solid"/>
                     </a:lnR>
-                    <a:lnT algn="ctr" cmpd="sng" cap="flat" w="25400">
-                      <a:solidFill>
-                        <a:srgbClr val="666666">
-                          <a:alpha val="100000"/>
-                        </a:srgbClr>
-                      </a:solidFill>
-                      <a:prstDash val="solid"/>
-                    </a:lnT>
-                    <a:lnB algn="ctr" cmpd="sng" cap="flat" w="6350">
+                    <a:lnT algn="ctr" cmpd="sng" cap="flat" w="19050">
+                      <a:solidFill>
+                        <a:srgbClr val="666666">
+                          <a:alpha val="100000"/>
+                        </a:srgbClr>
+                      </a:solidFill>
+                      <a:prstDash val="solid"/>
+                    </a:lnT>
+                    <a:lnB algn="ctr" cmpd="sng" cap="flat" w="9525">
                       <a:solidFill>
                         <a:srgbClr val="666666">
                           <a:alpha val="100000"/>
@@ -2438,15 +2438,15 @@
                       <a:noFill/>
                       <a:prstDash val="solid"/>
                     </a:lnR>
-                    <a:lnT algn="ctr" cmpd="sng" cap="flat" w="25400">
-                      <a:solidFill>
-                        <a:srgbClr val="666666">
-                          <a:alpha val="100000"/>
-                        </a:srgbClr>
-                      </a:solidFill>
-                      <a:prstDash val="solid"/>
-                    </a:lnT>
-                    <a:lnB algn="ctr" cmpd="sng" cap="flat" w="6350">
+                    <a:lnT algn="ctr" cmpd="sng" cap="flat" w="19050">
+                      <a:solidFill>
+                        <a:srgbClr val="666666">
+                          <a:alpha val="100000"/>
+                        </a:srgbClr>
+                      </a:solidFill>
+                      <a:prstDash val="solid"/>
+                    </a:lnT>
+                    <a:lnB algn="ctr" cmpd="sng" cap="flat" w="9525">
                       <a:solidFill>
                         <a:srgbClr val="666666">
                           <a:alpha val="100000"/>
@@ -2503,15 +2503,15 @@
                       <a:noFill/>
                       <a:prstDash val="solid"/>
                     </a:lnR>
-                    <a:lnT algn="ctr" cmpd="sng" cap="flat" w="25400">
-                      <a:solidFill>
-                        <a:srgbClr val="666666">
-                          <a:alpha val="100000"/>
-                        </a:srgbClr>
-                      </a:solidFill>
-                      <a:prstDash val="solid"/>
-                    </a:lnT>
-                    <a:lnB algn="ctr" cmpd="sng" cap="flat" w="6350">
+                    <a:lnT algn="ctr" cmpd="sng" cap="flat" w="19050">
+                      <a:solidFill>
+                        <a:srgbClr val="666666">
+                          <a:alpha val="100000"/>
+                        </a:srgbClr>
+                      </a:solidFill>
+                      <a:prstDash val="solid"/>
+                    </a:lnT>
+                    <a:lnB algn="ctr" cmpd="sng" cap="flat" w="9525">
                       <a:solidFill>
                         <a:srgbClr val="666666">
                           <a:alpha val="100000"/>
@@ -2568,15 +2568,15 @@
                       <a:noFill/>
                       <a:prstDash val="solid"/>
                     </a:lnR>
-                    <a:lnT algn="ctr" cmpd="sng" cap="flat" w="25400">
-                      <a:solidFill>
-                        <a:srgbClr val="666666">
-                          <a:alpha val="100000"/>
-                        </a:srgbClr>
-                      </a:solidFill>
-                      <a:prstDash val="solid"/>
-                    </a:lnT>
-                    <a:lnB algn="ctr" cmpd="sng" cap="flat" w="6350">
+                    <a:lnT algn="ctr" cmpd="sng" cap="flat" w="19050">
+                      <a:solidFill>
+                        <a:srgbClr val="666666">
+                          <a:alpha val="100000"/>
+                        </a:srgbClr>
+                      </a:solidFill>
+                      <a:prstDash val="solid"/>
+                    </a:lnT>
+                    <a:lnB algn="ctr" cmpd="sng" cap="flat" w="9525">
                       <a:solidFill>
                         <a:srgbClr val="666666">
                           <a:alpha val="100000"/>
@@ -2633,15 +2633,15 @@
                       <a:noFill/>
                       <a:prstDash val="solid"/>
                     </a:lnR>
-                    <a:lnT algn="ctr" cmpd="sng" cap="flat" w="25400">
-                      <a:solidFill>
-                        <a:srgbClr val="666666">
-                          <a:alpha val="100000"/>
-                        </a:srgbClr>
-                      </a:solidFill>
-                      <a:prstDash val="solid"/>
-                    </a:lnT>
-                    <a:lnB algn="ctr" cmpd="sng" cap="flat" w="6350">
+                    <a:lnT algn="ctr" cmpd="sng" cap="flat" w="19050">
+                      <a:solidFill>
+                        <a:srgbClr val="666666">
+                          <a:alpha val="100000"/>
+                        </a:srgbClr>
+                      </a:solidFill>
+                      <a:prstDash val="solid"/>
+                    </a:lnT>
+                    <a:lnB algn="ctr" cmpd="sng" cap="flat" w="9525">
                       <a:solidFill>
                         <a:srgbClr val="666666">
                           <a:alpha val="100000"/>
@@ -2700,15 +2700,15 @@
                       <a:noFill/>
                       <a:prstDash val="solid"/>
                     </a:lnR>
-                    <a:lnT algn="ctr" cmpd="sng" cap="flat" w="6350">
-                      <a:solidFill>
-                        <a:srgbClr val="666666">
-                          <a:alpha val="100000"/>
-                        </a:srgbClr>
-                      </a:solidFill>
-                      <a:prstDash val="solid"/>
-                    </a:lnT>
-                    <a:lnB algn="ctr" cmpd="sng" cap="flat" w="25400">
+                    <a:lnT algn="ctr" cmpd="sng" cap="flat" w="9525">
+                      <a:solidFill>
+                        <a:srgbClr val="666666">
+                          <a:alpha val="100000"/>
+                        </a:srgbClr>
+                      </a:solidFill>
+                      <a:prstDash val="solid"/>
+                    </a:lnT>
+                    <a:lnB algn="ctr" cmpd="sng" cap="flat" w="19050">
                       <a:solidFill>
                         <a:srgbClr val="666666">
                           <a:alpha val="100000"/>
@@ -2765,15 +2765,15 @@
                       <a:noFill/>
                       <a:prstDash val="solid"/>
                     </a:lnR>
-                    <a:lnT algn="ctr" cmpd="sng" cap="flat" w="6350">
-                      <a:solidFill>
-                        <a:srgbClr val="666666">
-                          <a:alpha val="100000"/>
-                        </a:srgbClr>
-                      </a:solidFill>
-                      <a:prstDash val="solid"/>
-                    </a:lnT>
-                    <a:lnB algn="ctr" cmpd="sng" cap="flat" w="25400">
+                    <a:lnT algn="ctr" cmpd="sng" cap="flat" w="9525">
+                      <a:solidFill>
+                        <a:srgbClr val="666666">
+                          <a:alpha val="100000"/>
+                        </a:srgbClr>
+                      </a:solidFill>
+                      <a:prstDash val="solid"/>
+                    </a:lnT>
+                    <a:lnB algn="ctr" cmpd="sng" cap="flat" w="19050">
                       <a:solidFill>
                         <a:srgbClr val="666666">
                           <a:alpha val="100000"/>
@@ -2830,15 +2830,15 @@
                       <a:noFill/>
                       <a:prstDash val="solid"/>
                     </a:lnR>
-                    <a:lnT algn="ctr" cmpd="sng" cap="flat" w="6350">
-                      <a:solidFill>
-                        <a:srgbClr val="666666">
-                          <a:alpha val="100000"/>
-                        </a:srgbClr>
-                      </a:solidFill>
-                      <a:prstDash val="solid"/>
-                    </a:lnT>
-                    <a:lnB algn="ctr" cmpd="sng" cap="flat" w="25400">
+                    <a:lnT algn="ctr" cmpd="sng" cap="flat" w="9525">
+                      <a:solidFill>
+                        <a:srgbClr val="666666">
+                          <a:alpha val="100000"/>
+                        </a:srgbClr>
+                      </a:solidFill>
+                      <a:prstDash val="solid"/>
+                    </a:lnT>
+                    <a:lnB algn="ctr" cmpd="sng" cap="flat" w="19050">
                       <a:solidFill>
                         <a:srgbClr val="666666">
                           <a:alpha val="100000"/>
@@ -2895,15 +2895,15 @@
                       <a:noFill/>
                       <a:prstDash val="solid"/>
                     </a:lnR>
-                    <a:lnT algn="ctr" cmpd="sng" cap="flat" w="6350">
-                      <a:solidFill>
-                        <a:srgbClr val="666666">
-                          <a:alpha val="100000"/>
-                        </a:srgbClr>
-                      </a:solidFill>
-                      <a:prstDash val="solid"/>
-                    </a:lnT>
-                    <a:lnB algn="ctr" cmpd="sng" cap="flat" w="25400">
+                    <a:lnT algn="ctr" cmpd="sng" cap="flat" w="9525">
+                      <a:solidFill>
+                        <a:srgbClr val="666666">
+                          <a:alpha val="100000"/>
+                        </a:srgbClr>
+                      </a:solidFill>
+                      <a:prstDash val="solid"/>
+                    </a:lnT>
+                    <a:lnB algn="ctr" cmpd="sng" cap="flat" w="19050">
                       <a:solidFill>
                         <a:srgbClr val="666666">
                           <a:alpha val="100000"/>
@@ -2960,15 +2960,15 @@
                       <a:noFill/>
                       <a:prstDash val="solid"/>
                     </a:lnR>
-                    <a:lnT algn="ctr" cmpd="sng" cap="flat" w="6350">
-                      <a:solidFill>
-                        <a:srgbClr val="666666">
-                          <a:alpha val="100000"/>
-                        </a:srgbClr>
-                      </a:solidFill>
-                      <a:prstDash val="solid"/>
-                    </a:lnT>
-                    <a:lnB algn="ctr" cmpd="sng" cap="flat" w="25400">
+                    <a:lnT algn="ctr" cmpd="sng" cap="flat" w="9525">
+                      <a:solidFill>
+                        <a:srgbClr val="666666">
+                          <a:alpha val="100000"/>
+                        </a:srgbClr>
+                      </a:solidFill>
+                      <a:prstDash val="solid"/>
+                    </a:lnT>
+                    <a:lnB algn="ctr" cmpd="sng" cap="flat" w="19050">
                       <a:solidFill>
                         <a:srgbClr val="666666">
                           <a:alpha val="100000"/>
@@ -3025,15 +3025,15 @@
                       <a:noFill/>
                       <a:prstDash val="solid"/>
                     </a:lnR>
-                    <a:lnT algn="ctr" cmpd="sng" cap="flat" w="6350">
-                      <a:solidFill>
-                        <a:srgbClr val="666666">
-                          <a:alpha val="100000"/>
-                        </a:srgbClr>
-                      </a:solidFill>
-                      <a:prstDash val="solid"/>
-                    </a:lnT>
-                    <a:lnB algn="ctr" cmpd="sng" cap="flat" w="25400">
+                    <a:lnT algn="ctr" cmpd="sng" cap="flat" w="9525">
+                      <a:solidFill>
+                        <a:srgbClr val="666666">
+                          <a:alpha val="100000"/>
+                        </a:srgbClr>
+                      </a:solidFill>
+                      <a:prstDash val="solid"/>
+                    </a:lnT>
+                    <a:lnB algn="ctr" cmpd="sng" cap="flat" w="19050">
                       <a:solidFill>
                         <a:srgbClr val="666666">
                           <a:alpha val="100000"/>
@@ -3079,7 +3079,7 @@
                           <a:ea typeface="Helvetica"/>
                           <a:sym typeface="Helvetica"/>
                         </a:rPr>
-                        <a:t>12</a:t>
+                        <a:t>41</a:t>
                       </a:r>
                     </a:p>
                   </a:txBody>
@@ -3096,7 +3096,7 @@
                       <a:noFill/>
                       <a:prstDash val="solid"/>
                     </a:lnT>
-                    <a:lnB algn="ctr" cmpd="sng" cap="flat" w="6350">
+                    <a:lnB algn="ctr" cmpd="sng" cap="flat" w="9525">
                       <a:solidFill>
                         <a:srgbClr val="666666">
                           <a:alpha val="100000"/>
@@ -3140,7 +3140,7 @@
                           <a:ea typeface="Helvetica"/>
                           <a:sym typeface="Helvetica"/>
                         </a:rPr>
-                        <a:t>149</a:t>
+                        <a:t>190</a:t>
                       </a:r>
                     </a:p>
                   </a:txBody>
@@ -3157,7 +3157,7 @@
                       <a:noFill/>
                       <a:prstDash val="solid"/>
                     </a:lnT>
-                    <a:lnB algn="ctr" cmpd="sng" cap="flat" w="6350">
+                    <a:lnB algn="ctr" cmpd="sng" cap="flat" w="9525">
                       <a:solidFill>
                         <a:srgbClr val="666666">
                           <a:alpha val="100000"/>
@@ -3201,7 +3201,7 @@
                           <a:ea typeface="Helvetica"/>
                           <a:sym typeface="Helvetica"/>
                         </a:rPr>
-                        <a:t>12.6</a:t>
+                        <a:t>7.4</a:t>
                       </a:r>
                     </a:p>
                   </a:txBody>
@@ -3218,7 +3218,7 @@
                       <a:noFill/>
                       <a:prstDash val="solid"/>
                     </a:lnT>
-                    <a:lnB algn="ctr" cmpd="sng" cap="flat" w="6350">
+                    <a:lnB algn="ctr" cmpd="sng" cap="flat" w="9525">
                       <a:solidFill>
                         <a:srgbClr val="666666">
                           <a:alpha val="100000"/>
@@ -3262,7 +3262,7 @@
                           <a:ea typeface="Helvetica"/>
                           <a:sym typeface="Helvetica"/>
                         </a:rPr>
-                        <a:t>74</a:t>
+                        <a:t>67</a:t>
                       </a:r>
                     </a:p>
                   </a:txBody>
@@ -3279,7 +3279,7 @@
                       <a:noFill/>
                       <a:prstDash val="solid"/>
                     </a:lnT>
-                    <a:lnB algn="ctr" cmpd="sng" cap="flat" w="6350">
+                    <a:lnB algn="ctr" cmpd="sng" cap="flat" w="9525">
                       <a:solidFill>
                         <a:srgbClr val="666666">
                           <a:alpha val="100000"/>
@@ -3340,7 +3340,7 @@
                       <a:noFill/>
                       <a:prstDash val="solid"/>
                     </a:lnT>
-                    <a:lnB algn="ctr" cmpd="sng" cap="flat" w="6350">
+                    <a:lnB algn="ctr" cmpd="sng" cap="flat" w="9525">
                       <a:solidFill>
                         <a:srgbClr val="666666">
                           <a:alpha val="100000"/>
@@ -3384,7 +3384,7 @@
                           <a:ea typeface="Helvetica"/>
                           <a:sym typeface="Helvetica"/>
                         </a:rPr>
-                        <a:t>3</a:t>
+                        <a:t>1</a:t>
                       </a:r>
                     </a:p>
                   </a:txBody>
@@ -3401,7 +3401,7 @@
                       <a:noFill/>
                       <a:prstDash val="solid"/>
                     </a:lnT>
-                    <a:lnB algn="ctr" cmpd="sng" cap="flat" w="6350">
+                    <a:lnB algn="ctr" cmpd="sng" cap="flat" w="9525">
                       <a:solidFill>
                         <a:srgbClr val="666666">
                           <a:alpha val="100000"/>
@@ -3447,28 +3447,28 @@
                           <a:ea typeface="Helvetica"/>
                           <a:sym typeface="Helvetica"/>
                         </a:rPr>
-                        <a:t>41</a:t>
-                      </a:r>
-                    </a:p>
-                  </a:txBody>
-                  <a:tcPr anchor="ctr" marB="63500" marT="63500" marR="0" marL="0">
-                    <a:lnL algn="ctr" cmpd="sng" cap="flat" w="0">
-                      <a:noFill/>
-                      <a:prstDash val="solid"/>
-                    </a:lnL>
-                    <a:lnR algn="ctr" cmpd="sng" cap="flat" w="0">
-                      <a:noFill/>
-                      <a:prstDash val="solid"/>
-                    </a:lnR>
-                    <a:lnT algn="ctr" cmpd="sng" cap="flat" w="6350">
-                      <a:solidFill>
-                        <a:srgbClr val="666666">
-                          <a:alpha val="100000"/>
-                        </a:srgbClr>
-                      </a:solidFill>
-                      <a:prstDash val="solid"/>
-                    </a:lnT>
-                    <a:lnB algn="ctr" cmpd="sng" cap="flat" w="6350">
+                        <a:t/>
+                      </a:r>
+                    </a:p>
+                  </a:txBody>
+                  <a:tcPr anchor="ctr" marB="63500" marT="63500" marR="0" marL="0">
+                    <a:lnL algn="ctr" cmpd="sng" cap="flat" w="0">
+                      <a:noFill/>
+                      <a:prstDash val="solid"/>
+                    </a:lnL>
+                    <a:lnR algn="ctr" cmpd="sng" cap="flat" w="0">
+                      <a:noFill/>
+                      <a:prstDash val="solid"/>
+                    </a:lnR>
+                    <a:lnT algn="ctr" cmpd="sng" cap="flat" w="9525">
+                      <a:solidFill>
+                        <a:srgbClr val="666666">
+                          <a:alpha val="100000"/>
+                        </a:srgbClr>
+                      </a:solidFill>
+                      <a:prstDash val="solid"/>
+                    </a:lnT>
+                    <a:lnB algn="ctr" cmpd="sng" cap="flat" w="9525">
                       <a:solidFill>
                         <a:srgbClr val="666666">
                           <a:alpha val="100000"/>
@@ -3512,28 +3512,28 @@
                           <a:ea typeface="Helvetica"/>
                           <a:sym typeface="Helvetica"/>
                         </a:rPr>
-                        <a:t>190</a:t>
-                      </a:r>
-                    </a:p>
-                  </a:txBody>
-                  <a:tcPr anchor="ctr" marB="63500" marT="63500" marR="0" marL="0">
-                    <a:lnL algn="ctr" cmpd="sng" cap="flat" w="0">
-                      <a:noFill/>
-                      <a:prstDash val="solid"/>
-                    </a:lnL>
-                    <a:lnR algn="ctr" cmpd="sng" cap="flat" w="0">
-                      <a:noFill/>
-                      <a:prstDash val="solid"/>
-                    </a:lnR>
-                    <a:lnT algn="ctr" cmpd="sng" cap="flat" w="6350">
-                      <a:solidFill>
-                        <a:srgbClr val="666666">
-                          <a:alpha val="100000"/>
-                        </a:srgbClr>
-                      </a:solidFill>
-                      <a:prstDash val="solid"/>
-                    </a:lnT>
-                    <a:lnB algn="ctr" cmpd="sng" cap="flat" w="6350">
+                        <a:t/>
+                      </a:r>
+                    </a:p>
+                  </a:txBody>
+                  <a:tcPr anchor="ctr" marB="63500" marT="63500" marR="0" marL="0">
+                    <a:lnL algn="ctr" cmpd="sng" cap="flat" w="0">
+                      <a:noFill/>
+                      <a:prstDash val="solid"/>
+                    </a:lnL>
+                    <a:lnR algn="ctr" cmpd="sng" cap="flat" w="0">
+                      <a:noFill/>
+                      <a:prstDash val="solid"/>
+                    </a:lnR>
+                    <a:lnT algn="ctr" cmpd="sng" cap="flat" w="9525">
+                      <a:solidFill>
+                        <a:srgbClr val="666666">
+                          <a:alpha val="100000"/>
+                        </a:srgbClr>
+                      </a:solidFill>
+                      <a:prstDash val="solid"/>
+                    </a:lnT>
+                    <a:lnB algn="ctr" cmpd="sng" cap="flat" w="9525">
                       <a:solidFill>
                         <a:srgbClr val="666666">
                           <a:alpha val="100000"/>
@@ -3577,28 +3577,28 @@
                           <a:ea typeface="Helvetica"/>
                           <a:sym typeface="Helvetica"/>
                         </a:rPr>
-                        <a:t>7.4</a:t>
-                      </a:r>
-                    </a:p>
-                  </a:txBody>
-                  <a:tcPr anchor="ctr" marB="63500" marT="63500" marR="0" marL="0">
-                    <a:lnL algn="ctr" cmpd="sng" cap="flat" w="0">
-                      <a:noFill/>
-                      <a:prstDash val="solid"/>
-                    </a:lnL>
-                    <a:lnR algn="ctr" cmpd="sng" cap="flat" w="0">
-                      <a:noFill/>
-                      <a:prstDash val="solid"/>
-                    </a:lnR>
-                    <a:lnT algn="ctr" cmpd="sng" cap="flat" w="6350">
-                      <a:solidFill>
-                        <a:srgbClr val="666666">
-                          <a:alpha val="100000"/>
-                        </a:srgbClr>
-                      </a:solidFill>
-                      <a:prstDash val="solid"/>
-                    </a:lnT>
-                    <a:lnB algn="ctr" cmpd="sng" cap="flat" w="6350">
+                        <a:t>14.3</a:t>
+                      </a:r>
+                    </a:p>
+                  </a:txBody>
+                  <a:tcPr anchor="ctr" marB="63500" marT="63500" marR="0" marL="0">
+                    <a:lnL algn="ctr" cmpd="sng" cap="flat" w="0">
+                      <a:noFill/>
+                      <a:prstDash val="solid"/>
+                    </a:lnL>
+                    <a:lnR algn="ctr" cmpd="sng" cap="flat" w="0">
+                      <a:noFill/>
+                      <a:prstDash val="solid"/>
+                    </a:lnR>
+                    <a:lnT algn="ctr" cmpd="sng" cap="flat" w="9525">
+                      <a:solidFill>
+                        <a:srgbClr val="666666">
+                          <a:alpha val="100000"/>
+                        </a:srgbClr>
+                      </a:solidFill>
+                      <a:prstDash val="solid"/>
+                    </a:lnT>
+                    <a:lnB algn="ctr" cmpd="sng" cap="flat" w="9525">
                       <a:solidFill>
                         <a:srgbClr val="666666">
                           <a:alpha val="100000"/>
@@ -3642,28 +3642,28 @@
                           <a:ea typeface="Helvetica"/>
                           <a:sym typeface="Helvetica"/>
                         </a:rPr>
-                        <a:t>67</a:t>
-                      </a:r>
-                    </a:p>
-                  </a:txBody>
-                  <a:tcPr anchor="ctr" marB="63500" marT="63500" marR="0" marL="0">
-                    <a:lnL algn="ctr" cmpd="sng" cap="flat" w="0">
-                      <a:noFill/>
-                      <a:prstDash val="solid"/>
-                    </a:lnL>
-                    <a:lnR algn="ctr" cmpd="sng" cap="flat" w="0">
-                      <a:noFill/>
-                      <a:prstDash val="solid"/>
-                    </a:lnR>
-                    <a:lnT algn="ctr" cmpd="sng" cap="flat" w="6350">
-                      <a:solidFill>
-                        <a:srgbClr val="666666">
-                          <a:alpha val="100000"/>
-                        </a:srgbClr>
-                      </a:solidFill>
-                      <a:prstDash val="solid"/>
-                    </a:lnT>
-                    <a:lnB algn="ctr" cmpd="sng" cap="flat" w="6350">
+                        <a:t>56</a:t>
+                      </a:r>
+                    </a:p>
+                  </a:txBody>
+                  <a:tcPr anchor="ctr" marB="63500" marT="63500" marR="0" marL="0">
+                    <a:lnL algn="ctr" cmpd="sng" cap="flat" w="0">
+                      <a:noFill/>
+                      <a:prstDash val="solid"/>
+                    </a:lnL>
+                    <a:lnR algn="ctr" cmpd="sng" cap="flat" w="0">
+                      <a:noFill/>
+                      <a:prstDash val="solid"/>
+                    </a:lnR>
+                    <a:lnT algn="ctr" cmpd="sng" cap="flat" w="9525">
+                      <a:solidFill>
+                        <a:srgbClr val="666666">
+                          <a:alpha val="100000"/>
+                        </a:srgbClr>
+                      </a:solidFill>
+                      <a:prstDash val="solid"/>
+                    </a:lnT>
+                    <a:lnB algn="ctr" cmpd="sng" cap="flat" w="9525">
                       <a:solidFill>
                         <a:srgbClr val="666666">
                           <a:alpha val="100000"/>
@@ -3720,15 +3720,15 @@
                       <a:noFill/>
                       <a:prstDash val="solid"/>
                     </a:lnR>
-                    <a:lnT algn="ctr" cmpd="sng" cap="flat" w="6350">
-                      <a:solidFill>
-                        <a:srgbClr val="666666">
-                          <a:alpha val="100000"/>
-                        </a:srgbClr>
-                      </a:solidFill>
-                      <a:prstDash val="solid"/>
-                    </a:lnT>
-                    <a:lnB algn="ctr" cmpd="sng" cap="flat" w="6350">
+                    <a:lnT algn="ctr" cmpd="sng" cap="flat" w="9525">
+                      <a:solidFill>
+                        <a:srgbClr val="666666">
+                          <a:alpha val="100000"/>
+                        </a:srgbClr>
+                      </a:solidFill>
+                      <a:prstDash val="solid"/>
+                    </a:lnT>
+                    <a:lnB algn="ctr" cmpd="sng" cap="flat" w="9525">
                       <a:solidFill>
                         <a:srgbClr val="666666">
                           <a:alpha val="100000"/>
@@ -3772,28 +3772,28 @@
                           <a:ea typeface="Helvetica"/>
                           <a:sym typeface="Helvetica"/>
                         </a:rPr>
-                        <a:t>1</a:t>
-                      </a:r>
-                    </a:p>
-                  </a:txBody>
-                  <a:tcPr anchor="ctr" marB="63500" marT="63500" marR="0" marL="0">
-                    <a:lnL algn="ctr" cmpd="sng" cap="flat" w="0">
-                      <a:noFill/>
-                      <a:prstDash val="solid"/>
-                    </a:lnL>
-                    <a:lnR algn="ctr" cmpd="sng" cap="flat" w="0">
-                      <a:noFill/>
-                      <a:prstDash val="solid"/>
-                    </a:lnR>
-                    <a:lnT algn="ctr" cmpd="sng" cap="flat" w="6350">
-                      <a:solidFill>
-                        <a:srgbClr val="666666">
-                          <a:alpha val="100000"/>
-                        </a:srgbClr>
-                      </a:solidFill>
-                      <a:prstDash val="solid"/>
-                    </a:lnT>
-                    <a:lnB algn="ctr" cmpd="sng" cap="flat" w="6350">
+                        <a:t>5</a:t>
+                      </a:r>
+                    </a:p>
+                  </a:txBody>
+                  <a:tcPr anchor="ctr" marB="63500" marT="63500" marR="0" marL="0">
+                    <a:lnL algn="ctr" cmpd="sng" cap="flat" w="0">
+                      <a:noFill/>
+                      <a:prstDash val="solid"/>
+                    </a:lnL>
+                    <a:lnR algn="ctr" cmpd="sng" cap="flat" w="0">
+                      <a:noFill/>
+                      <a:prstDash val="solid"/>
+                    </a:lnR>
+                    <a:lnT algn="ctr" cmpd="sng" cap="flat" w="9525">
+                      <a:solidFill>
+                        <a:srgbClr val="666666">
+                          <a:alpha val="100000"/>
+                        </a:srgbClr>
+                      </a:solidFill>
+                      <a:prstDash val="solid"/>
+                    </a:lnT>
+                    <a:lnB algn="ctr" cmpd="sng" cap="flat" w="9525">
                       <a:solidFill>
                         <a:srgbClr val="666666">
                           <a:alpha val="100000"/>
@@ -3839,6 +3839,71 @@
                           <a:ea typeface="Helvetica"/>
                           <a:sym typeface="Helvetica"/>
                         </a:rPr>
+                        <a:t>28</a:t>
+                      </a:r>
+                    </a:p>
+                  </a:txBody>
+                  <a:tcPr anchor="ctr" marB="63500" marT="63500" marR="0" marL="0">
+                    <a:lnL algn="ctr" cmpd="sng" cap="flat" w="0">
+                      <a:noFill/>
+                      <a:prstDash val="solid"/>
+                    </a:lnL>
+                    <a:lnR algn="ctr" cmpd="sng" cap="flat" w="0">
+                      <a:noFill/>
+                      <a:prstDash val="solid"/>
+                    </a:lnR>
+                    <a:lnT algn="ctr" cmpd="sng" cap="flat" w="9525">
+                      <a:solidFill>
+                        <a:srgbClr val="666666">
+                          <a:alpha val="100000"/>
+                        </a:srgbClr>
+                      </a:solidFill>
+                      <a:prstDash val="solid"/>
+                    </a:lnT>
+                    <a:lnB algn="ctr" cmpd="sng" cap="flat" w="9525">
+                      <a:solidFill>
+                        <a:srgbClr val="666666">
+                          <a:alpha val="100000"/>
+                        </a:srgbClr>
+                      </a:solidFill>
+                      <a:prstDash val="solid"/>
+                    </a:lnB>
+                    <a:solidFill>
+                      <a:srgbClr val="FFFFFF">
+                        <a:alpha val="0"/>
+                      </a:srgbClr>
+                    </a:solidFill>
+                  </a:tcPr>
+                </a:tc>
+                <a:tc>
+                  <a:txBody>
+                    <a:bodyPr/>
+                    <a:lstStyle/>
+                    <a:p>
+                      <a:pPr algn="r" marL="63500" marR="63500">
+                        <a:lnSpc>
+                          <a:spcPct val="100000"/>
+                        </a:lnSpc>
+                        <a:spcBef>
+                          <a:spcPts val="500"/>
+                        </a:spcBef>
+                        <a:spcAft>
+                          <a:spcPts val="500"/>
+                        </a:spcAft>
+                        <a:buNone/>
+                      </a:pPr>
+                      <a:r>
+                        <a:rPr cap="none" sz="1100" i="0" b="0" u="none">
+                          <a:solidFill>
+                            <a:srgbClr val="000000">
+                              <a:alpha val="100000"/>
+                            </a:srgbClr>
+                          </a:solidFill>
+                          <a:latin typeface="Helvetica"/>
+                          <a:cs typeface="Helvetica"/>
+                          <a:ea typeface="Helvetica"/>
+                          <a:sym typeface="Helvetica"/>
+                        </a:rPr>
                         <a:t/>
                       </a:r>
                     </a:p>
@@ -3852,15 +3917,15 @@
                       <a:noFill/>
                       <a:prstDash val="solid"/>
                     </a:lnR>
-                    <a:lnT algn="ctr" cmpd="sng" cap="flat" w="6350">
-                      <a:solidFill>
-                        <a:srgbClr val="666666">
-                          <a:alpha val="100000"/>
-                        </a:srgbClr>
-                      </a:solidFill>
-                      <a:prstDash val="solid"/>
-                    </a:lnT>
-                    <a:lnB algn="ctr" cmpd="sng" cap="flat" w="6350">
+                    <a:lnT algn="ctr" cmpd="sng" cap="flat" w="9525">
+                      <a:solidFill>
+                        <a:srgbClr val="666666">
+                          <a:alpha val="100000"/>
+                        </a:srgbClr>
+                      </a:solidFill>
+                      <a:prstDash val="solid"/>
+                    </a:lnT>
+                    <a:lnB algn="ctr" cmpd="sng" cap="flat" w="9525">
                       <a:solidFill>
                         <a:srgbClr val="666666">
                           <a:alpha val="100000"/>
@@ -3904,28 +3969,28 @@
                           <a:ea typeface="Helvetica"/>
                           <a:sym typeface="Helvetica"/>
                         </a:rPr>
-                        <a:t>194</a:t>
-                      </a:r>
-                    </a:p>
-                  </a:txBody>
-                  <a:tcPr anchor="ctr" marB="63500" marT="63500" marR="0" marL="0">
-                    <a:lnL algn="ctr" cmpd="sng" cap="flat" w="0">
-                      <a:noFill/>
-                      <a:prstDash val="solid"/>
-                    </a:lnL>
-                    <a:lnR algn="ctr" cmpd="sng" cap="flat" w="0">
-                      <a:noFill/>
-                      <a:prstDash val="solid"/>
-                    </a:lnR>
-                    <a:lnT algn="ctr" cmpd="sng" cap="flat" w="6350">
-                      <a:solidFill>
-                        <a:srgbClr val="666666">
-                          <a:alpha val="100000"/>
-                        </a:srgbClr>
-                      </a:solidFill>
-                      <a:prstDash val="solid"/>
-                    </a:lnT>
-                    <a:lnB algn="ctr" cmpd="sng" cap="flat" w="6350">
+                        <a:t>14.9</a:t>
+                      </a:r>
+                    </a:p>
+                  </a:txBody>
+                  <a:tcPr anchor="ctr" marB="63500" marT="63500" marR="0" marL="0">
+                    <a:lnL algn="ctr" cmpd="sng" cap="flat" w="0">
+                      <a:noFill/>
+                      <a:prstDash val="solid"/>
+                    </a:lnL>
+                    <a:lnR algn="ctr" cmpd="sng" cap="flat" w="0">
+                      <a:noFill/>
+                      <a:prstDash val="solid"/>
+                    </a:lnR>
+                    <a:lnT algn="ctr" cmpd="sng" cap="flat" w="9525">
+                      <a:solidFill>
+                        <a:srgbClr val="666666">
+                          <a:alpha val="100000"/>
+                        </a:srgbClr>
+                      </a:solidFill>
+                      <a:prstDash val="solid"/>
+                    </a:lnT>
+                    <a:lnB algn="ctr" cmpd="sng" cap="flat" w="9525">
                       <a:solidFill>
                         <a:srgbClr val="666666">
                           <a:alpha val="100000"/>
@@ -3969,28 +4034,28 @@
                           <a:ea typeface="Helvetica"/>
                           <a:sym typeface="Helvetica"/>
                         </a:rPr>
-                        <a:t>8.6</a:t>
-                      </a:r>
-                    </a:p>
-                  </a:txBody>
-                  <a:tcPr anchor="ctr" marB="63500" marT="63500" marR="0" marL="0">
-                    <a:lnL algn="ctr" cmpd="sng" cap="flat" w="0">
-                      <a:noFill/>
-                      <a:prstDash val="solid"/>
-                    </a:lnL>
-                    <a:lnR algn="ctr" cmpd="sng" cap="flat" w="0">
-                      <a:noFill/>
-                      <a:prstDash val="solid"/>
-                    </a:lnR>
-                    <a:lnT algn="ctr" cmpd="sng" cap="flat" w="6350">
-                      <a:solidFill>
-                        <a:srgbClr val="666666">
-                          <a:alpha val="100000"/>
-                        </a:srgbClr>
-                      </a:solidFill>
-                      <a:prstDash val="solid"/>
-                    </a:lnT>
-                    <a:lnB algn="ctr" cmpd="sng" cap="flat" w="6350">
+                        <a:t>66</a:t>
+                      </a:r>
+                    </a:p>
+                  </a:txBody>
+                  <a:tcPr anchor="ctr" marB="63500" marT="63500" marR="0" marL="0">
+                    <a:lnL algn="ctr" cmpd="sng" cap="flat" w="0">
+                      <a:noFill/>
+                      <a:prstDash val="solid"/>
+                    </a:lnL>
+                    <a:lnR algn="ctr" cmpd="sng" cap="flat" w="0">
+                      <a:noFill/>
+                      <a:prstDash val="solid"/>
+                    </a:lnR>
+                    <a:lnT algn="ctr" cmpd="sng" cap="flat" w="9525">
+                      <a:solidFill>
+                        <a:srgbClr val="666666">
+                          <a:alpha val="100000"/>
+                        </a:srgbClr>
+                      </a:solidFill>
+                      <a:prstDash val="solid"/>
+                    </a:lnT>
+                    <a:lnB algn="ctr" cmpd="sng" cap="flat" w="9525">
                       <a:solidFill>
                         <a:srgbClr val="666666">
                           <a:alpha val="100000"/>
@@ -4034,28 +4099,28 @@
                           <a:ea typeface="Helvetica"/>
                           <a:sym typeface="Helvetica"/>
                         </a:rPr>
-                        <a:t>69</a:t>
-                      </a:r>
-                    </a:p>
-                  </a:txBody>
-                  <a:tcPr anchor="ctr" marB="63500" marT="63500" marR="0" marL="0">
-                    <a:lnL algn="ctr" cmpd="sng" cap="flat" w="0">
-                      <a:noFill/>
-                      <a:prstDash val="solid"/>
-                    </a:lnL>
-                    <a:lnR algn="ctr" cmpd="sng" cap="flat" w="0">
-                      <a:noFill/>
-                      <a:prstDash val="solid"/>
-                    </a:lnR>
-                    <a:lnT algn="ctr" cmpd="sng" cap="flat" w="6350">
-                      <a:solidFill>
-                        <a:srgbClr val="666666">
-                          <a:alpha val="100000"/>
-                        </a:srgbClr>
-                      </a:solidFill>
-                      <a:prstDash val="solid"/>
-                    </a:lnT>
-                    <a:lnB algn="ctr" cmpd="sng" cap="flat" w="6350">
+                        <a:t>5</a:t>
+                      </a:r>
+                    </a:p>
+                  </a:txBody>
+                  <a:tcPr anchor="ctr" marB="63500" marT="63500" marR="0" marL="0">
+                    <a:lnL algn="ctr" cmpd="sng" cap="flat" w="0">
+                      <a:noFill/>
+                      <a:prstDash val="solid"/>
+                    </a:lnL>
+                    <a:lnR algn="ctr" cmpd="sng" cap="flat" w="0">
+                      <a:noFill/>
+                      <a:prstDash val="solid"/>
+                    </a:lnR>
+                    <a:lnT algn="ctr" cmpd="sng" cap="flat" w="9525">
+                      <a:solidFill>
+                        <a:srgbClr val="666666">
+                          <a:alpha val="100000"/>
+                        </a:srgbClr>
+                      </a:solidFill>
+                      <a:prstDash val="solid"/>
+                    </a:lnT>
+                    <a:lnB algn="ctr" cmpd="sng" cap="flat" w="9525">
                       <a:solidFill>
                         <a:srgbClr val="666666">
                           <a:alpha val="100000"/>
@@ -4099,93 +4164,28 @@
                           <a:ea typeface="Helvetica"/>
                           <a:sym typeface="Helvetica"/>
                         </a:rPr>
-                        <a:t>5</a:t>
-                      </a:r>
-                    </a:p>
-                  </a:txBody>
-                  <a:tcPr anchor="ctr" marB="63500" marT="63500" marR="0" marL="0">
-                    <a:lnL algn="ctr" cmpd="sng" cap="flat" w="0">
-                      <a:noFill/>
-                      <a:prstDash val="solid"/>
-                    </a:lnL>
-                    <a:lnR algn="ctr" cmpd="sng" cap="flat" w="0">
-                      <a:noFill/>
-                      <a:prstDash val="solid"/>
-                    </a:lnR>
-                    <a:lnT algn="ctr" cmpd="sng" cap="flat" w="6350">
-                      <a:solidFill>
-                        <a:srgbClr val="666666">
-                          <a:alpha val="100000"/>
-                        </a:srgbClr>
-                      </a:solidFill>
-                      <a:prstDash val="solid"/>
-                    </a:lnT>
-                    <a:lnB algn="ctr" cmpd="sng" cap="flat" w="6350">
-                      <a:solidFill>
-                        <a:srgbClr val="666666">
-                          <a:alpha val="100000"/>
-                        </a:srgbClr>
-                      </a:solidFill>
-                      <a:prstDash val="solid"/>
-                    </a:lnB>
-                    <a:solidFill>
-                      <a:srgbClr val="FFFFFF">
-                        <a:alpha val="0"/>
-                      </a:srgbClr>
-                    </a:solidFill>
-                  </a:tcPr>
-                </a:tc>
-                <a:tc>
-                  <a:txBody>
-                    <a:bodyPr/>
-                    <a:lstStyle/>
-                    <a:p>
-                      <a:pPr algn="r" marL="63500" marR="63500">
-                        <a:lnSpc>
-                          <a:spcPct val="100000"/>
-                        </a:lnSpc>
-                        <a:spcBef>
-                          <a:spcPts val="500"/>
-                        </a:spcBef>
-                        <a:spcAft>
-                          <a:spcPts val="500"/>
-                        </a:spcAft>
-                        <a:buNone/>
-                      </a:pPr>
-                      <a:r>
-                        <a:rPr cap="none" sz="1100" i="0" b="0" u="none">
-                          <a:solidFill>
-                            <a:srgbClr val="000000">
-                              <a:alpha val="100000"/>
-                            </a:srgbClr>
-                          </a:solidFill>
-                          <a:latin typeface="Helvetica"/>
-                          <a:cs typeface="Helvetica"/>
-                          <a:ea typeface="Helvetica"/>
-                          <a:sym typeface="Helvetica"/>
-                        </a:rPr>
-                        <a:t>10</a:t>
-                      </a:r>
-                    </a:p>
-                  </a:txBody>
-                  <a:tcPr anchor="ctr" marB="63500" marT="63500" marR="0" marL="0">
-                    <a:lnL algn="ctr" cmpd="sng" cap="flat" w="0">
-                      <a:noFill/>
-                      <a:prstDash val="solid"/>
-                    </a:lnL>
-                    <a:lnR algn="ctr" cmpd="sng" cap="flat" w="0">
-                      <a:noFill/>
-                      <a:prstDash val="solid"/>
-                    </a:lnR>
-                    <a:lnT algn="ctr" cmpd="sng" cap="flat" w="6350">
-                      <a:solidFill>
-                        <a:srgbClr val="666666">
-                          <a:alpha val="100000"/>
-                        </a:srgbClr>
-                      </a:solidFill>
-                      <a:prstDash val="solid"/>
-                    </a:lnT>
-                    <a:lnB algn="ctr" cmpd="sng" cap="flat" w="6350">
+                        <a:t>6</a:t>
+                      </a:r>
+                    </a:p>
+                  </a:txBody>
+                  <a:tcPr anchor="ctr" marB="63500" marT="63500" marR="0" marL="0">
+                    <a:lnL algn="ctr" cmpd="sng" cap="flat" w="0">
+                      <a:noFill/>
+                      <a:prstDash val="solid"/>
+                    </a:lnL>
+                    <a:lnR algn="ctr" cmpd="sng" cap="flat" w="0">
+                      <a:noFill/>
+                      <a:prstDash val="solid"/>
+                    </a:lnR>
+                    <a:lnT algn="ctr" cmpd="sng" cap="flat" w="9525">
+                      <a:solidFill>
+                        <a:srgbClr val="666666">
+                          <a:alpha val="100000"/>
+                        </a:srgbClr>
+                      </a:solidFill>
+                      <a:prstDash val="solid"/>
+                    </a:lnT>
+                    <a:lnB algn="ctr" cmpd="sng" cap="flat" w="9525">
                       <a:solidFill>
                         <a:srgbClr val="666666">
                           <a:alpha val="100000"/>
@@ -4231,28 +4231,28 @@
                           <a:ea typeface="Helvetica"/>
                           <a:sym typeface="Helvetica"/>
                         </a:rPr>
-                        <a:t>23</a:t>
-                      </a:r>
-                    </a:p>
-                  </a:txBody>
-                  <a:tcPr anchor="ctr" marB="63500" marT="63500" marR="0" marL="0">
-                    <a:lnL algn="ctr" cmpd="sng" cap="flat" w="0">
-                      <a:noFill/>
-                      <a:prstDash val="solid"/>
-                    </a:lnL>
-                    <a:lnR algn="ctr" cmpd="sng" cap="flat" w="0">
-                      <a:noFill/>
-                      <a:prstDash val="solid"/>
-                    </a:lnR>
-                    <a:lnT algn="ctr" cmpd="sng" cap="flat" w="6350">
-                      <a:solidFill>
-                        <a:srgbClr val="666666">
-                          <a:alpha val="100000"/>
-                        </a:srgbClr>
-                      </a:solidFill>
-                      <a:prstDash val="solid"/>
-                    </a:lnT>
-                    <a:lnB algn="ctr" cmpd="sng" cap="flat" w="6350">
+                        <a:t>19</a:t>
+                      </a:r>
+                    </a:p>
+                  </a:txBody>
+                  <a:tcPr anchor="ctr" marB="63500" marT="63500" marR="0" marL="0">
+                    <a:lnL algn="ctr" cmpd="sng" cap="flat" w="0">
+                      <a:noFill/>
+                      <a:prstDash val="solid"/>
+                    </a:lnL>
+                    <a:lnR algn="ctr" cmpd="sng" cap="flat" w="0">
+                      <a:noFill/>
+                      <a:prstDash val="solid"/>
+                    </a:lnR>
+                    <a:lnT algn="ctr" cmpd="sng" cap="flat" w="9525">
+                      <a:solidFill>
+                        <a:srgbClr val="666666">
+                          <a:alpha val="100000"/>
+                        </a:srgbClr>
+                      </a:solidFill>
+                      <a:prstDash val="solid"/>
+                    </a:lnT>
+                    <a:lnB algn="ctr" cmpd="sng" cap="flat" w="9525">
                       <a:solidFill>
                         <a:srgbClr val="666666">
                           <a:alpha val="100000"/>
@@ -4296,28 +4296,28 @@
                           <a:ea typeface="Helvetica"/>
                           <a:sym typeface="Helvetica"/>
                         </a:rPr>
-                        <a:t>299</a:t>
-                      </a:r>
-                    </a:p>
-                  </a:txBody>
-                  <a:tcPr anchor="ctr" marB="63500" marT="63500" marR="0" marL="0">
-                    <a:lnL algn="ctr" cmpd="sng" cap="flat" w="0">
-                      <a:noFill/>
-                      <a:prstDash val="solid"/>
-                    </a:lnL>
-                    <a:lnR algn="ctr" cmpd="sng" cap="flat" w="0">
-                      <a:noFill/>
-                      <a:prstDash val="solid"/>
-                    </a:lnR>
-                    <a:lnT algn="ctr" cmpd="sng" cap="flat" w="6350">
-                      <a:solidFill>
-                        <a:srgbClr val="666666">
-                          <a:alpha val="100000"/>
-                        </a:srgbClr>
-                      </a:solidFill>
-                      <a:prstDash val="solid"/>
-                    </a:lnT>
-                    <a:lnB algn="ctr" cmpd="sng" cap="flat" w="6350">
+                        <a:t>99</a:t>
+                      </a:r>
+                    </a:p>
+                  </a:txBody>
+                  <a:tcPr anchor="ctr" marB="63500" marT="63500" marR="0" marL="0">
+                    <a:lnL algn="ctr" cmpd="sng" cap="flat" w="0">
+                      <a:noFill/>
+                      <a:prstDash val="solid"/>
+                    </a:lnL>
+                    <a:lnR algn="ctr" cmpd="sng" cap="flat" w="0">
+                      <a:noFill/>
+                      <a:prstDash val="solid"/>
+                    </a:lnR>
+                    <a:lnT algn="ctr" cmpd="sng" cap="flat" w="9525">
+                      <a:solidFill>
+                        <a:srgbClr val="666666">
+                          <a:alpha val="100000"/>
+                        </a:srgbClr>
+                      </a:solidFill>
+                      <a:prstDash val="solid"/>
+                    </a:lnT>
+                    <a:lnB algn="ctr" cmpd="sng" cap="flat" w="9525">
                       <a:solidFill>
                         <a:srgbClr val="666666">
                           <a:alpha val="100000"/>
@@ -4361,28 +4361,28 @@
                           <a:ea typeface="Helvetica"/>
                           <a:sym typeface="Helvetica"/>
                         </a:rPr>
-                        <a:t>8.6</a:t>
-                      </a:r>
-                    </a:p>
-                  </a:txBody>
-                  <a:tcPr anchor="ctr" marB="63500" marT="63500" marR="0" marL="0">
-                    <a:lnL algn="ctr" cmpd="sng" cap="flat" w="0">
-                      <a:noFill/>
-                      <a:prstDash val="solid"/>
-                    </a:lnL>
-                    <a:lnR algn="ctr" cmpd="sng" cap="flat" w="0">
-                      <a:noFill/>
-                      <a:prstDash val="solid"/>
-                    </a:lnR>
-                    <a:lnT algn="ctr" cmpd="sng" cap="flat" w="6350">
-                      <a:solidFill>
-                        <a:srgbClr val="666666">
-                          <a:alpha val="100000"/>
-                        </a:srgbClr>
-                      </a:solidFill>
-                      <a:prstDash val="solid"/>
-                    </a:lnT>
-                    <a:lnB algn="ctr" cmpd="sng" cap="flat" w="6350">
+                        <a:t>13.8</a:t>
+                      </a:r>
+                    </a:p>
+                  </a:txBody>
+                  <a:tcPr anchor="ctr" marB="63500" marT="63500" marR="0" marL="0">
+                    <a:lnL algn="ctr" cmpd="sng" cap="flat" w="0">
+                      <a:noFill/>
+                      <a:prstDash val="solid"/>
+                    </a:lnL>
+                    <a:lnR algn="ctr" cmpd="sng" cap="flat" w="0">
+                      <a:noFill/>
+                      <a:prstDash val="solid"/>
+                    </a:lnR>
+                    <a:lnT algn="ctr" cmpd="sng" cap="flat" w="9525">
+                      <a:solidFill>
+                        <a:srgbClr val="666666">
+                          <a:alpha val="100000"/>
+                        </a:srgbClr>
+                      </a:solidFill>
+                      <a:prstDash val="solid"/>
+                    </a:lnT>
+                    <a:lnB algn="ctr" cmpd="sng" cap="flat" w="9525">
                       <a:solidFill>
                         <a:srgbClr val="666666">
                           <a:alpha val="100000"/>
@@ -4426,28 +4426,28 @@
                           <a:ea typeface="Helvetica"/>
                           <a:sym typeface="Helvetica"/>
                         </a:rPr>
-                        <a:t>65</a:t>
-                      </a:r>
-                    </a:p>
-                  </a:txBody>
-                  <a:tcPr anchor="ctr" marB="63500" marT="63500" marR="0" marL="0">
-                    <a:lnL algn="ctr" cmpd="sng" cap="flat" w="0">
-                      <a:noFill/>
-                      <a:prstDash val="solid"/>
-                    </a:lnL>
-                    <a:lnR algn="ctr" cmpd="sng" cap="flat" w="0">
-                      <a:noFill/>
-                      <a:prstDash val="solid"/>
-                    </a:lnR>
-                    <a:lnT algn="ctr" cmpd="sng" cap="flat" w="6350">
-                      <a:solidFill>
-                        <a:srgbClr val="666666">
-                          <a:alpha val="100000"/>
-                        </a:srgbClr>
-                      </a:solidFill>
-                      <a:prstDash val="solid"/>
-                    </a:lnT>
-                    <a:lnB algn="ctr" cmpd="sng" cap="flat" w="6350">
+                        <a:t>59</a:t>
+                      </a:r>
+                    </a:p>
+                  </a:txBody>
+                  <a:tcPr anchor="ctr" marB="63500" marT="63500" marR="0" marL="0">
+                    <a:lnL algn="ctr" cmpd="sng" cap="flat" w="0">
+                      <a:noFill/>
+                      <a:prstDash val="solid"/>
+                    </a:lnL>
+                    <a:lnR algn="ctr" cmpd="sng" cap="flat" w="0">
+                      <a:noFill/>
+                      <a:prstDash val="solid"/>
+                    </a:lnR>
+                    <a:lnT algn="ctr" cmpd="sng" cap="flat" w="9525">
+                      <a:solidFill>
+                        <a:srgbClr val="666666">
+                          <a:alpha val="100000"/>
+                        </a:srgbClr>
+                      </a:solidFill>
+                      <a:prstDash val="solid"/>
+                    </a:lnT>
+                    <a:lnB algn="ctr" cmpd="sng" cap="flat" w="9525">
                       <a:solidFill>
                         <a:srgbClr val="666666">
                           <a:alpha val="100000"/>
@@ -4504,15 +4504,15 @@
                       <a:noFill/>
                       <a:prstDash val="solid"/>
                     </a:lnR>
-                    <a:lnT algn="ctr" cmpd="sng" cap="flat" w="6350">
-                      <a:solidFill>
-                        <a:srgbClr val="666666">
-                          <a:alpha val="100000"/>
-                        </a:srgbClr>
-                      </a:solidFill>
-                      <a:prstDash val="solid"/>
-                    </a:lnT>
-                    <a:lnB algn="ctr" cmpd="sng" cap="flat" w="6350">
+                    <a:lnT algn="ctr" cmpd="sng" cap="flat" w="9525">
+                      <a:solidFill>
+                        <a:srgbClr val="666666">
+                          <a:alpha val="100000"/>
+                        </a:srgbClr>
+                      </a:solidFill>
+                      <a:prstDash val="solid"/>
+                    </a:lnT>
+                    <a:lnB algn="ctr" cmpd="sng" cap="flat" w="9525">
                       <a:solidFill>
                         <a:srgbClr val="666666">
                           <a:alpha val="100000"/>
@@ -4556,28 +4556,28 @@
                           <a:ea typeface="Helvetica"/>
                           <a:sym typeface="Helvetica"/>
                         </a:rPr>
-                        <a:t>7</a:t>
-                      </a:r>
-                    </a:p>
-                  </a:txBody>
-                  <a:tcPr anchor="ctr" marB="63500" marT="63500" marR="0" marL="0">
-                    <a:lnL algn="ctr" cmpd="sng" cap="flat" w="0">
-                      <a:noFill/>
-                      <a:prstDash val="solid"/>
-                    </a:lnL>
-                    <a:lnR algn="ctr" cmpd="sng" cap="flat" w="0">
-                      <a:noFill/>
-                      <a:prstDash val="solid"/>
-                    </a:lnR>
-                    <a:lnT algn="ctr" cmpd="sng" cap="flat" w="6350">
-                      <a:solidFill>
-                        <a:srgbClr val="666666">
-                          <a:alpha val="100000"/>
-                        </a:srgbClr>
-                      </a:solidFill>
-                      <a:prstDash val="solid"/>
-                    </a:lnT>
-                    <a:lnB algn="ctr" cmpd="sng" cap="flat" w="6350">
+                        <a:t>8</a:t>
+                      </a:r>
+                    </a:p>
+                  </a:txBody>
+                  <a:tcPr anchor="ctr" marB="63500" marT="63500" marR="0" marL="0">
+                    <a:lnL algn="ctr" cmpd="sng" cap="flat" w="0">
+                      <a:noFill/>
+                      <a:prstDash val="solid"/>
+                    </a:lnL>
+                    <a:lnR algn="ctr" cmpd="sng" cap="flat" w="0">
+                      <a:noFill/>
+                      <a:prstDash val="solid"/>
+                    </a:lnR>
+                    <a:lnT algn="ctr" cmpd="sng" cap="flat" w="9525">
+                      <a:solidFill>
+                        <a:srgbClr val="666666">
+                          <a:alpha val="100000"/>
+                        </a:srgbClr>
+                      </a:solidFill>
+                      <a:prstDash val="solid"/>
+                    </a:lnT>
+                    <a:lnB algn="ctr" cmpd="sng" cap="flat" w="9525">
                       <a:solidFill>
                         <a:srgbClr val="666666">
                           <a:alpha val="100000"/>
@@ -4623,28 +4623,28 @@
                           <a:ea typeface="Helvetica"/>
                           <a:sym typeface="Helvetica"/>
                         </a:rPr>
-                        <a:t>8</a:t>
-                      </a:r>
-                    </a:p>
-                  </a:txBody>
-                  <a:tcPr anchor="ctr" marB="63500" marT="63500" marR="0" marL="0">
-                    <a:lnL algn="ctr" cmpd="sng" cap="flat" w="0">
-                      <a:noFill/>
-                      <a:prstDash val="solid"/>
-                    </a:lnL>
-                    <a:lnR algn="ctr" cmpd="sng" cap="flat" w="0">
-                      <a:noFill/>
-                      <a:prstDash val="solid"/>
-                    </a:lnR>
-                    <a:lnT algn="ctr" cmpd="sng" cap="flat" w="6350">
-                      <a:solidFill>
-                        <a:srgbClr val="666666">
-                          <a:alpha val="100000"/>
-                        </a:srgbClr>
-                      </a:solidFill>
-                      <a:prstDash val="solid"/>
-                    </a:lnT>
-                    <a:lnB algn="ctr" cmpd="sng" cap="flat" w="6350">
+                        <a:t>23</a:t>
+                      </a:r>
+                    </a:p>
+                  </a:txBody>
+                  <a:tcPr anchor="ctr" marB="63500" marT="63500" marR="0" marL="0">
+                    <a:lnL algn="ctr" cmpd="sng" cap="flat" w="0">
+                      <a:noFill/>
+                      <a:prstDash val="solid"/>
+                    </a:lnL>
+                    <a:lnR algn="ctr" cmpd="sng" cap="flat" w="0">
+                      <a:noFill/>
+                      <a:prstDash val="solid"/>
+                    </a:lnR>
+                    <a:lnT algn="ctr" cmpd="sng" cap="flat" w="9525">
+                      <a:solidFill>
+                        <a:srgbClr val="666666">
+                          <a:alpha val="100000"/>
+                        </a:srgbClr>
+                      </a:solidFill>
+                      <a:prstDash val="solid"/>
+                    </a:lnT>
+                    <a:lnB algn="ctr" cmpd="sng" cap="flat" w="9525">
                       <a:solidFill>
                         <a:srgbClr val="666666">
                           <a:alpha val="100000"/>
@@ -4688,28 +4688,28 @@
                           <a:ea typeface="Helvetica"/>
                           <a:sym typeface="Helvetica"/>
                         </a:rPr>
-                        <a:t>19</a:t>
-                      </a:r>
-                    </a:p>
-                  </a:txBody>
-                  <a:tcPr anchor="ctr" marB="63500" marT="63500" marR="0" marL="0">
-                    <a:lnL algn="ctr" cmpd="sng" cap="flat" w="0">
-                      <a:noFill/>
-                      <a:prstDash val="solid"/>
-                    </a:lnL>
-                    <a:lnR algn="ctr" cmpd="sng" cap="flat" w="0">
-                      <a:noFill/>
-                      <a:prstDash val="solid"/>
-                    </a:lnR>
-                    <a:lnT algn="ctr" cmpd="sng" cap="flat" w="6350">
-                      <a:solidFill>
-                        <a:srgbClr val="666666">
-                          <a:alpha val="100000"/>
-                        </a:srgbClr>
-                      </a:solidFill>
-                      <a:prstDash val="solid"/>
-                    </a:lnT>
-                    <a:lnB algn="ctr" cmpd="sng" cap="flat" w="6350">
+                        <a:t>299</a:t>
+                      </a:r>
+                    </a:p>
+                  </a:txBody>
+                  <a:tcPr anchor="ctr" marB="63500" marT="63500" marR="0" marL="0">
+                    <a:lnL algn="ctr" cmpd="sng" cap="flat" w="0">
+                      <a:noFill/>
+                      <a:prstDash val="solid"/>
+                    </a:lnL>
+                    <a:lnR algn="ctr" cmpd="sng" cap="flat" w="0">
+                      <a:noFill/>
+                      <a:prstDash val="solid"/>
+                    </a:lnR>
+                    <a:lnT algn="ctr" cmpd="sng" cap="flat" w="9525">
+                      <a:solidFill>
+                        <a:srgbClr val="666666">
+                          <a:alpha val="100000"/>
+                        </a:srgbClr>
+                      </a:solidFill>
+                      <a:prstDash val="solid"/>
+                    </a:lnT>
+                    <a:lnB algn="ctr" cmpd="sng" cap="flat" w="9525">
                       <a:solidFill>
                         <a:srgbClr val="666666">
                           <a:alpha val="100000"/>
@@ -4753,28 +4753,28 @@
                           <a:ea typeface="Helvetica"/>
                           <a:sym typeface="Helvetica"/>
                         </a:rPr>
-                        <a:t>20.1</a:t>
-                      </a:r>
-                    </a:p>
-                  </a:txBody>
-                  <a:tcPr anchor="ctr" marB="63500" marT="63500" marR="0" marL="0">
-                    <a:lnL algn="ctr" cmpd="sng" cap="flat" w="0">
-                      <a:noFill/>
-                      <a:prstDash val="solid"/>
-                    </a:lnL>
-                    <a:lnR algn="ctr" cmpd="sng" cap="flat" w="0">
-                      <a:noFill/>
-                      <a:prstDash val="solid"/>
-                    </a:lnR>
-                    <a:lnT algn="ctr" cmpd="sng" cap="flat" w="6350">
-                      <a:solidFill>
-                        <a:srgbClr val="666666">
-                          <a:alpha val="100000"/>
-                        </a:srgbClr>
-                      </a:solidFill>
-                      <a:prstDash val="solid"/>
-                    </a:lnT>
-                    <a:lnB algn="ctr" cmpd="sng" cap="flat" w="6350">
+                        <a:t>8.6</a:t>
+                      </a:r>
+                    </a:p>
+                  </a:txBody>
+                  <a:tcPr anchor="ctr" marB="63500" marT="63500" marR="0" marL="0">
+                    <a:lnL algn="ctr" cmpd="sng" cap="flat" w="0">
+                      <a:noFill/>
+                      <a:prstDash val="solid"/>
+                    </a:lnL>
+                    <a:lnR algn="ctr" cmpd="sng" cap="flat" w="0">
+                      <a:noFill/>
+                      <a:prstDash val="solid"/>
+                    </a:lnR>
+                    <a:lnT algn="ctr" cmpd="sng" cap="flat" w="9525">
+                      <a:solidFill>
+                        <a:srgbClr val="666666">
+                          <a:alpha val="100000"/>
+                        </a:srgbClr>
+                      </a:solidFill>
+                      <a:prstDash val="solid"/>
+                    </a:lnT>
+                    <a:lnB algn="ctr" cmpd="sng" cap="flat" w="9525">
                       <a:solidFill>
                         <a:srgbClr val="666666">
                           <a:alpha val="100000"/>
@@ -4818,28 +4818,28 @@
                           <a:ea typeface="Helvetica"/>
                           <a:sym typeface="Helvetica"/>
                         </a:rPr>
-                        <a:t>61</a:t>
-                      </a:r>
-                    </a:p>
-                  </a:txBody>
-                  <a:tcPr anchor="ctr" marB="63500" marT="63500" marR="0" marL="0">
-                    <a:lnL algn="ctr" cmpd="sng" cap="flat" w="0">
-                      <a:noFill/>
-                      <a:prstDash val="solid"/>
-                    </a:lnL>
-                    <a:lnR algn="ctr" cmpd="sng" cap="flat" w="0">
-                      <a:noFill/>
-                      <a:prstDash val="solid"/>
-                    </a:lnR>
-                    <a:lnT algn="ctr" cmpd="sng" cap="flat" w="6350">
-                      <a:solidFill>
-                        <a:srgbClr val="666666">
-                          <a:alpha val="100000"/>
-                        </a:srgbClr>
-                      </a:solidFill>
-                      <a:prstDash val="solid"/>
-                    </a:lnT>
-                    <a:lnB algn="ctr" cmpd="sng" cap="flat" w="6350">
+                        <a:t>65</a:t>
+                      </a:r>
+                    </a:p>
+                  </a:txBody>
+                  <a:tcPr anchor="ctr" marB="63500" marT="63500" marR="0" marL="0">
+                    <a:lnL algn="ctr" cmpd="sng" cap="flat" w="0">
+                      <a:noFill/>
+                      <a:prstDash val="solid"/>
+                    </a:lnL>
+                    <a:lnR algn="ctr" cmpd="sng" cap="flat" w="0">
+                      <a:noFill/>
+                      <a:prstDash val="solid"/>
+                    </a:lnR>
+                    <a:lnT algn="ctr" cmpd="sng" cap="flat" w="9525">
+                      <a:solidFill>
+                        <a:srgbClr val="666666">
+                          <a:alpha val="100000"/>
+                        </a:srgbClr>
+                      </a:solidFill>
+                      <a:prstDash val="solid"/>
+                    </a:lnT>
+                    <a:lnB algn="ctr" cmpd="sng" cap="flat" w="9525">
                       <a:solidFill>
                         <a:srgbClr val="666666">
                           <a:alpha val="100000"/>
@@ -4896,15 +4896,15 @@
                       <a:noFill/>
                       <a:prstDash val="solid"/>
                     </a:lnR>
-                    <a:lnT algn="ctr" cmpd="sng" cap="flat" w="6350">
-                      <a:solidFill>
-                        <a:srgbClr val="666666">
-                          <a:alpha val="100000"/>
-                        </a:srgbClr>
-                      </a:solidFill>
-                      <a:prstDash val="solid"/>
-                    </a:lnT>
-                    <a:lnB algn="ctr" cmpd="sng" cap="flat" w="6350">
+                    <a:lnT algn="ctr" cmpd="sng" cap="flat" w="9525">
+                      <a:solidFill>
+                        <a:srgbClr val="666666">
+                          <a:alpha val="100000"/>
+                        </a:srgbClr>
+                      </a:solidFill>
+                      <a:prstDash val="solid"/>
+                    </a:lnT>
+                    <a:lnB algn="ctr" cmpd="sng" cap="flat" w="9525">
                       <a:solidFill>
                         <a:srgbClr val="666666">
                           <a:alpha val="100000"/>
@@ -4948,28 +4948,28 @@
                           <a:ea typeface="Helvetica"/>
                           <a:sym typeface="Helvetica"/>
                         </a:rPr>
-                        <a:t>9</a:t>
-                      </a:r>
-                    </a:p>
-                  </a:txBody>
-                  <a:tcPr anchor="ctr" marB="63500" marT="63500" marR="0" marL="0">
-                    <a:lnL algn="ctr" cmpd="sng" cap="flat" w="0">
-                      <a:noFill/>
-                      <a:prstDash val="solid"/>
-                    </a:lnL>
-                    <a:lnR algn="ctr" cmpd="sng" cap="flat" w="0">
-                      <a:noFill/>
-                      <a:prstDash val="solid"/>
-                    </a:lnR>
-                    <a:lnT algn="ctr" cmpd="sng" cap="flat" w="6350">
-                      <a:solidFill>
-                        <a:srgbClr val="666666">
-                          <a:alpha val="100000"/>
-                        </a:srgbClr>
-                      </a:solidFill>
-                      <a:prstDash val="solid"/>
-                    </a:lnT>
-                    <a:lnB algn="ctr" cmpd="sng" cap="flat" w="6350">
+                        <a:t>7</a:t>
+                      </a:r>
+                    </a:p>
+                  </a:txBody>
+                  <a:tcPr anchor="ctr" marB="63500" marT="63500" marR="0" marL="0">
+                    <a:lnL algn="ctr" cmpd="sng" cap="flat" w="0">
+                      <a:noFill/>
+                      <a:prstDash val="solid"/>
+                    </a:lnL>
+                    <a:lnR algn="ctr" cmpd="sng" cap="flat" w="0">
+                      <a:noFill/>
+                      <a:prstDash val="solid"/>
+                    </a:lnR>
+                    <a:lnT algn="ctr" cmpd="sng" cap="flat" w="9525">
+                      <a:solidFill>
+                        <a:srgbClr val="666666">
+                          <a:alpha val="100000"/>
+                        </a:srgbClr>
+                      </a:solidFill>
+                      <a:prstDash val="solid"/>
+                    </a:lnT>
+                    <a:lnB algn="ctr" cmpd="sng" cap="flat" w="9525">
                       <a:solidFill>
                         <a:srgbClr val="666666">
                           <a:alpha val="100000"/>
@@ -5015,28 +5015,28 @@
                           <a:ea typeface="Helvetica"/>
                           <a:sym typeface="Helvetica"/>
                         </a:rPr>
-                        <a:t/>
-                      </a:r>
-                    </a:p>
-                  </a:txBody>
-                  <a:tcPr anchor="ctr" marB="63500" marT="63500" marR="0" marL="0">
-                    <a:lnL algn="ctr" cmpd="sng" cap="flat" w="0">
-                      <a:noFill/>
-                      <a:prstDash val="solid"/>
-                    </a:lnL>
-                    <a:lnR algn="ctr" cmpd="sng" cap="flat" w="0">
-                      <a:noFill/>
-                      <a:prstDash val="solid"/>
-                    </a:lnR>
-                    <a:lnT algn="ctr" cmpd="sng" cap="flat" w="6350">
-                      <a:solidFill>
-                        <a:srgbClr val="666666">
-                          <a:alpha val="100000"/>
-                        </a:srgbClr>
-                      </a:solidFill>
-                      <a:prstDash val="solid"/>
-                    </a:lnT>
-                    <a:lnB algn="ctr" cmpd="sng" cap="flat" w="6350">
+                        <a:t>18</a:t>
+                      </a:r>
+                    </a:p>
+                  </a:txBody>
+                  <a:tcPr anchor="ctr" marB="63500" marT="63500" marR="0" marL="0">
+                    <a:lnL algn="ctr" cmpd="sng" cap="flat" w="0">
+                      <a:noFill/>
+                      <a:prstDash val="solid"/>
+                    </a:lnL>
+                    <a:lnR algn="ctr" cmpd="sng" cap="flat" w="0">
+                      <a:noFill/>
+                      <a:prstDash val="solid"/>
+                    </a:lnR>
+                    <a:lnT algn="ctr" cmpd="sng" cap="flat" w="9525">
+                      <a:solidFill>
+                        <a:srgbClr val="666666">
+                          <a:alpha val="100000"/>
+                        </a:srgbClr>
+                      </a:solidFill>
+                      <a:prstDash val="solid"/>
+                    </a:lnT>
+                    <a:lnB algn="ctr" cmpd="sng" cap="flat" w="9525">
                       <a:solidFill>
                         <a:srgbClr val="666666">
                           <a:alpha val="100000"/>
@@ -5080,28 +5080,28 @@
                           <a:ea typeface="Helvetica"/>
                           <a:sym typeface="Helvetica"/>
                         </a:rPr>
-                        <a:t/>
-                      </a:r>
-                    </a:p>
-                  </a:txBody>
-                  <a:tcPr anchor="ctr" marB="63500" marT="63500" marR="0" marL="0">
-                    <a:lnL algn="ctr" cmpd="sng" cap="flat" w="0">
-                      <a:noFill/>
-                      <a:prstDash val="solid"/>
-                    </a:lnL>
-                    <a:lnR algn="ctr" cmpd="sng" cap="flat" w="0">
-                      <a:noFill/>
-                      <a:prstDash val="solid"/>
-                    </a:lnR>
-                    <a:lnT algn="ctr" cmpd="sng" cap="flat" w="6350">
-                      <a:solidFill>
-                        <a:srgbClr val="666666">
-                          <a:alpha val="100000"/>
-                        </a:srgbClr>
-                      </a:solidFill>
-                      <a:prstDash val="solid"/>
-                    </a:lnT>
-                    <a:lnB algn="ctr" cmpd="sng" cap="flat" w="6350">
+                        <a:t>313</a:t>
+                      </a:r>
+                    </a:p>
+                  </a:txBody>
+                  <a:tcPr anchor="ctr" marB="63500" marT="63500" marR="0" marL="0">
+                    <a:lnL algn="ctr" cmpd="sng" cap="flat" w="0">
+                      <a:noFill/>
+                      <a:prstDash val="solid"/>
+                    </a:lnL>
+                    <a:lnR algn="ctr" cmpd="sng" cap="flat" w="0">
+                      <a:noFill/>
+                      <a:prstDash val="solid"/>
+                    </a:lnR>
+                    <a:lnT algn="ctr" cmpd="sng" cap="flat" w="9525">
+                      <a:solidFill>
+                        <a:srgbClr val="666666">
+                          <a:alpha val="100000"/>
+                        </a:srgbClr>
+                      </a:solidFill>
+                      <a:prstDash val="solid"/>
+                    </a:lnT>
+                    <a:lnB algn="ctr" cmpd="sng" cap="flat" w="9525">
                       <a:solidFill>
                         <a:srgbClr val="666666">
                           <a:alpha val="100000"/>
@@ -5145,28 +5145,28 @@
                           <a:ea typeface="Helvetica"/>
                           <a:sym typeface="Helvetica"/>
                         </a:rPr>
-                        <a:t>14.3</a:t>
-                      </a:r>
-                    </a:p>
-                  </a:txBody>
-                  <a:tcPr anchor="ctr" marB="63500" marT="63500" marR="0" marL="0">
-                    <a:lnL algn="ctr" cmpd="sng" cap="flat" w="0">
-                      <a:noFill/>
-                      <a:prstDash val="solid"/>
-                    </a:lnL>
-                    <a:lnR algn="ctr" cmpd="sng" cap="flat" w="0">
-                      <a:noFill/>
-                      <a:prstDash val="solid"/>
-                    </a:lnR>
-                    <a:lnT algn="ctr" cmpd="sng" cap="flat" w="6350">
-                      <a:solidFill>
-                        <a:srgbClr val="666666">
-                          <a:alpha val="100000"/>
-                        </a:srgbClr>
-                      </a:solidFill>
-                      <a:prstDash val="solid"/>
-                    </a:lnT>
-                    <a:lnB algn="ctr" cmpd="sng" cap="flat" w="6350">
+                        <a:t>11.5</a:t>
+                      </a:r>
+                    </a:p>
+                  </a:txBody>
+                  <a:tcPr anchor="ctr" marB="63500" marT="63500" marR="0" marL="0">
+                    <a:lnL algn="ctr" cmpd="sng" cap="flat" w="0">
+                      <a:noFill/>
+                      <a:prstDash val="solid"/>
+                    </a:lnL>
+                    <a:lnR algn="ctr" cmpd="sng" cap="flat" w="0">
+                      <a:noFill/>
+                      <a:prstDash val="solid"/>
+                    </a:lnR>
+                    <a:lnT algn="ctr" cmpd="sng" cap="flat" w="9525">
+                      <a:solidFill>
+                        <a:srgbClr val="666666">
+                          <a:alpha val="100000"/>
+                        </a:srgbClr>
+                      </a:solidFill>
+                      <a:prstDash val="solid"/>
+                    </a:lnT>
+                    <a:lnB algn="ctr" cmpd="sng" cap="flat" w="9525">
                       <a:solidFill>
                         <a:srgbClr val="666666">
                           <a:alpha val="100000"/>
@@ -5210,28 +5210,28 @@
                           <a:ea typeface="Helvetica"/>
                           <a:sym typeface="Helvetica"/>
                         </a:rPr>
-                        <a:t>56</a:t>
-                      </a:r>
-                    </a:p>
-                  </a:txBody>
-                  <a:tcPr anchor="ctr" marB="63500" marT="63500" marR="0" marL="0">
-                    <a:lnL algn="ctr" cmpd="sng" cap="flat" w="0">
-                      <a:noFill/>
-                      <a:prstDash val="solid"/>
-                    </a:lnL>
-                    <a:lnR algn="ctr" cmpd="sng" cap="flat" w="0">
-                      <a:noFill/>
-                      <a:prstDash val="solid"/>
-                    </a:lnR>
-                    <a:lnT algn="ctr" cmpd="sng" cap="flat" w="6350">
-                      <a:solidFill>
-                        <a:srgbClr val="666666">
-                          <a:alpha val="100000"/>
-                        </a:srgbClr>
-                      </a:solidFill>
-                      <a:prstDash val="solid"/>
-                    </a:lnT>
-                    <a:lnB algn="ctr" cmpd="sng" cap="flat" w="6350">
+                        <a:t>62</a:t>
+                      </a:r>
+                    </a:p>
+                  </a:txBody>
+                  <a:tcPr anchor="ctr" marB="63500" marT="63500" marR="0" marL="0">
+                    <a:lnL algn="ctr" cmpd="sng" cap="flat" w="0">
+                      <a:noFill/>
+                      <a:prstDash val="solid"/>
+                    </a:lnL>
+                    <a:lnR algn="ctr" cmpd="sng" cap="flat" w="0">
+                      <a:noFill/>
+                      <a:prstDash val="solid"/>
+                    </a:lnR>
+                    <a:lnT algn="ctr" cmpd="sng" cap="flat" w="9525">
+                      <a:solidFill>
+                        <a:srgbClr val="666666">
+                          <a:alpha val="100000"/>
+                        </a:srgbClr>
+                      </a:solidFill>
+                      <a:prstDash val="solid"/>
+                    </a:lnT>
+                    <a:lnB algn="ctr" cmpd="sng" cap="flat" w="9525">
                       <a:solidFill>
                         <a:srgbClr val="666666">
                           <a:alpha val="100000"/>
@@ -5288,15 +5288,15 @@
                       <a:noFill/>
                       <a:prstDash val="solid"/>
                     </a:lnR>
-                    <a:lnT algn="ctr" cmpd="sng" cap="flat" w="6350">
-                      <a:solidFill>
-                        <a:srgbClr val="666666">
-                          <a:alpha val="100000"/>
-                        </a:srgbClr>
-                      </a:solidFill>
-                      <a:prstDash val="solid"/>
-                    </a:lnT>
-                    <a:lnB algn="ctr" cmpd="sng" cap="flat" w="6350">
+                    <a:lnT algn="ctr" cmpd="sng" cap="flat" w="9525">
+                      <a:solidFill>
+                        <a:srgbClr val="666666">
+                          <a:alpha val="100000"/>
+                        </a:srgbClr>
+                      </a:solidFill>
+                      <a:prstDash val="solid"/>
+                    </a:lnT>
+                    <a:lnB algn="ctr" cmpd="sng" cap="flat" w="9525">
                       <a:solidFill>
                         <a:srgbClr val="666666">
                           <a:alpha val="100000"/>
@@ -5340,28 +5340,28 @@
                           <a:ea typeface="Helvetica"/>
                           <a:sym typeface="Helvetica"/>
                         </a:rPr>
-                        <a:t>5</a:t>
-                      </a:r>
-                    </a:p>
-                  </a:txBody>
-                  <a:tcPr anchor="ctr" marB="63500" marT="63500" marR="0" marL="0">
-                    <a:lnL algn="ctr" cmpd="sng" cap="flat" w="0">
-                      <a:noFill/>
-                      <a:prstDash val="solid"/>
-                    </a:lnL>
-                    <a:lnR algn="ctr" cmpd="sng" cap="flat" w="0">
-                      <a:noFill/>
-                      <a:prstDash val="solid"/>
-                    </a:lnR>
-                    <a:lnT algn="ctr" cmpd="sng" cap="flat" w="6350">
-                      <a:solidFill>
-                        <a:srgbClr val="666666">
-                          <a:alpha val="100000"/>
-                        </a:srgbClr>
-                      </a:solidFill>
-                      <a:prstDash val="solid"/>
-                    </a:lnT>
-                    <a:lnB algn="ctr" cmpd="sng" cap="flat" w="6350">
+                        <a:t>4</a:t>
+                      </a:r>
+                    </a:p>
+                  </a:txBody>
+                  <a:tcPr anchor="ctr" marB="63500" marT="63500" marR="0" marL="0">
+                    <a:lnL algn="ctr" cmpd="sng" cap="flat" w="0">
+                      <a:noFill/>
+                      <a:prstDash val="solid"/>
+                    </a:lnL>
+                    <a:lnR algn="ctr" cmpd="sng" cap="flat" w="0">
+                      <a:noFill/>
+                      <a:prstDash val="solid"/>
+                    </a:lnR>
+                    <a:lnT algn="ctr" cmpd="sng" cap="flat" w="9525">
+                      <a:solidFill>
+                        <a:srgbClr val="666666">
+                          <a:alpha val="100000"/>
+                        </a:srgbClr>
+                      </a:solidFill>
+                      <a:prstDash val="solid"/>
+                    </a:lnT>
+                    <a:lnB algn="ctr" cmpd="sng" cap="flat" w="9525">
                       <a:solidFill>
                         <a:srgbClr val="666666">
                           <a:alpha val="100000"/>
@@ -5407,28 +5407,28 @@
                           <a:ea typeface="Helvetica"/>
                           <a:sym typeface="Helvetica"/>
                         </a:rPr>
-                        <a:t>36</a:t>
-                      </a:r>
-                    </a:p>
-                  </a:txBody>
-                  <a:tcPr anchor="ctr" marB="63500" marT="63500" marR="0" marL="0">
-                    <a:lnL algn="ctr" cmpd="sng" cap="flat" w="0">
-                      <a:noFill/>
-                      <a:prstDash val="solid"/>
-                    </a:lnL>
-                    <a:lnR algn="ctr" cmpd="sng" cap="flat" w="0">
-                      <a:noFill/>
-                      <a:prstDash val="solid"/>
-                    </a:lnR>
-                    <a:lnT algn="ctr" cmpd="sng" cap="flat" w="6350">
-                      <a:solidFill>
-                        <a:srgbClr val="666666">
-                          <a:alpha val="100000"/>
-                        </a:srgbClr>
-                      </a:solidFill>
-                      <a:prstDash val="solid"/>
-                    </a:lnT>
-                    <a:lnB algn="ctr" cmpd="sng" cap="flat" w="6350">
+                        <a:t/>
+                      </a:r>
+                    </a:p>
+                  </a:txBody>
+                  <a:tcPr anchor="ctr" marB="63500" marT="63500" marR="0" marL="0">
+                    <a:lnL algn="ctr" cmpd="sng" cap="flat" w="0">
+                      <a:noFill/>
+                      <a:prstDash val="solid"/>
+                    </a:lnL>
+                    <a:lnR algn="ctr" cmpd="sng" cap="flat" w="0">
+                      <a:noFill/>
+                      <a:prstDash val="solid"/>
+                    </a:lnR>
+                    <a:lnT algn="ctr" cmpd="sng" cap="flat" w="9525">
+                      <a:solidFill>
+                        <a:srgbClr val="666666">
+                          <a:alpha val="100000"/>
+                        </a:srgbClr>
+                      </a:solidFill>
+                      <a:prstDash val="solid"/>
+                    </a:lnT>
+                    <a:lnB algn="ctr" cmpd="sng" cap="flat" w="9525">
                       <a:solidFill>
                         <a:srgbClr val="666666">
                           <a:alpha val="100000"/>
@@ -5472,28 +5472,28 @@
                           <a:ea typeface="Helvetica"/>
                           <a:sym typeface="Helvetica"/>
                         </a:rPr>
-                        <a:t>118</a:t>
-                      </a:r>
-                    </a:p>
-                  </a:txBody>
-                  <a:tcPr anchor="ctr" marB="63500" marT="63500" marR="0" marL="0">
-                    <a:lnL algn="ctr" cmpd="sng" cap="flat" w="0">
-                      <a:noFill/>
-                      <a:prstDash val="solid"/>
-                    </a:lnL>
-                    <a:lnR algn="ctr" cmpd="sng" cap="flat" w="0">
-                      <a:noFill/>
-                      <a:prstDash val="solid"/>
-                    </a:lnR>
-                    <a:lnT algn="ctr" cmpd="sng" cap="flat" w="6350">
-                      <a:solidFill>
-                        <a:srgbClr val="666666">
-                          <a:alpha val="100000"/>
-                        </a:srgbClr>
-                      </a:solidFill>
-                      <a:prstDash val="solid"/>
-                    </a:lnT>
-                    <a:lnB algn="ctr" cmpd="sng" cap="flat" w="6350">
+                        <a:t>194</a:t>
+                      </a:r>
+                    </a:p>
+                  </a:txBody>
+                  <a:tcPr anchor="ctr" marB="63500" marT="63500" marR="0" marL="0">
+                    <a:lnL algn="ctr" cmpd="sng" cap="flat" w="0">
+                      <a:noFill/>
+                      <a:prstDash val="solid"/>
+                    </a:lnL>
+                    <a:lnR algn="ctr" cmpd="sng" cap="flat" w="0">
+                      <a:noFill/>
+                      <a:prstDash val="solid"/>
+                    </a:lnR>
+                    <a:lnT algn="ctr" cmpd="sng" cap="flat" w="9525">
+                      <a:solidFill>
+                        <a:srgbClr val="666666">
+                          <a:alpha val="100000"/>
+                        </a:srgbClr>
+                      </a:solidFill>
+                      <a:prstDash val="solid"/>
+                    </a:lnT>
+                    <a:lnB algn="ctr" cmpd="sng" cap="flat" w="9525">
                       <a:solidFill>
                         <a:srgbClr val="666666">
                           <a:alpha val="100000"/>
@@ -5537,28 +5537,28 @@
                           <a:ea typeface="Helvetica"/>
                           <a:sym typeface="Helvetica"/>
                         </a:rPr>
-                        <a:t>8.0</a:t>
-                      </a:r>
-                    </a:p>
-                  </a:txBody>
-                  <a:tcPr anchor="ctr" marB="63500" marT="63500" marR="0" marL="0">
-                    <a:lnL algn="ctr" cmpd="sng" cap="flat" w="0">
-                      <a:noFill/>
-                      <a:prstDash val="solid"/>
-                    </a:lnL>
-                    <a:lnR algn="ctr" cmpd="sng" cap="flat" w="0">
-                      <a:noFill/>
-                      <a:prstDash val="solid"/>
-                    </a:lnR>
-                    <a:lnT algn="ctr" cmpd="sng" cap="flat" w="6350">
-                      <a:solidFill>
-                        <a:srgbClr val="666666">
-                          <a:alpha val="100000"/>
-                        </a:srgbClr>
-                      </a:solidFill>
-                      <a:prstDash val="solid"/>
-                    </a:lnT>
-                    <a:lnB algn="ctr" cmpd="sng" cap="flat" w="6350">
+                        <a:t>8.6</a:t>
+                      </a:r>
+                    </a:p>
+                  </a:txBody>
+                  <a:tcPr anchor="ctr" marB="63500" marT="63500" marR="0" marL="0">
+                    <a:lnL algn="ctr" cmpd="sng" cap="flat" w="0">
+                      <a:noFill/>
+                      <a:prstDash val="solid"/>
+                    </a:lnL>
+                    <a:lnR algn="ctr" cmpd="sng" cap="flat" w="0">
+                      <a:noFill/>
+                      <a:prstDash val="solid"/>
+                    </a:lnR>
+                    <a:lnT algn="ctr" cmpd="sng" cap="flat" w="9525">
+                      <a:solidFill>
+                        <a:srgbClr val="666666">
+                          <a:alpha val="100000"/>
+                        </a:srgbClr>
+                      </a:solidFill>
+                      <a:prstDash val="solid"/>
+                    </a:lnT>
+                    <a:lnB algn="ctr" cmpd="sng" cap="flat" w="9525">
                       <a:solidFill>
                         <a:srgbClr val="666666">
                           <a:alpha val="100000"/>
@@ -5602,28 +5602,28 @@
                           <a:ea typeface="Helvetica"/>
                           <a:sym typeface="Helvetica"/>
                         </a:rPr>
-                        <a:t>72</a:t>
-                      </a:r>
-                    </a:p>
-                  </a:txBody>
-                  <a:tcPr anchor="ctr" marB="63500" marT="63500" marR="0" marL="0">
-                    <a:lnL algn="ctr" cmpd="sng" cap="flat" w="0">
-                      <a:noFill/>
-                      <a:prstDash val="solid"/>
-                    </a:lnL>
-                    <a:lnR algn="ctr" cmpd="sng" cap="flat" w="0">
-                      <a:noFill/>
-                      <a:prstDash val="solid"/>
-                    </a:lnR>
-                    <a:lnT algn="ctr" cmpd="sng" cap="flat" w="6350">
-                      <a:solidFill>
-                        <a:srgbClr val="666666">
-                          <a:alpha val="100000"/>
-                        </a:srgbClr>
-                      </a:solidFill>
-                      <a:prstDash val="solid"/>
-                    </a:lnT>
-                    <a:lnB algn="ctr" cmpd="sng" cap="flat" w="6350">
+                        <a:t>69</a:t>
+                      </a:r>
+                    </a:p>
+                  </a:txBody>
+                  <a:tcPr anchor="ctr" marB="63500" marT="63500" marR="0" marL="0">
+                    <a:lnL algn="ctr" cmpd="sng" cap="flat" w="0">
+                      <a:noFill/>
+                      <a:prstDash val="solid"/>
+                    </a:lnL>
+                    <a:lnR algn="ctr" cmpd="sng" cap="flat" w="0">
+                      <a:noFill/>
+                      <a:prstDash val="solid"/>
+                    </a:lnR>
+                    <a:lnT algn="ctr" cmpd="sng" cap="flat" w="9525">
+                      <a:solidFill>
+                        <a:srgbClr val="666666">
+                          <a:alpha val="100000"/>
+                        </a:srgbClr>
+                      </a:solidFill>
+                      <a:prstDash val="solid"/>
+                    </a:lnT>
+                    <a:lnB algn="ctr" cmpd="sng" cap="flat" w="9525">
                       <a:solidFill>
                         <a:srgbClr val="666666">
                           <a:alpha val="100000"/>
@@ -5680,15 +5680,15 @@
                       <a:noFill/>
                       <a:prstDash val="solid"/>
                     </a:lnR>
-                    <a:lnT algn="ctr" cmpd="sng" cap="flat" w="6350">
-                      <a:solidFill>
-                        <a:srgbClr val="666666">
-                          <a:alpha val="100000"/>
-                        </a:srgbClr>
-                      </a:solidFill>
-                      <a:prstDash val="solid"/>
-                    </a:lnT>
-                    <a:lnB algn="ctr" cmpd="sng" cap="flat" w="6350">
+                    <a:lnT algn="ctr" cmpd="sng" cap="flat" w="9525">
+                      <a:solidFill>
+                        <a:srgbClr val="666666">
+                          <a:alpha val="100000"/>
+                        </a:srgbClr>
+                      </a:solidFill>
+                      <a:prstDash val="solid"/>
+                    </a:lnT>
+                    <a:lnB algn="ctr" cmpd="sng" cap="flat" w="9525">
                       <a:solidFill>
                         <a:srgbClr val="666666">
                           <a:alpha val="100000"/>
@@ -5732,28 +5732,28 @@
                           <a:ea typeface="Helvetica"/>
                           <a:sym typeface="Helvetica"/>
                         </a:rPr>
-                        <a:t>2</a:t>
-                      </a:r>
-                    </a:p>
-                  </a:txBody>
-                  <a:tcPr anchor="ctr" marB="63500" marT="63500" marR="0" marL="0">
-                    <a:lnL algn="ctr" cmpd="sng" cap="flat" w="0">
-                      <a:noFill/>
-                      <a:prstDash val="solid"/>
-                    </a:lnL>
-                    <a:lnR algn="ctr" cmpd="sng" cap="flat" w="0">
-                      <a:noFill/>
-                      <a:prstDash val="solid"/>
-                    </a:lnR>
-                    <a:lnT algn="ctr" cmpd="sng" cap="flat" w="6350">
-                      <a:solidFill>
-                        <a:srgbClr val="666666">
-                          <a:alpha val="100000"/>
-                        </a:srgbClr>
-                      </a:solidFill>
-                      <a:prstDash val="solid"/>
-                    </a:lnT>
-                    <a:lnB algn="ctr" cmpd="sng" cap="flat" w="6350">
+                        <a:t>10</a:t>
+                      </a:r>
+                    </a:p>
+                  </a:txBody>
+                  <a:tcPr anchor="ctr" marB="63500" marT="63500" marR="0" marL="0">
+                    <a:lnL algn="ctr" cmpd="sng" cap="flat" w="0">
+                      <a:noFill/>
+                      <a:prstDash val="solid"/>
+                    </a:lnL>
+                    <a:lnR algn="ctr" cmpd="sng" cap="flat" w="0">
+                      <a:noFill/>
+                      <a:prstDash val="solid"/>
+                    </a:lnR>
+                    <a:lnT algn="ctr" cmpd="sng" cap="flat" w="9525">
+                      <a:solidFill>
+                        <a:srgbClr val="666666">
+                          <a:alpha val="100000"/>
+                        </a:srgbClr>
+                      </a:solidFill>
+                      <a:prstDash val="solid"/>
+                    </a:lnT>
+                    <a:lnB algn="ctr" cmpd="sng" cap="flat" w="9525">
                       <a:solidFill>
                         <a:srgbClr val="666666">
                           <a:alpha val="100000"/>
@@ -5799,28 +5799,28 @@
                           <a:ea typeface="Helvetica"/>
                           <a:sym typeface="Helvetica"/>
                         </a:rPr>
-                        <a:t>19</a:t>
-                      </a:r>
-                    </a:p>
-                  </a:txBody>
-                  <a:tcPr anchor="ctr" marB="63500" marT="63500" marR="0" marL="0">
-                    <a:lnL algn="ctr" cmpd="sng" cap="flat" w="0">
-                      <a:noFill/>
-                      <a:prstDash val="solid"/>
-                    </a:lnL>
-                    <a:lnR algn="ctr" cmpd="sng" cap="flat" w="0">
-                      <a:noFill/>
-                      <a:prstDash val="solid"/>
-                    </a:lnR>
-                    <a:lnT algn="ctr" cmpd="sng" cap="flat" w="6350">
-                      <a:solidFill>
-                        <a:srgbClr val="666666">
-                          <a:alpha val="100000"/>
-                        </a:srgbClr>
-                      </a:solidFill>
-                      <a:prstDash val="solid"/>
-                    </a:lnT>
-                    <a:lnB algn="ctr" cmpd="sng" cap="flat" w="6350">
+                        <a:t>36</a:t>
+                      </a:r>
+                    </a:p>
+                  </a:txBody>
+                  <a:tcPr anchor="ctr" marB="63500" marT="63500" marR="0" marL="0">
+                    <a:lnL algn="ctr" cmpd="sng" cap="flat" w="0">
+                      <a:noFill/>
+                      <a:prstDash val="solid"/>
+                    </a:lnL>
+                    <a:lnR algn="ctr" cmpd="sng" cap="flat" w="0">
+                      <a:noFill/>
+                      <a:prstDash val="solid"/>
+                    </a:lnR>
+                    <a:lnT algn="ctr" cmpd="sng" cap="flat" w="9525">
+                      <a:solidFill>
+                        <a:srgbClr val="666666">
+                          <a:alpha val="100000"/>
+                        </a:srgbClr>
+                      </a:solidFill>
+                      <a:prstDash val="solid"/>
+                    </a:lnT>
+                    <a:lnB algn="ctr" cmpd="sng" cap="flat" w="9525">
                       <a:solidFill>
                         <a:srgbClr val="666666">
                           <a:alpha val="100000"/>
@@ -5864,28 +5864,28 @@
                           <a:ea typeface="Helvetica"/>
                           <a:sym typeface="Helvetica"/>
                         </a:rPr>
-                        <a:t>99</a:t>
-                      </a:r>
-                    </a:p>
-                  </a:txBody>
-                  <a:tcPr anchor="ctr" marB="63500" marT="63500" marR="0" marL="0">
-                    <a:lnL algn="ctr" cmpd="sng" cap="flat" w="0">
-                      <a:noFill/>
-                      <a:prstDash val="solid"/>
-                    </a:lnL>
-                    <a:lnR algn="ctr" cmpd="sng" cap="flat" w="0">
-                      <a:noFill/>
-                      <a:prstDash val="solid"/>
-                    </a:lnR>
-                    <a:lnT algn="ctr" cmpd="sng" cap="flat" w="6350">
-                      <a:solidFill>
-                        <a:srgbClr val="666666">
-                          <a:alpha val="100000"/>
-                        </a:srgbClr>
-                      </a:solidFill>
-                      <a:prstDash val="solid"/>
-                    </a:lnT>
-                    <a:lnB algn="ctr" cmpd="sng" cap="flat" w="6350">
+                        <a:t>118</a:t>
+                      </a:r>
+                    </a:p>
+                  </a:txBody>
+                  <a:tcPr anchor="ctr" marB="63500" marT="63500" marR="0" marL="0">
+                    <a:lnL algn="ctr" cmpd="sng" cap="flat" w="0">
+                      <a:noFill/>
+                      <a:prstDash val="solid"/>
+                    </a:lnL>
+                    <a:lnR algn="ctr" cmpd="sng" cap="flat" w="0">
+                      <a:noFill/>
+                      <a:prstDash val="solid"/>
+                    </a:lnR>
+                    <a:lnT algn="ctr" cmpd="sng" cap="flat" w="9525">
+                      <a:solidFill>
+                        <a:srgbClr val="666666">
+                          <a:alpha val="100000"/>
+                        </a:srgbClr>
+                      </a:solidFill>
+                      <a:prstDash val="solid"/>
+                    </a:lnT>
+                    <a:lnB algn="ctr" cmpd="sng" cap="flat" w="9525">
                       <a:solidFill>
                         <a:srgbClr val="666666">
                           <a:alpha val="100000"/>
@@ -5929,28 +5929,28 @@
                           <a:ea typeface="Helvetica"/>
                           <a:sym typeface="Helvetica"/>
                         </a:rPr>
-                        <a:t>13.8</a:t>
-                      </a:r>
-                    </a:p>
-                  </a:txBody>
-                  <a:tcPr anchor="ctr" marB="63500" marT="63500" marR="0" marL="0">
-                    <a:lnL algn="ctr" cmpd="sng" cap="flat" w="0">
-                      <a:noFill/>
-                      <a:prstDash val="solid"/>
-                    </a:lnL>
-                    <a:lnR algn="ctr" cmpd="sng" cap="flat" w="0">
-                      <a:noFill/>
-                      <a:prstDash val="solid"/>
-                    </a:lnR>
-                    <a:lnT algn="ctr" cmpd="sng" cap="flat" w="6350">
-                      <a:solidFill>
-                        <a:srgbClr val="666666">
-                          <a:alpha val="100000"/>
-                        </a:srgbClr>
-                      </a:solidFill>
-                      <a:prstDash val="solid"/>
-                    </a:lnT>
-                    <a:lnB algn="ctr" cmpd="sng" cap="flat" w="6350">
+                        <a:t>8.0</a:t>
+                      </a:r>
+                    </a:p>
+                  </a:txBody>
+                  <a:tcPr anchor="ctr" marB="63500" marT="63500" marR="0" marL="0">
+                    <a:lnL algn="ctr" cmpd="sng" cap="flat" w="0">
+                      <a:noFill/>
+                      <a:prstDash val="solid"/>
+                    </a:lnL>
+                    <a:lnR algn="ctr" cmpd="sng" cap="flat" w="0">
+                      <a:noFill/>
+                      <a:prstDash val="solid"/>
+                    </a:lnR>
+                    <a:lnT algn="ctr" cmpd="sng" cap="flat" w="9525">
+                      <a:solidFill>
+                        <a:srgbClr val="666666">
+                          <a:alpha val="100000"/>
+                        </a:srgbClr>
+                      </a:solidFill>
+                      <a:prstDash val="solid"/>
+                    </a:lnT>
+                    <a:lnB algn="ctr" cmpd="sng" cap="flat" w="9525">
                       <a:solidFill>
                         <a:srgbClr val="666666">
                           <a:alpha val="100000"/>
@@ -5994,28 +5994,28 @@
                           <a:ea typeface="Helvetica"/>
                           <a:sym typeface="Helvetica"/>
                         </a:rPr>
-                        <a:t>59</a:t>
-                      </a:r>
-                    </a:p>
-                  </a:txBody>
-                  <a:tcPr anchor="ctr" marB="63500" marT="63500" marR="0" marL="0">
-                    <a:lnL algn="ctr" cmpd="sng" cap="flat" w="0">
-                      <a:noFill/>
-                      <a:prstDash val="solid"/>
-                    </a:lnL>
-                    <a:lnR algn="ctr" cmpd="sng" cap="flat" w="0">
-                      <a:noFill/>
-                      <a:prstDash val="solid"/>
-                    </a:lnR>
-                    <a:lnT algn="ctr" cmpd="sng" cap="flat" w="6350">
-                      <a:solidFill>
-                        <a:srgbClr val="666666">
-                          <a:alpha val="100000"/>
-                        </a:srgbClr>
-                      </a:solidFill>
-                      <a:prstDash val="solid"/>
-                    </a:lnT>
-                    <a:lnB algn="ctr" cmpd="sng" cap="flat" w="6350">
+                        <a:t>72</a:t>
+                      </a:r>
+                    </a:p>
+                  </a:txBody>
+                  <a:tcPr anchor="ctr" marB="63500" marT="63500" marR="0" marL="0">
+                    <a:lnL algn="ctr" cmpd="sng" cap="flat" w="0">
+                      <a:noFill/>
+                      <a:prstDash val="solid"/>
+                    </a:lnL>
+                    <a:lnR algn="ctr" cmpd="sng" cap="flat" w="0">
+                      <a:noFill/>
+                      <a:prstDash val="solid"/>
+                    </a:lnR>
+                    <a:lnT algn="ctr" cmpd="sng" cap="flat" w="9525">
+                      <a:solidFill>
+                        <a:srgbClr val="666666">
+                          <a:alpha val="100000"/>
+                        </a:srgbClr>
+                      </a:solidFill>
+                      <a:prstDash val="solid"/>
+                    </a:lnT>
+                    <a:lnB algn="ctr" cmpd="sng" cap="flat" w="9525">
                       <a:solidFill>
                         <a:srgbClr val="666666">
                           <a:alpha val="100000"/>
@@ -6072,15 +6072,15 @@
                       <a:noFill/>
                       <a:prstDash val="solid"/>
                     </a:lnR>
-                    <a:lnT algn="ctr" cmpd="sng" cap="flat" w="6350">
-                      <a:solidFill>
-                        <a:srgbClr val="666666">
-                          <a:alpha val="100000"/>
-                        </a:srgbClr>
-                      </a:solidFill>
-                      <a:prstDash val="solid"/>
-                    </a:lnT>
-                    <a:lnB algn="ctr" cmpd="sng" cap="flat" w="6350">
+                    <a:lnT algn="ctr" cmpd="sng" cap="flat" w="9525">
+                      <a:solidFill>
+                        <a:srgbClr val="666666">
+                          <a:alpha val="100000"/>
+                        </a:srgbClr>
+                      </a:solidFill>
+                      <a:prstDash val="solid"/>
+                    </a:lnT>
+                    <a:lnB algn="ctr" cmpd="sng" cap="flat" w="9525">
                       <a:solidFill>
                         <a:srgbClr val="666666">
                           <a:alpha val="100000"/>
@@ -6124,28 +6124,28 @@
                           <a:ea typeface="Helvetica"/>
                           <a:sym typeface="Helvetica"/>
                         </a:rPr>
-                        <a:t>8</a:t>
-                      </a:r>
-                    </a:p>
-                  </a:txBody>
-                  <a:tcPr anchor="ctr" marB="63500" marT="63500" marR="0" marL="0">
-                    <a:lnL algn="ctr" cmpd="sng" cap="flat" w="0">
-                      <a:noFill/>
-                      <a:prstDash val="solid"/>
-                    </a:lnL>
-                    <a:lnR algn="ctr" cmpd="sng" cap="flat" w="0">
-                      <a:noFill/>
-                      <a:prstDash val="solid"/>
-                    </a:lnR>
-                    <a:lnT algn="ctr" cmpd="sng" cap="flat" w="6350">
-                      <a:solidFill>
-                        <a:srgbClr val="666666">
-                          <a:alpha val="100000"/>
-                        </a:srgbClr>
-                      </a:solidFill>
-                      <a:prstDash val="solid"/>
-                    </a:lnT>
-                    <a:lnB algn="ctr" cmpd="sng" cap="flat" w="6350">
+                        <a:t>2</a:t>
+                      </a:r>
+                    </a:p>
+                  </a:txBody>
+                  <a:tcPr anchor="ctr" marB="63500" marT="63500" marR="0" marL="0">
+                    <a:lnL algn="ctr" cmpd="sng" cap="flat" w="0">
+                      <a:noFill/>
+                      <a:prstDash val="solid"/>
+                    </a:lnL>
+                    <a:lnR algn="ctr" cmpd="sng" cap="flat" w="0">
+                      <a:noFill/>
+                      <a:prstDash val="solid"/>
+                    </a:lnR>
+                    <a:lnT algn="ctr" cmpd="sng" cap="flat" w="9525">
+                      <a:solidFill>
+                        <a:srgbClr val="666666">
+                          <a:alpha val="100000"/>
+                        </a:srgbClr>
+                      </a:solidFill>
+                      <a:prstDash val="solid"/>
+                    </a:lnT>
+                    <a:lnB algn="ctr" cmpd="sng" cap="flat" w="9525">
                       <a:solidFill>
                         <a:srgbClr val="666666">
                           <a:alpha val="100000"/>
@@ -6191,28 +6191,28 @@
                           <a:ea typeface="Helvetica"/>
                           <a:sym typeface="Helvetica"/>
                         </a:rPr>
-                        <a:t>18</a:t>
-                      </a:r>
-                    </a:p>
-                  </a:txBody>
-                  <a:tcPr anchor="ctr" marB="63500" marT="63500" marR="0" marL="0">
-                    <a:lnL algn="ctr" cmpd="sng" cap="flat" w="0">
-                      <a:noFill/>
-                      <a:prstDash val="solid"/>
-                    </a:lnL>
-                    <a:lnR algn="ctr" cmpd="sng" cap="flat" w="0">
-                      <a:noFill/>
-                      <a:prstDash val="solid"/>
-                    </a:lnR>
-                    <a:lnT algn="ctr" cmpd="sng" cap="flat" w="6350">
-                      <a:solidFill>
-                        <a:srgbClr val="666666">
-                          <a:alpha val="100000"/>
-                        </a:srgbClr>
-                      </a:solidFill>
-                      <a:prstDash val="solid"/>
-                    </a:lnT>
-                    <a:lnB algn="ctr" cmpd="sng" cap="flat" w="6350">
+                        <a:t>8</a:t>
+                      </a:r>
+                    </a:p>
+                  </a:txBody>
+                  <a:tcPr anchor="ctr" marB="63500" marT="63500" marR="0" marL="0">
+                    <a:lnL algn="ctr" cmpd="sng" cap="flat" w="0">
+                      <a:noFill/>
+                      <a:prstDash val="solid"/>
+                    </a:lnL>
+                    <a:lnR algn="ctr" cmpd="sng" cap="flat" w="0">
+                      <a:noFill/>
+                      <a:prstDash val="solid"/>
+                    </a:lnR>
+                    <a:lnT algn="ctr" cmpd="sng" cap="flat" w="9525">
+                      <a:solidFill>
+                        <a:srgbClr val="666666">
+                          <a:alpha val="100000"/>
+                        </a:srgbClr>
+                      </a:solidFill>
+                      <a:prstDash val="solid"/>
+                    </a:lnT>
+                    <a:lnB algn="ctr" cmpd="sng" cap="flat" w="9525">
                       <a:solidFill>
                         <a:srgbClr val="666666">
                           <a:alpha val="100000"/>
@@ -6256,28 +6256,28 @@
                           <a:ea typeface="Helvetica"/>
                           <a:sym typeface="Helvetica"/>
                         </a:rPr>
-                        <a:t>313</a:t>
-                      </a:r>
-                    </a:p>
-                  </a:txBody>
-                  <a:tcPr anchor="ctr" marB="63500" marT="63500" marR="0" marL="0">
-                    <a:lnL algn="ctr" cmpd="sng" cap="flat" w="0">
-                      <a:noFill/>
-                      <a:prstDash val="solid"/>
-                    </a:lnL>
-                    <a:lnR algn="ctr" cmpd="sng" cap="flat" w="0">
-                      <a:noFill/>
-                      <a:prstDash val="solid"/>
-                    </a:lnR>
-                    <a:lnT algn="ctr" cmpd="sng" cap="flat" w="6350">
-                      <a:solidFill>
-                        <a:srgbClr val="666666">
-                          <a:alpha val="100000"/>
-                        </a:srgbClr>
-                      </a:solidFill>
-                      <a:prstDash val="solid"/>
-                    </a:lnT>
-                    <a:lnB algn="ctr" cmpd="sng" cap="flat" w="6350">
+                        <a:t>19</a:t>
+                      </a:r>
+                    </a:p>
+                  </a:txBody>
+                  <a:tcPr anchor="ctr" marB="63500" marT="63500" marR="0" marL="0">
+                    <a:lnL algn="ctr" cmpd="sng" cap="flat" w="0">
+                      <a:noFill/>
+                      <a:prstDash val="solid"/>
+                    </a:lnL>
+                    <a:lnR algn="ctr" cmpd="sng" cap="flat" w="0">
+                      <a:noFill/>
+                      <a:prstDash val="solid"/>
+                    </a:lnR>
+                    <a:lnT algn="ctr" cmpd="sng" cap="flat" w="9525">
+                      <a:solidFill>
+                        <a:srgbClr val="666666">
+                          <a:alpha val="100000"/>
+                        </a:srgbClr>
+                      </a:solidFill>
+                      <a:prstDash val="solid"/>
+                    </a:lnT>
+                    <a:lnB algn="ctr" cmpd="sng" cap="flat" w="9525">
                       <a:solidFill>
                         <a:srgbClr val="666666">
                           <a:alpha val="100000"/>
@@ -6321,28 +6321,28 @@
                           <a:ea typeface="Helvetica"/>
                           <a:sym typeface="Helvetica"/>
                         </a:rPr>
-                        <a:t>11.5</a:t>
-                      </a:r>
-                    </a:p>
-                  </a:txBody>
-                  <a:tcPr anchor="ctr" marB="63500" marT="63500" marR="0" marL="0">
-                    <a:lnL algn="ctr" cmpd="sng" cap="flat" w="0">
-                      <a:noFill/>
-                      <a:prstDash val="solid"/>
-                    </a:lnL>
-                    <a:lnR algn="ctr" cmpd="sng" cap="flat" w="0">
-                      <a:noFill/>
-                      <a:prstDash val="solid"/>
-                    </a:lnR>
-                    <a:lnT algn="ctr" cmpd="sng" cap="flat" w="6350">
-                      <a:solidFill>
-                        <a:srgbClr val="666666">
-                          <a:alpha val="100000"/>
-                        </a:srgbClr>
-                      </a:solidFill>
-                      <a:prstDash val="solid"/>
-                    </a:lnT>
-                    <a:lnB algn="ctr" cmpd="sng" cap="flat" w="6350">
+                        <a:t>20.1</a:t>
+                      </a:r>
+                    </a:p>
+                  </a:txBody>
+                  <a:tcPr anchor="ctr" marB="63500" marT="63500" marR="0" marL="0">
+                    <a:lnL algn="ctr" cmpd="sng" cap="flat" w="0">
+                      <a:noFill/>
+                      <a:prstDash val="solid"/>
+                    </a:lnL>
+                    <a:lnR algn="ctr" cmpd="sng" cap="flat" w="0">
+                      <a:noFill/>
+                      <a:prstDash val="solid"/>
+                    </a:lnR>
+                    <a:lnT algn="ctr" cmpd="sng" cap="flat" w="9525">
+                      <a:solidFill>
+                        <a:srgbClr val="666666">
+                          <a:alpha val="100000"/>
+                        </a:srgbClr>
+                      </a:solidFill>
+                      <a:prstDash val="solid"/>
+                    </a:lnT>
+                    <a:lnB algn="ctr" cmpd="sng" cap="flat" w="9525">
                       <a:solidFill>
                         <a:srgbClr val="666666">
                           <a:alpha val="100000"/>
@@ -6386,28 +6386,28 @@
                           <a:ea typeface="Helvetica"/>
                           <a:sym typeface="Helvetica"/>
                         </a:rPr>
-                        <a:t>62</a:t>
-                      </a:r>
-                    </a:p>
-                  </a:txBody>
-                  <a:tcPr anchor="ctr" marB="63500" marT="63500" marR="0" marL="0">
-                    <a:lnL algn="ctr" cmpd="sng" cap="flat" w="0">
-                      <a:noFill/>
-                      <a:prstDash val="solid"/>
-                    </a:lnL>
-                    <a:lnR algn="ctr" cmpd="sng" cap="flat" w="0">
-                      <a:noFill/>
-                      <a:prstDash val="solid"/>
-                    </a:lnR>
-                    <a:lnT algn="ctr" cmpd="sng" cap="flat" w="6350">
-                      <a:solidFill>
-                        <a:srgbClr val="666666">
-                          <a:alpha val="100000"/>
-                        </a:srgbClr>
-                      </a:solidFill>
-                      <a:prstDash val="solid"/>
-                    </a:lnT>
-                    <a:lnB algn="ctr" cmpd="sng" cap="flat" w="6350">
+                        <a:t>61</a:t>
+                      </a:r>
+                    </a:p>
+                  </a:txBody>
+                  <a:tcPr anchor="ctr" marB="63500" marT="63500" marR="0" marL="0">
+                    <a:lnL algn="ctr" cmpd="sng" cap="flat" w="0">
+                      <a:noFill/>
+                      <a:prstDash val="solid"/>
+                    </a:lnL>
+                    <a:lnR algn="ctr" cmpd="sng" cap="flat" w="0">
+                      <a:noFill/>
+                      <a:prstDash val="solid"/>
+                    </a:lnR>
+                    <a:lnT algn="ctr" cmpd="sng" cap="flat" w="9525">
+                      <a:solidFill>
+                        <a:srgbClr val="666666">
+                          <a:alpha val="100000"/>
+                        </a:srgbClr>
+                      </a:solidFill>
+                      <a:prstDash val="solid"/>
+                    </a:lnT>
+                    <a:lnB algn="ctr" cmpd="sng" cap="flat" w="9525">
                       <a:solidFill>
                         <a:srgbClr val="666666">
                           <a:alpha val="100000"/>
@@ -6464,15 +6464,15 @@
                       <a:noFill/>
                       <a:prstDash val="solid"/>
                     </a:lnR>
-                    <a:lnT algn="ctr" cmpd="sng" cap="flat" w="6350">
-                      <a:solidFill>
-                        <a:srgbClr val="666666">
-                          <a:alpha val="100000"/>
-                        </a:srgbClr>
-                      </a:solidFill>
-                      <a:prstDash val="solid"/>
-                    </a:lnT>
-                    <a:lnB algn="ctr" cmpd="sng" cap="flat" w="6350">
+                    <a:lnT algn="ctr" cmpd="sng" cap="flat" w="9525">
+                      <a:solidFill>
+                        <a:srgbClr val="666666">
+                          <a:alpha val="100000"/>
+                        </a:srgbClr>
+                      </a:solidFill>
+                      <a:prstDash val="solid"/>
+                    </a:lnT>
+                    <a:lnB algn="ctr" cmpd="sng" cap="flat" w="9525">
                       <a:solidFill>
                         <a:srgbClr val="666666">
                           <a:alpha val="100000"/>
@@ -6516,28 +6516,28 @@
                           <a:ea typeface="Helvetica"/>
                           <a:sym typeface="Helvetica"/>
                         </a:rPr>
-                        <a:t>4</a:t>
-                      </a:r>
-                    </a:p>
-                  </a:txBody>
-                  <a:tcPr anchor="ctr" marB="63500" marT="63500" marR="0" marL="0">
-                    <a:lnL algn="ctr" cmpd="sng" cap="flat" w="0">
-                      <a:noFill/>
-                      <a:prstDash val="solid"/>
-                    </a:lnL>
-                    <a:lnR algn="ctr" cmpd="sng" cap="flat" w="0">
-                      <a:noFill/>
-                      <a:prstDash val="solid"/>
-                    </a:lnR>
-                    <a:lnT algn="ctr" cmpd="sng" cap="flat" w="6350">
-                      <a:solidFill>
-                        <a:srgbClr val="666666">
-                          <a:alpha val="100000"/>
-                        </a:srgbClr>
-                      </a:solidFill>
-                      <a:prstDash val="solid"/>
-                    </a:lnT>
-                    <a:lnB algn="ctr" cmpd="sng" cap="flat" w="6350">
+                        <a:t>9</a:t>
+                      </a:r>
+                    </a:p>
+                  </a:txBody>
+                  <a:tcPr anchor="ctr" marB="63500" marT="63500" marR="0" marL="0">
+                    <a:lnL algn="ctr" cmpd="sng" cap="flat" w="0">
+                      <a:noFill/>
+                      <a:prstDash val="solid"/>
+                    </a:lnL>
+                    <a:lnR algn="ctr" cmpd="sng" cap="flat" w="0">
+                      <a:noFill/>
+                      <a:prstDash val="solid"/>
+                    </a:lnR>
+                    <a:lnT algn="ctr" cmpd="sng" cap="flat" w="9525">
+                      <a:solidFill>
+                        <a:srgbClr val="666666">
+                          <a:alpha val="100000"/>
+                        </a:srgbClr>
+                      </a:solidFill>
+                      <a:prstDash val="solid"/>
+                    </a:lnT>
+                    <a:lnB algn="ctr" cmpd="sng" cap="flat" w="9525">
                       <a:solidFill>
                         <a:srgbClr val="666666">
                           <a:alpha val="100000"/>
@@ -6583,28 +6583,28 @@
                           <a:ea typeface="Helvetica"/>
                           <a:sym typeface="Helvetica"/>
                         </a:rPr>
-                        <a:t>28</a:t>
-                      </a:r>
-                    </a:p>
-                  </a:txBody>
-                  <a:tcPr anchor="ctr" marB="63500" marT="63500" marR="0" marL="0">
-                    <a:lnL algn="ctr" cmpd="sng" cap="flat" w="0">
-                      <a:noFill/>
-                      <a:prstDash val="solid"/>
-                    </a:lnL>
-                    <a:lnR algn="ctr" cmpd="sng" cap="flat" w="0">
-                      <a:noFill/>
-                      <a:prstDash val="solid"/>
-                    </a:lnR>
-                    <a:lnT algn="ctr" cmpd="sng" cap="flat" w="6350">
-                      <a:solidFill>
-                        <a:srgbClr val="666666">
-                          <a:alpha val="100000"/>
-                        </a:srgbClr>
-                      </a:solidFill>
-                      <a:prstDash val="solid"/>
-                    </a:lnT>
-                    <a:lnB algn="ctr" cmpd="sng" cap="flat" w="25400">
+                        <a:t>12</a:t>
+                      </a:r>
+                    </a:p>
+                  </a:txBody>
+                  <a:tcPr anchor="ctr" marB="63500" marT="63500" marR="0" marL="0">
+                    <a:lnL algn="ctr" cmpd="sng" cap="flat" w="0">
+                      <a:noFill/>
+                      <a:prstDash val="solid"/>
+                    </a:lnL>
+                    <a:lnR algn="ctr" cmpd="sng" cap="flat" w="0">
+                      <a:noFill/>
+                      <a:prstDash val="solid"/>
+                    </a:lnR>
+                    <a:lnT algn="ctr" cmpd="sng" cap="flat" w="9525">
+                      <a:solidFill>
+                        <a:srgbClr val="666666">
+                          <a:alpha val="100000"/>
+                        </a:srgbClr>
+                      </a:solidFill>
+                      <a:prstDash val="solid"/>
+                    </a:lnT>
+                    <a:lnB algn="ctr" cmpd="sng" cap="flat" w="19050">
                       <a:solidFill>
                         <a:srgbClr val="666666">
                           <a:alpha val="100000"/>
@@ -6648,28 +6648,28 @@
                           <a:ea typeface="Helvetica"/>
                           <a:sym typeface="Helvetica"/>
                         </a:rPr>
-                        <a:t/>
-                      </a:r>
-                    </a:p>
-                  </a:txBody>
-                  <a:tcPr anchor="ctr" marB="63500" marT="63500" marR="0" marL="0">
-                    <a:lnL algn="ctr" cmpd="sng" cap="flat" w="0">
-                      <a:noFill/>
-                      <a:prstDash val="solid"/>
-                    </a:lnL>
-                    <a:lnR algn="ctr" cmpd="sng" cap="flat" w="0">
-                      <a:noFill/>
-                      <a:prstDash val="solid"/>
-                    </a:lnR>
-                    <a:lnT algn="ctr" cmpd="sng" cap="flat" w="6350">
-                      <a:solidFill>
-                        <a:srgbClr val="666666">
-                          <a:alpha val="100000"/>
-                        </a:srgbClr>
-                      </a:solidFill>
-                      <a:prstDash val="solid"/>
-                    </a:lnT>
-                    <a:lnB algn="ctr" cmpd="sng" cap="flat" w="25400">
+                        <a:t>149</a:t>
+                      </a:r>
+                    </a:p>
+                  </a:txBody>
+                  <a:tcPr anchor="ctr" marB="63500" marT="63500" marR="0" marL="0">
+                    <a:lnL algn="ctr" cmpd="sng" cap="flat" w="0">
+                      <a:noFill/>
+                      <a:prstDash val="solid"/>
+                    </a:lnL>
+                    <a:lnR algn="ctr" cmpd="sng" cap="flat" w="0">
+                      <a:noFill/>
+                      <a:prstDash val="solid"/>
+                    </a:lnR>
+                    <a:lnT algn="ctr" cmpd="sng" cap="flat" w="9525">
+                      <a:solidFill>
+                        <a:srgbClr val="666666">
+                          <a:alpha val="100000"/>
+                        </a:srgbClr>
+                      </a:solidFill>
+                      <a:prstDash val="solid"/>
+                    </a:lnT>
+                    <a:lnB algn="ctr" cmpd="sng" cap="flat" w="19050">
                       <a:solidFill>
                         <a:srgbClr val="666666">
                           <a:alpha val="100000"/>
@@ -6713,28 +6713,28 @@
                           <a:ea typeface="Helvetica"/>
                           <a:sym typeface="Helvetica"/>
                         </a:rPr>
-                        <a:t>14.9</a:t>
-                      </a:r>
-                    </a:p>
-                  </a:txBody>
-                  <a:tcPr anchor="ctr" marB="63500" marT="63500" marR="0" marL="0">
-                    <a:lnL algn="ctr" cmpd="sng" cap="flat" w="0">
-                      <a:noFill/>
-                      <a:prstDash val="solid"/>
-                    </a:lnL>
-                    <a:lnR algn="ctr" cmpd="sng" cap="flat" w="0">
-                      <a:noFill/>
-                      <a:prstDash val="solid"/>
-                    </a:lnR>
-                    <a:lnT algn="ctr" cmpd="sng" cap="flat" w="6350">
-                      <a:solidFill>
-                        <a:srgbClr val="666666">
-                          <a:alpha val="100000"/>
-                        </a:srgbClr>
-                      </a:solidFill>
-                      <a:prstDash val="solid"/>
-                    </a:lnT>
-                    <a:lnB algn="ctr" cmpd="sng" cap="flat" w="25400">
+                        <a:t>12.6</a:t>
+                      </a:r>
+                    </a:p>
+                  </a:txBody>
+                  <a:tcPr anchor="ctr" marB="63500" marT="63500" marR="0" marL="0">
+                    <a:lnL algn="ctr" cmpd="sng" cap="flat" w="0">
+                      <a:noFill/>
+                      <a:prstDash val="solid"/>
+                    </a:lnL>
+                    <a:lnR algn="ctr" cmpd="sng" cap="flat" w="0">
+                      <a:noFill/>
+                      <a:prstDash val="solid"/>
+                    </a:lnR>
+                    <a:lnT algn="ctr" cmpd="sng" cap="flat" w="9525">
+                      <a:solidFill>
+                        <a:srgbClr val="666666">
+                          <a:alpha val="100000"/>
+                        </a:srgbClr>
+                      </a:solidFill>
+                      <a:prstDash val="solid"/>
+                    </a:lnT>
+                    <a:lnB algn="ctr" cmpd="sng" cap="flat" w="19050">
                       <a:solidFill>
                         <a:srgbClr val="666666">
                           <a:alpha val="100000"/>
@@ -6778,28 +6778,28 @@
                           <a:ea typeface="Helvetica"/>
                           <a:sym typeface="Helvetica"/>
                         </a:rPr>
-                        <a:t>66</a:t>
-                      </a:r>
-                    </a:p>
-                  </a:txBody>
-                  <a:tcPr anchor="ctr" marB="63500" marT="63500" marR="0" marL="0">
-                    <a:lnL algn="ctr" cmpd="sng" cap="flat" w="0">
-                      <a:noFill/>
-                      <a:prstDash val="solid"/>
-                    </a:lnL>
-                    <a:lnR algn="ctr" cmpd="sng" cap="flat" w="0">
-                      <a:noFill/>
-                      <a:prstDash val="solid"/>
-                    </a:lnR>
-                    <a:lnT algn="ctr" cmpd="sng" cap="flat" w="6350">
-                      <a:solidFill>
-                        <a:srgbClr val="666666">
-                          <a:alpha val="100000"/>
-                        </a:srgbClr>
-                      </a:solidFill>
-                      <a:prstDash val="solid"/>
-                    </a:lnT>
-                    <a:lnB algn="ctr" cmpd="sng" cap="flat" w="25400">
+                        <a:t>74</a:t>
+                      </a:r>
+                    </a:p>
+                  </a:txBody>
+                  <a:tcPr anchor="ctr" marB="63500" marT="63500" marR="0" marL="0">
+                    <a:lnL algn="ctr" cmpd="sng" cap="flat" w="0">
+                      <a:noFill/>
+                      <a:prstDash val="solid"/>
+                    </a:lnL>
+                    <a:lnR algn="ctr" cmpd="sng" cap="flat" w="0">
+                      <a:noFill/>
+                      <a:prstDash val="solid"/>
+                    </a:lnR>
+                    <a:lnT algn="ctr" cmpd="sng" cap="flat" w="9525">
+                      <a:solidFill>
+                        <a:srgbClr val="666666">
+                          <a:alpha val="100000"/>
+                        </a:srgbClr>
+                      </a:solidFill>
+                      <a:prstDash val="solid"/>
+                    </a:lnT>
+                    <a:lnB algn="ctr" cmpd="sng" cap="flat" w="19050">
                       <a:solidFill>
                         <a:srgbClr val="666666">
                           <a:alpha val="100000"/>
@@ -6856,15 +6856,15 @@
                       <a:noFill/>
                       <a:prstDash val="solid"/>
                     </a:lnR>
-                    <a:lnT algn="ctr" cmpd="sng" cap="flat" w="6350">
-                      <a:solidFill>
-                        <a:srgbClr val="666666">
-                          <a:alpha val="100000"/>
-                        </a:srgbClr>
-                      </a:solidFill>
-                      <a:prstDash val="solid"/>
-                    </a:lnT>
-                    <a:lnB algn="ctr" cmpd="sng" cap="flat" w="25400">
+                    <a:lnT algn="ctr" cmpd="sng" cap="flat" w="9525">
+                      <a:solidFill>
+                        <a:srgbClr val="666666">
+                          <a:alpha val="100000"/>
+                        </a:srgbClr>
+                      </a:solidFill>
+                      <a:prstDash val="solid"/>
+                    </a:lnT>
+                    <a:lnB algn="ctr" cmpd="sng" cap="flat" w="19050">
                       <a:solidFill>
                         <a:srgbClr val="666666">
                           <a:alpha val="100000"/>
@@ -6908,28 +6908,28 @@
                           <a:ea typeface="Helvetica"/>
                           <a:sym typeface="Helvetica"/>
                         </a:rPr>
-                        <a:t>6</a:t>
-                      </a:r>
-                    </a:p>
-                  </a:txBody>
-                  <a:tcPr anchor="ctr" marB="63500" marT="63500" marR="0" marL="0">
-                    <a:lnL algn="ctr" cmpd="sng" cap="flat" w="0">
-                      <a:noFill/>
-                      <a:prstDash val="solid"/>
-                    </a:lnL>
-                    <a:lnR algn="ctr" cmpd="sng" cap="flat" w="0">
-                      <a:noFill/>
-                      <a:prstDash val="solid"/>
-                    </a:lnR>
-                    <a:lnT algn="ctr" cmpd="sng" cap="flat" w="6350">
-                      <a:solidFill>
-                        <a:srgbClr val="666666">
-                          <a:alpha val="100000"/>
-                        </a:srgbClr>
-                      </a:solidFill>
-                      <a:prstDash val="solid"/>
-                    </a:lnT>
-                    <a:lnB algn="ctr" cmpd="sng" cap="flat" w="25400">
+                        <a:t>3</a:t>
+                      </a:r>
+                    </a:p>
+                  </a:txBody>
+                  <a:tcPr anchor="ctr" marB="63500" marT="63500" marR="0" marL="0">
+                    <a:lnL algn="ctr" cmpd="sng" cap="flat" w="0">
+                      <a:noFill/>
+                      <a:prstDash val="solid"/>
+                    </a:lnL>
+                    <a:lnR algn="ctr" cmpd="sng" cap="flat" w="0">
+                      <a:noFill/>
+                      <a:prstDash val="solid"/>
+                    </a:lnR>
+                    <a:lnT algn="ctr" cmpd="sng" cap="flat" w="9525">
+                      <a:solidFill>
+                        <a:srgbClr val="666666">
+                          <a:alpha val="100000"/>
+                        </a:srgbClr>
+                      </a:solidFill>
+                      <a:prstDash val="solid"/>
+                    </a:lnT>
+                    <a:lnB algn="ctr" cmpd="sng" cap="flat" w="19050">
                       <a:solidFill>
                         <a:srgbClr val="666666">
                           <a:alpha val="100000"/>

--- a/ft.pptx
+++ b/ft.pptx
@@ -3079,7 +3079,7 @@
                           <a:ea typeface="Helvetica"/>
                           <a:sym typeface="Helvetica"/>
                         </a:rPr>
-                        <a:t>41</a:t>
+                        <a:t>19</a:t>
                       </a:r>
                     </a:p>
                   </a:txBody>
@@ -3140,7 +3140,7 @@
                           <a:ea typeface="Helvetica"/>
                           <a:sym typeface="Helvetica"/>
                         </a:rPr>
-                        <a:t>190</a:t>
+                        <a:t>99</a:t>
                       </a:r>
                     </a:p>
                   </a:txBody>
@@ -3201,7 +3201,7 @@
                           <a:ea typeface="Helvetica"/>
                           <a:sym typeface="Helvetica"/>
                         </a:rPr>
-                        <a:t>7.4</a:t>
+                        <a:t>13.8</a:t>
                       </a:r>
                     </a:p>
                   </a:txBody>
@@ -3262,7 +3262,7 @@
                           <a:ea typeface="Helvetica"/>
                           <a:sym typeface="Helvetica"/>
                         </a:rPr>
-                        <a:t>67</a:t>
+                        <a:t>59</a:t>
                       </a:r>
                     </a:p>
                   </a:txBody>
@@ -3384,7 +3384,7 @@
                           <a:ea typeface="Helvetica"/>
                           <a:sym typeface="Helvetica"/>
                         </a:rPr>
-                        <a:t>1</a:t>
+                        <a:t>8</a:t>
                       </a:r>
                     </a:p>
                   </a:txBody>
@@ -3447,6 +3447,71 @@
                           <a:ea typeface="Helvetica"/>
                           <a:sym typeface="Helvetica"/>
                         </a:rPr>
+                        <a:t>28</a:t>
+                      </a:r>
+                    </a:p>
+                  </a:txBody>
+                  <a:tcPr anchor="ctr" marB="63500" marT="63500" marR="0" marL="0">
+                    <a:lnL algn="ctr" cmpd="sng" cap="flat" w="0">
+                      <a:noFill/>
+                      <a:prstDash val="solid"/>
+                    </a:lnL>
+                    <a:lnR algn="ctr" cmpd="sng" cap="flat" w="0">
+                      <a:noFill/>
+                      <a:prstDash val="solid"/>
+                    </a:lnR>
+                    <a:lnT algn="ctr" cmpd="sng" cap="flat" w="9525">
+                      <a:solidFill>
+                        <a:srgbClr val="666666">
+                          <a:alpha val="100000"/>
+                        </a:srgbClr>
+                      </a:solidFill>
+                      <a:prstDash val="solid"/>
+                    </a:lnT>
+                    <a:lnB algn="ctr" cmpd="sng" cap="flat" w="9525">
+                      <a:solidFill>
+                        <a:srgbClr val="666666">
+                          <a:alpha val="100000"/>
+                        </a:srgbClr>
+                      </a:solidFill>
+                      <a:prstDash val="solid"/>
+                    </a:lnB>
+                    <a:solidFill>
+                      <a:srgbClr val="FFFFFF">
+                        <a:alpha val="0"/>
+                      </a:srgbClr>
+                    </a:solidFill>
+                  </a:tcPr>
+                </a:tc>
+                <a:tc>
+                  <a:txBody>
+                    <a:bodyPr/>
+                    <a:lstStyle/>
+                    <a:p>
+                      <a:pPr algn="r" marL="63500" marR="63500">
+                        <a:lnSpc>
+                          <a:spcPct val="100000"/>
+                        </a:lnSpc>
+                        <a:spcBef>
+                          <a:spcPts val="500"/>
+                        </a:spcBef>
+                        <a:spcAft>
+                          <a:spcPts val="500"/>
+                        </a:spcAft>
+                        <a:buNone/>
+                      </a:pPr>
+                      <a:r>
+                        <a:rPr cap="none" sz="1100" i="0" b="0" u="none">
+                          <a:solidFill>
+                            <a:srgbClr val="000000">
+                              <a:alpha val="100000"/>
+                            </a:srgbClr>
+                          </a:solidFill>
+                          <a:latin typeface="Helvetica"/>
+                          <a:cs typeface="Helvetica"/>
+                          <a:ea typeface="Helvetica"/>
+                          <a:sym typeface="Helvetica"/>
+                        </a:rPr>
                         <a:t/>
                       </a:r>
                     </a:p>
@@ -3512,7 +3577,7 @@
                           <a:ea typeface="Helvetica"/>
                           <a:sym typeface="Helvetica"/>
                         </a:rPr>
-                        <a:t/>
+                        <a:t>14.9</a:t>
                       </a:r>
                     </a:p>
                   </a:txBody>
@@ -3577,7 +3642,7 @@
                           <a:ea typeface="Helvetica"/>
                           <a:sym typeface="Helvetica"/>
                         </a:rPr>
-                        <a:t>14.3</a:t>
+                        <a:t>66</a:t>
                       </a:r>
                     </a:p>
                   </a:txBody>
@@ -3642,7 +3707,7 @@
                           <a:ea typeface="Helvetica"/>
                           <a:sym typeface="Helvetica"/>
                         </a:rPr>
-                        <a:t>56</a:t>
+                        <a:t>5</a:t>
                       </a:r>
                     </a:p>
                   </a:txBody>
@@ -3707,72 +3772,7 @@
                           <a:ea typeface="Helvetica"/>
                           <a:sym typeface="Helvetica"/>
                         </a:rPr>
-                        <a:t>5</a:t>
-                      </a:r>
-                    </a:p>
-                  </a:txBody>
-                  <a:tcPr anchor="ctr" marB="63500" marT="63500" marR="0" marL="0">
-                    <a:lnL algn="ctr" cmpd="sng" cap="flat" w="0">
-                      <a:noFill/>
-                      <a:prstDash val="solid"/>
-                    </a:lnL>
-                    <a:lnR algn="ctr" cmpd="sng" cap="flat" w="0">
-                      <a:noFill/>
-                      <a:prstDash val="solid"/>
-                    </a:lnR>
-                    <a:lnT algn="ctr" cmpd="sng" cap="flat" w="9525">
-                      <a:solidFill>
-                        <a:srgbClr val="666666">
-                          <a:alpha val="100000"/>
-                        </a:srgbClr>
-                      </a:solidFill>
-                      <a:prstDash val="solid"/>
-                    </a:lnT>
-                    <a:lnB algn="ctr" cmpd="sng" cap="flat" w="9525">
-                      <a:solidFill>
-                        <a:srgbClr val="666666">
-                          <a:alpha val="100000"/>
-                        </a:srgbClr>
-                      </a:solidFill>
-                      <a:prstDash val="solid"/>
-                    </a:lnB>
-                    <a:solidFill>
-                      <a:srgbClr val="FFFFFF">
-                        <a:alpha val="0"/>
-                      </a:srgbClr>
-                    </a:solidFill>
-                  </a:tcPr>
-                </a:tc>
-                <a:tc>
-                  <a:txBody>
-                    <a:bodyPr/>
-                    <a:lstStyle/>
-                    <a:p>
-                      <a:pPr algn="r" marL="63500" marR="63500">
-                        <a:lnSpc>
-                          <a:spcPct val="100000"/>
-                        </a:lnSpc>
-                        <a:spcBef>
-                          <a:spcPts val="500"/>
-                        </a:spcBef>
-                        <a:spcAft>
-                          <a:spcPts val="500"/>
-                        </a:spcAft>
-                        <a:buNone/>
-                      </a:pPr>
-                      <a:r>
-                        <a:rPr cap="none" sz="1100" i="0" b="0" u="none">
-                          <a:solidFill>
-                            <a:srgbClr val="000000">
-                              <a:alpha val="100000"/>
-                            </a:srgbClr>
-                          </a:solidFill>
-                          <a:latin typeface="Helvetica"/>
-                          <a:cs typeface="Helvetica"/>
-                          <a:ea typeface="Helvetica"/>
-                          <a:sym typeface="Helvetica"/>
-                        </a:rPr>
-                        <a:t>5</a:t>
+                        <a:t>6</a:t>
                       </a:r>
                     </a:p>
                   </a:txBody>
@@ -3839,7 +3839,7 @@
                           <a:ea typeface="Helvetica"/>
                           <a:sym typeface="Helvetica"/>
                         </a:rPr>
-                        <a:t>28</a:t>
+                        <a:t>41</a:t>
                       </a:r>
                     </a:p>
                   </a:txBody>
@@ -3904,7 +3904,7 @@
                           <a:ea typeface="Helvetica"/>
                           <a:sym typeface="Helvetica"/>
                         </a:rPr>
-                        <a:t/>
+                        <a:t>190</a:t>
                       </a:r>
                     </a:p>
                   </a:txBody>
@@ -3969,7 +3969,7 @@
                           <a:ea typeface="Helvetica"/>
                           <a:sym typeface="Helvetica"/>
                         </a:rPr>
-                        <a:t>14.9</a:t>
+                        <a:t>7.4</a:t>
                       </a:r>
                     </a:p>
                   </a:txBody>
@@ -4034,7 +4034,7 @@
                           <a:ea typeface="Helvetica"/>
                           <a:sym typeface="Helvetica"/>
                         </a:rPr>
-                        <a:t>66</a:t>
+                        <a:t>67</a:t>
                       </a:r>
                     </a:p>
                   </a:txBody>
@@ -4164,7 +4164,7 @@
                           <a:ea typeface="Helvetica"/>
                           <a:sym typeface="Helvetica"/>
                         </a:rPr>
-                        <a:t>6</a:t>
+                        <a:t>1</a:t>
                       </a:r>
                     </a:p>
                   </a:txBody>
@@ -4231,7 +4231,7 @@
                           <a:ea typeface="Helvetica"/>
                           <a:sym typeface="Helvetica"/>
                         </a:rPr>
-                        <a:t>19</a:t>
+                        <a:t>12</a:t>
                       </a:r>
                     </a:p>
                   </a:txBody>
@@ -4296,7 +4296,7 @@
                           <a:ea typeface="Helvetica"/>
                           <a:sym typeface="Helvetica"/>
                         </a:rPr>
-                        <a:t>99</a:t>
+                        <a:t>149</a:t>
                       </a:r>
                     </a:p>
                   </a:txBody>
@@ -4361,7 +4361,7 @@
                           <a:ea typeface="Helvetica"/>
                           <a:sym typeface="Helvetica"/>
                         </a:rPr>
-                        <a:t>13.8</a:t>
+                        <a:t>12.6</a:t>
                       </a:r>
                     </a:p>
                   </a:txBody>
@@ -4426,7 +4426,7 @@
                           <a:ea typeface="Helvetica"/>
                           <a:sym typeface="Helvetica"/>
                         </a:rPr>
-                        <a:t>59</a:t>
+                        <a:t>74</a:t>
                       </a:r>
                     </a:p>
                   </a:txBody>
@@ -4556,7 +4556,7 @@
                           <a:ea typeface="Helvetica"/>
                           <a:sym typeface="Helvetica"/>
                         </a:rPr>
-                        <a:t>8</a:t>
+                        <a:t>3</a:t>
                       </a:r>
                     </a:p>
                   </a:txBody>
@@ -4623,7 +4623,7 @@
                           <a:ea typeface="Helvetica"/>
                           <a:sym typeface="Helvetica"/>
                         </a:rPr>
-                        <a:t>23</a:t>
+                        <a:t>18</a:t>
                       </a:r>
                     </a:p>
                   </a:txBody>
@@ -4688,7 +4688,7 @@
                           <a:ea typeface="Helvetica"/>
                           <a:sym typeface="Helvetica"/>
                         </a:rPr>
-                        <a:t>299</a:t>
+                        <a:t>313</a:t>
                       </a:r>
                     </a:p>
                   </a:txBody>
@@ -4753,7 +4753,7 @@
                           <a:ea typeface="Helvetica"/>
                           <a:sym typeface="Helvetica"/>
                         </a:rPr>
-                        <a:t>8.6</a:t>
+                        <a:t>11.5</a:t>
                       </a:r>
                     </a:p>
                   </a:txBody>
@@ -4818,7 +4818,7 @@
                           <a:ea typeface="Helvetica"/>
                           <a:sym typeface="Helvetica"/>
                         </a:rPr>
-                        <a:t>65</a:t>
+                        <a:t>62</a:t>
                       </a:r>
                     </a:p>
                   </a:txBody>
@@ -4948,7 +4948,7 @@
                           <a:ea typeface="Helvetica"/>
                           <a:sym typeface="Helvetica"/>
                         </a:rPr>
-                        <a:t>7</a:t>
+                        <a:t>4</a:t>
                       </a:r>
                     </a:p>
                   </a:txBody>
@@ -5015,7 +5015,7 @@
                           <a:ea typeface="Helvetica"/>
                           <a:sym typeface="Helvetica"/>
                         </a:rPr>
-                        <a:t>18</a:t>
+                        <a:t/>
                       </a:r>
                     </a:p>
                   </a:txBody>
@@ -5080,7 +5080,7 @@
                           <a:ea typeface="Helvetica"/>
                           <a:sym typeface="Helvetica"/>
                         </a:rPr>
-                        <a:t>313</a:t>
+                        <a:t/>
                       </a:r>
                     </a:p>
                   </a:txBody>
@@ -5145,7 +5145,7 @@
                           <a:ea typeface="Helvetica"/>
                           <a:sym typeface="Helvetica"/>
                         </a:rPr>
-                        <a:t>11.5</a:t>
+                        <a:t>14.3</a:t>
                       </a:r>
                     </a:p>
                   </a:txBody>
@@ -5210,7 +5210,7 @@
                           <a:ea typeface="Helvetica"/>
                           <a:sym typeface="Helvetica"/>
                         </a:rPr>
-                        <a:t>62</a:t>
+                        <a:t>56</a:t>
                       </a:r>
                     </a:p>
                   </a:txBody>
@@ -5340,7 +5340,7 @@
                           <a:ea typeface="Helvetica"/>
                           <a:sym typeface="Helvetica"/>
                         </a:rPr>
-                        <a:t>4</a:t>
+                        <a:t>5</a:t>
                       </a:r>
                     </a:p>
                   </a:txBody>
@@ -5407,7 +5407,7 @@
                           <a:ea typeface="Helvetica"/>
                           <a:sym typeface="Helvetica"/>
                         </a:rPr>
-                        <a:t/>
+                        <a:t>23</a:t>
                       </a:r>
                     </a:p>
                   </a:txBody>
@@ -5472,7 +5472,7 @@
                           <a:ea typeface="Helvetica"/>
                           <a:sym typeface="Helvetica"/>
                         </a:rPr>
-                        <a:t>194</a:t>
+                        <a:t>299</a:t>
                       </a:r>
                     </a:p>
                   </a:txBody>
@@ -5602,7 +5602,7 @@
                           <a:ea typeface="Helvetica"/>
                           <a:sym typeface="Helvetica"/>
                         </a:rPr>
-                        <a:t>69</a:t>
+                        <a:t>65</a:t>
                       </a:r>
                     </a:p>
                   </a:txBody>
@@ -5732,7 +5732,7 @@
                           <a:ea typeface="Helvetica"/>
                           <a:sym typeface="Helvetica"/>
                         </a:rPr>
-                        <a:t>10</a:t>
+                        <a:t>7</a:t>
                       </a:r>
                     </a:p>
                   </a:txBody>
@@ -5799,7 +5799,7 @@
                           <a:ea typeface="Helvetica"/>
                           <a:sym typeface="Helvetica"/>
                         </a:rPr>
-                        <a:t>36</a:t>
+                        <a:t/>
                       </a:r>
                     </a:p>
                   </a:txBody>
@@ -5864,7 +5864,7 @@
                           <a:ea typeface="Helvetica"/>
                           <a:sym typeface="Helvetica"/>
                         </a:rPr>
-                        <a:t>118</a:t>
+                        <a:t>194</a:t>
                       </a:r>
                     </a:p>
                   </a:txBody>
@@ -5929,7 +5929,7 @@
                           <a:ea typeface="Helvetica"/>
                           <a:sym typeface="Helvetica"/>
                         </a:rPr>
-                        <a:t>8.0</a:t>
+                        <a:t>8.6</a:t>
                       </a:r>
                     </a:p>
                   </a:txBody>
@@ -5994,7 +5994,7 @@
                           <a:ea typeface="Helvetica"/>
                           <a:sym typeface="Helvetica"/>
                         </a:rPr>
-                        <a:t>72</a:t>
+                        <a:t>69</a:t>
                       </a:r>
                     </a:p>
                   </a:txBody>
@@ -6124,7 +6124,7 @@
                           <a:ea typeface="Helvetica"/>
                           <a:sym typeface="Helvetica"/>
                         </a:rPr>
-                        <a:t>2</a:t>
+                        <a:t>10</a:t>
                       </a:r>
                     </a:p>
                   </a:txBody>
@@ -6583,7 +6583,7 @@
                           <a:ea typeface="Helvetica"/>
                           <a:sym typeface="Helvetica"/>
                         </a:rPr>
-                        <a:t>12</a:t>
+                        <a:t>36</a:t>
                       </a:r>
                     </a:p>
                   </a:txBody>
@@ -6648,7 +6648,7 @@
                           <a:ea typeface="Helvetica"/>
                           <a:sym typeface="Helvetica"/>
                         </a:rPr>
-                        <a:t>149</a:t>
+                        <a:t>118</a:t>
                       </a:r>
                     </a:p>
                   </a:txBody>
@@ -6713,7 +6713,7 @@
                           <a:ea typeface="Helvetica"/>
                           <a:sym typeface="Helvetica"/>
                         </a:rPr>
-                        <a:t>12.6</a:t>
+                        <a:t>8.0</a:t>
                       </a:r>
                     </a:p>
                   </a:txBody>
@@ -6778,7 +6778,7 @@
                           <a:ea typeface="Helvetica"/>
                           <a:sym typeface="Helvetica"/>
                         </a:rPr>
-                        <a:t>74</a:t>
+                        <a:t>72</a:t>
                       </a:r>
                     </a:p>
                   </a:txBody>
@@ -6908,7 +6908,7 @@
                           <a:ea typeface="Helvetica"/>
                           <a:sym typeface="Helvetica"/>
                         </a:rPr>
-                        <a:t>3</a:t>
+                        <a:t>2</a:t>
                       </a:r>
                     </a:p>
                   </a:txBody>

--- a/ft.pptx
+++ b/ft.pptx
@@ -3079,7 +3079,7 @@
                           <a:ea typeface="Helvetica"/>
                           <a:sym typeface="Helvetica"/>
                         </a:rPr>
-                        <a:t>19</a:t>
+                        <a:t/>
                       </a:r>
                     </a:p>
                   </a:txBody>
@@ -3140,7 +3140,7 @@
                           <a:ea typeface="Helvetica"/>
                           <a:sym typeface="Helvetica"/>
                         </a:rPr>
-                        <a:t>99</a:t>
+                        <a:t>194</a:t>
                       </a:r>
                     </a:p>
                   </a:txBody>
@@ -3201,7 +3201,7 @@
                           <a:ea typeface="Helvetica"/>
                           <a:sym typeface="Helvetica"/>
                         </a:rPr>
-                        <a:t>13.8</a:t>
+                        <a:t>8.6</a:t>
                       </a:r>
                     </a:p>
                   </a:txBody>
@@ -3262,7 +3262,7 @@
                           <a:ea typeface="Helvetica"/>
                           <a:sym typeface="Helvetica"/>
                         </a:rPr>
-                        <a:t>59</a:t>
+                        <a:t>69</a:t>
                       </a:r>
                     </a:p>
                   </a:txBody>
@@ -3384,7 +3384,7 @@
                           <a:ea typeface="Helvetica"/>
                           <a:sym typeface="Helvetica"/>
                         </a:rPr>
-                        <a:t>8</a:t>
+                        <a:t>10</a:t>
                       </a:r>
                     </a:p>
                   </a:txBody>
@@ -3447,7 +3447,7 @@
                           <a:ea typeface="Helvetica"/>
                           <a:sym typeface="Helvetica"/>
                         </a:rPr>
-                        <a:t>28</a:t>
+                        <a:t>19</a:t>
                       </a:r>
                     </a:p>
                   </a:txBody>
@@ -3512,7 +3512,7 @@
                           <a:ea typeface="Helvetica"/>
                           <a:sym typeface="Helvetica"/>
                         </a:rPr>
-                        <a:t/>
+                        <a:t>99</a:t>
                       </a:r>
                     </a:p>
                   </a:txBody>
@@ -3577,7 +3577,7 @@
                           <a:ea typeface="Helvetica"/>
                           <a:sym typeface="Helvetica"/>
                         </a:rPr>
-                        <a:t>14.9</a:t>
+                        <a:t>13.8</a:t>
                       </a:r>
                     </a:p>
                   </a:txBody>
@@ -3642,7 +3642,7 @@
                           <a:ea typeface="Helvetica"/>
                           <a:sym typeface="Helvetica"/>
                         </a:rPr>
-                        <a:t>66</a:t>
+                        <a:t>59</a:t>
                       </a:r>
                     </a:p>
                   </a:txBody>
@@ -3772,7 +3772,7 @@
                           <a:ea typeface="Helvetica"/>
                           <a:sym typeface="Helvetica"/>
                         </a:rPr>
-                        <a:t>6</a:t>
+                        <a:t>8</a:t>
                       </a:r>
                     </a:p>
                   </a:txBody>
@@ -3839,7 +3839,7 @@
                           <a:ea typeface="Helvetica"/>
                           <a:sym typeface="Helvetica"/>
                         </a:rPr>
-                        <a:t>41</a:t>
+                        <a:t>18</a:t>
                       </a:r>
                     </a:p>
                   </a:txBody>
@@ -3904,7 +3904,7 @@
                           <a:ea typeface="Helvetica"/>
                           <a:sym typeface="Helvetica"/>
                         </a:rPr>
-                        <a:t>190</a:t>
+                        <a:t>313</a:t>
                       </a:r>
                     </a:p>
                   </a:txBody>
@@ -3969,7 +3969,7 @@
                           <a:ea typeface="Helvetica"/>
                           <a:sym typeface="Helvetica"/>
                         </a:rPr>
-                        <a:t>7.4</a:t>
+                        <a:t>11.5</a:t>
                       </a:r>
                     </a:p>
                   </a:txBody>
@@ -4034,7 +4034,7 @@
                           <a:ea typeface="Helvetica"/>
                           <a:sym typeface="Helvetica"/>
                         </a:rPr>
-                        <a:t>67</a:t>
+                        <a:t>62</a:t>
                       </a:r>
                     </a:p>
                   </a:txBody>
@@ -4164,7 +4164,7 @@
                           <a:ea typeface="Helvetica"/>
                           <a:sym typeface="Helvetica"/>
                         </a:rPr>
-                        <a:t>1</a:t>
+                        <a:t>4</a:t>
                       </a:r>
                     </a:p>
                   </a:txBody>
@@ -4623,7 +4623,7 @@
                           <a:ea typeface="Helvetica"/>
                           <a:sym typeface="Helvetica"/>
                         </a:rPr>
-                        <a:t>18</a:t>
+                        <a:t>36</a:t>
                       </a:r>
                     </a:p>
                   </a:txBody>
@@ -4688,7 +4688,7 @@
                           <a:ea typeface="Helvetica"/>
                           <a:sym typeface="Helvetica"/>
                         </a:rPr>
-                        <a:t>313</a:t>
+                        <a:t>118</a:t>
                       </a:r>
                     </a:p>
                   </a:txBody>
@@ -4753,7 +4753,7 @@
                           <a:ea typeface="Helvetica"/>
                           <a:sym typeface="Helvetica"/>
                         </a:rPr>
-                        <a:t>11.5</a:t>
+                        <a:t>8.0</a:t>
                       </a:r>
                     </a:p>
                   </a:txBody>
@@ -4818,7 +4818,7 @@
                           <a:ea typeface="Helvetica"/>
                           <a:sym typeface="Helvetica"/>
                         </a:rPr>
-                        <a:t>62</a:t>
+                        <a:t>72</a:t>
                       </a:r>
                     </a:p>
                   </a:txBody>
@@ -4948,7 +4948,7 @@
                           <a:ea typeface="Helvetica"/>
                           <a:sym typeface="Helvetica"/>
                         </a:rPr>
-                        <a:t>4</a:t>
+                        <a:t>2</a:t>
                       </a:r>
                     </a:p>
                   </a:txBody>
@@ -5407,7 +5407,7 @@
                           <a:ea typeface="Helvetica"/>
                           <a:sym typeface="Helvetica"/>
                         </a:rPr>
-                        <a:t>23</a:t>
+                        <a:t>41</a:t>
                       </a:r>
                     </a:p>
                   </a:txBody>
@@ -5472,7 +5472,7 @@
                           <a:ea typeface="Helvetica"/>
                           <a:sym typeface="Helvetica"/>
                         </a:rPr>
-                        <a:t>299</a:t>
+                        <a:t>190</a:t>
                       </a:r>
                     </a:p>
                   </a:txBody>
@@ -5537,7 +5537,7 @@
                           <a:ea typeface="Helvetica"/>
                           <a:sym typeface="Helvetica"/>
                         </a:rPr>
-                        <a:t>8.6</a:t>
+                        <a:t>7.4</a:t>
                       </a:r>
                     </a:p>
                   </a:txBody>
@@ -5602,7 +5602,7 @@
                           <a:ea typeface="Helvetica"/>
                           <a:sym typeface="Helvetica"/>
                         </a:rPr>
-                        <a:t>65</a:t>
+                        <a:t>67</a:t>
                       </a:r>
                     </a:p>
                   </a:txBody>
@@ -5732,7 +5732,7 @@
                           <a:ea typeface="Helvetica"/>
                           <a:sym typeface="Helvetica"/>
                         </a:rPr>
-                        <a:t>7</a:t>
+                        <a:t>1</a:t>
                       </a:r>
                     </a:p>
                   </a:txBody>
@@ -5799,7 +5799,7 @@
                           <a:ea typeface="Helvetica"/>
                           <a:sym typeface="Helvetica"/>
                         </a:rPr>
-                        <a:t/>
+                        <a:t>8</a:t>
                       </a:r>
                     </a:p>
                   </a:txBody>
@@ -5864,7 +5864,7 @@
                           <a:ea typeface="Helvetica"/>
                           <a:sym typeface="Helvetica"/>
                         </a:rPr>
-                        <a:t>194</a:t>
+                        <a:t>19</a:t>
                       </a:r>
                     </a:p>
                   </a:txBody>
@@ -5929,7 +5929,7 @@
                           <a:ea typeface="Helvetica"/>
                           <a:sym typeface="Helvetica"/>
                         </a:rPr>
-                        <a:t>8.6</a:t>
+                        <a:t>20.1</a:t>
                       </a:r>
                     </a:p>
                   </a:txBody>
@@ -5994,7 +5994,7 @@
                           <a:ea typeface="Helvetica"/>
                           <a:sym typeface="Helvetica"/>
                         </a:rPr>
-                        <a:t>69</a:t>
+                        <a:t>61</a:t>
                       </a:r>
                     </a:p>
                   </a:txBody>
@@ -6124,7 +6124,7 @@
                           <a:ea typeface="Helvetica"/>
                           <a:sym typeface="Helvetica"/>
                         </a:rPr>
-                        <a:t>10</a:t>
+                        <a:t>9</a:t>
                       </a:r>
                     </a:p>
                   </a:txBody>
@@ -6191,7 +6191,7 @@
                           <a:ea typeface="Helvetica"/>
                           <a:sym typeface="Helvetica"/>
                         </a:rPr>
-                        <a:t>8</a:t>
+                        <a:t>28</a:t>
                       </a:r>
                     </a:p>
                   </a:txBody>
@@ -6256,7 +6256,7 @@
                           <a:ea typeface="Helvetica"/>
                           <a:sym typeface="Helvetica"/>
                         </a:rPr>
-                        <a:t>19</a:t>
+                        <a:t/>
                       </a:r>
                     </a:p>
                   </a:txBody>
@@ -6321,7 +6321,7 @@
                           <a:ea typeface="Helvetica"/>
                           <a:sym typeface="Helvetica"/>
                         </a:rPr>
-                        <a:t>20.1</a:t>
+                        <a:t>14.9</a:t>
                       </a:r>
                     </a:p>
                   </a:txBody>
@@ -6386,7 +6386,7 @@
                           <a:ea typeface="Helvetica"/>
                           <a:sym typeface="Helvetica"/>
                         </a:rPr>
-                        <a:t>61</a:t>
+                        <a:t>66</a:t>
                       </a:r>
                     </a:p>
                   </a:txBody>
@@ -6516,7 +6516,7 @@
                           <a:ea typeface="Helvetica"/>
                           <a:sym typeface="Helvetica"/>
                         </a:rPr>
-                        <a:t>9</a:t>
+                        <a:t>6</a:t>
                       </a:r>
                     </a:p>
                   </a:txBody>
@@ -6583,7 +6583,7 @@
                           <a:ea typeface="Helvetica"/>
                           <a:sym typeface="Helvetica"/>
                         </a:rPr>
-                        <a:t>36</a:t>
+                        <a:t>23</a:t>
                       </a:r>
                     </a:p>
                   </a:txBody>
@@ -6648,7 +6648,7 @@
                           <a:ea typeface="Helvetica"/>
                           <a:sym typeface="Helvetica"/>
                         </a:rPr>
-                        <a:t>118</a:t>
+                        <a:t>299</a:t>
                       </a:r>
                     </a:p>
                   </a:txBody>
@@ -6713,7 +6713,7 @@
                           <a:ea typeface="Helvetica"/>
                           <a:sym typeface="Helvetica"/>
                         </a:rPr>
-                        <a:t>8.0</a:t>
+                        <a:t>8.6</a:t>
                       </a:r>
                     </a:p>
                   </a:txBody>
@@ -6778,7 +6778,7 @@
                           <a:ea typeface="Helvetica"/>
                           <a:sym typeface="Helvetica"/>
                         </a:rPr>
-                        <a:t>72</a:t>
+                        <a:t>65</a:t>
                       </a:r>
                     </a:p>
                   </a:txBody>
@@ -6908,7 +6908,7 @@
                           <a:ea typeface="Helvetica"/>
                           <a:sym typeface="Helvetica"/>
                         </a:rPr>
-                        <a:t>2</a:t>
+                        <a:t>7</a:t>
                       </a:r>
                     </a:p>
                   </a:txBody>

--- a/ft.pptx
+++ b/ft.pptx
@@ -3079,7 +3079,7 @@
                           <a:ea typeface="Helvetica"/>
                           <a:sym typeface="Helvetica"/>
                         </a:rPr>
-                        <a:t/>
+                        <a:t>23</a:t>
                       </a:r>
                     </a:p>
                   </a:txBody>
@@ -3140,7 +3140,7 @@
                           <a:ea typeface="Helvetica"/>
                           <a:sym typeface="Helvetica"/>
                         </a:rPr>
-                        <a:t>194</a:t>
+                        <a:t>299</a:t>
                       </a:r>
                     </a:p>
                   </a:txBody>
@@ -3262,7 +3262,7 @@
                           <a:ea typeface="Helvetica"/>
                           <a:sym typeface="Helvetica"/>
                         </a:rPr>
-                        <a:t>69</a:t>
+                        <a:t>65</a:t>
                       </a:r>
                     </a:p>
                   </a:txBody>
@@ -3384,7 +3384,7 @@
                           <a:ea typeface="Helvetica"/>
                           <a:sym typeface="Helvetica"/>
                         </a:rPr>
-                        <a:t>10</a:t>
+                        <a:t>7</a:t>
                       </a:r>
                     </a:p>
                   </a:txBody>
@@ -3447,7 +3447,7 @@
                           <a:ea typeface="Helvetica"/>
                           <a:sym typeface="Helvetica"/>
                         </a:rPr>
-                        <a:t>19</a:t>
+                        <a:t>41</a:t>
                       </a:r>
                     </a:p>
                   </a:txBody>
@@ -3512,7 +3512,7 @@
                           <a:ea typeface="Helvetica"/>
                           <a:sym typeface="Helvetica"/>
                         </a:rPr>
-                        <a:t>99</a:t>
+                        <a:t>190</a:t>
                       </a:r>
                     </a:p>
                   </a:txBody>
@@ -3577,7 +3577,7 @@
                           <a:ea typeface="Helvetica"/>
                           <a:sym typeface="Helvetica"/>
                         </a:rPr>
-                        <a:t>13.8</a:t>
+                        <a:t>7.4</a:t>
                       </a:r>
                     </a:p>
                   </a:txBody>
@@ -3642,7 +3642,7 @@
                           <a:ea typeface="Helvetica"/>
                           <a:sym typeface="Helvetica"/>
                         </a:rPr>
-                        <a:t>59</a:t>
+                        <a:t>67</a:t>
                       </a:r>
                     </a:p>
                   </a:txBody>
@@ -3772,7 +3772,7 @@
                           <a:ea typeface="Helvetica"/>
                           <a:sym typeface="Helvetica"/>
                         </a:rPr>
-                        <a:t>8</a:t>
+                        <a:t>1</a:t>
                       </a:r>
                     </a:p>
                   </a:txBody>
@@ -4231,7 +4231,7 @@
                           <a:ea typeface="Helvetica"/>
                           <a:sym typeface="Helvetica"/>
                         </a:rPr>
-                        <a:t>12</a:t>
+                        <a:t>28</a:t>
                       </a:r>
                     </a:p>
                   </a:txBody>
@@ -4296,7 +4296,7 @@
                           <a:ea typeface="Helvetica"/>
                           <a:sym typeface="Helvetica"/>
                         </a:rPr>
-                        <a:t>149</a:t>
+                        <a:t/>
                       </a:r>
                     </a:p>
                   </a:txBody>
@@ -4361,7 +4361,7 @@
                           <a:ea typeface="Helvetica"/>
                           <a:sym typeface="Helvetica"/>
                         </a:rPr>
-                        <a:t>12.6</a:t>
+                        <a:t>14.9</a:t>
                       </a:r>
                     </a:p>
                   </a:txBody>
@@ -4426,7 +4426,7 @@
                           <a:ea typeface="Helvetica"/>
                           <a:sym typeface="Helvetica"/>
                         </a:rPr>
-                        <a:t>74</a:t>
+                        <a:t>66</a:t>
                       </a:r>
                     </a:p>
                   </a:txBody>
@@ -4556,7 +4556,7 @@
                           <a:ea typeface="Helvetica"/>
                           <a:sym typeface="Helvetica"/>
                         </a:rPr>
-                        <a:t>3</a:t>
+                        <a:t>6</a:t>
                       </a:r>
                     </a:p>
                   </a:txBody>
@@ -5407,7 +5407,7 @@
                           <a:ea typeface="Helvetica"/>
                           <a:sym typeface="Helvetica"/>
                         </a:rPr>
-                        <a:t>41</a:t>
+                        <a:t/>
                       </a:r>
                     </a:p>
                   </a:txBody>
@@ -5472,7 +5472,7 @@
                           <a:ea typeface="Helvetica"/>
                           <a:sym typeface="Helvetica"/>
                         </a:rPr>
-                        <a:t>190</a:t>
+                        <a:t>194</a:t>
                       </a:r>
                     </a:p>
                   </a:txBody>
@@ -5537,7 +5537,7 @@
                           <a:ea typeface="Helvetica"/>
                           <a:sym typeface="Helvetica"/>
                         </a:rPr>
-                        <a:t>7.4</a:t>
+                        <a:t>8.6</a:t>
                       </a:r>
                     </a:p>
                   </a:txBody>
@@ -5602,7 +5602,7 @@
                           <a:ea typeface="Helvetica"/>
                           <a:sym typeface="Helvetica"/>
                         </a:rPr>
-                        <a:t>67</a:t>
+                        <a:t>69</a:t>
                       </a:r>
                     </a:p>
                   </a:txBody>
@@ -5732,7 +5732,7 @@
                           <a:ea typeface="Helvetica"/>
                           <a:sym typeface="Helvetica"/>
                         </a:rPr>
-                        <a:t>1</a:t>
+                        <a:t>10</a:t>
                       </a:r>
                     </a:p>
                   </a:txBody>
@@ -5799,332 +5799,332 @@
                           <a:ea typeface="Helvetica"/>
                           <a:sym typeface="Helvetica"/>
                         </a:rPr>
+                        <a:t>19</a:t>
+                      </a:r>
+                    </a:p>
+                  </a:txBody>
+                  <a:tcPr anchor="ctr" marB="63500" marT="63500" marR="0" marL="0">
+                    <a:lnL algn="ctr" cmpd="sng" cap="flat" w="0">
+                      <a:noFill/>
+                      <a:prstDash val="solid"/>
+                    </a:lnL>
+                    <a:lnR algn="ctr" cmpd="sng" cap="flat" w="0">
+                      <a:noFill/>
+                      <a:prstDash val="solid"/>
+                    </a:lnR>
+                    <a:lnT algn="ctr" cmpd="sng" cap="flat" w="9525">
+                      <a:solidFill>
+                        <a:srgbClr val="666666">
+                          <a:alpha val="100000"/>
+                        </a:srgbClr>
+                      </a:solidFill>
+                      <a:prstDash val="solid"/>
+                    </a:lnT>
+                    <a:lnB algn="ctr" cmpd="sng" cap="flat" w="9525">
+                      <a:solidFill>
+                        <a:srgbClr val="666666">
+                          <a:alpha val="100000"/>
+                        </a:srgbClr>
+                      </a:solidFill>
+                      <a:prstDash val="solid"/>
+                    </a:lnB>
+                    <a:solidFill>
+                      <a:srgbClr val="FFFFFF">
+                        <a:alpha val="0"/>
+                      </a:srgbClr>
+                    </a:solidFill>
+                  </a:tcPr>
+                </a:tc>
+                <a:tc>
+                  <a:txBody>
+                    <a:bodyPr/>
+                    <a:lstStyle/>
+                    <a:p>
+                      <a:pPr algn="r" marL="63500" marR="63500">
+                        <a:lnSpc>
+                          <a:spcPct val="100000"/>
+                        </a:lnSpc>
+                        <a:spcBef>
+                          <a:spcPts val="500"/>
+                        </a:spcBef>
+                        <a:spcAft>
+                          <a:spcPts val="500"/>
+                        </a:spcAft>
+                        <a:buNone/>
+                      </a:pPr>
+                      <a:r>
+                        <a:rPr cap="none" sz="1100" i="0" b="0" u="none">
+                          <a:solidFill>
+                            <a:srgbClr val="000000">
+                              <a:alpha val="100000"/>
+                            </a:srgbClr>
+                          </a:solidFill>
+                          <a:latin typeface="Helvetica"/>
+                          <a:cs typeface="Helvetica"/>
+                          <a:ea typeface="Helvetica"/>
+                          <a:sym typeface="Helvetica"/>
+                        </a:rPr>
+                        <a:t>99</a:t>
+                      </a:r>
+                    </a:p>
+                  </a:txBody>
+                  <a:tcPr anchor="ctr" marB="63500" marT="63500" marR="0" marL="0">
+                    <a:lnL algn="ctr" cmpd="sng" cap="flat" w="0">
+                      <a:noFill/>
+                      <a:prstDash val="solid"/>
+                    </a:lnL>
+                    <a:lnR algn="ctr" cmpd="sng" cap="flat" w="0">
+                      <a:noFill/>
+                      <a:prstDash val="solid"/>
+                    </a:lnR>
+                    <a:lnT algn="ctr" cmpd="sng" cap="flat" w="9525">
+                      <a:solidFill>
+                        <a:srgbClr val="666666">
+                          <a:alpha val="100000"/>
+                        </a:srgbClr>
+                      </a:solidFill>
+                      <a:prstDash val="solid"/>
+                    </a:lnT>
+                    <a:lnB algn="ctr" cmpd="sng" cap="flat" w="9525">
+                      <a:solidFill>
+                        <a:srgbClr val="666666">
+                          <a:alpha val="100000"/>
+                        </a:srgbClr>
+                      </a:solidFill>
+                      <a:prstDash val="solid"/>
+                    </a:lnB>
+                    <a:solidFill>
+                      <a:srgbClr val="FFFFFF">
+                        <a:alpha val="0"/>
+                      </a:srgbClr>
+                    </a:solidFill>
+                  </a:tcPr>
+                </a:tc>
+                <a:tc>
+                  <a:txBody>
+                    <a:bodyPr/>
+                    <a:lstStyle/>
+                    <a:p>
+                      <a:pPr algn="r" marL="63500" marR="63500">
+                        <a:lnSpc>
+                          <a:spcPct val="100000"/>
+                        </a:lnSpc>
+                        <a:spcBef>
+                          <a:spcPts val="500"/>
+                        </a:spcBef>
+                        <a:spcAft>
+                          <a:spcPts val="500"/>
+                        </a:spcAft>
+                        <a:buNone/>
+                      </a:pPr>
+                      <a:r>
+                        <a:rPr cap="none" sz="1100" i="0" b="0" u="none">
+                          <a:solidFill>
+                            <a:srgbClr val="000000">
+                              <a:alpha val="100000"/>
+                            </a:srgbClr>
+                          </a:solidFill>
+                          <a:latin typeface="Helvetica"/>
+                          <a:cs typeface="Helvetica"/>
+                          <a:ea typeface="Helvetica"/>
+                          <a:sym typeface="Helvetica"/>
+                        </a:rPr>
+                        <a:t>13.8</a:t>
+                      </a:r>
+                    </a:p>
+                  </a:txBody>
+                  <a:tcPr anchor="ctr" marB="63500" marT="63500" marR="0" marL="0">
+                    <a:lnL algn="ctr" cmpd="sng" cap="flat" w="0">
+                      <a:noFill/>
+                      <a:prstDash val="solid"/>
+                    </a:lnL>
+                    <a:lnR algn="ctr" cmpd="sng" cap="flat" w="0">
+                      <a:noFill/>
+                      <a:prstDash val="solid"/>
+                    </a:lnR>
+                    <a:lnT algn="ctr" cmpd="sng" cap="flat" w="9525">
+                      <a:solidFill>
+                        <a:srgbClr val="666666">
+                          <a:alpha val="100000"/>
+                        </a:srgbClr>
+                      </a:solidFill>
+                      <a:prstDash val="solid"/>
+                    </a:lnT>
+                    <a:lnB algn="ctr" cmpd="sng" cap="flat" w="9525">
+                      <a:solidFill>
+                        <a:srgbClr val="666666">
+                          <a:alpha val="100000"/>
+                        </a:srgbClr>
+                      </a:solidFill>
+                      <a:prstDash val="solid"/>
+                    </a:lnB>
+                    <a:solidFill>
+                      <a:srgbClr val="FFFFFF">
+                        <a:alpha val="0"/>
+                      </a:srgbClr>
+                    </a:solidFill>
+                  </a:tcPr>
+                </a:tc>
+                <a:tc>
+                  <a:txBody>
+                    <a:bodyPr/>
+                    <a:lstStyle/>
+                    <a:p>
+                      <a:pPr algn="r" marL="63500" marR="63500">
+                        <a:lnSpc>
+                          <a:spcPct val="100000"/>
+                        </a:lnSpc>
+                        <a:spcBef>
+                          <a:spcPts val="500"/>
+                        </a:spcBef>
+                        <a:spcAft>
+                          <a:spcPts val="500"/>
+                        </a:spcAft>
+                        <a:buNone/>
+                      </a:pPr>
+                      <a:r>
+                        <a:rPr cap="none" sz="1100" i="0" b="0" u="none">
+                          <a:solidFill>
+                            <a:srgbClr val="000000">
+                              <a:alpha val="100000"/>
+                            </a:srgbClr>
+                          </a:solidFill>
+                          <a:latin typeface="Helvetica"/>
+                          <a:cs typeface="Helvetica"/>
+                          <a:ea typeface="Helvetica"/>
+                          <a:sym typeface="Helvetica"/>
+                        </a:rPr>
+                        <a:t>59</a:t>
+                      </a:r>
+                    </a:p>
+                  </a:txBody>
+                  <a:tcPr anchor="ctr" marB="63500" marT="63500" marR="0" marL="0">
+                    <a:lnL algn="ctr" cmpd="sng" cap="flat" w="0">
+                      <a:noFill/>
+                      <a:prstDash val="solid"/>
+                    </a:lnL>
+                    <a:lnR algn="ctr" cmpd="sng" cap="flat" w="0">
+                      <a:noFill/>
+                      <a:prstDash val="solid"/>
+                    </a:lnR>
+                    <a:lnT algn="ctr" cmpd="sng" cap="flat" w="9525">
+                      <a:solidFill>
+                        <a:srgbClr val="666666">
+                          <a:alpha val="100000"/>
+                        </a:srgbClr>
+                      </a:solidFill>
+                      <a:prstDash val="solid"/>
+                    </a:lnT>
+                    <a:lnB algn="ctr" cmpd="sng" cap="flat" w="9525">
+                      <a:solidFill>
+                        <a:srgbClr val="666666">
+                          <a:alpha val="100000"/>
+                        </a:srgbClr>
+                      </a:solidFill>
+                      <a:prstDash val="solid"/>
+                    </a:lnB>
+                    <a:solidFill>
+                      <a:srgbClr val="FFFFFF">
+                        <a:alpha val="0"/>
+                      </a:srgbClr>
+                    </a:solidFill>
+                  </a:tcPr>
+                </a:tc>
+                <a:tc>
+                  <a:txBody>
+                    <a:bodyPr/>
+                    <a:lstStyle/>
+                    <a:p>
+                      <a:pPr algn="r" marL="63500" marR="63500">
+                        <a:lnSpc>
+                          <a:spcPct val="100000"/>
+                        </a:lnSpc>
+                        <a:spcBef>
+                          <a:spcPts val="500"/>
+                        </a:spcBef>
+                        <a:spcAft>
+                          <a:spcPts val="500"/>
+                        </a:spcAft>
+                        <a:buNone/>
+                      </a:pPr>
+                      <a:r>
+                        <a:rPr cap="none" sz="1100" i="0" b="0" u="none">
+                          <a:solidFill>
+                            <a:srgbClr val="000000">
+                              <a:alpha val="100000"/>
+                            </a:srgbClr>
+                          </a:solidFill>
+                          <a:latin typeface="Helvetica"/>
+                          <a:cs typeface="Helvetica"/>
+                          <a:ea typeface="Helvetica"/>
+                          <a:sym typeface="Helvetica"/>
+                        </a:rPr>
+                        <a:t>5</a:t>
+                      </a:r>
+                    </a:p>
+                  </a:txBody>
+                  <a:tcPr anchor="ctr" marB="63500" marT="63500" marR="0" marL="0">
+                    <a:lnL algn="ctr" cmpd="sng" cap="flat" w="0">
+                      <a:noFill/>
+                      <a:prstDash val="solid"/>
+                    </a:lnL>
+                    <a:lnR algn="ctr" cmpd="sng" cap="flat" w="0">
+                      <a:noFill/>
+                      <a:prstDash val="solid"/>
+                    </a:lnR>
+                    <a:lnT algn="ctr" cmpd="sng" cap="flat" w="9525">
+                      <a:solidFill>
+                        <a:srgbClr val="666666">
+                          <a:alpha val="100000"/>
+                        </a:srgbClr>
+                      </a:solidFill>
+                      <a:prstDash val="solid"/>
+                    </a:lnT>
+                    <a:lnB algn="ctr" cmpd="sng" cap="flat" w="9525">
+                      <a:solidFill>
+                        <a:srgbClr val="666666">
+                          <a:alpha val="100000"/>
+                        </a:srgbClr>
+                      </a:solidFill>
+                      <a:prstDash val="solid"/>
+                    </a:lnB>
+                    <a:solidFill>
+                      <a:srgbClr val="FFFFFF">
+                        <a:alpha val="0"/>
+                      </a:srgbClr>
+                    </a:solidFill>
+                  </a:tcPr>
+                </a:tc>
+                <a:tc>
+                  <a:txBody>
+                    <a:bodyPr/>
+                    <a:lstStyle/>
+                    <a:p>
+                      <a:pPr algn="r" marL="63500" marR="63500">
+                        <a:lnSpc>
+                          <a:spcPct val="100000"/>
+                        </a:lnSpc>
+                        <a:spcBef>
+                          <a:spcPts val="500"/>
+                        </a:spcBef>
+                        <a:spcAft>
+                          <a:spcPts val="500"/>
+                        </a:spcAft>
+                        <a:buNone/>
+                      </a:pPr>
+                      <a:r>
+                        <a:rPr cap="none" sz="1100" i="0" b="0" u="none">
+                          <a:solidFill>
+                            <a:srgbClr val="000000">
+                              <a:alpha val="100000"/>
+                            </a:srgbClr>
+                          </a:solidFill>
+                          <a:latin typeface="Helvetica"/>
+                          <a:cs typeface="Helvetica"/>
+                          <a:ea typeface="Helvetica"/>
+                          <a:sym typeface="Helvetica"/>
+                        </a:rPr>
                         <a:t>8</a:t>
-                      </a:r>
-                    </a:p>
-                  </a:txBody>
-                  <a:tcPr anchor="ctr" marB="63500" marT="63500" marR="0" marL="0">
-                    <a:lnL algn="ctr" cmpd="sng" cap="flat" w="0">
-                      <a:noFill/>
-                      <a:prstDash val="solid"/>
-                    </a:lnL>
-                    <a:lnR algn="ctr" cmpd="sng" cap="flat" w="0">
-                      <a:noFill/>
-                      <a:prstDash val="solid"/>
-                    </a:lnR>
-                    <a:lnT algn="ctr" cmpd="sng" cap="flat" w="9525">
-                      <a:solidFill>
-                        <a:srgbClr val="666666">
-                          <a:alpha val="100000"/>
-                        </a:srgbClr>
-                      </a:solidFill>
-                      <a:prstDash val="solid"/>
-                    </a:lnT>
-                    <a:lnB algn="ctr" cmpd="sng" cap="flat" w="9525">
-                      <a:solidFill>
-                        <a:srgbClr val="666666">
-                          <a:alpha val="100000"/>
-                        </a:srgbClr>
-                      </a:solidFill>
-                      <a:prstDash val="solid"/>
-                    </a:lnB>
-                    <a:solidFill>
-                      <a:srgbClr val="FFFFFF">
-                        <a:alpha val="0"/>
-                      </a:srgbClr>
-                    </a:solidFill>
-                  </a:tcPr>
-                </a:tc>
-                <a:tc>
-                  <a:txBody>
-                    <a:bodyPr/>
-                    <a:lstStyle/>
-                    <a:p>
-                      <a:pPr algn="r" marL="63500" marR="63500">
-                        <a:lnSpc>
-                          <a:spcPct val="100000"/>
-                        </a:lnSpc>
-                        <a:spcBef>
-                          <a:spcPts val="500"/>
-                        </a:spcBef>
-                        <a:spcAft>
-                          <a:spcPts val="500"/>
-                        </a:spcAft>
-                        <a:buNone/>
-                      </a:pPr>
-                      <a:r>
-                        <a:rPr cap="none" sz="1100" i="0" b="0" u="none">
-                          <a:solidFill>
-                            <a:srgbClr val="000000">
-                              <a:alpha val="100000"/>
-                            </a:srgbClr>
-                          </a:solidFill>
-                          <a:latin typeface="Helvetica"/>
-                          <a:cs typeface="Helvetica"/>
-                          <a:ea typeface="Helvetica"/>
-                          <a:sym typeface="Helvetica"/>
-                        </a:rPr>
-                        <a:t>19</a:t>
-                      </a:r>
-                    </a:p>
-                  </a:txBody>
-                  <a:tcPr anchor="ctr" marB="63500" marT="63500" marR="0" marL="0">
-                    <a:lnL algn="ctr" cmpd="sng" cap="flat" w="0">
-                      <a:noFill/>
-                      <a:prstDash val="solid"/>
-                    </a:lnL>
-                    <a:lnR algn="ctr" cmpd="sng" cap="flat" w="0">
-                      <a:noFill/>
-                      <a:prstDash val="solid"/>
-                    </a:lnR>
-                    <a:lnT algn="ctr" cmpd="sng" cap="flat" w="9525">
-                      <a:solidFill>
-                        <a:srgbClr val="666666">
-                          <a:alpha val="100000"/>
-                        </a:srgbClr>
-                      </a:solidFill>
-                      <a:prstDash val="solid"/>
-                    </a:lnT>
-                    <a:lnB algn="ctr" cmpd="sng" cap="flat" w="9525">
-                      <a:solidFill>
-                        <a:srgbClr val="666666">
-                          <a:alpha val="100000"/>
-                        </a:srgbClr>
-                      </a:solidFill>
-                      <a:prstDash val="solid"/>
-                    </a:lnB>
-                    <a:solidFill>
-                      <a:srgbClr val="FFFFFF">
-                        <a:alpha val="0"/>
-                      </a:srgbClr>
-                    </a:solidFill>
-                  </a:tcPr>
-                </a:tc>
-                <a:tc>
-                  <a:txBody>
-                    <a:bodyPr/>
-                    <a:lstStyle/>
-                    <a:p>
-                      <a:pPr algn="r" marL="63500" marR="63500">
-                        <a:lnSpc>
-                          <a:spcPct val="100000"/>
-                        </a:lnSpc>
-                        <a:spcBef>
-                          <a:spcPts val="500"/>
-                        </a:spcBef>
-                        <a:spcAft>
-                          <a:spcPts val="500"/>
-                        </a:spcAft>
-                        <a:buNone/>
-                      </a:pPr>
-                      <a:r>
-                        <a:rPr cap="none" sz="1100" i="0" b="0" u="none">
-                          <a:solidFill>
-                            <a:srgbClr val="000000">
-                              <a:alpha val="100000"/>
-                            </a:srgbClr>
-                          </a:solidFill>
-                          <a:latin typeface="Helvetica"/>
-                          <a:cs typeface="Helvetica"/>
-                          <a:ea typeface="Helvetica"/>
-                          <a:sym typeface="Helvetica"/>
-                        </a:rPr>
-                        <a:t>20.1</a:t>
-                      </a:r>
-                    </a:p>
-                  </a:txBody>
-                  <a:tcPr anchor="ctr" marB="63500" marT="63500" marR="0" marL="0">
-                    <a:lnL algn="ctr" cmpd="sng" cap="flat" w="0">
-                      <a:noFill/>
-                      <a:prstDash val="solid"/>
-                    </a:lnL>
-                    <a:lnR algn="ctr" cmpd="sng" cap="flat" w="0">
-                      <a:noFill/>
-                      <a:prstDash val="solid"/>
-                    </a:lnR>
-                    <a:lnT algn="ctr" cmpd="sng" cap="flat" w="9525">
-                      <a:solidFill>
-                        <a:srgbClr val="666666">
-                          <a:alpha val="100000"/>
-                        </a:srgbClr>
-                      </a:solidFill>
-                      <a:prstDash val="solid"/>
-                    </a:lnT>
-                    <a:lnB algn="ctr" cmpd="sng" cap="flat" w="9525">
-                      <a:solidFill>
-                        <a:srgbClr val="666666">
-                          <a:alpha val="100000"/>
-                        </a:srgbClr>
-                      </a:solidFill>
-                      <a:prstDash val="solid"/>
-                    </a:lnB>
-                    <a:solidFill>
-                      <a:srgbClr val="FFFFFF">
-                        <a:alpha val="0"/>
-                      </a:srgbClr>
-                    </a:solidFill>
-                  </a:tcPr>
-                </a:tc>
-                <a:tc>
-                  <a:txBody>
-                    <a:bodyPr/>
-                    <a:lstStyle/>
-                    <a:p>
-                      <a:pPr algn="r" marL="63500" marR="63500">
-                        <a:lnSpc>
-                          <a:spcPct val="100000"/>
-                        </a:lnSpc>
-                        <a:spcBef>
-                          <a:spcPts val="500"/>
-                        </a:spcBef>
-                        <a:spcAft>
-                          <a:spcPts val="500"/>
-                        </a:spcAft>
-                        <a:buNone/>
-                      </a:pPr>
-                      <a:r>
-                        <a:rPr cap="none" sz="1100" i="0" b="0" u="none">
-                          <a:solidFill>
-                            <a:srgbClr val="000000">
-                              <a:alpha val="100000"/>
-                            </a:srgbClr>
-                          </a:solidFill>
-                          <a:latin typeface="Helvetica"/>
-                          <a:cs typeface="Helvetica"/>
-                          <a:ea typeface="Helvetica"/>
-                          <a:sym typeface="Helvetica"/>
-                        </a:rPr>
-                        <a:t>61</a:t>
-                      </a:r>
-                    </a:p>
-                  </a:txBody>
-                  <a:tcPr anchor="ctr" marB="63500" marT="63500" marR="0" marL="0">
-                    <a:lnL algn="ctr" cmpd="sng" cap="flat" w="0">
-                      <a:noFill/>
-                      <a:prstDash val="solid"/>
-                    </a:lnL>
-                    <a:lnR algn="ctr" cmpd="sng" cap="flat" w="0">
-                      <a:noFill/>
-                      <a:prstDash val="solid"/>
-                    </a:lnR>
-                    <a:lnT algn="ctr" cmpd="sng" cap="flat" w="9525">
-                      <a:solidFill>
-                        <a:srgbClr val="666666">
-                          <a:alpha val="100000"/>
-                        </a:srgbClr>
-                      </a:solidFill>
-                      <a:prstDash val="solid"/>
-                    </a:lnT>
-                    <a:lnB algn="ctr" cmpd="sng" cap="flat" w="9525">
-                      <a:solidFill>
-                        <a:srgbClr val="666666">
-                          <a:alpha val="100000"/>
-                        </a:srgbClr>
-                      </a:solidFill>
-                      <a:prstDash val="solid"/>
-                    </a:lnB>
-                    <a:solidFill>
-                      <a:srgbClr val="FFFFFF">
-                        <a:alpha val="0"/>
-                      </a:srgbClr>
-                    </a:solidFill>
-                  </a:tcPr>
-                </a:tc>
-                <a:tc>
-                  <a:txBody>
-                    <a:bodyPr/>
-                    <a:lstStyle/>
-                    <a:p>
-                      <a:pPr algn="r" marL="63500" marR="63500">
-                        <a:lnSpc>
-                          <a:spcPct val="100000"/>
-                        </a:lnSpc>
-                        <a:spcBef>
-                          <a:spcPts val="500"/>
-                        </a:spcBef>
-                        <a:spcAft>
-                          <a:spcPts val="500"/>
-                        </a:spcAft>
-                        <a:buNone/>
-                      </a:pPr>
-                      <a:r>
-                        <a:rPr cap="none" sz="1100" i="0" b="0" u="none">
-                          <a:solidFill>
-                            <a:srgbClr val="000000">
-                              <a:alpha val="100000"/>
-                            </a:srgbClr>
-                          </a:solidFill>
-                          <a:latin typeface="Helvetica"/>
-                          <a:cs typeface="Helvetica"/>
-                          <a:ea typeface="Helvetica"/>
-                          <a:sym typeface="Helvetica"/>
-                        </a:rPr>
-                        <a:t>5</a:t>
-                      </a:r>
-                    </a:p>
-                  </a:txBody>
-                  <a:tcPr anchor="ctr" marB="63500" marT="63500" marR="0" marL="0">
-                    <a:lnL algn="ctr" cmpd="sng" cap="flat" w="0">
-                      <a:noFill/>
-                      <a:prstDash val="solid"/>
-                    </a:lnL>
-                    <a:lnR algn="ctr" cmpd="sng" cap="flat" w="0">
-                      <a:noFill/>
-                      <a:prstDash val="solid"/>
-                    </a:lnR>
-                    <a:lnT algn="ctr" cmpd="sng" cap="flat" w="9525">
-                      <a:solidFill>
-                        <a:srgbClr val="666666">
-                          <a:alpha val="100000"/>
-                        </a:srgbClr>
-                      </a:solidFill>
-                      <a:prstDash val="solid"/>
-                    </a:lnT>
-                    <a:lnB algn="ctr" cmpd="sng" cap="flat" w="9525">
-                      <a:solidFill>
-                        <a:srgbClr val="666666">
-                          <a:alpha val="100000"/>
-                        </a:srgbClr>
-                      </a:solidFill>
-                      <a:prstDash val="solid"/>
-                    </a:lnB>
-                    <a:solidFill>
-                      <a:srgbClr val="FFFFFF">
-                        <a:alpha val="0"/>
-                      </a:srgbClr>
-                    </a:solidFill>
-                  </a:tcPr>
-                </a:tc>
-                <a:tc>
-                  <a:txBody>
-                    <a:bodyPr/>
-                    <a:lstStyle/>
-                    <a:p>
-                      <a:pPr algn="r" marL="63500" marR="63500">
-                        <a:lnSpc>
-                          <a:spcPct val="100000"/>
-                        </a:lnSpc>
-                        <a:spcBef>
-                          <a:spcPts val="500"/>
-                        </a:spcBef>
-                        <a:spcAft>
-                          <a:spcPts val="500"/>
-                        </a:spcAft>
-                        <a:buNone/>
-                      </a:pPr>
-                      <a:r>
-                        <a:rPr cap="none" sz="1100" i="0" b="0" u="none">
-                          <a:solidFill>
-                            <a:srgbClr val="000000">
-                              <a:alpha val="100000"/>
-                            </a:srgbClr>
-                          </a:solidFill>
-                          <a:latin typeface="Helvetica"/>
-                          <a:cs typeface="Helvetica"/>
-                          <a:ea typeface="Helvetica"/>
-                          <a:sym typeface="Helvetica"/>
-                        </a:rPr>
-                        <a:t>9</a:t>
                       </a:r>
                     </a:p>
                   </a:txBody>
@@ -6191,7 +6191,7 @@
                           <a:ea typeface="Helvetica"/>
                           <a:sym typeface="Helvetica"/>
                         </a:rPr>
-                        <a:t>28</a:t>
+                        <a:t>12</a:t>
                       </a:r>
                     </a:p>
                   </a:txBody>
@@ -6256,7 +6256,7 @@
                           <a:ea typeface="Helvetica"/>
                           <a:sym typeface="Helvetica"/>
                         </a:rPr>
-                        <a:t/>
+                        <a:t>149</a:t>
                       </a:r>
                     </a:p>
                   </a:txBody>
@@ -6321,7 +6321,7 @@
                           <a:ea typeface="Helvetica"/>
                           <a:sym typeface="Helvetica"/>
                         </a:rPr>
-                        <a:t>14.9</a:t>
+                        <a:t>12.6</a:t>
                       </a:r>
                     </a:p>
                   </a:txBody>
@@ -6386,7 +6386,7 @@
                           <a:ea typeface="Helvetica"/>
                           <a:sym typeface="Helvetica"/>
                         </a:rPr>
-                        <a:t>66</a:t>
+                        <a:t>74</a:t>
                       </a:r>
                     </a:p>
                   </a:txBody>
@@ -6516,7 +6516,7 @@
                           <a:ea typeface="Helvetica"/>
                           <a:sym typeface="Helvetica"/>
                         </a:rPr>
-                        <a:t>6</a:t>
+                        <a:t>3</a:t>
                       </a:r>
                     </a:p>
                   </a:txBody>
@@ -6583,7 +6583,7 @@
                           <a:ea typeface="Helvetica"/>
                           <a:sym typeface="Helvetica"/>
                         </a:rPr>
-                        <a:t>23</a:t>
+                        <a:t>8</a:t>
                       </a:r>
                     </a:p>
                   </a:txBody>
@@ -6648,7 +6648,7 @@
                           <a:ea typeface="Helvetica"/>
                           <a:sym typeface="Helvetica"/>
                         </a:rPr>
-                        <a:t>299</a:t>
+                        <a:t>19</a:t>
                       </a:r>
                     </a:p>
                   </a:txBody>
@@ -6713,7 +6713,7 @@
                           <a:ea typeface="Helvetica"/>
                           <a:sym typeface="Helvetica"/>
                         </a:rPr>
-                        <a:t>8.6</a:t>
+                        <a:t>20.1</a:t>
                       </a:r>
                     </a:p>
                   </a:txBody>
@@ -6778,7 +6778,7 @@
                           <a:ea typeface="Helvetica"/>
                           <a:sym typeface="Helvetica"/>
                         </a:rPr>
-                        <a:t>65</a:t>
+                        <a:t>61</a:t>
                       </a:r>
                     </a:p>
                   </a:txBody>
@@ -6908,7 +6908,7 @@
                           <a:ea typeface="Helvetica"/>
                           <a:sym typeface="Helvetica"/>
                         </a:rPr>
-                        <a:t>7</a:t>
+                        <a:t>9</a:t>
                       </a:r>
                     </a:p>
                   </a:txBody>
